--- a/project/LogisticRegression.pptx
+++ b/project/LogisticRegression.pptx
@@ -2,18 +2,25 @@
 <file path=ppt/presentation.xml><?xml version="1.0" encoding="utf-8"?>
 <p:presentation xmlns:a="http://schemas.openxmlformats.org/drawingml/2006/main" xmlns:r="http://schemas.openxmlformats.org/officeDocument/2006/relationships" xmlns:p="http://schemas.openxmlformats.org/presentationml/2006/main" saveSubsetFonts="1" autoCompressPictures="0">
   <p:sldMasterIdLst>
-    <p:sldMasterId id="2147484062" r:id="rId1"/>
+    <p:sldMasterId id="2147484864" r:id="rId1"/>
   </p:sldMasterIdLst>
+  <p:notesMasterIdLst>
+    <p:notesMasterId r:id="rId13"/>
+  </p:notesMasterIdLst>
   <p:sldIdLst>
     <p:sldId id="256" r:id="rId2"/>
-    <p:sldId id="257" r:id="rId3"/>
-    <p:sldId id="261" r:id="rId4"/>
-    <p:sldId id="258" r:id="rId5"/>
-    <p:sldId id="260" r:id="rId6"/>
-    <p:sldId id="259" r:id="rId7"/>
-    <p:sldId id="262" r:id="rId8"/>
+    <p:sldId id="266" r:id="rId3"/>
+    <p:sldId id="257" r:id="rId4"/>
+    <p:sldId id="261" r:id="rId5"/>
+    <p:sldId id="258" r:id="rId6"/>
+    <p:sldId id="260" r:id="rId7"/>
+    <p:sldId id="259" r:id="rId8"/>
+    <p:sldId id="264" r:id="rId9"/>
+    <p:sldId id="265" r:id="rId10"/>
+    <p:sldId id="262" r:id="rId11"/>
+    <p:sldId id="263" r:id="rId12"/>
   </p:sldIdLst>
-  <p:sldSz cx="12192000" cy="6858000"/>
+  <p:sldSz cx="9144000" cy="6858000" type="screen4x3"/>
   <p:notesSz cx="6858000" cy="9144000"/>
   <p:defaultTextStyle>
     <a:defPPr>
@@ -110,7 +117,451 @@
       </a:defRPr>
     </a:lvl9pPr>
   </p:defaultTextStyle>
+  <p:extLst>
+    <p:ext uri="{EFAFB233-063F-42B5-8137-9DF3F51BA10A}">
+      <p15:sldGuideLst xmlns:p15="http://schemas.microsoft.com/office/powerpoint/2012/main"/>
+    </p:ext>
+  </p:extLst>
 </p:presentation>
+</file>
+
+<file path=ppt/notesMasters/notesMaster1.xml><?xml version="1.0" encoding="utf-8"?>
+<p:notesMaster xmlns:a="http://schemas.openxmlformats.org/drawingml/2006/main" xmlns:r="http://schemas.openxmlformats.org/officeDocument/2006/relationships" xmlns:p="http://schemas.openxmlformats.org/presentationml/2006/main">
+  <p:cSld>
+    <p:bg>
+      <p:bgRef idx="1001">
+        <a:schemeClr val="bg1"/>
+      </p:bgRef>
+    </p:bg>
+    <p:spTree>
+      <p:nvGrpSpPr>
+        <p:cNvPr id="1" name=""/>
+        <p:cNvGrpSpPr/>
+        <p:nvPr/>
+      </p:nvGrpSpPr>
+      <p:grpSpPr>
+        <a:xfrm>
+          <a:off x="0" y="0"/>
+          <a:ext cx="0" cy="0"/>
+          <a:chOff x="0" y="0"/>
+          <a:chExt cx="0" cy="0"/>
+        </a:xfrm>
+      </p:grpSpPr>
+      <p:sp>
+        <p:nvSpPr>
+          <p:cNvPr id="2" name="Header Placeholder 1"/>
+          <p:cNvSpPr>
+            <a:spLocks noGrp="1"/>
+          </p:cNvSpPr>
+          <p:nvPr>
+            <p:ph type="hdr" sz="quarter"/>
+          </p:nvPr>
+        </p:nvSpPr>
+        <p:spPr>
+          <a:xfrm>
+            <a:off x="0" y="0"/>
+            <a:ext cx="2971800" cy="458788"/>
+          </a:xfrm>
+          <a:prstGeom prst="rect">
+            <a:avLst/>
+          </a:prstGeom>
+        </p:spPr>
+        <p:txBody>
+          <a:bodyPr vert="horz" lIns="91440" tIns="45720" rIns="91440" bIns="45720" rtlCol="0"/>
+          <a:lstStyle>
+            <a:lvl1pPr algn="l">
+              <a:defRPr sz="1200"/>
+            </a:lvl1pPr>
+          </a:lstStyle>
+          <a:p>
+            <a:endParaRPr lang="en-US"/>
+          </a:p>
+        </p:txBody>
+      </p:sp>
+      <p:sp>
+        <p:nvSpPr>
+          <p:cNvPr id="3" name="Date Placeholder 2"/>
+          <p:cNvSpPr>
+            <a:spLocks noGrp="1"/>
+          </p:cNvSpPr>
+          <p:nvPr>
+            <p:ph type="dt" idx="1"/>
+          </p:nvPr>
+        </p:nvSpPr>
+        <p:spPr>
+          <a:xfrm>
+            <a:off x="3884613" y="0"/>
+            <a:ext cx="2971800" cy="458788"/>
+          </a:xfrm>
+          <a:prstGeom prst="rect">
+            <a:avLst/>
+          </a:prstGeom>
+        </p:spPr>
+        <p:txBody>
+          <a:bodyPr vert="horz" lIns="91440" tIns="45720" rIns="91440" bIns="45720" rtlCol="0"/>
+          <a:lstStyle>
+            <a:lvl1pPr algn="r">
+              <a:defRPr sz="1200"/>
+            </a:lvl1pPr>
+          </a:lstStyle>
+          <a:p>
+            <a:fld id="{9BCC2436-D377-CC4F-BA5D-96C6CA6E2ED5}" type="datetimeFigureOut">
+              <a:rPr lang="en-US" smtClean="0"/>
+              <a:t>4/23/16</a:t>
+            </a:fld>
+            <a:endParaRPr lang="en-US"/>
+          </a:p>
+        </p:txBody>
+      </p:sp>
+      <p:sp>
+        <p:nvSpPr>
+          <p:cNvPr id="4" name="Slide Image Placeholder 3"/>
+          <p:cNvSpPr>
+            <a:spLocks noGrp="1" noRot="1" noChangeAspect="1"/>
+          </p:cNvSpPr>
+          <p:nvPr>
+            <p:ph type="sldImg" idx="2"/>
+          </p:nvPr>
+        </p:nvSpPr>
+        <p:spPr>
+          <a:xfrm>
+            <a:off x="1371600" y="1143000"/>
+            <a:ext cx="4114800" cy="3086100"/>
+          </a:xfrm>
+          <a:prstGeom prst="rect">
+            <a:avLst/>
+          </a:prstGeom>
+          <a:noFill/>
+          <a:ln w="12700">
+            <a:solidFill>
+              <a:prstClr val="black"/>
+            </a:solidFill>
+          </a:ln>
+        </p:spPr>
+        <p:txBody>
+          <a:bodyPr vert="horz" lIns="91440" tIns="45720" rIns="91440" bIns="45720" rtlCol="0" anchor="ctr"/>
+          <a:lstStyle/>
+          <a:p>
+            <a:endParaRPr lang="en-US"/>
+          </a:p>
+        </p:txBody>
+      </p:sp>
+      <p:sp>
+        <p:nvSpPr>
+          <p:cNvPr id="5" name="Notes Placeholder 4"/>
+          <p:cNvSpPr>
+            <a:spLocks noGrp="1"/>
+          </p:cNvSpPr>
+          <p:nvPr>
+            <p:ph type="body" sz="quarter" idx="3"/>
+          </p:nvPr>
+        </p:nvSpPr>
+        <p:spPr>
+          <a:xfrm>
+            <a:off x="685800" y="4400550"/>
+            <a:ext cx="5486400" cy="3600450"/>
+          </a:xfrm>
+          <a:prstGeom prst="rect">
+            <a:avLst/>
+          </a:prstGeom>
+        </p:spPr>
+        <p:txBody>
+          <a:bodyPr vert="horz" lIns="91440" tIns="45720" rIns="91440" bIns="45720" rtlCol="0"/>
+          <a:lstStyle/>
+          <a:p>
+            <a:pPr lvl="0"/>
+            <a:r>
+              <a:rPr lang="en-US" smtClean="0"/>
+              <a:t>Click to edit Master text styles</a:t>
+            </a:r>
+          </a:p>
+          <a:p>
+            <a:pPr lvl="1"/>
+            <a:r>
+              <a:rPr lang="en-US" smtClean="0"/>
+              <a:t>Second level</a:t>
+            </a:r>
+          </a:p>
+          <a:p>
+            <a:pPr lvl="2"/>
+            <a:r>
+              <a:rPr lang="en-US" smtClean="0"/>
+              <a:t>Third level</a:t>
+            </a:r>
+          </a:p>
+          <a:p>
+            <a:pPr lvl="3"/>
+            <a:r>
+              <a:rPr lang="en-US" smtClean="0"/>
+              <a:t>Fourth level</a:t>
+            </a:r>
+          </a:p>
+          <a:p>
+            <a:pPr lvl="4"/>
+            <a:r>
+              <a:rPr lang="en-US" smtClean="0"/>
+              <a:t>Fifth level</a:t>
+            </a:r>
+            <a:endParaRPr lang="en-US"/>
+          </a:p>
+        </p:txBody>
+      </p:sp>
+      <p:sp>
+        <p:nvSpPr>
+          <p:cNvPr id="6" name="Footer Placeholder 5"/>
+          <p:cNvSpPr>
+            <a:spLocks noGrp="1"/>
+          </p:cNvSpPr>
+          <p:nvPr>
+            <p:ph type="ftr" sz="quarter" idx="4"/>
+          </p:nvPr>
+        </p:nvSpPr>
+        <p:spPr>
+          <a:xfrm>
+            <a:off x="0" y="8685213"/>
+            <a:ext cx="2971800" cy="458787"/>
+          </a:xfrm>
+          <a:prstGeom prst="rect">
+            <a:avLst/>
+          </a:prstGeom>
+        </p:spPr>
+        <p:txBody>
+          <a:bodyPr vert="horz" lIns="91440" tIns="45720" rIns="91440" bIns="45720" rtlCol="0" anchor="b"/>
+          <a:lstStyle>
+            <a:lvl1pPr algn="l">
+              <a:defRPr sz="1200"/>
+            </a:lvl1pPr>
+          </a:lstStyle>
+          <a:p>
+            <a:endParaRPr lang="en-US"/>
+          </a:p>
+        </p:txBody>
+      </p:sp>
+      <p:sp>
+        <p:nvSpPr>
+          <p:cNvPr id="7" name="Slide Number Placeholder 6"/>
+          <p:cNvSpPr>
+            <a:spLocks noGrp="1"/>
+          </p:cNvSpPr>
+          <p:nvPr>
+            <p:ph type="sldNum" sz="quarter" idx="5"/>
+          </p:nvPr>
+        </p:nvSpPr>
+        <p:spPr>
+          <a:xfrm>
+            <a:off x="3884613" y="8685213"/>
+            <a:ext cx="2971800" cy="458787"/>
+          </a:xfrm>
+          <a:prstGeom prst="rect">
+            <a:avLst/>
+          </a:prstGeom>
+        </p:spPr>
+        <p:txBody>
+          <a:bodyPr vert="horz" lIns="91440" tIns="45720" rIns="91440" bIns="45720" rtlCol="0" anchor="b"/>
+          <a:lstStyle>
+            <a:lvl1pPr algn="r">
+              <a:defRPr sz="1200"/>
+            </a:lvl1pPr>
+          </a:lstStyle>
+          <a:p>
+            <a:fld id="{A4560D41-F940-4B41-A50E-C6D3FA78C987}" type="slidenum">
+              <a:rPr lang="en-US" smtClean="0"/>
+              <a:t>‹#›</a:t>
+            </a:fld>
+            <a:endParaRPr lang="en-US"/>
+          </a:p>
+        </p:txBody>
+      </p:sp>
+    </p:spTree>
+    <p:extLst>
+      <p:ext uri="{BB962C8B-B14F-4D97-AF65-F5344CB8AC3E}">
+        <p14:creationId xmlns:p14="http://schemas.microsoft.com/office/powerpoint/2010/main" val="66542968"/>
+      </p:ext>
+    </p:extLst>
+  </p:cSld>
+  <p:clrMap bg1="lt1" tx1="dk1" bg2="lt2" tx2="dk2" accent1="accent1" accent2="accent2" accent3="accent3" accent4="accent4" accent5="accent5" accent6="accent6" hlink="hlink" folHlink="folHlink"/>
+  <p:notesStyle>
+    <a:lvl1pPr marL="0" algn="l" defTabSz="914400" rtl="0" eaLnBrk="1" latinLnBrk="0" hangingPunct="1">
+      <a:defRPr sz="1200" kern="1200">
+        <a:solidFill>
+          <a:schemeClr val="tx1"/>
+        </a:solidFill>
+        <a:latin typeface="+mn-lt"/>
+        <a:ea typeface="+mn-ea"/>
+        <a:cs typeface="+mn-cs"/>
+      </a:defRPr>
+    </a:lvl1pPr>
+    <a:lvl2pPr marL="457200" algn="l" defTabSz="914400" rtl="0" eaLnBrk="1" latinLnBrk="0" hangingPunct="1">
+      <a:defRPr sz="1200" kern="1200">
+        <a:solidFill>
+          <a:schemeClr val="tx1"/>
+        </a:solidFill>
+        <a:latin typeface="+mn-lt"/>
+        <a:ea typeface="+mn-ea"/>
+        <a:cs typeface="+mn-cs"/>
+      </a:defRPr>
+    </a:lvl2pPr>
+    <a:lvl3pPr marL="914400" algn="l" defTabSz="914400" rtl="0" eaLnBrk="1" latinLnBrk="0" hangingPunct="1">
+      <a:defRPr sz="1200" kern="1200">
+        <a:solidFill>
+          <a:schemeClr val="tx1"/>
+        </a:solidFill>
+        <a:latin typeface="+mn-lt"/>
+        <a:ea typeface="+mn-ea"/>
+        <a:cs typeface="+mn-cs"/>
+      </a:defRPr>
+    </a:lvl3pPr>
+    <a:lvl4pPr marL="1371600" algn="l" defTabSz="914400" rtl="0" eaLnBrk="1" latinLnBrk="0" hangingPunct="1">
+      <a:defRPr sz="1200" kern="1200">
+        <a:solidFill>
+          <a:schemeClr val="tx1"/>
+        </a:solidFill>
+        <a:latin typeface="+mn-lt"/>
+        <a:ea typeface="+mn-ea"/>
+        <a:cs typeface="+mn-cs"/>
+      </a:defRPr>
+    </a:lvl4pPr>
+    <a:lvl5pPr marL="1828800" algn="l" defTabSz="914400" rtl="0" eaLnBrk="1" latinLnBrk="0" hangingPunct="1">
+      <a:defRPr sz="1200" kern="1200">
+        <a:solidFill>
+          <a:schemeClr val="tx1"/>
+        </a:solidFill>
+        <a:latin typeface="+mn-lt"/>
+        <a:ea typeface="+mn-ea"/>
+        <a:cs typeface="+mn-cs"/>
+      </a:defRPr>
+    </a:lvl5pPr>
+    <a:lvl6pPr marL="2286000" algn="l" defTabSz="914400" rtl="0" eaLnBrk="1" latinLnBrk="0" hangingPunct="1">
+      <a:defRPr sz="1200" kern="1200">
+        <a:solidFill>
+          <a:schemeClr val="tx1"/>
+        </a:solidFill>
+        <a:latin typeface="+mn-lt"/>
+        <a:ea typeface="+mn-ea"/>
+        <a:cs typeface="+mn-cs"/>
+      </a:defRPr>
+    </a:lvl6pPr>
+    <a:lvl7pPr marL="2743200" algn="l" defTabSz="914400" rtl="0" eaLnBrk="1" latinLnBrk="0" hangingPunct="1">
+      <a:defRPr sz="1200" kern="1200">
+        <a:solidFill>
+          <a:schemeClr val="tx1"/>
+        </a:solidFill>
+        <a:latin typeface="+mn-lt"/>
+        <a:ea typeface="+mn-ea"/>
+        <a:cs typeface="+mn-cs"/>
+      </a:defRPr>
+    </a:lvl7pPr>
+    <a:lvl8pPr marL="3200400" algn="l" defTabSz="914400" rtl="0" eaLnBrk="1" latinLnBrk="0" hangingPunct="1">
+      <a:defRPr sz="1200" kern="1200">
+        <a:solidFill>
+          <a:schemeClr val="tx1"/>
+        </a:solidFill>
+        <a:latin typeface="+mn-lt"/>
+        <a:ea typeface="+mn-ea"/>
+        <a:cs typeface="+mn-cs"/>
+      </a:defRPr>
+    </a:lvl8pPr>
+    <a:lvl9pPr marL="3657600" algn="l" defTabSz="914400" rtl="0" eaLnBrk="1" latinLnBrk="0" hangingPunct="1">
+      <a:defRPr sz="1200" kern="1200">
+        <a:solidFill>
+          <a:schemeClr val="tx1"/>
+        </a:solidFill>
+        <a:latin typeface="+mn-lt"/>
+        <a:ea typeface="+mn-ea"/>
+        <a:cs typeface="+mn-cs"/>
+      </a:defRPr>
+    </a:lvl9pPr>
+  </p:notesStyle>
+</p:notesMaster>
+</file>
+
+<file path=ppt/notesSlides/notesSlide1.xml><?xml version="1.0" encoding="utf-8"?>
+<p:notes xmlns:a="http://schemas.openxmlformats.org/drawingml/2006/main" xmlns:r="http://schemas.openxmlformats.org/officeDocument/2006/relationships" xmlns:p="http://schemas.openxmlformats.org/presentationml/2006/main">
+  <p:cSld>
+    <p:spTree>
+      <p:nvGrpSpPr>
+        <p:cNvPr id="1" name=""/>
+        <p:cNvGrpSpPr/>
+        <p:nvPr/>
+      </p:nvGrpSpPr>
+      <p:grpSpPr>
+        <a:xfrm>
+          <a:off x="0" y="0"/>
+          <a:ext cx="0" cy="0"/>
+          <a:chOff x="0" y="0"/>
+          <a:chExt cx="0" cy="0"/>
+        </a:xfrm>
+      </p:grpSpPr>
+      <p:sp>
+        <p:nvSpPr>
+          <p:cNvPr id="2" name="Slide Image Placeholder 1"/>
+          <p:cNvSpPr>
+            <a:spLocks noGrp="1" noRot="1" noChangeAspect="1"/>
+          </p:cNvSpPr>
+          <p:nvPr>
+            <p:ph type="sldImg"/>
+          </p:nvPr>
+        </p:nvSpPr>
+        <p:spPr>
+          <a:xfrm>
+            <a:off x="1371600" y="1143000"/>
+            <a:ext cx="4114800" cy="3086100"/>
+          </a:xfrm>
+        </p:spPr>
+      </p:sp>
+      <p:sp>
+        <p:nvSpPr>
+          <p:cNvPr id="3" name="Notes Placeholder 2"/>
+          <p:cNvSpPr>
+            <a:spLocks noGrp="1"/>
+          </p:cNvSpPr>
+          <p:nvPr>
+            <p:ph type="body" idx="1"/>
+          </p:nvPr>
+        </p:nvSpPr>
+        <p:spPr/>
+        <p:txBody>
+          <a:bodyPr/>
+          <a:lstStyle/>
+          <a:p>
+            <a:endParaRPr lang="en-US" dirty="0"/>
+          </a:p>
+        </p:txBody>
+      </p:sp>
+      <p:sp>
+        <p:nvSpPr>
+          <p:cNvPr id="4" name="Slide Number Placeholder 3"/>
+          <p:cNvSpPr>
+            <a:spLocks noGrp="1"/>
+          </p:cNvSpPr>
+          <p:nvPr>
+            <p:ph type="sldNum" sz="quarter" idx="10"/>
+          </p:nvPr>
+        </p:nvSpPr>
+        <p:spPr/>
+        <p:txBody>
+          <a:bodyPr/>
+          <a:lstStyle/>
+          <a:p>
+            <a:fld id="{A4560D41-F940-4B41-A50E-C6D3FA78C987}" type="slidenum">
+              <a:rPr lang="en-US" smtClean="0"/>
+              <a:t>7</a:t>
+            </a:fld>
+            <a:endParaRPr lang="en-US"/>
+          </a:p>
+        </p:txBody>
+      </p:sp>
+    </p:spTree>
+    <p:extLst>
+      <p:ext uri="{BB962C8B-B14F-4D97-AF65-F5344CB8AC3E}">
+        <p14:creationId xmlns:p14="http://schemas.microsoft.com/office/powerpoint/2010/main" val="1696166736"/>
+      </p:ext>
+    </p:extLst>
+  </p:cSld>
+  <p:clrMapOvr>
+    <a:masterClrMapping/>
+  </p:clrMapOvr>
+</p:notes>
 </file>
 
 <file path=ppt/slideLayouts/slideLayout1.xml><?xml version="1.0" encoding="utf-8"?>
@@ -132,7 +583,7 @@
       </p:grpSpPr>
       <p:pic>
         <p:nvPicPr>
-          <p:cNvPr id="7" name="Picture 6" descr="Droplets-HD-Title-R1d.png"/>
+          <p:cNvPr id="8" name="Picture 7" descr="Droplets-SD-Title-R1d.png"/>
           <p:cNvPicPr>
             <a:picLocks noChangeAspect="1"/>
           </p:cNvPicPr>
@@ -153,7 +604,7 @@
         <p:spPr>
           <a:xfrm>
             <a:off x="0" y="0"/>
-            <a:ext cx="12192000" cy="6858000"/>
+            <a:ext cx="9144000" cy="6858000"/>
           </a:xfrm>
           <a:prstGeom prst="rect">
             <a:avLst/>
@@ -172,8 +623,8 @@
         </p:nvSpPr>
         <p:spPr>
           <a:xfrm>
-            <a:off x="1751012" y="1300785"/>
-            <a:ext cx="8689976" cy="2509213"/>
+            <a:off x="1313259" y="1300786"/>
+            <a:ext cx="6517482" cy="2509213"/>
           </a:xfrm>
         </p:spPr>
         <p:txBody>
@@ -206,8 +657,8 @@
         </p:nvSpPr>
         <p:spPr>
           <a:xfrm>
-            <a:off x="1751012" y="3886200"/>
-            <a:ext cx="8689976" cy="1371599"/>
+            <a:off x="1313259" y="3886201"/>
+            <a:ext cx="6517482" cy="1371599"/>
           </a:xfrm>
         </p:spPr>
         <p:txBody>
@@ -284,7 +735,7 @@
           <a:p>
             <a:fld id="{DDA51639-B2D6-4652-B8C3-1B4C224A7BAF}" type="datetimeFigureOut">
               <a:rPr lang="en-US" smtClean="0"/>
-              <a:t>4/16/16</a:t>
+              <a:t>4/23/16</a:t>
             </a:fld>
             <a:endParaRPr lang="en-US" dirty="0"/>
           </a:p>
@@ -336,7 +787,7 @@
     </p:spTree>
     <p:extLst>
       <p:ext uri="{BB962C8B-B14F-4D97-AF65-F5344CB8AC3E}">
-        <p14:creationId xmlns:p14="http://schemas.microsoft.com/office/powerpoint/2010/main" val="182197687"/>
+        <p14:creationId xmlns:p14="http://schemas.microsoft.com/office/powerpoint/2010/main" val="2016714305"/>
       </p:ext>
     </p:extLst>
   </p:cSld>
@@ -370,7 +821,7 @@
       </p:grpSpPr>
       <p:pic>
         <p:nvPicPr>
-          <p:cNvPr id="10" name="Picture 9" descr="Droplets-HD-Content-R1d.png"/>
+          <p:cNvPr id="9" name="Picture 8" descr="Droplets-SD-Content-R1d.png"/>
           <p:cNvPicPr>
             <a:picLocks noChangeAspect="1"/>
           </p:cNvPicPr>
@@ -391,7 +842,7 @@
         <p:spPr>
           <a:xfrm>
             <a:off x="0" y="0"/>
-            <a:ext cx="12192000" cy="6858000"/>
+            <a:ext cx="9144000" cy="6858000"/>
           </a:xfrm>
           <a:prstGeom prst="rect">
             <a:avLst/>
@@ -410,8 +861,8 @@
         </p:nvSpPr>
         <p:spPr>
           <a:xfrm>
-            <a:off x="913794" y="4289374"/>
-            <a:ext cx="10364432" cy="811610"/>
+            <a:off x="685346" y="4289374"/>
+            <a:ext cx="7773324" cy="811610"/>
           </a:xfrm>
         </p:spPr>
         <p:txBody>
@@ -442,8 +893,8 @@
         </p:nvSpPr>
         <p:spPr>
           <a:xfrm>
-            <a:off x="1184744" y="698261"/>
-            <a:ext cx="9822532" cy="3214136"/>
+            <a:off x="888558" y="698261"/>
+            <a:ext cx="7366899" cy="3214136"/>
           </a:xfrm>
           <a:prstGeom prst="roundRect">
             <a:avLst>
@@ -532,8 +983,8 @@
         </p:nvSpPr>
         <p:spPr>
           <a:xfrm>
-            <a:off x="913774" y="5108728"/>
-            <a:ext cx="10364452" cy="682472"/>
+            <a:off x="685331" y="5108728"/>
+            <a:ext cx="7773339" cy="682472"/>
           </a:xfrm>
         </p:spPr>
         <p:txBody>
@@ -602,7 +1053,7 @@
           <a:p>
             <a:fld id="{CBC48EC7-AF6A-48D3-8284-14BACBEBDD84}" type="datetimeFigureOut">
               <a:rPr lang="en-US" smtClean="0"/>
-              <a:t>4/16/16</a:t>
+              <a:t>4/23/16</a:t>
             </a:fld>
             <a:endParaRPr lang="en-US" dirty="0"/>
           </a:p>
@@ -654,7 +1105,7 @@
     </p:spTree>
     <p:extLst>
       <p:ext uri="{BB962C8B-B14F-4D97-AF65-F5344CB8AC3E}">
-        <p14:creationId xmlns:p14="http://schemas.microsoft.com/office/powerpoint/2010/main" val="1998972350"/>
+        <p14:creationId xmlns:p14="http://schemas.microsoft.com/office/powerpoint/2010/main" val="2116949149"/>
       </p:ext>
     </p:extLst>
   </p:cSld>
@@ -684,7 +1135,7 @@
       </p:grpSpPr>
       <p:pic>
         <p:nvPicPr>
-          <p:cNvPr id="8" name="Picture 7" descr="Droplets-HD-Content-R1d.png"/>
+          <p:cNvPr id="9" name="Picture 8" descr="Droplets-SD-Content-R1d.png"/>
           <p:cNvPicPr>
             <a:picLocks noChangeAspect="1"/>
           </p:cNvPicPr>
@@ -705,7 +1156,7 @@
         <p:spPr>
           <a:xfrm>
             <a:off x="0" y="0"/>
-            <a:ext cx="12192000" cy="6858000"/>
+            <a:ext cx="9144000" cy="6858000"/>
           </a:xfrm>
           <a:prstGeom prst="rect">
             <a:avLst/>
@@ -724,8 +1175,8 @@
         </p:nvSpPr>
         <p:spPr>
           <a:xfrm>
-            <a:off x="913774" y="609599"/>
-            <a:ext cx="10364452" cy="3427245"/>
+            <a:off x="685331" y="609600"/>
+            <a:ext cx="7773339" cy="3427245"/>
           </a:xfrm>
         </p:spPr>
         <p:txBody>
@@ -756,8 +1207,8 @@
         </p:nvSpPr>
         <p:spPr>
           <a:xfrm>
-            <a:off x="913775" y="4204821"/>
-            <a:ext cx="10364452" cy="1586380"/>
+            <a:off x="685331" y="4204821"/>
+            <a:ext cx="7773339" cy="1586380"/>
           </a:xfrm>
         </p:spPr>
         <p:txBody>
@@ -826,7 +1277,7 @@
           <a:p>
             <a:fld id="{CBC48EC7-AF6A-48D3-8284-14BACBEBDD84}" type="datetimeFigureOut">
               <a:rPr lang="en-US" smtClean="0"/>
-              <a:t>4/16/16</a:t>
+              <a:t>4/23/16</a:t>
             </a:fld>
             <a:endParaRPr lang="en-US" dirty="0"/>
           </a:p>
@@ -878,7 +1329,7 @@
     </p:spTree>
     <p:extLst>
       <p:ext uri="{BB962C8B-B14F-4D97-AF65-F5344CB8AC3E}">
-        <p14:creationId xmlns:p14="http://schemas.microsoft.com/office/powerpoint/2010/main" val="1494112782"/>
+        <p14:creationId xmlns:p14="http://schemas.microsoft.com/office/powerpoint/2010/main" val="55283747"/>
       </p:ext>
     </p:extLst>
   </p:cSld>
@@ -908,7 +1359,7 @@
       </p:grpSpPr>
       <p:pic>
         <p:nvPicPr>
-          <p:cNvPr id="11" name="Picture 10" descr="Droplets-HD-Content-R1d.png"/>
+          <p:cNvPr id="13" name="Picture 12" descr="Droplets-SD-Content-R1d.png"/>
           <p:cNvPicPr>
             <a:picLocks noChangeAspect="1"/>
           </p:cNvPicPr>
@@ -929,7 +1380,7 @@
         <p:spPr>
           <a:xfrm>
             <a:off x="0" y="0"/>
-            <a:ext cx="12192000" cy="6858000"/>
+            <a:ext cx="9144000" cy="6858000"/>
           </a:xfrm>
           <a:prstGeom prst="rect">
             <a:avLst/>
@@ -948,8 +1399,8 @@
         </p:nvSpPr>
         <p:spPr>
           <a:xfrm>
-            <a:off x="1446212" y="609600"/>
-            <a:ext cx="9302752" cy="2992904"/>
+            <a:off x="1084659" y="872588"/>
+            <a:ext cx="6977064" cy="2729915"/>
           </a:xfrm>
         </p:spPr>
         <p:txBody>
@@ -980,8 +1431,8 @@
         </p:nvSpPr>
         <p:spPr>
           <a:xfrm>
-            <a:off x="1720644" y="3610032"/>
-            <a:ext cx="8752299" cy="594788"/>
+            <a:off x="1290484" y="3610032"/>
+            <a:ext cx="6564224" cy="594788"/>
           </a:xfrm>
         </p:spPr>
         <p:txBody>
@@ -1047,8 +1498,8 @@
         </p:nvSpPr>
         <p:spPr>
           <a:xfrm>
-            <a:off x="913774" y="4372796"/>
-            <a:ext cx="10364452" cy="1421053"/>
+            <a:off x="685331" y="4372797"/>
+            <a:ext cx="7773339" cy="1421053"/>
           </a:xfrm>
         </p:spPr>
         <p:txBody>
@@ -1119,7 +1570,7 @@
           <a:p>
             <a:fld id="{CBC48EC7-AF6A-48D3-8284-14BACBEBDD84}" type="datetimeFigureOut">
               <a:rPr lang="en-US" smtClean="0"/>
-              <a:t>4/16/16</a:t>
+              <a:t>4/23/16</a:t>
             </a:fld>
             <a:endParaRPr lang="en-US" dirty="0"/>
           </a:p>
@@ -1170,14 +1621,14 @@
       </p:sp>
       <p:sp>
         <p:nvSpPr>
-          <p:cNvPr id="13" name="TextBox 12"/>
+          <p:cNvPr id="11" name="TextBox 10"/>
           <p:cNvSpPr txBox="1"/>
           <p:nvPr/>
         </p:nvSpPr>
         <p:spPr>
           <a:xfrm>
-            <a:off x="1001488" y="754166"/>
-            <a:ext cx="609600" cy="584776"/>
+            <a:off x="737626" y="887859"/>
+            <a:ext cx="546888" cy="584776"/>
           </a:xfrm>
           <a:prstGeom prst="rect">
             <a:avLst/>
@@ -1292,8 +1743,8 @@
         </p:nvSpPr>
         <p:spPr>
           <a:xfrm>
-            <a:off x="10557558" y="2993578"/>
-            <a:ext cx="609600" cy="584776"/>
+            <a:off x="7850130" y="3120015"/>
+            <a:ext cx="553641" cy="584776"/>
           </a:xfrm>
           <a:prstGeom prst="rect">
             <a:avLst/>
@@ -1403,7 +1854,7 @@
     </p:spTree>
     <p:extLst>
       <p:ext uri="{BB962C8B-B14F-4D97-AF65-F5344CB8AC3E}">
-        <p14:creationId xmlns:p14="http://schemas.microsoft.com/office/powerpoint/2010/main" val="1027242703"/>
+        <p14:creationId xmlns:p14="http://schemas.microsoft.com/office/powerpoint/2010/main" val="1441000325"/>
       </p:ext>
     </p:extLst>
   </p:cSld>
@@ -1433,7 +1884,7 @@
       </p:grpSpPr>
       <p:pic>
         <p:nvPicPr>
-          <p:cNvPr id="8" name="Picture 7" descr="Droplets-HD-Content-R1d.png"/>
+          <p:cNvPr id="9" name="Picture 8" descr="Droplets-SD-Content-R1d.png"/>
           <p:cNvPicPr>
             <a:picLocks noChangeAspect="1"/>
           </p:cNvPicPr>
@@ -1454,7 +1905,7 @@
         <p:spPr>
           <a:xfrm>
             <a:off x="0" y="0"/>
-            <a:ext cx="12192000" cy="6858000"/>
+            <a:ext cx="9144000" cy="6858000"/>
           </a:xfrm>
           <a:prstGeom prst="rect">
             <a:avLst/>
@@ -1473,8 +1924,8 @@
         </p:nvSpPr>
         <p:spPr>
           <a:xfrm>
-            <a:off x="913775" y="2138721"/>
-            <a:ext cx="10364452" cy="2511835"/>
+            <a:off x="685331" y="2138722"/>
+            <a:ext cx="7773339" cy="2511835"/>
           </a:xfrm>
         </p:spPr>
         <p:txBody>
@@ -1505,8 +1956,8 @@
         </p:nvSpPr>
         <p:spPr>
           <a:xfrm>
-            <a:off x="913775" y="4662335"/>
-            <a:ext cx="10364452" cy="1140644"/>
+            <a:off x="685331" y="4662335"/>
+            <a:ext cx="7773339" cy="1140644"/>
           </a:xfrm>
         </p:spPr>
         <p:txBody>
@@ -1575,7 +2026,7 @@
           <a:p>
             <a:fld id="{CBC48EC7-AF6A-48D3-8284-14BACBEBDD84}" type="datetimeFigureOut">
               <a:rPr lang="en-US" smtClean="0"/>
-              <a:t>4/16/16</a:t>
+              <a:t>4/23/16</a:t>
             </a:fld>
             <a:endParaRPr lang="en-US" dirty="0"/>
           </a:p>
@@ -1627,7 +2078,7 @@
     </p:spTree>
     <p:extLst>
       <p:ext uri="{BB962C8B-B14F-4D97-AF65-F5344CB8AC3E}">
-        <p14:creationId xmlns:p14="http://schemas.microsoft.com/office/powerpoint/2010/main" val="1247071088"/>
+        <p14:creationId xmlns:p14="http://schemas.microsoft.com/office/powerpoint/2010/main" val="1719375056"/>
       </p:ext>
     </p:extLst>
   </p:cSld>
@@ -1657,7 +2108,7 @@
       </p:grpSpPr>
       <p:pic>
         <p:nvPicPr>
-          <p:cNvPr id="13" name="Picture 12" descr="Droplets-HD-Content-R1d.png"/>
+          <p:cNvPr id="14" name="Picture 13" descr="Droplets-SD-Content-R1d.png"/>
           <p:cNvPicPr>
             <a:picLocks noChangeAspect="1"/>
           </p:cNvPicPr>
@@ -1678,7 +2129,7 @@
         <p:spPr>
           <a:xfrm>
             <a:off x="0" y="0"/>
-            <a:ext cx="12192000" cy="6858000"/>
+            <a:ext cx="9144000" cy="6858000"/>
           </a:xfrm>
           <a:prstGeom prst="rect">
             <a:avLst/>
@@ -1697,8 +2148,8 @@
         </p:nvSpPr>
         <p:spPr>
           <a:xfrm>
-            <a:off x="913774" y="609600"/>
-            <a:ext cx="10364452" cy="1605094"/>
+            <a:off x="685331" y="609600"/>
+            <a:ext cx="7773339" cy="1605094"/>
           </a:xfrm>
         </p:spPr>
         <p:txBody>
@@ -1725,8 +2176,8 @@
         </p:nvSpPr>
         <p:spPr>
           <a:xfrm>
-            <a:off x="913774" y="2367093"/>
-            <a:ext cx="3298976" cy="576262"/>
+            <a:off x="685331" y="2367093"/>
+            <a:ext cx="2474232" cy="576262"/>
           </a:xfrm>
         </p:spPr>
         <p:txBody>
@@ -1736,7 +2187,7 @@
           <a:lstStyle>
             <a:lvl1pPr marL="0" indent="0" algn="ctr">
               <a:lnSpc>
-                <a:spcPct val="85000"/>
+                <a:spcPct val="75000"/>
               </a:lnSpc>
               <a:buNone/>
               <a:defRPr sz="2400" b="0">
@@ -1799,8 +2250,8 @@
         </p:nvSpPr>
         <p:spPr>
           <a:xfrm>
-            <a:off x="913774" y="2943355"/>
-            <a:ext cx="3298976" cy="2847845"/>
+            <a:off x="685331" y="2943356"/>
+            <a:ext cx="2474232" cy="2847845"/>
           </a:xfrm>
         </p:spPr>
         <p:txBody>
@@ -1866,8 +2317,8 @@
         </p:nvSpPr>
         <p:spPr>
           <a:xfrm>
-            <a:off x="4452389" y="2367093"/>
-            <a:ext cx="3291521" cy="576262"/>
+            <a:off x="3339292" y="2367093"/>
+            <a:ext cx="2468641" cy="576262"/>
           </a:xfrm>
         </p:spPr>
         <p:txBody>
@@ -1877,7 +2328,7 @@
           <a:lstStyle>
             <a:lvl1pPr marL="0" indent="0" algn="ctr">
               <a:lnSpc>
-                <a:spcPct val="85000"/>
+                <a:spcPct val="75000"/>
               </a:lnSpc>
               <a:buNone/>
               <a:defRPr sz="2400" b="0">
@@ -1940,8 +2391,8 @@
         </p:nvSpPr>
         <p:spPr>
           <a:xfrm>
-            <a:off x="4441348" y="2943355"/>
-            <a:ext cx="3303351" cy="2847845"/>
+            <a:off x="3331012" y="2943356"/>
+            <a:ext cx="2477513" cy="2847845"/>
           </a:xfrm>
         </p:spPr>
         <p:txBody>
@@ -2007,8 +2458,8 @@
         </p:nvSpPr>
         <p:spPr>
           <a:xfrm>
-            <a:off x="7973298" y="2367093"/>
-            <a:ext cx="3304928" cy="576262"/>
+            <a:off x="5979974" y="2367093"/>
+            <a:ext cx="2478696" cy="576262"/>
           </a:xfrm>
         </p:spPr>
         <p:txBody>
@@ -2018,7 +2469,7 @@
           <a:lstStyle>
             <a:lvl1pPr marL="0" indent="0" algn="ctr">
               <a:lnSpc>
-                <a:spcPct val="85000"/>
+                <a:spcPct val="75000"/>
               </a:lnSpc>
               <a:buNone/>
               <a:defRPr sz="2400" b="0">
@@ -2081,8 +2532,8 @@
         </p:nvSpPr>
         <p:spPr>
           <a:xfrm>
-            <a:off x="7973298" y="2943355"/>
-            <a:ext cx="3304928" cy="2847845"/>
+            <a:off x="5979974" y="2943356"/>
+            <a:ext cx="2478696" cy="2847845"/>
           </a:xfrm>
         </p:spPr>
         <p:txBody>
@@ -2153,7 +2604,7 @@
           <a:p>
             <a:fld id="{CBC48EC7-AF6A-48D3-8284-14BACBEBDD84}" type="datetimeFigureOut">
               <a:rPr lang="en-US" smtClean="0"/>
-              <a:t>4/16/16</a:t>
+              <a:t>4/23/16</a:t>
             </a:fld>
             <a:endParaRPr lang="en-US" dirty="0"/>
           </a:p>
@@ -2205,7 +2656,7 @@
     </p:spTree>
     <p:extLst>
       <p:ext uri="{BB962C8B-B14F-4D97-AF65-F5344CB8AC3E}">
-        <p14:creationId xmlns:p14="http://schemas.microsoft.com/office/powerpoint/2010/main" val="83381296"/>
+        <p14:creationId xmlns:p14="http://schemas.microsoft.com/office/powerpoint/2010/main" val="996612160"/>
       </p:ext>
     </p:extLst>
   </p:cSld>
@@ -2235,7 +2686,7 @@
       </p:grpSpPr>
       <p:pic>
         <p:nvPicPr>
-          <p:cNvPr id="16" name="Picture 15" descr="Droplets-HD-Content-R1d.png"/>
+          <p:cNvPr id="17" name="Picture 16" descr="Droplets-SD-Content-R1d.png"/>
           <p:cNvPicPr>
             <a:picLocks noChangeAspect="1"/>
           </p:cNvPicPr>
@@ -2256,7 +2707,7 @@
         <p:spPr>
           <a:xfrm>
             <a:off x="0" y="0"/>
-            <a:ext cx="12192000" cy="6858000"/>
+            <a:ext cx="9144000" cy="6858000"/>
           </a:xfrm>
           <a:prstGeom prst="rect">
             <a:avLst/>
@@ -2275,8 +2726,8 @@
         </p:nvSpPr>
         <p:spPr>
           <a:xfrm>
-            <a:off x="913774" y="610772"/>
-            <a:ext cx="10364452" cy="1603922"/>
+            <a:off x="685331" y="610772"/>
+            <a:ext cx="7773339" cy="1603922"/>
           </a:xfrm>
         </p:spPr>
         <p:txBody>
@@ -2303,8 +2754,8 @@
         </p:nvSpPr>
         <p:spPr>
           <a:xfrm>
-            <a:off x="913774" y="4204820"/>
-            <a:ext cx="3296409" cy="576262"/>
+            <a:off x="685331" y="4204820"/>
+            <a:ext cx="2472307" cy="576262"/>
           </a:xfrm>
         </p:spPr>
         <p:txBody>
@@ -2314,7 +2765,7 @@
           <a:lstStyle>
             <a:lvl1pPr marL="0" indent="0" algn="ctr">
               <a:lnSpc>
-                <a:spcPct val="85000"/>
+                <a:spcPct val="75000"/>
               </a:lnSpc>
               <a:buNone/>
               <a:defRPr sz="2200" b="0">
@@ -2377,8 +2828,8 @@
         </p:nvSpPr>
         <p:spPr>
           <a:xfrm>
-            <a:off x="913774" y="2367093"/>
-            <a:ext cx="3296409" cy="1524000"/>
+            <a:off x="685331" y="2367093"/>
+            <a:ext cx="2472307" cy="1524000"/>
           </a:xfrm>
           <a:prstGeom prst="roundRect">
             <a:avLst>
@@ -2469,8 +2920,8 @@
         </p:nvSpPr>
         <p:spPr>
           <a:xfrm>
-            <a:off x="913774" y="4781082"/>
-            <a:ext cx="3296409" cy="1010118"/>
+            <a:off x="685331" y="4781082"/>
+            <a:ext cx="2472307" cy="1010118"/>
           </a:xfrm>
         </p:spPr>
         <p:txBody>
@@ -2536,8 +2987,8 @@
         </p:nvSpPr>
         <p:spPr>
           <a:xfrm>
-            <a:off x="4442759" y="4204820"/>
-            <a:ext cx="3301828" cy="576262"/>
+            <a:off x="3332069" y="4204820"/>
+            <a:ext cx="2476371" cy="576262"/>
           </a:xfrm>
         </p:spPr>
         <p:txBody>
@@ -2547,7 +2998,7 @@
           <a:lstStyle>
             <a:lvl1pPr marL="0" indent="0" algn="ctr">
               <a:lnSpc>
-                <a:spcPct val="85000"/>
+                <a:spcPct val="75000"/>
               </a:lnSpc>
               <a:buNone/>
               <a:defRPr sz="2200" b="0">
@@ -2610,8 +3061,8 @@
         </p:nvSpPr>
         <p:spPr>
           <a:xfrm>
-            <a:off x="4441348" y="2367093"/>
-            <a:ext cx="3303352" cy="1524000"/>
+            <a:off x="3331011" y="2367093"/>
+            <a:ext cx="2477514" cy="1524000"/>
           </a:xfrm>
           <a:prstGeom prst="roundRect">
             <a:avLst>
@@ -2702,8 +3153,8 @@
         </p:nvSpPr>
         <p:spPr>
           <a:xfrm>
-            <a:off x="4441348" y="4781080"/>
-            <a:ext cx="3303352" cy="1010119"/>
+            <a:off x="3331011" y="4781081"/>
+            <a:ext cx="2477514" cy="1010119"/>
           </a:xfrm>
         </p:spPr>
         <p:txBody>
@@ -2769,8 +3220,8 @@
         </p:nvSpPr>
         <p:spPr>
           <a:xfrm>
-            <a:off x="7973298" y="4204820"/>
-            <a:ext cx="3300681" cy="576262"/>
+            <a:off x="5979974" y="4204820"/>
+            <a:ext cx="2475511" cy="576262"/>
           </a:xfrm>
         </p:spPr>
         <p:txBody>
@@ -2780,7 +3231,7 @@
           <a:lstStyle>
             <a:lvl1pPr marL="0" indent="0" algn="ctr">
               <a:lnSpc>
-                <a:spcPct val="85000"/>
+                <a:spcPct val="75000"/>
               </a:lnSpc>
               <a:buNone/>
               <a:defRPr sz="2200" b="0">
@@ -2843,8 +3294,8 @@
         </p:nvSpPr>
         <p:spPr>
           <a:xfrm>
-            <a:off x="7973298" y="2367093"/>
-            <a:ext cx="3304928" cy="1524000"/>
+            <a:off x="5979974" y="2367093"/>
+            <a:ext cx="2478696" cy="1524000"/>
           </a:xfrm>
           <a:prstGeom prst="roundRect">
             <a:avLst>
@@ -2935,8 +3386,8 @@
         </p:nvSpPr>
         <p:spPr>
           <a:xfrm>
-            <a:off x="7973173" y="4781078"/>
-            <a:ext cx="3305053" cy="1010121"/>
+            <a:off x="5979880" y="4781079"/>
+            <a:ext cx="2478790" cy="1010121"/>
           </a:xfrm>
         </p:spPr>
         <p:txBody>
@@ -3007,7 +3458,7 @@
           <a:p>
             <a:fld id="{CBC48EC7-AF6A-48D3-8284-14BACBEBDD84}" type="datetimeFigureOut">
               <a:rPr lang="en-US" smtClean="0"/>
-              <a:t>4/16/16</a:t>
+              <a:t>4/23/16</a:t>
             </a:fld>
             <a:endParaRPr lang="en-US" dirty="0"/>
           </a:p>
@@ -3059,7 +3510,7 @@
     </p:spTree>
     <p:extLst>
       <p:ext uri="{BB962C8B-B14F-4D97-AF65-F5344CB8AC3E}">
-        <p14:creationId xmlns:p14="http://schemas.microsoft.com/office/powerpoint/2010/main" val="1230104028"/>
+        <p14:creationId xmlns:p14="http://schemas.microsoft.com/office/powerpoint/2010/main" val="1835610167"/>
       </p:ext>
     </p:extLst>
   </p:cSld>
@@ -3089,7 +3540,7 @@
       </p:grpSpPr>
       <p:pic>
         <p:nvPicPr>
-          <p:cNvPr id="8" name="Picture 7" descr="Droplets-HD-Content-R1d.png"/>
+          <p:cNvPr id="9" name="Picture 8" descr="Droplets-SD-Content-R1d.png"/>
           <p:cNvPicPr>
             <a:picLocks noChangeAspect="1"/>
           </p:cNvPicPr>
@@ -3110,7 +3561,7 @@
         <p:spPr>
           <a:xfrm>
             <a:off x="0" y="0"/>
-            <a:ext cx="12192000" cy="6858000"/>
+            <a:ext cx="9144000" cy="6858000"/>
           </a:xfrm>
           <a:prstGeom prst="rect">
             <a:avLst/>
@@ -3152,8 +3603,8 @@
         </p:nvSpPr>
         <p:spPr>
           <a:xfrm>
-            <a:off x="913775" y="2367093"/>
-            <a:ext cx="10364452" cy="3424107"/>
+            <a:off x="685331" y="2367094"/>
+            <a:ext cx="7773339" cy="3424107"/>
           </a:xfrm>
         </p:spPr>
         <p:txBody>
@@ -3214,7 +3665,7 @@
           <a:p>
             <a:fld id="{D11A6AA8-A04B-4104-9AE2-BD48D340E27F}" type="datetimeFigureOut">
               <a:rPr lang="en-US" smtClean="0"/>
-              <a:t>4/16/16</a:t>
+              <a:t>4/23/16</a:t>
             </a:fld>
             <a:endParaRPr lang="en-US" dirty="0"/>
           </a:p>
@@ -3265,7 +3716,7 @@
     </p:spTree>
     <p:extLst>
       <p:ext uri="{BB962C8B-B14F-4D97-AF65-F5344CB8AC3E}">
-        <p14:creationId xmlns:p14="http://schemas.microsoft.com/office/powerpoint/2010/main" val="533328927"/>
+        <p14:creationId xmlns:p14="http://schemas.microsoft.com/office/powerpoint/2010/main" val="350003967"/>
       </p:ext>
     </p:extLst>
   </p:cSld>
@@ -3294,7 +3745,7 @@
       </p:grpSpPr>
       <p:pic>
         <p:nvPicPr>
-          <p:cNvPr id="9" name="Picture 8" descr="Droplets-HD-Content-R1d.png"/>
+          <p:cNvPr id="10" name="Picture 9" descr="Droplets-SD-Content-R1d.png"/>
           <p:cNvPicPr>
             <a:picLocks noChangeAspect="1"/>
           </p:cNvPicPr>
@@ -3315,7 +3766,7 @@
         <p:spPr>
           <a:xfrm>
             <a:off x="0" y="0"/>
-            <a:ext cx="12192000" cy="6858000"/>
+            <a:ext cx="9144000" cy="6858000"/>
           </a:xfrm>
           <a:prstGeom prst="rect">
             <a:avLst/>
@@ -3334,8 +3785,8 @@
         </p:nvSpPr>
         <p:spPr>
           <a:xfrm>
-            <a:off x="8724900" y="609601"/>
-            <a:ext cx="2553326" cy="5181599"/>
+            <a:off x="6543675" y="609602"/>
+            <a:ext cx="1914995" cy="5181599"/>
           </a:xfrm>
         </p:spPr>
         <p:txBody>
@@ -3366,8 +3817,8 @@
         </p:nvSpPr>
         <p:spPr>
           <a:xfrm>
-            <a:off x="913775" y="609601"/>
-            <a:ext cx="7658724" cy="5181599"/>
+            <a:off x="685331" y="609602"/>
+            <a:ext cx="5744043" cy="5181599"/>
           </a:xfrm>
         </p:spPr>
         <p:txBody>
@@ -3428,7 +3879,7 @@
           <a:p>
             <a:fld id="{B4E0BF79-FAC6-4A96-8DE1-F7B82E2E1652}" type="datetimeFigureOut">
               <a:rPr lang="en-US" smtClean="0"/>
-              <a:t>4/16/16</a:t>
+              <a:t>4/23/16</a:t>
             </a:fld>
             <a:endParaRPr lang="en-US" dirty="0"/>
           </a:p>
@@ -3479,7 +3930,7 @@
     </p:spTree>
     <p:extLst>
       <p:ext uri="{BB962C8B-B14F-4D97-AF65-F5344CB8AC3E}">
-        <p14:creationId xmlns:p14="http://schemas.microsoft.com/office/powerpoint/2010/main" val="62533511"/>
+        <p14:creationId xmlns:p14="http://schemas.microsoft.com/office/powerpoint/2010/main" val="558964236"/>
       </p:ext>
     </p:extLst>
   </p:cSld>
@@ -3508,7 +3959,7 @@
       </p:grpSpPr>
       <p:pic>
         <p:nvPicPr>
-          <p:cNvPr id="3" name="Picture 2" descr="Droplets-HD-Content-R1d.png"/>
+          <p:cNvPr id="7" name="Picture 6" descr="Droplets-SD-Content-R1d.png"/>
           <p:cNvPicPr>
             <a:picLocks noChangeAspect="1"/>
           </p:cNvPicPr>
@@ -3529,7 +3980,7 @@
         <p:spPr>
           <a:xfrm>
             <a:off x="0" y="0"/>
-            <a:ext cx="12192000" cy="6858000"/>
+            <a:ext cx="9144000" cy="6858000"/>
           </a:xfrm>
           <a:prstGeom prst="rect">
             <a:avLst/>
@@ -3571,8 +4022,8 @@
         </p:nvSpPr>
         <p:spPr>
           <a:xfrm>
-            <a:off x="913774" y="2367092"/>
-            <a:ext cx="10363826" cy="3424107"/>
+            <a:off x="685330" y="2367093"/>
+            <a:ext cx="7772870" cy="3424107"/>
           </a:xfrm>
         </p:spPr>
         <p:txBody>
@@ -3633,7 +4084,7 @@
           <a:p>
             <a:fld id="{82FF5DD9-2C52-442D-92E2-8072C0C3D7CD}" type="datetimeFigureOut">
               <a:rPr lang="en-US" smtClean="0"/>
-              <a:t>4/16/16</a:t>
+              <a:t>4/23/16</a:t>
             </a:fld>
             <a:endParaRPr lang="en-US" dirty="0"/>
           </a:p>
@@ -3685,7 +4136,7 @@
     </p:spTree>
     <p:extLst>
       <p:ext uri="{BB962C8B-B14F-4D97-AF65-F5344CB8AC3E}">
-        <p14:creationId xmlns:p14="http://schemas.microsoft.com/office/powerpoint/2010/main" val="2032328434"/>
+        <p14:creationId xmlns:p14="http://schemas.microsoft.com/office/powerpoint/2010/main" val="1182923534"/>
       </p:ext>
     </p:extLst>
   </p:cSld>
@@ -3714,7 +4165,7 @@
       </p:grpSpPr>
       <p:pic>
         <p:nvPicPr>
-          <p:cNvPr id="9" name="Picture 8" descr="Droplets-HD-Content-R1d.png"/>
+          <p:cNvPr id="8" name="Picture 7" descr="Droplets-SD-Content-R1d.png"/>
           <p:cNvPicPr>
             <a:picLocks noChangeAspect="1"/>
           </p:cNvPicPr>
@@ -3735,7 +4186,7 @@
         <p:spPr>
           <a:xfrm>
             <a:off x="0" y="0"/>
-            <a:ext cx="12192000" cy="6858000"/>
+            <a:ext cx="9144000" cy="6858000"/>
           </a:xfrm>
           <a:prstGeom prst="rect">
             <a:avLst/>
@@ -3754,8 +4205,8 @@
         </p:nvSpPr>
         <p:spPr>
           <a:xfrm>
-            <a:off x="913774" y="828563"/>
-            <a:ext cx="10351752" cy="2736819"/>
+            <a:off x="685331" y="828564"/>
+            <a:ext cx="7763814" cy="2736819"/>
           </a:xfrm>
         </p:spPr>
         <p:txBody>
@@ -3788,8 +4239,8 @@
         </p:nvSpPr>
         <p:spPr>
           <a:xfrm>
-            <a:off x="913774" y="3657457"/>
-            <a:ext cx="10351752" cy="1368183"/>
+            <a:off x="685331" y="3657458"/>
+            <a:ext cx="7763814" cy="1368183"/>
           </a:xfrm>
         </p:spPr>
         <p:txBody>
@@ -3914,7 +4365,7 @@
           <a:p>
             <a:fld id="{C44961B7-6B89-48AB-966F-622E2788EECC}" type="datetimeFigureOut">
               <a:rPr lang="en-US" smtClean="0"/>
-              <a:t>4/16/16</a:t>
+              <a:t>4/23/16</a:t>
             </a:fld>
             <a:endParaRPr lang="en-US" dirty="0"/>
           </a:p>
@@ -3965,7 +4416,7 @@
     </p:spTree>
     <p:extLst>
       <p:ext uri="{BB962C8B-B14F-4D97-AF65-F5344CB8AC3E}">
-        <p14:creationId xmlns:p14="http://schemas.microsoft.com/office/powerpoint/2010/main" val="1616584703"/>
+        <p14:creationId xmlns:p14="http://schemas.microsoft.com/office/powerpoint/2010/main" val="2139715659"/>
       </p:ext>
     </p:extLst>
   </p:cSld>
@@ -3994,7 +4445,7 @@
       </p:grpSpPr>
       <p:pic>
         <p:nvPicPr>
-          <p:cNvPr id="10" name="Picture 9" descr="Droplets-HD-Content-R1d.png"/>
+          <p:cNvPr id="9" name="Picture 8" descr="Droplets-SD-Content-R1d.png"/>
           <p:cNvPicPr>
             <a:picLocks noChangeAspect="1"/>
           </p:cNvPicPr>
@@ -4015,7 +4466,7 @@
         <p:spPr>
           <a:xfrm>
             <a:off x="0" y="0"/>
-            <a:ext cx="12192000" cy="6858000"/>
+            <a:ext cx="9144000" cy="6858000"/>
           </a:xfrm>
           <a:prstGeom prst="rect">
             <a:avLst/>
@@ -4034,8 +4485,8 @@
         </p:nvSpPr>
         <p:spPr>
           <a:xfrm>
-            <a:off x="913775" y="618517"/>
-            <a:ext cx="10364451" cy="1596177"/>
+            <a:off x="685332" y="618518"/>
+            <a:ext cx="7773338" cy="1596177"/>
           </a:xfrm>
         </p:spPr>
         <p:txBody>
@@ -4062,8 +4513,8 @@
         </p:nvSpPr>
         <p:spPr>
           <a:xfrm>
-            <a:off x="913774" y="2367092"/>
-            <a:ext cx="5106026" cy="3424107"/>
+            <a:off x="685330" y="2367093"/>
+            <a:ext cx="3829520" cy="3424107"/>
           </a:xfrm>
         </p:spPr>
         <p:txBody>
@@ -4119,8 +4570,8 @@
         </p:nvSpPr>
         <p:spPr>
           <a:xfrm>
-            <a:off x="6172200" y="2367092"/>
-            <a:ext cx="5105400" cy="3424107"/>
+            <a:off x="4629150" y="2367093"/>
+            <a:ext cx="3829050" cy="3424107"/>
           </a:xfrm>
         </p:spPr>
         <p:txBody>
@@ -4181,7 +4632,7 @@
           <a:p>
             <a:fld id="{DBD3D6FB-79CC-4683-A046-BBE785BA1BED}" type="datetimeFigureOut">
               <a:rPr lang="en-US" smtClean="0"/>
-              <a:t>4/16/16</a:t>
+              <a:t>4/23/16</a:t>
             </a:fld>
             <a:endParaRPr lang="en-US" dirty="0"/>
           </a:p>
@@ -4232,7 +4683,7 @@
     </p:spTree>
     <p:extLst>
       <p:ext uri="{BB962C8B-B14F-4D97-AF65-F5344CB8AC3E}">
-        <p14:creationId xmlns:p14="http://schemas.microsoft.com/office/powerpoint/2010/main" val="2123485124"/>
+        <p14:creationId xmlns:p14="http://schemas.microsoft.com/office/powerpoint/2010/main" val="439928151"/>
       </p:ext>
     </p:extLst>
   </p:cSld>
@@ -4266,7 +4717,7 @@
       </p:grpSpPr>
       <p:pic>
         <p:nvPicPr>
-          <p:cNvPr id="15" name="Picture 14" descr="Droplets-HD-Content-R1d.png"/>
+          <p:cNvPr id="11" name="Picture 10" descr="Droplets-SD-Content-R1d.png"/>
           <p:cNvPicPr>
             <a:picLocks noChangeAspect="1"/>
           </p:cNvPicPr>
@@ -4287,7 +4738,7 @@
         <p:spPr>
           <a:xfrm>
             <a:off x="0" y="0"/>
-            <a:ext cx="12192000" cy="6858000"/>
+            <a:ext cx="9144000" cy="6858000"/>
           </a:xfrm>
           <a:prstGeom prst="rect">
             <a:avLst/>
@@ -4306,8 +4757,8 @@
         </p:nvSpPr>
         <p:spPr>
           <a:xfrm>
-            <a:off x="913775" y="618517"/>
-            <a:ext cx="10364451" cy="1596177"/>
+            <a:off x="685332" y="618518"/>
+            <a:ext cx="7773338" cy="1596177"/>
           </a:xfrm>
         </p:spPr>
         <p:txBody>
@@ -4334,8 +4785,8 @@
         </p:nvSpPr>
         <p:spPr>
           <a:xfrm>
-            <a:off x="1146328" y="2371018"/>
-            <a:ext cx="4873474" cy="679994"/>
+            <a:off x="859746" y="2371018"/>
+            <a:ext cx="3655106" cy="679994"/>
           </a:xfrm>
         </p:spPr>
         <p:txBody>
@@ -4345,7 +4796,7 @@
           <a:lstStyle>
             <a:lvl1pPr marL="0" indent="0">
               <a:lnSpc>
-                <a:spcPct val="85000"/>
+                <a:spcPct val="75000"/>
               </a:lnSpc>
               <a:buNone/>
               <a:defRPr sz="2600" b="0">
@@ -4408,8 +4859,8 @@
         </p:nvSpPr>
         <p:spPr>
           <a:xfrm>
-            <a:off x="913774" y="3051012"/>
-            <a:ext cx="5106027" cy="2740187"/>
+            <a:off x="685331" y="3051013"/>
+            <a:ext cx="3829520" cy="2740187"/>
           </a:xfrm>
         </p:spPr>
         <p:txBody>
@@ -4465,8 +4916,8 @@
         </p:nvSpPr>
         <p:spPr>
           <a:xfrm>
-            <a:off x="6396423" y="2371018"/>
-            <a:ext cx="4881804" cy="679994"/>
+            <a:off x="4797317" y="2371018"/>
+            <a:ext cx="3661353" cy="679994"/>
           </a:xfrm>
         </p:spPr>
         <p:txBody>
@@ -4476,7 +4927,7 @@
           <a:lstStyle>
             <a:lvl1pPr marL="0" indent="0">
               <a:lnSpc>
-                <a:spcPct val="85000"/>
+                <a:spcPct val="75000"/>
               </a:lnSpc>
               <a:buNone/>
               <a:defRPr sz="2600" b="0">
@@ -4539,8 +4990,8 @@
         </p:nvSpPr>
         <p:spPr>
           <a:xfrm>
-            <a:off x="6172200" y="3051012"/>
-            <a:ext cx="5105401" cy="2740187"/>
+            <a:off x="4629150" y="3051013"/>
+            <a:ext cx="3829051" cy="2740187"/>
           </a:xfrm>
         </p:spPr>
         <p:txBody>
@@ -4601,7 +5052,7 @@
           <a:p>
             <a:fld id="{9512B3E8-48F1-4B23-8498-D8A04A81EC9C}" type="datetimeFigureOut">
               <a:rPr lang="en-US" smtClean="0"/>
-              <a:t>4/16/16</a:t>
+              <a:t>4/23/16</a:t>
             </a:fld>
             <a:endParaRPr lang="en-US" dirty="0"/>
           </a:p>
@@ -4652,7 +5103,7 @@
     </p:spTree>
     <p:extLst>
       <p:ext uri="{BB962C8B-B14F-4D97-AF65-F5344CB8AC3E}">
-        <p14:creationId xmlns:p14="http://schemas.microsoft.com/office/powerpoint/2010/main" val="383749575"/>
+        <p14:creationId xmlns:p14="http://schemas.microsoft.com/office/powerpoint/2010/main" val="86237236"/>
       </p:ext>
     </p:extLst>
   </p:cSld>
@@ -4686,7 +5137,7 @@
       </p:grpSpPr>
       <p:pic>
         <p:nvPicPr>
-          <p:cNvPr id="8" name="Picture 7" descr="Droplets-HD-Content-R1d.png"/>
+          <p:cNvPr id="7" name="Picture 6" descr="Droplets-SD-Content-R1d.png"/>
           <p:cNvPicPr>
             <a:picLocks noChangeAspect="1"/>
           </p:cNvPicPr>
@@ -4707,7 +5158,7 @@
         <p:spPr>
           <a:xfrm>
             <a:off x="0" y="0"/>
-            <a:ext cx="12192000" cy="6858000"/>
+            <a:ext cx="9144000" cy="6858000"/>
           </a:xfrm>
           <a:prstGeom prst="rect">
             <a:avLst/>
@@ -4754,7 +5205,7 @@
           <a:p>
             <a:fld id="{10B90D90-AA62-404D-A741-635B4370F9CB}" type="datetimeFigureOut">
               <a:rPr lang="en-US" smtClean="0"/>
-              <a:t>4/16/16</a:t>
+              <a:t>4/23/16</a:t>
             </a:fld>
             <a:endParaRPr lang="en-US" dirty="0"/>
           </a:p>
@@ -4805,7 +5256,7 @@
     </p:spTree>
     <p:extLst>
       <p:ext uri="{BB962C8B-B14F-4D97-AF65-F5344CB8AC3E}">
-        <p14:creationId xmlns:p14="http://schemas.microsoft.com/office/powerpoint/2010/main" val="785715084"/>
+        <p14:creationId xmlns:p14="http://schemas.microsoft.com/office/powerpoint/2010/main" val="1985247374"/>
       </p:ext>
     </p:extLst>
   </p:cSld>
@@ -4834,7 +5285,7 @@
       </p:grpSpPr>
       <p:pic>
         <p:nvPicPr>
-          <p:cNvPr id="7" name="Picture 6" descr="Droplets-HD-Content-R1d.png"/>
+          <p:cNvPr id="6" name="Picture 5" descr="Droplets-SD-Content-R1d.png"/>
           <p:cNvPicPr>
             <a:picLocks noChangeAspect="1"/>
           </p:cNvPicPr>
@@ -4855,7 +5306,7 @@
         <p:spPr>
           <a:xfrm>
             <a:off x="0" y="0"/>
-            <a:ext cx="12192000" cy="6858000"/>
+            <a:ext cx="9144000" cy="6858000"/>
           </a:xfrm>
           <a:prstGeom prst="rect">
             <a:avLst/>
@@ -4879,7 +5330,7 @@
           <a:p>
             <a:fld id="{A57002E4-6836-46D1-9DBB-3C27C0DD3A89}" type="datetimeFigureOut">
               <a:rPr lang="en-US" smtClean="0"/>
-              <a:t>4/16/16</a:t>
+              <a:t>4/23/16</a:t>
             </a:fld>
             <a:endParaRPr lang="en-US" dirty="0"/>
           </a:p>
@@ -4930,7 +5381,7 @@
     </p:spTree>
     <p:extLst>
       <p:ext uri="{BB962C8B-B14F-4D97-AF65-F5344CB8AC3E}">
-        <p14:creationId xmlns:p14="http://schemas.microsoft.com/office/powerpoint/2010/main" val="636471385"/>
+        <p14:creationId xmlns:p14="http://schemas.microsoft.com/office/powerpoint/2010/main" val="599191379"/>
       </p:ext>
     </p:extLst>
   </p:cSld>
@@ -4964,7 +5415,7 @@
       </p:grpSpPr>
       <p:pic>
         <p:nvPicPr>
-          <p:cNvPr id="11" name="Picture 10" descr="Droplets-HD-Content-R1d.png"/>
+          <p:cNvPr id="9" name="Picture 8" descr="Droplets-SD-Content-R1d.png"/>
           <p:cNvPicPr>
             <a:picLocks noChangeAspect="1"/>
           </p:cNvPicPr>
@@ -4985,7 +5436,7 @@
         <p:spPr>
           <a:xfrm>
             <a:off x="0" y="0"/>
-            <a:ext cx="12192000" cy="6858000"/>
+            <a:ext cx="9144000" cy="6858000"/>
           </a:xfrm>
           <a:prstGeom prst="rect">
             <a:avLst/>
@@ -5004,8 +5455,8 @@
         </p:nvSpPr>
         <p:spPr>
           <a:xfrm>
-            <a:off x="913775" y="609600"/>
-            <a:ext cx="3935688" cy="2023252"/>
+            <a:off x="685331" y="609600"/>
+            <a:ext cx="2951766" cy="2023252"/>
           </a:xfrm>
         </p:spPr>
         <p:txBody>
@@ -5036,8 +5487,8 @@
         </p:nvSpPr>
         <p:spPr>
           <a:xfrm>
-            <a:off x="5078062" y="609600"/>
-            <a:ext cx="6200163" cy="5181599"/>
+            <a:off x="3808547" y="609601"/>
+            <a:ext cx="4650122" cy="5181599"/>
           </a:xfrm>
         </p:spPr>
         <p:txBody>
@@ -5093,8 +5544,8 @@
         </p:nvSpPr>
         <p:spPr>
           <a:xfrm>
-            <a:off x="913774" y="2632852"/>
-            <a:ext cx="3935689" cy="3158348"/>
+            <a:off x="685331" y="2632852"/>
+            <a:ext cx="2951767" cy="3158348"/>
           </a:xfrm>
         </p:spPr>
         <p:txBody>
@@ -5163,7 +5614,7 @@
           <a:p>
             <a:fld id="{1CF131DD-A141-4471-BCF9-C6073EDD7E20}" type="datetimeFigureOut">
               <a:rPr lang="en-US" smtClean="0"/>
-              <a:t>4/16/16</a:t>
+              <a:t>4/23/16</a:t>
             </a:fld>
             <a:endParaRPr lang="en-US" dirty="0"/>
           </a:p>
@@ -5215,7 +5666,7 @@
     </p:spTree>
     <p:extLst>
       <p:ext uri="{BB962C8B-B14F-4D97-AF65-F5344CB8AC3E}">
-        <p14:creationId xmlns:p14="http://schemas.microsoft.com/office/powerpoint/2010/main" val="558521988"/>
+        <p14:creationId xmlns:p14="http://schemas.microsoft.com/office/powerpoint/2010/main" val="1058686070"/>
       </p:ext>
     </p:extLst>
   </p:cSld>
@@ -5249,7 +5700,7 @@
       </p:grpSpPr>
       <p:pic>
         <p:nvPicPr>
-          <p:cNvPr id="10" name="Picture 9" descr="Droplets-HD-Content-R1d.png"/>
+          <p:cNvPr id="9" name="Picture 8" descr="Droplets-SD-Content-R1d.png"/>
           <p:cNvPicPr>
             <a:picLocks noChangeAspect="1"/>
           </p:cNvPicPr>
@@ -5270,7 +5721,7 @@
         <p:spPr>
           <a:xfrm>
             <a:off x="0" y="0"/>
-            <a:ext cx="12192000" cy="6858000"/>
+            <a:ext cx="9144000" cy="6858000"/>
           </a:xfrm>
           <a:prstGeom prst="rect">
             <a:avLst/>
@@ -5289,8 +5740,8 @@
         </p:nvSpPr>
         <p:spPr>
           <a:xfrm>
-            <a:off x="913774" y="609600"/>
-            <a:ext cx="5934969" cy="2023254"/>
+            <a:off x="685332" y="609600"/>
+            <a:ext cx="4129618" cy="2023254"/>
           </a:xfrm>
         </p:spPr>
         <p:txBody>
@@ -5321,8 +5772,8 @@
         </p:nvSpPr>
         <p:spPr>
           <a:xfrm>
-            <a:off x="7424803" y="609601"/>
-            <a:ext cx="3255358" cy="5181600"/>
+            <a:off x="5004270" y="609601"/>
+            <a:ext cx="3005851" cy="5181600"/>
           </a:xfrm>
           <a:prstGeom prst="roundRect">
             <a:avLst>
@@ -5411,8 +5862,8 @@
         </p:nvSpPr>
         <p:spPr>
           <a:xfrm>
-            <a:off x="913794" y="2632852"/>
-            <a:ext cx="5934949" cy="3158347"/>
+            <a:off x="685346" y="2632853"/>
+            <a:ext cx="4129604" cy="3158347"/>
           </a:xfrm>
         </p:spPr>
         <p:txBody>
@@ -5481,7 +5932,7 @@
           <a:p>
             <a:fld id="{AB334A90-EB03-42F3-8859-2C2B2724C058}" type="datetimeFigureOut">
               <a:rPr lang="en-US" smtClean="0"/>
-              <a:t>4/16/16</a:t>
+              <a:t>4/23/16</a:t>
             </a:fld>
             <a:endParaRPr lang="en-US" dirty="0"/>
           </a:p>
@@ -5533,7 +5984,7 @@
     </p:spTree>
     <p:extLst>
       <p:ext uri="{BB962C8B-B14F-4D97-AF65-F5344CB8AC3E}">
-        <p14:creationId xmlns:p14="http://schemas.microsoft.com/office/powerpoint/2010/main" val="428031279"/>
+        <p14:creationId xmlns:p14="http://schemas.microsoft.com/office/powerpoint/2010/main" val="1434763095"/>
       </p:ext>
     </p:extLst>
   </p:cSld>
@@ -5589,8 +6040,8 @@
         </p:blipFill>
         <p:spPr bwMode="auto">
           <a:xfrm>
-            <a:off x="0" y="-1"/>
-            <a:ext cx="12192003" cy="6858001"/>
+            <a:off x="1" y="-1"/>
+            <a:ext cx="9144002" cy="6858001"/>
           </a:xfrm>
           <a:prstGeom prst="rect">
             <a:avLst/>
@@ -5619,8 +6070,8 @@
         </p:nvSpPr>
         <p:spPr>
           <a:xfrm>
-            <a:off x="913775" y="618517"/>
-            <a:ext cx="10364451" cy="1596177"/>
+            <a:off x="685332" y="618518"/>
+            <a:ext cx="7773338" cy="1596177"/>
           </a:xfrm>
           <a:prstGeom prst="rect">
             <a:avLst/>
@@ -5652,8 +6103,8 @@
         </p:nvSpPr>
         <p:spPr>
           <a:xfrm>
-            <a:off x="913775" y="2367093"/>
-            <a:ext cx="10364452" cy="3424107"/>
+            <a:off x="685331" y="2367094"/>
+            <a:ext cx="7773339" cy="3424107"/>
           </a:xfrm>
           <a:prstGeom prst="rect">
             <a:avLst/>
@@ -5714,8 +6165,8 @@
         </p:nvSpPr>
         <p:spPr>
           <a:xfrm>
-            <a:off x="7678737" y="5883275"/>
-            <a:ext cx="2743200" cy="365125"/>
+            <a:off x="5759053" y="5883276"/>
+            <a:ext cx="2057400" cy="365125"/>
           </a:xfrm>
           <a:prstGeom prst="rect">
             <a:avLst/>
@@ -5735,7 +6186,7 @@
           <a:p>
             <a:fld id="{CBC48EC7-AF6A-48D3-8284-14BACBEBDD84}" type="datetimeFigureOut">
               <a:rPr lang="en-US" smtClean="0"/>
-              <a:t>4/16/16</a:t>
+              <a:t>4/23/16</a:t>
             </a:fld>
             <a:endParaRPr lang="en-US" dirty="0"/>
           </a:p>
@@ -5753,8 +6204,8 @@
         </p:nvSpPr>
         <p:spPr>
           <a:xfrm>
-            <a:off x="913774" y="5883275"/>
-            <a:ext cx="6672887" cy="365125"/>
+            <a:off x="685331" y="5883276"/>
+            <a:ext cx="5004665" cy="365125"/>
           </a:xfrm>
           <a:prstGeom prst="rect">
             <a:avLst/>
@@ -5788,8 +6239,8 @@
         </p:nvSpPr>
         <p:spPr>
           <a:xfrm>
-            <a:off x="10514011" y="5883275"/>
-            <a:ext cx="764215" cy="365125"/>
+            <a:off x="7885509" y="5883276"/>
+            <a:ext cx="573161" cy="365125"/>
           </a:xfrm>
           <a:prstGeom prst="rect">
             <a:avLst/>
@@ -5819,29 +6270,29 @@
     </p:spTree>
     <p:extLst>
       <p:ext uri="{BB962C8B-B14F-4D97-AF65-F5344CB8AC3E}">
-        <p14:creationId xmlns:p14="http://schemas.microsoft.com/office/powerpoint/2010/main" val="1063466924"/>
+        <p14:creationId xmlns:p14="http://schemas.microsoft.com/office/powerpoint/2010/main" val="1807215918"/>
       </p:ext>
     </p:extLst>
   </p:cSld>
   <p:clrMap bg1="lt1" tx1="dk1" bg2="lt2" tx2="dk2" accent1="accent1" accent2="accent2" accent3="accent3" accent4="accent4" accent5="accent5" accent6="accent6" hlink="hlink" folHlink="folHlink"/>
   <p:sldLayoutIdLst>
-    <p:sldLayoutId id="2147484063" r:id="rId1"/>
-    <p:sldLayoutId id="2147484064" r:id="rId2"/>
-    <p:sldLayoutId id="2147484065" r:id="rId3"/>
-    <p:sldLayoutId id="2147484066" r:id="rId4"/>
-    <p:sldLayoutId id="2147484067" r:id="rId5"/>
-    <p:sldLayoutId id="2147484068" r:id="rId6"/>
-    <p:sldLayoutId id="2147484069" r:id="rId7"/>
-    <p:sldLayoutId id="2147484070" r:id="rId8"/>
-    <p:sldLayoutId id="2147484071" r:id="rId9"/>
-    <p:sldLayoutId id="2147484072" r:id="rId10"/>
-    <p:sldLayoutId id="2147484073" r:id="rId11"/>
-    <p:sldLayoutId id="2147484074" r:id="rId12"/>
-    <p:sldLayoutId id="2147484075" r:id="rId13"/>
-    <p:sldLayoutId id="2147484076" r:id="rId14"/>
-    <p:sldLayoutId id="2147484077" r:id="rId15"/>
-    <p:sldLayoutId id="2147484078" r:id="rId16"/>
-    <p:sldLayoutId id="2147484079" r:id="rId17"/>
+    <p:sldLayoutId id="2147484865" r:id="rId1"/>
+    <p:sldLayoutId id="2147484866" r:id="rId2"/>
+    <p:sldLayoutId id="2147484867" r:id="rId3"/>
+    <p:sldLayoutId id="2147484868" r:id="rId4"/>
+    <p:sldLayoutId id="2147484869" r:id="rId5"/>
+    <p:sldLayoutId id="2147484870" r:id="rId6"/>
+    <p:sldLayoutId id="2147484871" r:id="rId7"/>
+    <p:sldLayoutId id="2147484872" r:id="rId8"/>
+    <p:sldLayoutId id="2147484873" r:id="rId9"/>
+    <p:sldLayoutId id="2147484874" r:id="rId10"/>
+    <p:sldLayoutId id="2147484875" r:id="rId11"/>
+    <p:sldLayoutId id="2147484876" r:id="rId12"/>
+    <p:sldLayoutId id="2147484877" r:id="rId13"/>
+    <p:sldLayoutId id="2147484878" r:id="rId14"/>
+    <p:sldLayoutId id="2147484879" r:id="rId15"/>
+    <p:sldLayoutId id="2147484880" r:id="rId16"/>
+    <p:sldLayoutId id="2147484881" r:id="rId17"/>
   </p:sldLayoutIdLst>
   <p:hf sldNum="0" hdr="0" ftr="0" dt="0"/>
   <p:txStyles>
@@ -6172,6 +6623,34 @@
 <file path=ppt/slides/slide1.xml><?xml version="1.0" encoding="utf-8"?>
 <p:sld xmlns:a="http://schemas.openxmlformats.org/drawingml/2006/main" xmlns:r="http://schemas.openxmlformats.org/officeDocument/2006/relationships" xmlns:p="http://schemas.openxmlformats.org/presentationml/2006/main">
   <p:cSld>
+    <p:bg>
+      <p:bgPr>
+        <a:gradFill flip="none" rotWithShape="1">
+          <a:gsLst>
+            <a:gs pos="0">
+              <a:schemeClr val="accent4">
+                <a:lumMod val="67000"/>
+              </a:schemeClr>
+            </a:gs>
+            <a:gs pos="48000">
+              <a:schemeClr val="accent4">
+                <a:lumMod val="97000"/>
+                <a:lumOff val="3000"/>
+              </a:schemeClr>
+            </a:gs>
+            <a:gs pos="100000">
+              <a:schemeClr val="accent4">
+                <a:lumMod val="60000"/>
+                <a:lumOff val="40000"/>
+              </a:schemeClr>
+            </a:gs>
+          </a:gsLst>
+          <a:lin ang="16200000" scaled="1"/>
+          <a:tileRect/>
+        </a:gradFill>
+        <a:effectLst/>
+      </p:bgPr>
+    </p:bg>
     <p:spTree>
       <p:nvGrpSpPr>
         <p:cNvPr id="1" name=""/>
@@ -6245,9 +6724,17 @@
 </p:sld>
 </file>
 
-<file path=ppt/slides/slide2.xml><?xml version="1.0" encoding="utf-8"?>
+<file path=ppt/slides/slide10.xml><?xml version="1.0" encoding="utf-8"?>
 <p:sld xmlns:a="http://schemas.openxmlformats.org/drawingml/2006/main" xmlns:r="http://schemas.openxmlformats.org/officeDocument/2006/relationships" xmlns:p="http://schemas.openxmlformats.org/presentationml/2006/main">
   <p:cSld>
+    <p:bg>
+      <p:bgPr>
+        <a:solidFill>
+          <a:schemeClr val="accent4"/>
+        </a:solidFill>
+        <a:effectLst/>
+      </p:bgPr>
+    </p:bg>
     <p:spTree>
       <p:nvGrpSpPr>
         <p:cNvPr id="1" name=""/>
@@ -6279,15 +6766,15 @@
           <a:p>
             <a:r>
               <a:rPr lang="en-US" dirty="0" smtClean="0"/>
-              <a:t>Dataset Taken FROM</a:t>
-            </a:r>
-            <a:endParaRPr lang="en-US" dirty="0"/>
-          </a:p>
-        </p:txBody>
-      </p:sp>
-      <p:sp>
-        <p:nvSpPr>
-          <p:cNvPr id="3" name="Content Placeholder 2"/>
+              <a:t>Result</a:t>
+            </a:r>
+            <a:endParaRPr lang="en-US" dirty="0"/>
+          </a:p>
+        </p:txBody>
+      </p:sp>
+      <p:sp>
+        <p:nvSpPr>
+          <p:cNvPr id="8" name="Content Placeholder 7"/>
           <p:cNvSpPr>
             <a:spLocks noGrp="1"/>
           </p:cNvSpPr>
@@ -6300,516 +6787,13 @@
           <a:bodyPr/>
           <a:lstStyle/>
           <a:p>
-            <a:pPr marL="0" indent="0">
-              <a:buNone/>
-            </a:pPr>
             <a:r>
               <a:rPr lang="en-US" dirty="0" smtClean="0"/>
-              <a:t> </a:t>
-            </a:r>
-            <a:endParaRPr lang="en-US" dirty="0"/>
-          </a:p>
-          <a:p>
-            <a:r>
-              <a:rPr lang="en-US" dirty="0" smtClean="0">
-                <a:hlinkClick r:id="rId2"/>
-              </a:rPr>
-              <a:t>https</a:t>
-            </a:r>
-            <a:r>
-              <a:rPr lang="en-US" dirty="0">
-                <a:hlinkClick r:id="rId2"/>
-              </a:rPr>
-              <a:t>://</a:t>
-            </a:r>
-            <a:r>
-              <a:rPr lang="en-US" dirty="0" smtClean="0">
-                <a:hlinkClick r:id="rId2"/>
-              </a:rPr>
-              <a:t>github.com/chicheongweng/MITx-15.071x-The-Analytics-Edge/blob/master/data/parole.csv</a:t>
-            </a:r>
-            <a:endParaRPr lang="en-US" dirty="0" smtClean="0"/>
-          </a:p>
-          <a:p>
-            <a:endParaRPr lang="en-US" dirty="0"/>
-          </a:p>
-          <a:p>
+              <a:t>Using both logistic regression and decision tree, I got 88</a:t>
+            </a:r>
             <a:r>
               <a:rPr lang="en-US" dirty="0" smtClean="0"/>
-              <a:t>Used 409 </a:t>
-            </a:r>
-            <a:r>
-              <a:rPr lang="en-US" dirty="0" err="1" smtClean="0"/>
-              <a:t>instaces</a:t>
-            </a:r>
-            <a:r>
-              <a:rPr lang="en-US" dirty="0" smtClean="0"/>
-              <a:t> out of 675 available</a:t>
-            </a:r>
-          </a:p>
-          <a:p>
-            <a:pPr marL="0" indent="0">
-              <a:buNone/>
-            </a:pPr>
-            <a:endParaRPr lang="en-US" dirty="0"/>
-          </a:p>
-        </p:txBody>
-      </p:sp>
-    </p:spTree>
-    <p:extLst>
-      <p:ext uri="{BB962C8B-B14F-4D97-AF65-F5344CB8AC3E}">
-        <p14:creationId xmlns:p14="http://schemas.microsoft.com/office/powerpoint/2010/main" val="604148373"/>
-      </p:ext>
-    </p:extLst>
-  </p:cSld>
-  <p:clrMapOvr>
-    <a:masterClrMapping/>
-  </p:clrMapOvr>
-</p:sld>
-</file>
-
-<file path=ppt/slides/slide3.xml><?xml version="1.0" encoding="utf-8"?>
-<p:sld xmlns:a="http://schemas.openxmlformats.org/drawingml/2006/main" xmlns:r="http://schemas.openxmlformats.org/officeDocument/2006/relationships" xmlns:p="http://schemas.openxmlformats.org/presentationml/2006/main">
-  <p:cSld>
-    <p:spTree>
-      <p:nvGrpSpPr>
-        <p:cNvPr id="1" name=""/>
-        <p:cNvGrpSpPr/>
-        <p:nvPr/>
-      </p:nvGrpSpPr>
-      <p:grpSpPr>
-        <a:xfrm>
-          <a:off x="0" y="0"/>
-          <a:ext cx="0" cy="0"/>
-          <a:chOff x="0" y="0"/>
-          <a:chExt cx="0" cy="0"/>
-        </a:xfrm>
-      </p:grpSpPr>
-      <p:sp>
-        <p:nvSpPr>
-          <p:cNvPr id="2" name="Title 1"/>
-          <p:cNvSpPr>
-            <a:spLocks noGrp="1"/>
-          </p:cNvSpPr>
-          <p:nvPr>
-            <p:ph type="title"/>
-          </p:nvPr>
-        </p:nvSpPr>
-        <p:spPr/>
-        <p:txBody>
-          <a:bodyPr/>
-          <a:lstStyle/>
-          <a:p>
-            <a:r>
-              <a:rPr lang="en-US" dirty="0" smtClean="0"/>
-              <a:t>Parole violation dataset</a:t>
-            </a:r>
-            <a:endParaRPr lang="en-US" dirty="0"/>
-          </a:p>
-        </p:txBody>
-      </p:sp>
-      <p:pic>
-        <p:nvPicPr>
-          <p:cNvPr id="4" name="Content Placeholder 3"/>
-          <p:cNvPicPr>
-            <a:picLocks noGrp="1" noChangeAspect="1"/>
-          </p:cNvPicPr>
-          <p:nvPr>
-            <p:ph sz="quarter" idx="13"/>
-          </p:nvPr>
-        </p:nvPicPr>
-        <p:blipFill>
-          <a:blip r:embed="rId2">
-            <a:extLst>
-              <a:ext uri="{28A0092B-C50C-407E-A947-70E740481C1C}">
-                <a14:useLocalDpi xmlns:a14="http://schemas.microsoft.com/office/drawing/2010/main" val="0"/>
-              </a:ext>
-            </a:extLst>
-          </a:blip>
-          <a:stretch>
-            <a:fillRect/>
-          </a:stretch>
-        </p:blipFill>
-        <p:spPr>
-          <a:xfrm>
-            <a:off x="2021305" y="2366963"/>
-            <a:ext cx="7856621" cy="4234679"/>
-          </a:xfrm>
-        </p:spPr>
-      </p:pic>
-    </p:spTree>
-    <p:extLst>
-      <p:ext uri="{BB962C8B-B14F-4D97-AF65-F5344CB8AC3E}">
-        <p14:creationId xmlns:p14="http://schemas.microsoft.com/office/powerpoint/2010/main" val="743958127"/>
-      </p:ext>
-    </p:extLst>
-  </p:cSld>
-  <p:clrMapOvr>
-    <a:masterClrMapping/>
-  </p:clrMapOvr>
-</p:sld>
-</file>
-
-<file path=ppt/slides/slide4.xml><?xml version="1.0" encoding="utf-8"?>
-<p:sld xmlns:a="http://schemas.openxmlformats.org/drawingml/2006/main" xmlns:r="http://schemas.openxmlformats.org/officeDocument/2006/relationships" xmlns:p="http://schemas.openxmlformats.org/presentationml/2006/main">
-  <p:cSld>
-    <p:spTree>
-      <p:nvGrpSpPr>
-        <p:cNvPr id="1" name=""/>
-        <p:cNvGrpSpPr/>
-        <p:nvPr/>
-      </p:nvGrpSpPr>
-      <p:grpSpPr>
-        <a:xfrm>
-          <a:off x="0" y="0"/>
-          <a:ext cx="0" cy="0"/>
-          <a:chOff x="0" y="0"/>
-          <a:chExt cx="0" cy="0"/>
-        </a:xfrm>
-      </p:grpSpPr>
-      <p:sp>
-        <p:nvSpPr>
-          <p:cNvPr id="2" name="Title 1"/>
-          <p:cNvSpPr>
-            <a:spLocks noGrp="1"/>
-          </p:cNvSpPr>
-          <p:nvPr>
-            <p:ph type="title"/>
-          </p:nvPr>
-        </p:nvSpPr>
-        <p:spPr/>
-        <p:txBody>
-          <a:bodyPr/>
-          <a:lstStyle/>
-          <a:p>
-            <a:r>
-              <a:rPr lang="en-US" dirty="0" smtClean="0"/>
-              <a:t>Libraries Used</a:t>
-            </a:r>
-            <a:endParaRPr lang="en-US" dirty="0"/>
-          </a:p>
-        </p:txBody>
-      </p:sp>
-      <p:sp>
-        <p:nvSpPr>
-          <p:cNvPr id="3" name="Content Placeholder 2"/>
-          <p:cNvSpPr>
-            <a:spLocks noGrp="1"/>
-          </p:cNvSpPr>
-          <p:nvPr>
-            <p:ph sz="quarter" idx="13"/>
-          </p:nvPr>
-        </p:nvSpPr>
-        <p:spPr/>
-        <p:txBody>
-          <a:bodyPr/>
-          <a:lstStyle/>
-          <a:p>
-            <a:r>
-              <a:rPr lang="en-US" dirty="0" err="1" smtClean="0"/>
-              <a:t>NUMPy</a:t>
-            </a:r>
-            <a:endParaRPr lang="en-US" dirty="0" smtClean="0"/>
-          </a:p>
-          <a:p>
-            <a:r>
-              <a:rPr lang="en-US" dirty="0" smtClean="0"/>
-              <a:t>SCIPY</a:t>
-            </a:r>
-          </a:p>
-          <a:p>
-            <a:r>
-              <a:rPr lang="en-US" dirty="0" err="1" smtClean="0"/>
-              <a:t>Sklearn</a:t>
-            </a:r>
-            <a:endParaRPr lang="en-US" dirty="0" smtClean="0"/>
-          </a:p>
-          <a:p>
-            <a:pPr marL="0" indent="0">
-              <a:buNone/>
-            </a:pPr>
-            <a:endParaRPr lang="en-US" dirty="0"/>
-          </a:p>
-        </p:txBody>
-      </p:sp>
-    </p:spTree>
-    <p:extLst>
-      <p:ext uri="{BB962C8B-B14F-4D97-AF65-F5344CB8AC3E}">
-        <p14:creationId xmlns:p14="http://schemas.microsoft.com/office/powerpoint/2010/main" val="1467733893"/>
-      </p:ext>
-    </p:extLst>
-  </p:cSld>
-  <p:clrMapOvr>
-    <a:masterClrMapping/>
-  </p:clrMapOvr>
-</p:sld>
-</file>
-
-<file path=ppt/slides/slide5.xml><?xml version="1.0" encoding="utf-8"?>
-<p:sld xmlns:a="http://schemas.openxmlformats.org/drawingml/2006/main" xmlns:r="http://schemas.openxmlformats.org/officeDocument/2006/relationships" xmlns:p="http://schemas.openxmlformats.org/presentationml/2006/main">
-  <p:cSld>
-    <p:spTree>
-      <p:nvGrpSpPr>
-        <p:cNvPr id="1" name=""/>
-        <p:cNvGrpSpPr/>
-        <p:nvPr/>
-      </p:nvGrpSpPr>
-      <p:grpSpPr>
-        <a:xfrm>
-          <a:off x="0" y="0"/>
-          <a:ext cx="0" cy="0"/>
-          <a:chOff x="0" y="0"/>
-          <a:chExt cx="0" cy="0"/>
-        </a:xfrm>
-      </p:grpSpPr>
-      <p:sp>
-        <p:nvSpPr>
-          <p:cNvPr id="2" name="Title 1"/>
-          <p:cNvSpPr>
-            <a:spLocks noGrp="1"/>
-          </p:cNvSpPr>
-          <p:nvPr>
-            <p:ph type="title"/>
-          </p:nvPr>
-        </p:nvSpPr>
-        <p:spPr/>
-        <p:txBody>
-          <a:bodyPr/>
-          <a:lstStyle/>
-          <a:p>
-            <a:r>
-              <a:rPr lang="en-US" dirty="0" smtClean="0"/>
-              <a:t>Variables taken into consideration</a:t>
-            </a:r>
-            <a:endParaRPr lang="en-US" dirty="0"/>
-          </a:p>
-        </p:txBody>
-      </p:sp>
-      <p:sp>
-        <p:nvSpPr>
-          <p:cNvPr id="3" name="Content Placeholder 2"/>
-          <p:cNvSpPr>
-            <a:spLocks noGrp="1"/>
-          </p:cNvSpPr>
-          <p:nvPr>
-            <p:ph sz="quarter" idx="13"/>
-          </p:nvPr>
-        </p:nvSpPr>
-        <p:spPr/>
-        <p:txBody>
-          <a:bodyPr/>
-          <a:lstStyle/>
-          <a:p>
-            <a:r>
-              <a:rPr lang="en-US" dirty="0" smtClean="0"/>
-              <a:t>Sex</a:t>
-            </a:r>
-          </a:p>
-          <a:p>
-            <a:r>
-              <a:rPr lang="en-US" dirty="0" err="1" smtClean="0"/>
-              <a:t>Multipleoffenses</a:t>
-            </a:r>
-            <a:r>
-              <a:rPr lang="en-US" dirty="0" smtClean="0"/>
-              <a:t> (Boolean value)</a:t>
-            </a:r>
-          </a:p>
-          <a:p>
-            <a:r>
-              <a:rPr lang="en-US" dirty="0" smtClean="0"/>
-              <a:t>Violator</a:t>
-            </a:r>
-          </a:p>
-          <a:p>
-            <a:endParaRPr lang="en-US" dirty="0"/>
-          </a:p>
-          <a:p>
-            <a:pPr marL="0" indent="0">
-              <a:buNone/>
-            </a:pPr>
-            <a:r>
-              <a:rPr lang="en-US" dirty="0" smtClean="0"/>
-              <a:t>Data Ignored:</a:t>
-            </a:r>
-          </a:p>
-          <a:p>
-            <a:pPr marL="0" indent="0">
-              <a:buNone/>
-            </a:pPr>
-            <a:r>
-              <a:rPr lang="en-US" dirty="0" smtClean="0"/>
-              <a:t>Race, age, state, </a:t>
-            </a:r>
-            <a:r>
-              <a:rPr lang="en-US" dirty="0" err="1" smtClean="0"/>
-              <a:t>timeserved</a:t>
-            </a:r>
-            <a:r>
-              <a:rPr lang="en-US" dirty="0" smtClean="0"/>
-              <a:t>, crimes, </a:t>
-            </a:r>
-            <a:r>
-              <a:rPr lang="en-US" dirty="0" err="1" smtClean="0"/>
-              <a:t>maxsenteces</a:t>
-            </a:r>
-            <a:endParaRPr lang="en-US" dirty="0"/>
-          </a:p>
-        </p:txBody>
-      </p:sp>
-    </p:spTree>
-    <p:extLst>
-      <p:ext uri="{BB962C8B-B14F-4D97-AF65-F5344CB8AC3E}">
-        <p14:creationId xmlns:p14="http://schemas.microsoft.com/office/powerpoint/2010/main" val="222235038"/>
-      </p:ext>
-    </p:extLst>
-  </p:cSld>
-  <p:clrMapOvr>
-    <a:masterClrMapping/>
-  </p:clrMapOvr>
-</p:sld>
-</file>
-
-<file path=ppt/slides/slide6.xml><?xml version="1.0" encoding="utf-8"?>
-<p:sld xmlns:a="http://schemas.openxmlformats.org/drawingml/2006/main" xmlns:r="http://schemas.openxmlformats.org/officeDocument/2006/relationships" xmlns:p="http://schemas.openxmlformats.org/presentationml/2006/main">
-  <p:cSld>
-    <p:spTree>
-      <p:nvGrpSpPr>
-        <p:cNvPr id="1" name=""/>
-        <p:cNvGrpSpPr/>
-        <p:nvPr/>
-      </p:nvGrpSpPr>
-      <p:grpSpPr>
-        <a:xfrm>
-          <a:off x="0" y="0"/>
-          <a:ext cx="0" cy="0"/>
-          <a:chOff x="0" y="0"/>
-          <a:chExt cx="0" cy="0"/>
-        </a:xfrm>
-      </p:grpSpPr>
-      <p:sp>
-        <p:nvSpPr>
-          <p:cNvPr id="2" name="Title 1"/>
-          <p:cNvSpPr>
-            <a:spLocks noGrp="1"/>
-          </p:cNvSpPr>
-          <p:nvPr>
-            <p:ph type="title"/>
-          </p:nvPr>
-        </p:nvSpPr>
-        <p:spPr/>
-        <p:txBody>
-          <a:bodyPr/>
-          <a:lstStyle/>
-          <a:p>
-            <a:r>
-              <a:rPr lang="en-US" dirty="0" smtClean="0"/>
-              <a:t>Process</a:t>
-            </a:r>
-            <a:endParaRPr lang="en-US" dirty="0"/>
-          </a:p>
-        </p:txBody>
-      </p:sp>
-      <p:sp>
-        <p:nvSpPr>
-          <p:cNvPr id="3" name="Content Placeholder 2"/>
-          <p:cNvSpPr>
-            <a:spLocks noGrp="1"/>
-          </p:cNvSpPr>
-          <p:nvPr>
-            <p:ph sz="quarter" idx="13"/>
-          </p:nvPr>
-        </p:nvSpPr>
-        <p:spPr/>
-        <p:txBody>
-          <a:bodyPr/>
-          <a:lstStyle/>
-          <a:p>
-            <a:r>
-              <a:rPr lang="en-US" dirty="0" smtClean="0"/>
-              <a:t>Taken 409 instances out of 675 sample and used logistic regression on these instances</a:t>
-            </a:r>
-          </a:p>
-          <a:p>
-            <a:r>
-              <a:rPr lang="en-US" dirty="0" smtClean="0"/>
-              <a:t>Taken another 409 samples randomly from 675 samples and used them as test sample</a:t>
-            </a:r>
-            <a:endParaRPr lang="en-US" dirty="0"/>
-          </a:p>
-        </p:txBody>
-      </p:sp>
-    </p:spTree>
-    <p:extLst>
-      <p:ext uri="{BB962C8B-B14F-4D97-AF65-F5344CB8AC3E}">
-        <p14:creationId xmlns:p14="http://schemas.microsoft.com/office/powerpoint/2010/main" val="129238832"/>
-      </p:ext>
-    </p:extLst>
-  </p:cSld>
-  <p:clrMapOvr>
-    <a:masterClrMapping/>
-  </p:clrMapOvr>
-</p:sld>
-</file>
-
-<file path=ppt/slides/slide7.xml><?xml version="1.0" encoding="utf-8"?>
-<p:sld xmlns:a="http://schemas.openxmlformats.org/drawingml/2006/main" xmlns:r="http://schemas.openxmlformats.org/officeDocument/2006/relationships" xmlns:p="http://schemas.openxmlformats.org/presentationml/2006/main">
-  <p:cSld>
-    <p:spTree>
-      <p:nvGrpSpPr>
-        <p:cNvPr id="1" name=""/>
-        <p:cNvGrpSpPr/>
-        <p:nvPr/>
-      </p:nvGrpSpPr>
-      <p:grpSpPr>
-        <a:xfrm>
-          <a:off x="0" y="0"/>
-          <a:ext cx="0" cy="0"/>
-          <a:chOff x="0" y="0"/>
-          <a:chExt cx="0" cy="0"/>
-        </a:xfrm>
-      </p:grpSpPr>
-      <p:sp>
-        <p:nvSpPr>
-          <p:cNvPr id="2" name="Title 1"/>
-          <p:cNvSpPr>
-            <a:spLocks noGrp="1"/>
-          </p:cNvSpPr>
-          <p:nvPr>
-            <p:ph type="title"/>
-          </p:nvPr>
-        </p:nvSpPr>
-        <p:spPr/>
-        <p:txBody>
-          <a:bodyPr/>
-          <a:lstStyle/>
-          <a:p>
-            <a:r>
-              <a:rPr lang="en-US" dirty="0" smtClean="0"/>
-              <a:t>Result</a:t>
-            </a:r>
-            <a:endParaRPr lang="en-US" dirty="0"/>
-          </a:p>
-        </p:txBody>
-      </p:sp>
-      <p:sp>
-        <p:nvSpPr>
-          <p:cNvPr id="8" name="Content Placeholder 7"/>
-          <p:cNvSpPr>
-            <a:spLocks noGrp="1"/>
-          </p:cNvSpPr>
-          <p:nvPr>
-            <p:ph sz="quarter" idx="13"/>
-          </p:nvPr>
-        </p:nvSpPr>
-        <p:spPr/>
-        <p:txBody>
-          <a:bodyPr/>
-          <a:lstStyle/>
-          <a:p>
-            <a:r>
-              <a:rPr lang="en-US" dirty="0" smtClean="0"/>
-              <a:t>88% accuracy. </a:t>
+              <a:t>% accuracy. </a:t>
             </a:r>
           </a:p>
           <a:p>
@@ -6842,8 +6826,8 @@
         </p:blipFill>
         <p:spPr>
           <a:xfrm>
-            <a:off x="1104231" y="2815495"/>
-            <a:ext cx="7721600" cy="2527300"/>
+            <a:off x="1362729" y="3770722"/>
+            <a:ext cx="6612871" cy="2164410"/>
           </a:xfrm>
           <a:prstGeom prst="rect">
             <a:avLst/>
@@ -6854,6 +6838,1155 @@
     <p:extLst>
       <p:ext uri="{BB962C8B-B14F-4D97-AF65-F5344CB8AC3E}">
         <p14:creationId xmlns:p14="http://schemas.microsoft.com/office/powerpoint/2010/main" val="861946264"/>
+      </p:ext>
+    </p:extLst>
+  </p:cSld>
+  <p:clrMapOvr>
+    <a:masterClrMapping/>
+  </p:clrMapOvr>
+</p:sld>
+</file>
+
+<file path=ppt/slides/slide11.xml><?xml version="1.0" encoding="utf-8"?>
+<p:sld xmlns:a="http://schemas.openxmlformats.org/drawingml/2006/main" xmlns:r="http://schemas.openxmlformats.org/officeDocument/2006/relationships" xmlns:p="http://schemas.openxmlformats.org/presentationml/2006/main">
+  <p:cSld>
+    <p:bg>
+      <p:bgPr>
+        <a:solidFill>
+          <a:schemeClr val="accent4"/>
+        </a:solidFill>
+        <a:effectLst/>
+      </p:bgPr>
+    </p:bg>
+    <p:spTree>
+      <p:nvGrpSpPr>
+        <p:cNvPr id="1" name=""/>
+        <p:cNvGrpSpPr/>
+        <p:nvPr/>
+      </p:nvGrpSpPr>
+      <p:grpSpPr>
+        <a:xfrm>
+          <a:off x="0" y="0"/>
+          <a:ext cx="0" cy="0"/>
+          <a:chOff x="0" y="0"/>
+          <a:chExt cx="0" cy="0"/>
+        </a:xfrm>
+      </p:grpSpPr>
+      <p:sp>
+        <p:nvSpPr>
+          <p:cNvPr id="2" name="Title 1"/>
+          <p:cNvSpPr>
+            <a:spLocks noGrp="1"/>
+          </p:cNvSpPr>
+          <p:nvPr>
+            <p:ph type="title"/>
+          </p:nvPr>
+        </p:nvSpPr>
+        <p:spPr/>
+        <p:txBody>
+          <a:bodyPr/>
+          <a:lstStyle/>
+          <a:p>
+            <a:r>
+              <a:rPr lang="en-US" dirty="0" smtClean="0"/>
+              <a:t>Thank you</a:t>
+            </a:r>
+            <a:endParaRPr lang="en-US" dirty="0"/>
+          </a:p>
+        </p:txBody>
+      </p:sp>
+      <p:pic>
+        <p:nvPicPr>
+          <p:cNvPr id="4" name="Content Placeholder 3"/>
+          <p:cNvPicPr>
+            <a:picLocks noGrp="1" noChangeAspect="1"/>
+          </p:cNvPicPr>
+          <p:nvPr>
+            <p:ph sz="quarter" idx="13"/>
+          </p:nvPr>
+        </p:nvPicPr>
+        <p:blipFill>
+          <a:blip r:embed="rId2">
+            <a:extLst>
+              <a:ext uri="{28A0092B-C50C-407E-A947-70E740481C1C}">
+                <a14:useLocalDpi xmlns:a14="http://schemas.microsoft.com/office/drawing/2010/main" val="0"/>
+              </a:ext>
+            </a:extLst>
+          </a:blip>
+          <a:stretch>
+            <a:fillRect/>
+          </a:stretch>
+        </p:blipFill>
+        <p:spPr>
+          <a:xfrm>
+            <a:off x="2712747" y="2017336"/>
+            <a:ext cx="4339853" cy="2795673"/>
+          </a:xfrm>
+        </p:spPr>
+      </p:pic>
+    </p:spTree>
+    <p:extLst>
+      <p:ext uri="{BB962C8B-B14F-4D97-AF65-F5344CB8AC3E}">
+        <p14:creationId xmlns:p14="http://schemas.microsoft.com/office/powerpoint/2010/main" val="1561143352"/>
+      </p:ext>
+    </p:extLst>
+  </p:cSld>
+  <p:clrMapOvr>
+    <a:masterClrMapping/>
+  </p:clrMapOvr>
+</p:sld>
+</file>
+
+<file path=ppt/slides/slide2.xml><?xml version="1.0" encoding="utf-8"?>
+<p:sld xmlns:a="http://schemas.openxmlformats.org/drawingml/2006/main" xmlns:r="http://schemas.openxmlformats.org/officeDocument/2006/relationships" xmlns:p="http://schemas.openxmlformats.org/presentationml/2006/main">
+  <p:cSld>
+    <p:bg>
+      <p:bgPr>
+        <a:solidFill>
+          <a:schemeClr val="accent4">
+            <a:lumMod val="75000"/>
+          </a:schemeClr>
+        </a:solidFill>
+        <a:effectLst/>
+      </p:bgPr>
+    </p:bg>
+    <p:spTree>
+      <p:nvGrpSpPr>
+        <p:cNvPr id="1" name=""/>
+        <p:cNvGrpSpPr/>
+        <p:nvPr/>
+      </p:nvGrpSpPr>
+      <p:grpSpPr>
+        <a:xfrm>
+          <a:off x="0" y="0"/>
+          <a:ext cx="0" cy="0"/>
+          <a:chOff x="0" y="0"/>
+          <a:chExt cx="0" cy="0"/>
+        </a:xfrm>
+      </p:grpSpPr>
+      <p:sp>
+        <p:nvSpPr>
+          <p:cNvPr id="2" name="Title 1"/>
+          <p:cNvSpPr>
+            <a:spLocks noGrp="1"/>
+          </p:cNvSpPr>
+          <p:nvPr>
+            <p:ph type="title"/>
+          </p:nvPr>
+        </p:nvSpPr>
+        <p:spPr/>
+        <p:txBody>
+          <a:bodyPr/>
+          <a:lstStyle/>
+          <a:p>
+            <a:r>
+              <a:rPr lang="en-US" dirty="0" smtClean="0"/>
+              <a:t>What is parole violation</a:t>
+            </a:r>
+            <a:endParaRPr lang="en-US" dirty="0"/>
+          </a:p>
+        </p:txBody>
+      </p:sp>
+      <p:pic>
+        <p:nvPicPr>
+          <p:cNvPr id="4" name="Content Placeholder 3"/>
+          <p:cNvPicPr>
+            <a:picLocks noGrp="1" noChangeAspect="1"/>
+          </p:cNvPicPr>
+          <p:nvPr>
+            <p:ph sz="quarter" idx="13"/>
+          </p:nvPr>
+        </p:nvPicPr>
+        <p:blipFill>
+          <a:blip r:embed="rId2">
+            <a:extLst>
+              <a:ext uri="{28A0092B-C50C-407E-A947-70E740481C1C}">
+                <a14:useLocalDpi xmlns:a14="http://schemas.microsoft.com/office/drawing/2010/main" val="0"/>
+              </a:ext>
+            </a:extLst>
+          </a:blip>
+          <a:stretch>
+            <a:fillRect/>
+          </a:stretch>
+        </p:blipFill>
+        <p:spPr>
+          <a:xfrm>
+            <a:off x="1085851" y="3633337"/>
+            <a:ext cx="6972300" cy="1739900"/>
+          </a:xfrm>
+        </p:spPr>
+      </p:pic>
+      <p:sp>
+        <p:nvSpPr>
+          <p:cNvPr id="6" name="TextBox 5"/>
+          <p:cNvSpPr txBox="1"/>
+          <p:nvPr/>
+        </p:nvSpPr>
+        <p:spPr>
+          <a:xfrm>
+            <a:off x="1421091" y="2921720"/>
+            <a:ext cx="1998560" cy="300082"/>
+          </a:xfrm>
+          <a:prstGeom prst="rect">
+            <a:avLst/>
+          </a:prstGeom>
+          <a:noFill/>
+        </p:spPr>
+        <p:txBody>
+          <a:bodyPr wrap="none" rtlCol="0">
+            <a:spAutoFit/>
+          </a:bodyPr>
+          <a:lstStyle/>
+          <a:p>
+            <a:r>
+              <a:rPr lang="en-US" sz="1350" dirty="0"/>
+              <a:t>Taken from Google Search</a:t>
+            </a:r>
+          </a:p>
+        </p:txBody>
+      </p:sp>
+    </p:spTree>
+    <p:extLst>
+      <p:ext uri="{BB962C8B-B14F-4D97-AF65-F5344CB8AC3E}">
+        <p14:creationId xmlns:p14="http://schemas.microsoft.com/office/powerpoint/2010/main" val="1776401674"/>
+      </p:ext>
+    </p:extLst>
+  </p:cSld>
+  <p:clrMapOvr>
+    <a:masterClrMapping/>
+  </p:clrMapOvr>
+</p:sld>
+</file>
+
+<file path=ppt/slides/slide3.xml><?xml version="1.0" encoding="utf-8"?>
+<p:sld xmlns:a="http://schemas.openxmlformats.org/drawingml/2006/main" xmlns:r="http://schemas.openxmlformats.org/officeDocument/2006/relationships" xmlns:p="http://schemas.openxmlformats.org/presentationml/2006/main">
+  <p:cSld>
+    <p:bg>
+      <p:bgPr>
+        <a:gradFill flip="none" rotWithShape="1">
+          <a:gsLst>
+            <a:gs pos="0">
+              <a:schemeClr val="accent4">
+                <a:lumMod val="67000"/>
+              </a:schemeClr>
+            </a:gs>
+            <a:gs pos="48000">
+              <a:schemeClr val="accent4">
+                <a:lumMod val="97000"/>
+                <a:lumOff val="3000"/>
+              </a:schemeClr>
+            </a:gs>
+            <a:gs pos="100000">
+              <a:schemeClr val="accent4">
+                <a:lumMod val="60000"/>
+                <a:lumOff val="40000"/>
+              </a:schemeClr>
+            </a:gs>
+          </a:gsLst>
+          <a:lin ang="16200000" scaled="1"/>
+          <a:tileRect/>
+        </a:gradFill>
+        <a:effectLst/>
+      </p:bgPr>
+    </p:bg>
+    <p:spTree>
+      <p:nvGrpSpPr>
+        <p:cNvPr id="1" name=""/>
+        <p:cNvGrpSpPr/>
+        <p:nvPr/>
+      </p:nvGrpSpPr>
+      <p:grpSpPr>
+        <a:xfrm>
+          <a:off x="0" y="0"/>
+          <a:ext cx="0" cy="0"/>
+          <a:chOff x="0" y="0"/>
+          <a:chExt cx="0" cy="0"/>
+        </a:xfrm>
+      </p:grpSpPr>
+      <p:sp>
+        <p:nvSpPr>
+          <p:cNvPr id="2" name="Title 1"/>
+          <p:cNvSpPr>
+            <a:spLocks noGrp="1"/>
+          </p:cNvSpPr>
+          <p:nvPr>
+            <p:ph type="title"/>
+          </p:nvPr>
+        </p:nvSpPr>
+        <p:spPr/>
+        <p:txBody>
+          <a:bodyPr/>
+          <a:lstStyle/>
+          <a:p>
+            <a:r>
+              <a:rPr lang="en-US" dirty="0" smtClean="0"/>
+              <a:t>Dataset Taken FROM</a:t>
+            </a:r>
+            <a:endParaRPr lang="en-US" dirty="0"/>
+          </a:p>
+        </p:txBody>
+      </p:sp>
+      <p:sp>
+        <p:nvSpPr>
+          <p:cNvPr id="3" name="Content Placeholder 2"/>
+          <p:cNvSpPr>
+            <a:spLocks noGrp="1"/>
+          </p:cNvSpPr>
+          <p:nvPr>
+            <p:ph sz="quarter" idx="13"/>
+          </p:nvPr>
+        </p:nvSpPr>
+        <p:spPr/>
+        <p:txBody>
+          <a:bodyPr/>
+          <a:lstStyle/>
+          <a:p>
+            <a:pPr marL="0" indent="0">
+              <a:buNone/>
+            </a:pPr>
+            <a:r>
+              <a:rPr lang="en-US" dirty="0" smtClean="0"/>
+              <a:t> </a:t>
+            </a:r>
+            <a:endParaRPr lang="en-US" dirty="0"/>
+          </a:p>
+          <a:p>
+            <a:r>
+              <a:rPr lang="en-US" dirty="0" smtClean="0">
+                <a:hlinkClick r:id="rId2"/>
+              </a:rPr>
+              <a:t>https</a:t>
+            </a:r>
+            <a:r>
+              <a:rPr lang="en-US" dirty="0">
+                <a:hlinkClick r:id="rId2"/>
+              </a:rPr>
+              <a:t>://</a:t>
+            </a:r>
+            <a:r>
+              <a:rPr lang="en-US" dirty="0" smtClean="0">
+                <a:hlinkClick r:id="rId2"/>
+              </a:rPr>
+              <a:t>github.com/chicheongweng/MITx-15.071x-The-Analytics-Edge/blob/master/data/parole.csv</a:t>
+            </a:r>
+            <a:endParaRPr lang="en-US" dirty="0" smtClean="0"/>
+          </a:p>
+          <a:p>
+            <a:endParaRPr lang="en-US" dirty="0"/>
+          </a:p>
+          <a:p>
+            <a:r>
+              <a:rPr lang="en-US" dirty="0" smtClean="0"/>
+              <a:t>Used 409 </a:t>
+            </a:r>
+            <a:r>
+              <a:rPr lang="en-US" dirty="0" err="1" smtClean="0"/>
+              <a:t>instaces</a:t>
+            </a:r>
+            <a:r>
+              <a:rPr lang="en-US" dirty="0" smtClean="0"/>
+              <a:t> out of 675 available</a:t>
+            </a:r>
+          </a:p>
+          <a:p>
+            <a:pPr marL="0" indent="0">
+              <a:buNone/>
+            </a:pPr>
+            <a:endParaRPr lang="en-US" dirty="0"/>
+          </a:p>
+        </p:txBody>
+      </p:sp>
+    </p:spTree>
+    <p:extLst>
+      <p:ext uri="{BB962C8B-B14F-4D97-AF65-F5344CB8AC3E}">
+        <p14:creationId xmlns:p14="http://schemas.microsoft.com/office/powerpoint/2010/main" val="604148373"/>
+      </p:ext>
+    </p:extLst>
+  </p:cSld>
+  <p:clrMapOvr>
+    <a:masterClrMapping/>
+  </p:clrMapOvr>
+</p:sld>
+</file>
+
+<file path=ppt/slides/slide4.xml><?xml version="1.0" encoding="utf-8"?>
+<p:sld xmlns:a="http://schemas.openxmlformats.org/drawingml/2006/main" xmlns:r="http://schemas.openxmlformats.org/officeDocument/2006/relationships" xmlns:p="http://schemas.openxmlformats.org/presentationml/2006/main">
+  <p:cSld>
+    <p:bg>
+      <p:bgPr>
+        <a:gradFill flip="none" rotWithShape="1">
+          <a:gsLst>
+            <a:gs pos="0">
+              <a:schemeClr val="accent4">
+                <a:lumMod val="40000"/>
+                <a:lumOff val="60000"/>
+              </a:schemeClr>
+            </a:gs>
+            <a:gs pos="46000">
+              <a:schemeClr val="accent4">
+                <a:lumMod val="95000"/>
+                <a:lumOff val="5000"/>
+              </a:schemeClr>
+            </a:gs>
+            <a:gs pos="100000">
+              <a:schemeClr val="accent4">
+                <a:lumMod val="60000"/>
+              </a:schemeClr>
+            </a:gs>
+          </a:gsLst>
+          <a:path path="circle">
+            <a:fillToRect l="50000" t="130000" r="50000" b="-30000"/>
+          </a:path>
+          <a:tileRect/>
+        </a:gradFill>
+        <a:effectLst/>
+      </p:bgPr>
+    </p:bg>
+    <p:spTree>
+      <p:nvGrpSpPr>
+        <p:cNvPr id="1" name=""/>
+        <p:cNvGrpSpPr/>
+        <p:nvPr/>
+      </p:nvGrpSpPr>
+      <p:grpSpPr>
+        <a:xfrm>
+          <a:off x="0" y="0"/>
+          <a:ext cx="0" cy="0"/>
+          <a:chOff x="0" y="0"/>
+          <a:chExt cx="0" cy="0"/>
+        </a:xfrm>
+      </p:grpSpPr>
+      <p:sp>
+        <p:nvSpPr>
+          <p:cNvPr id="2" name="Title 1"/>
+          <p:cNvSpPr>
+            <a:spLocks noGrp="1"/>
+          </p:cNvSpPr>
+          <p:nvPr>
+            <p:ph type="title"/>
+          </p:nvPr>
+        </p:nvSpPr>
+        <p:spPr/>
+        <p:txBody>
+          <a:bodyPr/>
+          <a:lstStyle/>
+          <a:p>
+            <a:r>
+              <a:rPr lang="en-US" dirty="0" smtClean="0"/>
+              <a:t>Parole violation dataset</a:t>
+            </a:r>
+            <a:endParaRPr lang="en-US" dirty="0"/>
+          </a:p>
+        </p:txBody>
+      </p:sp>
+      <p:pic>
+        <p:nvPicPr>
+          <p:cNvPr id="4" name="Content Placeholder 3"/>
+          <p:cNvPicPr>
+            <a:picLocks noGrp="1" noChangeAspect="1"/>
+          </p:cNvPicPr>
+          <p:nvPr>
+            <p:ph sz="quarter" idx="13"/>
+          </p:nvPr>
+        </p:nvPicPr>
+        <p:blipFill>
+          <a:blip r:embed="rId2">
+            <a:extLst>
+              <a:ext uri="{28A0092B-C50C-407E-A947-70E740481C1C}">
+                <a14:useLocalDpi xmlns:a14="http://schemas.microsoft.com/office/drawing/2010/main" val="0"/>
+              </a:ext>
+            </a:extLst>
+          </a:blip>
+          <a:stretch>
+            <a:fillRect/>
+          </a:stretch>
+        </p:blipFill>
+        <p:spPr>
+          <a:xfrm>
+            <a:off x="1735968" y="2121031"/>
+            <a:ext cx="5672066" cy="3783291"/>
+          </a:xfrm>
+        </p:spPr>
+      </p:pic>
+    </p:spTree>
+    <p:extLst>
+      <p:ext uri="{BB962C8B-B14F-4D97-AF65-F5344CB8AC3E}">
+        <p14:creationId xmlns:p14="http://schemas.microsoft.com/office/powerpoint/2010/main" val="743958127"/>
+      </p:ext>
+    </p:extLst>
+  </p:cSld>
+  <p:clrMapOvr>
+    <a:masterClrMapping/>
+  </p:clrMapOvr>
+</p:sld>
+</file>
+
+<file path=ppt/slides/slide5.xml><?xml version="1.0" encoding="utf-8"?>
+<p:sld xmlns:a="http://schemas.openxmlformats.org/drawingml/2006/main" xmlns:r="http://schemas.openxmlformats.org/officeDocument/2006/relationships" xmlns:p="http://schemas.openxmlformats.org/presentationml/2006/main">
+  <p:cSld>
+    <p:bg>
+      <p:bgPr>
+        <a:gradFill flip="none" rotWithShape="1">
+          <a:gsLst>
+            <a:gs pos="0">
+              <a:schemeClr val="accent4">
+                <a:lumMod val="67000"/>
+              </a:schemeClr>
+            </a:gs>
+            <a:gs pos="48000">
+              <a:schemeClr val="accent4">
+                <a:lumMod val="97000"/>
+                <a:lumOff val="3000"/>
+              </a:schemeClr>
+            </a:gs>
+            <a:gs pos="100000">
+              <a:schemeClr val="accent4">
+                <a:lumMod val="60000"/>
+                <a:lumOff val="40000"/>
+              </a:schemeClr>
+            </a:gs>
+          </a:gsLst>
+          <a:lin ang="16200000" scaled="1"/>
+          <a:tileRect/>
+        </a:gradFill>
+        <a:effectLst/>
+      </p:bgPr>
+    </p:bg>
+    <p:spTree>
+      <p:nvGrpSpPr>
+        <p:cNvPr id="1" name=""/>
+        <p:cNvGrpSpPr/>
+        <p:nvPr/>
+      </p:nvGrpSpPr>
+      <p:grpSpPr>
+        <a:xfrm>
+          <a:off x="0" y="0"/>
+          <a:ext cx="0" cy="0"/>
+          <a:chOff x="0" y="0"/>
+          <a:chExt cx="0" cy="0"/>
+        </a:xfrm>
+      </p:grpSpPr>
+      <p:sp>
+        <p:nvSpPr>
+          <p:cNvPr id="2" name="Title 1"/>
+          <p:cNvSpPr>
+            <a:spLocks noGrp="1"/>
+          </p:cNvSpPr>
+          <p:nvPr>
+            <p:ph type="title"/>
+          </p:nvPr>
+        </p:nvSpPr>
+        <p:spPr/>
+        <p:txBody>
+          <a:bodyPr/>
+          <a:lstStyle/>
+          <a:p>
+            <a:r>
+              <a:rPr lang="en-US" dirty="0" smtClean="0"/>
+              <a:t>Libraries Used</a:t>
+            </a:r>
+            <a:endParaRPr lang="en-US" dirty="0"/>
+          </a:p>
+        </p:txBody>
+      </p:sp>
+      <p:sp>
+        <p:nvSpPr>
+          <p:cNvPr id="3" name="Content Placeholder 2"/>
+          <p:cNvSpPr>
+            <a:spLocks noGrp="1"/>
+          </p:cNvSpPr>
+          <p:nvPr>
+            <p:ph sz="quarter" idx="13"/>
+          </p:nvPr>
+        </p:nvSpPr>
+        <p:spPr/>
+        <p:txBody>
+          <a:bodyPr/>
+          <a:lstStyle/>
+          <a:p>
+            <a:r>
+              <a:rPr lang="en-US" dirty="0" err="1" smtClean="0"/>
+              <a:t>NUMPy</a:t>
+            </a:r>
+            <a:endParaRPr lang="en-US" dirty="0" smtClean="0"/>
+          </a:p>
+          <a:p>
+            <a:r>
+              <a:rPr lang="en-US" dirty="0" smtClean="0"/>
+              <a:t>SCIPY</a:t>
+            </a:r>
+          </a:p>
+          <a:p>
+            <a:r>
+              <a:rPr lang="en-US" dirty="0" err="1" smtClean="0"/>
+              <a:t>Sklearn</a:t>
+            </a:r>
+            <a:endParaRPr lang="en-US" dirty="0" smtClean="0"/>
+          </a:p>
+          <a:p>
+            <a:pPr marL="0" indent="0">
+              <a:buNone/>
+            </a:pPr>
+            <a:endParaRPr lang="en-US" dirty="0"/>
+          </a:p>
+        </p:txBody>
+      </p:sp>
+      <p:pic>
+        <p:nvPicPr>
+          <p:cNvPr id="4" name="Picture 3"/>
+          <p:cNvPicPr>
+            <a:picLocks noChangeAspect="1"/>
+          </p:cNvPicPr>
+          <p:nvPr/>
+        </p:nvPicPr>
+        <p:blipFill>
+          <a:blip r:embed="rId2">
+            <a:extLst>
+              <a:ext uri="{28A0092B-C50C-407E-A947-70E740481C1C}">
+                <a14:useLocalDpi xmlns:a14="http://schemas.microsoft.com/office/drawing/2010/main" val="0"/>
+              </a:ext>
+            </a:extLst>
+          </a:blip>
+          <a:stretch>
+            <a:fillRect/>
+          </a:stretch>
+        </p:blipFill>
+        <p:spPr>
+          <a:xfrm>
+            <a:off x="1496035" y="4212633"/>
+            <a:ext cx="5171041" cy="1163554"/>
+          </a:xfrm>
+          <a:prstGeom prst="rect">
+            <a:avLst/>
+          </a:prstGeom>
+        </p:spPr>
+      </p:pic>
+    </p:spTree>
+    <p:extLst>
+      <p:ext uri="{BB962C8B-B14F-4D97-AF65-F5344CB8AC3E}">
+        <p14:creationId xmlns:p14="http://schemas.microsoft.com/office/powerpoint/2010/main" val="1467733893"/>
+      </p:ext>
+    </p:extLst>
+  </p:cSld>
+  <p:clrMapOvr>
+    <a:masterClrMapping/>
+  </p:clrMapOvr>
+</p:sld>
+</file>
+
+<file path=ppt/slides/slide6.xml><?xml version="1.0" encoding="utf-8"?>
+<p:sld xmlns:a="http://schemas.openxmlformats.org/drawingml/2006/main" xmlns:r="http://schemas.openxmlformats.org/officeDocument/2006/relationships" xmlns:p="http://schemas.openxmlformats.org/presentationml/2006/main">
+  <p:cSld>
+    <p:bg>
+      <p:bgPr>
+        <a:gradFill flip="none" rotWithShape="1">
+          <a:gsLst>
+            <a:gs pos="0">
+              <a:schemeClr val="accent4">
+                <a:lumMod val="67000"/>
+              </a:schemeClr>
+            </a:gs>
+            <a:gs pos="48000">
+              <a:schemeClr val="accent4">
+                <a:lumMod val="97000"/>
+                <a:lumOff val="3000"/>
+              </a:schemeClr>
+            </a:gs>
+            <a:gs pos="100000">
+              <a:schemeClr val="accent4">
+                <a:lumMod val="60000"/>
+                <a:lumOff val="40000"/>
+              </a:schemeClr>
+            </a:gs>
+          </a:gsLst>
+          <a:lin ang="16200000" scaled="1"/>
+          <a:tileRect/>
+        </a:gradFill>
+        <a:effectLst/>
+      </p:bgPr>
+    </p:bg>
+    <p:spTree>
+      <p:nvGrpSpPr>
+        <p:cNvPr id="1" name=""/>
+        <p:cNvGrpSpPr/>
+        <p:nvPr/>
+      </p:nvGrpSpPr>
+      <p:grpSpPr>
+        <a:xfrm>
+          <a:off x="0" y="0"/>
+          <a:ext cx="0" cy="0"/>
+          <a:chOff x="0" y="0"/>
+          <a:chExt cx="0" cy="0"/>
+        </a:xfrm>
+      </p:grpSpPr>
+      <p:sp>
+        <p:nvSpPr>
+          <p:cNvPr id="2" name="Title 1"/>
+          <p:cNvSpPr>
+            <a:spLocks noGrp="1"/>
+          </p:cNvSpPr>
+          <p:nvPr>
+            <p:ph type="title"/>
+          </p:nvPr>
+        </p:nvSpPr>
+        <p:spPr/>
+        <p:txBody>
+          <a:bodyPr>
+            <a:normAutofit/>
+          </a:bodyPr>
+          <a:lstStyle/>
+          <a:p>
+            <a:r>
+              <a:rPr lang="en-US" dirty="0" smtClean="0"/>
+              <a:t>Variables taken into consideration</a:t>
+            </a:r>
+            <a:endParaRPr lang="en-US" dirty="0"/>
+          </a:p>
+        </p:txBody>
+      </p:sp>
+      <p:sp>
+        <p:nvSpPr>
+          <p:cNvPr id="3" name="Content Placeholder 2"/>
+          <p:cNvSpPr>
+            <a:spLocks noGrp="1"/>
+          </p:cNvSpPr>
+          <p:nvPr>
+            <p:ph sz="quarter" idx="13"/>
+          </p:nvPr>
+        </p:nvSpPr>
+        <p:spPr/>
+        <p:txBody>
+          <a:bodyPr/>
+          <a:lstStyle/>
+          <a:p>
+            <a:r>
+              <a:rPr lang="en-US" dirty="0" smtClean="0"/>
+              <a:t>Sex</a:t>
+            </a:r>
+          </a:p>
+          <a:p>
+            <a:r>
+              <a:rPr lang="en-US" dirty="0" err="1" smtClean="0"/>
+              <a:t>Multipleoffenses</a:t>
+            </a:r>
+            <a:r>
+              <a:rPr lang="en-US" dirty="0" smtClean="0"/>
+              <a:t> (Boolean value)</a:t>
+            </a:r>
+          </a:p>
+          <a:p>
+            <a:r>
+              <a:rPr lang="en-US" dirty="0" smtClean="0"/>
+              <a:t>Violator</a:t>
+            </a:r>
+          </a:p>
+          <a:p>
+            <a:endParaRPr lang="en-US" dirty="0"/>
+          </a:p>
+          <a:p>
+            <a:pPr marL="0" indent="0">
+              <a:buNone/>
+            </a:pPr>
+            <a:r>
+              <a:rPr lang="en-US" dirty="0" smtClean="0"/>
+              <a:t>Data Ignored:</a:t>
+            </a:r>
+          </a:p>
+          <a:p>
+            <a:pPr marL="0" indent="0">
+              <a:buNone/>
+            </a:pPr>
+            <a:r>
+              <a:rPr lang="en-US" dirty="0" smtClean="0"/>
+              <a:t>Race, age, state, </a:t>
+            </a:r>
+            <a:r>
+              <a:rPr lang="en-US" dirty="0" err="1" smtClean="0"/>
+              <a:t>timeserved</a:t>
+            </a:r>
+            <a:r>
+              <a:rPr lang="en-US" dirty="0" smtClean="0"/>
+              <a:t>, crimes, </a:t>
+            </a:r>
+            <a:r>
+              <a:rPr lang="en-US" dirty="0" err="1" smtClean="0"/>
+              <a:t>maxsenteces</a:t>
+            </a:r>
+            <a:endParaRPr lang="en-US" dirty="0"/>
+          </a:p>
+        </p:txBody>
+      </p:sp>
+    </p:spTree>
+    <p:extLst>
+      <p:ext uri="{BB962C8B-B14F-4D97-AF65-F5344CB8AC3E}">
+        <p14:creationId xmlns:p14="http://schemas.microsoft.com/office/powerpoint/2010/main" val="222235038"/>
+      </p:ext>
+    </p:extLst>
+  </p:cSld>
+  <p:clrMapOvr>
+    <a:masterClrMapping/>
+  </p:clrMapOvr>
+</p:sld>
+</file>
+
+<file path=ppt/slides/slide7.xml><?xml version="1.0" encoding="utf-8"?>
+<p:sld xmlns:a="http://schemas.openxmlformats.org/drawingml/2006/main" xmlns:r="http://schemas.openxmlformats.org/officeDocument/2006/relationships" xmlns:p="http://schemas.openxmlformats.org/presentationml/2006/main">
+  <p:cSld>
+    <p:bg>
+      <p:bgPr>
+        <a:solidFill>
+          <a:schemeClr val="accent4"/>
+        </a:solidFill>
+        <a:effectLst/>
+      </p:bgPr>
+    </p:bg>
+    <p:spTree>
+      <p:nvGrpSpPr>
+        <p:cNvPr id="1" name=""/>
+        <p:cNvGrpSpPr/>
+        <p:nvPr/>
+      </p:nvGrpSpPr>
+      <p:grpSpPr>
+        <a:xfrm>
+          <a:off x="0" y="0"/>
+          <a:ext cx="0" cy="0"/>
+          <a:chOff x="0" y="0"/>
+          <a:chExt cx="0" cy="0"/>
+        </a:xfrm>
+      </p:grpSpPr>
+      <p:sp>
+        <p:nvSpPr>
+          <p:cNvPr id="2" name="Title 1"/>
+          <p:cNvSpPr>
+            <a:spLocks noGrp="1"/>
+          </p:cNvSpPr>
+          <p:nvPr>
+            <p:ph type="title"/>
+          </p:nvPr>
+        </p:nvSpPr>
+        <p:spPr/>
+        <p:txBody>
+          <a:bodyPr/>
+          <a:lstStyle/>
+          <a:p>
+            <a:r>
+              <a:rPr lang="en-US" dirty="0" smtClean="0"/>
+              <a:t>Process</a:t>
+            </a:r>
+            <a:endParaRPr lang="en-US" dirty="0"/>
+          </a:p>
+        </p:txBody>
+      </p:sp>
+      <p:sp>
+        <p:nvSpPr>
+          <p:cNvPr id="3" name="Content Placeholder 2"/>
+          <p:cNvSpPr>
+            <a:spLocks noGrp="1"/>
+          </p:cNvSpPr>
+          <p:nvPr>
+            <p:ph sz="quarter" idx="13"/>
+          </p:nvPr>
+        </p:nvSpPr>
+        <p:spPr>
+          <a:xfrm>
+            <a:off x="982133" y="1923068"/>
+            <a:ext cx="7704667" cy="4076748"/>
+          </a:xfrm>
+        </p:spPr>
+        <p:txBody>
+          <a:bodyPr/>
+          <a:lstStyle/>
+          <a:p>
+            <a:r>
+              <a:rPr lang="en-US" dirty="0" smtClean="0"/>
+              <a:t>Taken 409 instances out of 675 sample and used logistic regression on these instances</a:t>
+            </a:r>
+          </a:p>
+          <a:p>
+            <a:r>
+              <a:rPr lang="en-US" dirty="0" smtClean="0"/>
+              <a:t>Taken another 409 samples randomly from 675 samples and used them as test </a:t>
+            </a:r>
+            <a:r>
+              <a:rPr lang="en-US" dirty="0" smtClean="0"/>
+              <a:t>sample</a:t>
+            </a:r>
+          </a:p>
+          <a:p>
+            <a:r>
+              <a:rPr lang="en-US" dirty="0" smtClean="0"/>
+              <a:t>No missing values were found</a:t>
+            </a:r>
+          </a:p>
+          <a:p>
+            <a:endParaRPr lang="en-US" dirty="0"/>
+          </a:p>
+        </p:txBody>
+      </p:sp>
+      <p:pic>
+        <p:nvPicPr>
+          <p:cNvPr id="4" name="Picture 3"/>
+          <p:cNvPicPr>
+            <a:picLocks noChangeAspect="1"/>
+          </p:cNvPicPr>
+          <p:nvPr/>
+        </p:nvPicPr>
+        <p:blipFill>
+          <a:blip r:embed="rId3">
+            <a:extLst>
+              <a:ext uri="{28A0092B-C50C-407E-A947-70E740481C1C}">
+                <a14:useLocalDpi xmlns:a14="http://schemas.microsoft.com/office/drawing/2010/main" val="0"/>
+              </a:ext>
+            </a:extLst>
+          </a:blip>
+          <a:stretch>
+            <a:fillRect/>
+          </a:stretch>
+        </p:blipFill>
+        <p:spPr>
+          <a:xfrm>
+            <a:off x="1357560" y="4252813"/>
+            <a:ext cx="4105275" cy="1209675"/>
+          </a:xfrm>
+          <a:prstGeom prst="rect">
+            <a:avLst/>
+          </a:prstGeom>
+        </p:spPr>
+      </p:pic>
+    </p:spTree>
+    <p:extLst>
+      <p:ext uri="{BB962C8B-B14F-4D97-AF65-F5344CB8AC3E}">
+        <p14:creationId xmlns:p14="http://schemas.microsoft.com/office/powerpoint/2010/main" val="129238832"/>
+      </p:ext>
+    </p:extLst>
+  </p:cSld>
+  <p:clrMapOvr>
+    <a:masterClrMapping/>
+  </p:clrMapOvr>
+</p:sld>
+</file>
+
+<file path=ppt/slides/slide8.xml><?xml version="1.0" encoding="utf-8"?>
+<p:sld xmlns:a="http://schemas.openxmlformats.org/drawingml/2006/main" xmlns:r="http://schemas.openxmlformats.org/officeDocument/2006/relationships" xmlns:p="http://schemas.openxmlformats.org/presentationml/2006/main">
+  <p:cSld>
+    <p:bg>
+      <p:bgPr>
+        <a:solidFill>
+          <a:schemeClr val="accent4"/>
+        </a:solidFill>
+        <a:effectLst/>
+      </p:bgPr>
+    </p:bg>
+    <p:spTree>
+      <p:nvGrpSpPr>
+        <p:cNvPr id="1" name=""/>
+        <p:cNvGrpSpPr/>
+        <p:nvPr/>
+      </p:nvGrpSpPr>
+      <p:grpSpPr>
+        <a:xfrm>
+          <a:off x="0" y="0"/>
+          <a:ext cx="0" cy="0"/>
+          <a:chOff x="0" y="0"/>
+          <a:chExt cx="0" cy="0"/>
+        </a:xfrm>
+      </p:grpSpPr>
+      <p:sp>
+        <p:nvSpPr>
+          <p:cNvPr id="2" name="Title 1"/>
+          <p:cNvSpPr>
+            <a:spLocks noGrp="1"/>
+          </p:cNvSpPr>
+          <p:nvPr>
+            <p:ph type="title"/>
+          </p:nvPr>
+        </p:nvSpPr>
+        <p:spPr/>
+        <p:txBody>
+          <a:bodyPr/>
+          <a:lstStyle/>
+          <a:p>
+            <a:r>
+              <a:rPr lang="en-US" dirty="0" smtClean="0"/>
+              <a:t>Decision tree</a:t>
+            </a:r>
+            <a:endParaRPr lang="en-US" dirty="0"/>
+          </a:p>
+        </p:txBody>
+      </p:sp>
+      <p:sp>
+        <p:nvSpPr>
+          <p:cNvPr id="3" name="Content Placeholder 2"/>
+          <p:cNvSpPr>
+            <a:spLocks noGrp="1"/>
+          </p:cNvSpPr>
+          <p:nvPr>
+            <p:ph sz="quarter" idx="13"/>
+          </p:nvPr>
+        </p:nvSpPr>
+        <p:spPr/>
+        <p:txBody>
+          <a:bodyPr/>
+          <a:lstStyle/>
+          <a:p>
+            <a:r>
+              <a:rPr lang="en-US" dirty="0" smtClean="0"/>
+              <a:t>Also used decision tree from </a:t>
+            </a:r>
+            <a:r>
+              <a:rPr lang="en-US" dirty="0" err="1" smtClean="0"/>
+              <a:t>sklearn</a:t>
+            </a:r>
+            <a:r>
+              <a:rPr lang="en-US" dirty="0" smtClean="0"/>
+              <a:t> library</a:t>
+            </a:r>
+          </a:p>
+          <a:p>
+            <a:r>
+              <a:rPr lang="en-US" dirty="0" smtClean="0"/>
+              <a:t>Got same result</a:t>
+            </a:r>
+            <a:endParaRPr lang="en-US" dirty="0"/>
+          </a:p>
+        </p:txBody>
+      </p:sp>
+      <p:pic>
+        <p:nvPicPr>
+          <p:cNvPr id="4" name="Picture 3"/>
+          <p:cNvPicPr>
+            <a:picLocks noChangeAspect="1"/>
+          </p:cNvPicPr>
+          <p:nvPr/>
+        </p:nvPicPr>
+        <p:blipFill>
+          <a:blip r:embed="rId2">
+            <a:extLst>
+              <a:ext uri="{28A0092B-C50C-407E-A947-70E740481C1C}">
+                <a14:useLocalDpi xmlns:a14="http://schemas.microsoft.com/office/drawing/2010/main" val="0"/>
+              </a:ext>
+            </a:extLst>
+          </a:blip>
+          <a:stretch>
+            <a:fillRect/>
+          </a:stretch>
+        </p:blipFill>
+        <p:spPr>
+          <a:xfrm>
+            <a:off x="2053234" y="3958916"/>
+            <a:ext cx="5259577" cy="1197143"/>
+          </a:xfrm>
+          <a:prstGeom prst="rect">
+            <a:avLst/>
+          </a:prstGeom>
+        </p:spPr>
+      </p:pic>
+    </p:spTree>
+    <p:extLst>
+      <p:ext uri="{BB962C8B-B14F-4D97-AF65-F5344CB8AC3E}">
+        <p14:creationId xmlns:p14="http://schemas.microsoft.com/office/powerpoint/2010/main" val="491253962"/>
+      </p:ext>
+    </p:extLst>
+  </p:cSld>
+  <p:clrMapOvr>
+    <a:masterClrMapping/>
+  </p:clrMapOvr>
+</p:sld>
+</file>
+
+<file path=ppt/slides/slide9.xml><?xml version="1.0" encoding="utf-8"?>
+<p:sld xmlns:a="http://schemas.openxmlformats.org/drawingml/2006/main" xmlns:r="http://schemas.openxmlformats.org/officeDocument/2006/relationships" xmlns:p="http://schemas.openxmlformats.org/presentationml/2006/main">
+  <p:cSld>
+    <p:bg>
+      <p:bgPr>
+        <a:solidFill>
+          <a:schemeClr val="accent4"/>
+        </a:solidFill>
+        <a:effectLst/>
+      </p:bgPr>
+    </p:bg>
+    <p:spTree>
+      <p:nvGrpSpPr>
+        <p:cNvPr id="1" name=""/>
+        <p:cNvGrpSpPr/>
+        <p:nvPr/>
+      </p:nvGrpSpPr>
+      <p:grpSpPr>
+        <a:xfrm>
+          <a:off x="0" y="0"/>
+          <a:ext cx="0" cy="0"/>
+          <a:chOff x="0" y="0"/>
+          <a:chExt cx="0" cy="0"/>
+        </a:xfrm>
+      </p:grpSpPr>
+      <p:sp>
+        <p:nvSpPr>
+          <p:cNvPr id="2" name="Title 1"/>
+          <p:cNvSpPr>
+            <a:spLocks noGrp="1"/>
+          </p:cNvSpPr>
+          <p:nvPr>
+            <p:ph type="title"/>
+          </p:nvPr>
+        </p:nvSpPr>
+        <p:spPr/>
+        <p:txBody>
+          <a:bodyPr>
+            <a:normAutofit fontScale="90000"/>
+          </a:bodyPr>
+          <a:lstStyle/>
+          <a:p>
+            <a:r>
+              <a:rPr lang="en-US" dirty="0" smtClean="0"/>
+              <a:t/>
+            </a:r>
+            <a:br>
+              <a:rPr lang="en-US" dirty="0" smtClean="0"/>
+            </a:br>
+            <a:r>
+              <a:rPr lang="en-US" dirty="0" smtClean="0"/>
+              <a:t>Predicted data from both logistic regression and decision tree</a:t>
+            </a:r>
+            <a:br>
+              <a:rPr lang="en-US" dirty="0" smtClean="0"/>
+            </a:br>
+            <a:endParaRPr lang="en-US" dirty="0"/>
+          </a:p>
+        </p:txBody>
+      </p:sp>
+      <p:pic>
+        <p:nvPicPr>
+          <p:cNvPr id="4" name="Content Placeholder 3"/>
+          <p:cNvPicPr>
+            <a:picLocks noGrp="1" noChangeAspect="1"/>
+          </p:cNvPicPr>
+          <p:nvPr>
+            <p:ph sz="quarter" idx="13"/>
+          </p:nvPr>
+        </p:nvPicPr>
+        <p:blipFill>
+          <a:blip r:embed="rId2">
+            <a:extLst>
+              <a:ext uri="{28A0092B-C50C-407E-A947-70E740481C1C}">
+                <a14:useLocalDpi xmlns:a14="http://schemas.microsoft.com/office/drawing/2010/main" val="0"/>
+              </a:ext>
+            </a:extLst>
+          </a:blip>
+          <a:stretch>
+            <a:fillRect/>
+          </a:stretch>
+        </p:blipFill>
+        <p:spPr>
+          <a:xfrm>
+            <a:off x="1831728" y="2366963"/>
+            <a:ext cx="5480544" cy="3424237"/>
+          </a:xfrm>
+        </p:spPr>
+      </p:pic>
+    </p:spTree>
+    <p:extLst>
+      <p:ext uri="{BB962C8B-B14F-4D97-AF65-F5344CB8AC3E}">
+        <p14:creationId xmlns:p14="http://schemas.microsoft.com/office/powerpoint/2010/main" val="1425229894"/>
       </p:ext>
     </p:extLst>
   </p:cSld>
@@ -7125,4 +8258,265 @@
     </a:ext>
   </a:extLst>
 </a:theme>
+</file>
+
+<file path=ppt/theme/theme2.xml><?xml version="1.0" encoding="utf-8"?>
+<a:theme xmlns:a="http://schemas.openxmlformats.org/drawingml/2006/main" name="Office Theme">
+  <a:themeElements>
+    <a:clrScheme name="Office">
+      <a:dk1>
+        <a:sysClr val="windowText" lastClr="000000"/>
+      </a:dk1>
+      <a:lt1>
+        <a:sysClr val="window" lastClr="FFFFFF"/>
+      </a:lt1>
+      <a:dk2>
+        <a:srgbClr val="44546A"/>
+      </a:dk2>
+      <a:lt2>
+        <a:srgbClr val="E7E6E6"/>
+      </a:lt2>
+      <a:accent1>
+        <a:srgbClr val="5B9BD5"/>
+      </a:accent1>
+      <a:accent2>
+        <a:srgbClr val="ED7D31"/>
+      </a:accent2>
+      <a:accent3>
+        <a:srgbClr val="A5A5A5"/>
+      </a:accent3>
+      <a:accent4>
+        <a:srgbClr val="FFC000"/>
+      </a:accent4>
+      <a:accent5>
+        <a:srgbClr val="4472C4"/>
+      </a:accent5>
+      <a:accent6>
+        <a:srgbClr val="70AD47"/>
+      </a:accent6>
+      <a:hlink>
+        <a:srgbClr val="0563C1"/>
+      </a:hlink>
+      <a:folHlink>
+        <a:srgbClr val="954F72"/>
+      </a:folHlink>
+    </a:clrScheme>
+    <a:fontScheme name="Office">
+      <a:majorFont>
+        <a:latin typeface="Calibri Light" panose="020F0302020204030204"/>
+        <a:ea typeface=""/>
+        <a:cs typeface=""/>
+        <a:font script="Jpan" typeface="ＭＳ Ｐゴシック"/>
+        <a:font script="Hang" typeface="맑은 고딕"/>
+        <a:font script="Hans" typeface="宋体"/>
+        <a:font script="Hant" typeface="新細明體"/>
+        <a:font script="Arab" typeface="Times New Roman"/>
+        <a:font script="Hebr" typeface="Times New Roman"/>
+        <a:font script="Thai" typeface="Angsana New"/>
+        <a:font script="Ethi" typeface="Nyala"/>
+        <a:font script="Beng" typeface="Vrinda"/>
+        <a:font script="Gujr" typeface="Shruti"/>
+        <a:font script="Khmr" typeface="MoolBoran"/>
+        <a:font script="Knda" typeface="Tunga"/>
+        <a:font script="Guru" typeface="Raavi"/>
+        <a:font script="Cans" typeface="Euphemia"/>
+        <a:font script="Cher" typeface="Plantagenet Cherokee"/>
+        <a:font script="Yiii" typeface="Microsoft Yi Baiti"/>
+        <a:font script="Tibt" typeface="Microsoft Himalaya"/>
+        <a:font script="Thaa" typeface="MV Boli"/>
+        <a:font script="Deva" typeface="Mangal"/>
+        <a:font script="Telu" typeface="Gautami"/>
+        <a:font script="Taml" typeface="Latha"/>
+        <a:font script="Syrc" typeface="Estrangelo Edessa"/>
+        <a:font script="Orya" typeface="Kalinga"/>
+        <a:font script="Mlym" typeface="Kartika"/>
+        <a:font script="Laoo" typeface="DokChampa"/>
+        <a:font script="Sinh" typeface="Iskoola Pota"/>
+        <a:font script="Mong" typeface="Mongolian Baiti"/>
+        <a:font script="Viet" typeface="Times New Roman"/>
+        <a:font script="Uigh" typeface="Microsoft Uighur"/>
+        <a:font script="Geor" typeface="Sylfaen"/>
+      </a:majorFont>
+      <a:minorFont>
+        <a:latin typeface="Calibri" panose="020F0502020204030204"/>
+        <a:ea typeface=""/>
+        <a:cs typeface=""/>
+        <a:font script="Jpan" typeface="ＭＳ Ｐゴシック"/>
+        <a:font script="Hang" typeface="맑은 고딕"/>
+        <a:font script="Hans" typeface="宋体"/>
+        <a:font script="Hant" typeface="新細明體"/>
+        <a:font script="Arab" typeface="Arial"/>
+        <a:font script="Hebr" typeface="Arial"/>
+        <a:font script="Thai" typeface="Cordia New"/>
+        <a:font script="Ethi" typeface="Nyala"/>
+        <a:font script="Beng" typeface="Vrinda"/>
+        <a:font script="Gujr" typeface="Shruti"/>
+        <a:font script="Khmr" typeface="DaunPenh"/>
+        <a:font script="Knda" typeface="Tunga"/>
+        <a:font script="Guru" typeface="Raavi"/>
+        <a:font script="Cans" typeface="Euphemia"/>
+        <a:font script="Cher" typeface="Plantagenet Cherokee"/>
+        <a:font script="Yiii" typeface="Microsoft Yi Baiti"/>
+        <a:font script="Tibt" typeface="Microsoft Himalaya"/>
+        <a:font script="Thaa" typeface="MV Boli"/>
+        <a:font script="Deva" typeface="Mangal"/>
+        <a:font script="Telu" typeface="Gautami"/>
+        <a:font script="Taml" typeface="Latha"/>
+        <a:font script="Syrc" typeface="Estrangelo Edessa"/>
+        <a:font script="Orya" typeface="Kalinga"/>
+        <a:font script="Mlym" typeface="Kartika"/>
+        <a:font script="Laoo" typeface="DokChampa"/>
+        <a:font script="Sinh" typeface="Iskoola Pota"/>
+        <a:font script="Mong" typeface="Mongolian Baiti"/>
+        <a:font script="Viet" typeface="Arial"/>
+        <a:font script="Uigh" typeface="Microsoft Uighur"/>
+        <a:font script="Geor" typeface="Sylfaen"/>
+      </a:minorFont>
+    </a:fontScheme>
+    <a:fmtScheme name="Office">
+      <a:fillStyleLst>
+        <a:solidFill>
+          <a:schemeClr val="phClr"/>
+        </a:solidFill>
+        <a:gradFill rotWithShape="1">
+          <a:gsLst>
+            <a:gs pos="0">
+              <a:schemeClr val="phClr">
+                <a:lumMod val="110000"/>
+                <a:satMod val="105000"/>
+                <a:tint val="67000"/>
+              </a:schemeClr>
+            </a:gs>
+            <a:gs pos="50000">
+              <a:schemeClr val="phClr">
+                <a:lumMod val="105000"/>
+                <a:satMod val="103000"/>
+                <a:tint val="73000"/>
+              </a:schemeClr>
+            </a:gs>
+            <a:gs pos="100000">
+              <a:schemeClr val="phClr">
+                <a:lumMod val="105000"/>
+                <a:satMod val="109000"/>
+                <a:tint val="81000"/>
+              </a:schemeClr>
+            </a:gs>
+          </a:gsLst>
+          <a:lin ang="5400000" scaled="0"/>
+        </a:gradFill>
+        <a:gradFill rotWithShape="1">
+          <a:gsLst>
+            <a:gs pos="0">
+              <a:schemeClr val="phClr">
+                <a:satMod val="103000"/>
+                <a:lumMod val="102000"/>
+                <a:tint val="94000"/>
+              </a:schemeClr>
+            </a:gs>
+            <a:gs pos="50000">
+              <a:schemeClr val="phClr">
+                <a:satMod val="110000"/>
+                <a:lumMod val="100000"/>
+                <a:shade val="100000"/>
+              </a:schemeClr>
+            </a:gs>
+            <a:gs pos="100000">
+              <a:schemeClr val="phClr">
+                <a:lumMod val="99000"/>
+                <a:satMod val="120000"/>
+                <a:shade val="78000"/>
+              </a:schemeClr>
+            </a:gs>
+          </a:gsLst>
+          <a:lin ang="5400000" scaled="0"/>
+        </a:gradFill>
+      </a:fillStyleLst>
+      <a:lnStyleLst>
+        <a:ln w="6350" cap="flat" cmpd="sng" algn="ctr">
+          <a:solidFill>
+            <a:schemeClr val="phClr"/>
+          </a:solidFill>
+          <a:prstDash val="solid"/>
+          <a:miter lim="800000"/>
+        </a:ln>
+        <a:ln w="12700" cap="flat" cmpd="sng" algn="ctr">
+          <a:solidFill>
+            <a:schemeClr val="phClr"/>
+          </a:solidFill>
+          <a:prstDash val="solid"/>
+          <a:miter lim="800000"/>
+        </a:ln>
+        <a:ln w="19050" cap="flat" cmpd="sng" algn="ctr">
+          <a:solidFill>
+            <a:schemeClr val="phClr"/>
+          </a:solidFill>
+          <a:prstDash val="solid"/>
+          <a:miter lim="800000"/>
+        </a:ln>
+      </a:lnStyleLst>
+      <a:effectStyleLst>
+        <a:effectStyle>
+          <a:effectLst/>
+        </a:effectStyle>
+        <a:effectStyle>
+          <a:effectLst/>
+        </a:effectStyle>
+        <a:effectStyle>
+          <a:effectLst>
+            <a:outerShdw blurRad="57150" dist="19050" dir="5400000" algn="ctr" rotWithShape="0">
+              <a:srgbClr val="000000">
+                <a:alpha val="63000"/>
+              </a:srgbClr>
+            </a:outerShdw>
+          </a:effectLst>
+        </a:effectStyle>
+      </a:effectStyleLst>
+      <a:bgFillStyleLst>
+        <a:solidFill>
+          <a:schemeClr val="phClr"/>
+        </a:solidFill>
+        <a:solidFill>
+          <a:schemeClr val="phClr">
+            <a:tint val="95000"/>
+            <a:satMod val="170000"/>
+          </a:schemeClr>
+        </a:solidFill>
+        <a:gradFill rotWithShape="1">
+          <a:gsLst>
+            <a:gs pos="0">
+              <a:schemeClr val="phClr">
+                <a:tint val="93000"/>
+                <a:satMod val="150000"/>
+                <a:shade val="98000"/>
+                <a:lumMod val="102000"/>
+              </a:schemeClr>
+            </a:gs>
+            <a:gs pos="50000">
+              <a:schemeClr val="phClr">
+                <a:tint val="98000"/>
+                <a:satMod val="130000"/>
+                <a:shade val="90000"/>
+                <a:lumMod val="103000"/>
+              </a:schemeClr>
+            </a:gs>
+            <a:gs pos="100000">
+              <a:schemeClr val="phClr">
+                <a:shade val="63000"/>
+                <a:satMod val="120000"/>
+              </a:schemeClr>
+            </a:gs>
+          </a:gsLst>
+          <a:lin ang="5400000" scaled="0"/>
+        </a:gradFill>
+      </a:bgFillStyleLst>
+    </a:fmtScheme>
+  </a:themeElements>
+  <a:objectDefaults/>
+  <a:extraClrSchemeLst/>
+  <a:extLst>
+    <a:ext uri="{05A4C25C-085E-4340-85A3-A5531E510DB2}">
+      <thm15:themeFamily xmlns:thm15="http://schemas.microsoft.com/office/thememl/2012/main" name="Office Theme" id="{62F939B6-93AF-4DB8-9C6B-D6C7DFDC589F}" vid="{4A3C46E8-61CC-4603-A589-7422A47A8E4A}"/>
+    </a:ext>
+  </a:extLst>
+</a:theme>
 </file>
--- a/project/LogisticRegression.pptx
+++ b/project/LogisticRegression.pptx
@@ -2,23 +2,30 @@
 <file path=ppt/presentation.xml><?xml version="1.0" encoding="utf-8"?>
 <p:presentation xmlns:a="http://schemas.openxmlformats.org/drawingml/2006/main" xmlns:r="http://schemas.openxmlformats.org/officeDocument/2006/relationships" xmlns:p="http://schemas.openxmlformats.org/presentationml/2006/main" saveSubsetFonts="1" autoCompressPictures="0">
   <p:sldMasterIdLst>
-    <p:sldMasterId id="2147484864" r:id="rId1"/>
+    <p:sldMasterId id="2147484936" r:id="rId1"/>
   </p:sldMasterIdLst>
   <p:notesMasterIdLst>
-    <p:notesMasterId r:id="rId13"/>
+    <p:notesMasterId r:id="rId20"/>
   </p:notesMasterIdLst>
   <p:sldIdLst>
     <p:sldId id="256" r:id="rId2"/>
     <p:sldId id="266" r:id="rId3"/>
     <p:sldId id="257" r:id="rId4"/>
     <p:sldId id="261" r:id="rId5"/>
-    <p:sldId id="258" r:id="rId6"/>
+    <p:sldId id="267" r:id="rId6"/>
     <p:sldId id="260" r:id="rId7"/>
-    <p:sldId id="259" r:id="rId8"/>
-    <p:sldId id="264" r:id="rId9"/>
-    <p:sldId id="265" r:id="rId10"/>
-    <p:sldId id="262" r:id="rId11"/>
-    <p:sldId id="263" r:id="rId12"/>
+    <p:sldId id="273" r:id="rId8"/>
+    <p:sldId id="269" r:id="rId9"/>
+    <p:sldId id="258" r:id="rId10"/>
+    <p:sldId id="259" r:id="rId11"/>
+    <p:sldId id="268" r:id="rId12"/>
+    <p:sldId id="270" r:id="rId13"/>
+    <p:sldId id="271" r:id="rId14"/>
+    <p:sldId id="272" r:id="rId15"/>
+    <p:sldId id="265" r:id="rId16"/>
+    <p:sldId id="262" r:id="rId17"/>
+    <p:sldId id="274" r:id="rId18"/>
+    <p:sldId id="263" r:id="rId19"/>
   </p:sldIdLst>
   <p:sldSz cx="9144000" cy="6858000" type="screen4x3"/>
   <p:notesSz cx="6858000" cy="9144000"/>
@@ -545,7 +552,7 @@
           <a:p>
             <a:fld id="{A4560D41-F940-4B41-A50E-C6D3FA78C987}" type="slidenum">
               <a:rPr lang="en-US" smtClean="0"/>
-              <a:t>7</a:t>
+              <a:t>10</a:t>
             </a:fld>
             <a:endParaRPr lang="en-US"/>
           </a:p>
@@ -583,7 +590,7 @@
       </p:grpSpPr>
       <p:pic>
         <p:nvPicPr>
-          <p:cNvPr id="8" name="Picture 7" descr="Droplets-SD-Title-R1d.png"/>
+          <p:cNvPr id="7" name="Picture 6" descr="HD-ShadowLong.png"/>
           <p:cNvPicPr>
             <a:picLocks noChangeAspect="1"/>
           </p:cNvPicPr>
@@ -603,36 +610,145 @@
         </p:blipFill>
         <p:spPr>
           <a:xfrm>
-            <a:off x="0" y="0"/>
-            <a:ext cx="9144000" cy="6858000"/>
+            <a:off x="1" y="4242851"/>
+            <a:ext cx="6726063" cy="275942"/>
           </a:xfrm>
           <a:prstGeom prst="rect">
             <a:avLst/>
           </a:prstGeom>
         </p:spPr>
       </p:pic>
-      <p:sp>
-        <p:nvSpPr>
-          <p:cNvPr id="2" name="Title 1"/>
-          <p:cNvSpPr>
-            <a:spLocks noGrp="1"/>
-          </p:cNvSpPr>
-          <p:nvPr>
-            <p:ph type="ctrTitle"/>
-          </p:nvPr>
-        </p:nvSpPr>
+      <p:pic>
+        <p:nvPicPr>
+          <p:cNvPr id="8" name="Picture 7" descr="HD-ShadowShort.png"/>
+          <p:cNvPicPr>
+            <a:picLocks noChangeAspect="1"/>
+          </p:cNvPicPr>
+          <p:nvPr/>
+        </p:nvPicPr>
+        <p:blipFill>
+          <a:blip r:embed="rId3">
+            <a:extLst>
+              <a:ext uri="{28A0092B-C50C-407E-A947-70E740481C1C}">
+                <a14:useLocalDpi xmlns:a14="http://schemas.microsoft.com/office/drawing/2010/main" val="0"/>
+              </a:ext>
+            </a:extLst>
+          </a:blip>
+          <a:stretch>
+            <a:fillRect/>
+          </a:stretch>
+        </p:blipFill>
         <p:spPr>
           <a:xfrm>
-            <a:off x="1313259" y="1300786"/>
-            <a:ext cx="6517482" cy="2509213"/>
+            <a:off x="6833787" y="4243845"/>
+            <a:ext cx="2307831" cy="276940"/>
+          </a:xfrm>
+          <a:prstGeom prst="rect">
+            <a:avLst/>
+          </a:prstGeom>
+        </p:spPr>
+      </p:pic>
+      <p:sp>
+        <p:nvSpPr>
+          <p:cNvPr id="9" name="Rectangle 8"/>
+          <p:cNvSpPr/>
+          <p:nvPr/>
+        </p:nvSpPr>
+        <p:spPr>
+          <a:xfrm>
+            <a:off x="0" y="2590078"/>
+            <a:ext cx="6726064" cy="1660332"/>
+          </a:xfrm>
+          <a:prstGeom prst="rect">
+            <a:avLst/>
+          </a:prstGeom>
+          <a:solidFill>
+            <a:schemeClr val="bg1">
+              <a:lumMod val="85000"/>
+              <a:lumOff val="15000"/>
+            </a:schemeClr>
+          </a:solidFill>
+          <a:ln>
+            <a:noFill/>
+          </a:ln>
+        </p:spPr>
+        <p:style>
+          <a:lnRef idx="2">
+            <a:schemeClr val="accent1">
+              <a:shade val="50000"/>
+            </a:schemeClr>
+          </a:lnRef>
+          <a:fillRef idx="1">
+            <a:schemeClr val="accent1"/>
+          </a:fillRef>
+          <a:effectRef idx="0">
+            <a:schemeClr val="accent1"/>
+          </a:effectRef>
+          <a:fontRef idx="minor">
+            <a:schemeClr val="lt1"/>
+          </a:fontRef>
+        </p:style>
+      </p:sp>
+      <p:sp>
+        <p:nvSpPr>
+          <p:cNvPr id="10" name="Rectangle 9"/>
+          <p:cNvSpPr/>
+          <p:nvPr/>
+        </p:nvSpPr>
+        <p:spPr>
+          <a:xfrm>
+            <a:off x="6833787" y="2590078"/>
+            <a:ext cx="2307832" cy="1660332"/>
+          </a:xfrm>
+          <a:prstGeom prst="rect">
+            <a:avLst/>
+          </a:prstGeom>
+          <a:solidFill>
+            <a:schemeClr val="accent1"/>
+          </a:solidFill>
+          <a:ln>
+            <a:noFill/>
+          </a:ln>
+        </p:spPr>
+        <p:style>
+          <a:lnRef idx="2">
+            <a:schemeClr val="accent1">
+              <a:shade val="50000"/>
+            </a:schemeClr>
+          </a:lnRef>
+          <a:fillRef idx="1">
+            <a:schemeClr val="accent1"/>
+          </a:fillRef>
+          <a:effectRef idx="0">
+            <a:schemeClr val="accent1"/>
+          </a:effectRef>
+          <a:fontRef idx="minor">
+            <a:schemeClr val="lt1"/>
+          </a:fontRef>
+        </p:style>
+      </p:sp>
+      <p:sp>
+        <p:nvSpPr>
+          <p:cNvPr id="2" name="Title 1"/>
+          <p:cNvSpPr>
+            <a:spLocks noGrp="1"/>
+          </p:cNvSpPr>
+          <p:nvPr>
+            <p:ph type="ctrTitle"/>
+          </p:nvPr>
+        </p:nvSpPr>
+        <p:spPr>
+          <a:xfrm>
+            <a:off x="510242" y="2733709"/>
+            <a:ext cx="6069268" cy="1373070"/>
           </a:xfrm>
         </p:spPr>
         <p:txBody>
           <a:bodyPr anchor="b">
-            <a:normAutofit/>
+            <a:noAutofit/>
           </a:bodyPr>
           <a:lstStyle>
-            <a:lvl1pPr algn="ctr">
+            <a:lvl1pPr algn="r">
               <a:defRPr sz="4800"/>
             </a:lvl1pPr>
           </a:lstStyle>
@@ -657,8 +773,8 @@
         </p:nvSpPr>
         <p:spPr>
           <a:xfrm>
-            <a:off x="1313259" y="3886201"/>
-            <a:ext cx="6517482" cy="1371599"/>
+            <a:off x="510241" y="4394040"/>
+            <a:ext cx="6108101" cy="1117687"/>
           </a:xfrm>
         </p:spPr>
         <p:txBody>
@@ -666,15 +782,9 @@
             <a:normAutofit/>
           </a:bodyPr>
           <a:lstStyle>
-            <a:lvl1pPr marL="0" indent="0" algn="ctr">
-              <a:buNone/>
-              <a:defRPr sz="2200">
-                <a:solidFill>
-                  <a:schemeClr val="bg1">
-                    <a:lumMod val="50000"/>
-                  </a:schemeClr>
-                </a:solidFill>
-              </a:defRPr>
+            <a:lvl1pPr marL="0" indent="0" algn="r">
+              <a:buNone/>
+              <a:defRPr sz="2000"/>
             </a:lvl1pPr>
             <a:lvl2pPr marL="457200" indent="0" algn="ctr">
               <a:buNone/>
@@ -728,7 +838,12 @@
             <p:ph type="dt" sz="half" idx="10"/>
           </p:nvPr>
         </p:nvSpPr>
-        <p:spPr/>
+        <p:spPr>
+          <a:xfrm>
+            <a:off x="4555655" y="5936188"/>
+            <a:ext cx="2057400" cy="365125"/>
+          </a:xfrm>
+        </p:spPr>
         <p:txBody>
           <a:bodyPr/>
           <a:lstStyle/>
@@ -751,7 +866,12 @@
             <p:ph type="ftr" sz="quarter" idx="11"/>
           </p:nvPr>
         </p:nvSpPr>
-        <p:spPr/>
+        <p:spPr>
+          <a:xfrm>
+            <a:off x="533401" y="5936189"/>
+            <a:ext cx="4021666" cy="365125"/>
+          </a:xfrm>
+        </p:spPr>
         <p:txBody>
           <a:bodyPr/>
           <a:lstStyle/>
@@ -770,7 +890,12 @@
             <p:ph type="sldNum" sz="quarter" idx="12"/>
           </p:nvPr>
         </p:nvSpPr>
-        <p:spPr/>
+        <p:spPr>
+          <a:xfrm>
+            <a:off x="7010399" y="2750337"/>
+            <a:ext cx="1370293" cy="1356442"/>
+          </a:xfrm>
+        </p:spPr>
         <p:txBody>
           <a:bodyPr/>
           <a:lstStyle/>
@@ -787,7 +912,7 @@
     </p:spTree>
     <p:extLst>
       <p:ext uri="{BB962C8B-B14F-4D97-AF65-F5344CB8AC3E}">
-        <p14:creationId xmlns:p14="http://schemas.microsoft.com/office/powerpoint/2010/main" val="2016714305"/>
+        <p14:creationId xmlns:p14="http://schemas.microsoft.com/office/powerpoint/2010/main" val="242543296"/>
       </p:ext>
     </p:extLst>
   </p:cSld>
@@ -819,113 +944,223 @@
           <a:chExt cx="0" cy="0"/>
         </a:xfrm>
       </p:grpSpPr>
-      <p:pic>
-        <p:nvPicPr>
-          <p:cNvPr id="9" name="Picture 8" descr="Droplets-SD-Content-R1d.png"/>
-          <p:cNvPicPr>
-            <a:picLocks noChangeAspect="1"/>
-          </p:cNvPicPr>
+      <p:grpSp>
+        <p:nvGrpSpPr>
+          <p:cNvPr id="20" name="Group 19"/>
+          <p:cNvGrpSpPr/>
           <p:nvPr/>
-        </p:nvPicPr>
-        <p:blipFill>
-          <a:blip r:embed="rId2">
-            <a:extLst>
-              <a:ext uri="{28A0092B-C50C-407E-A947-70E740481C1C}">
-                <a14:useLocalDpi xmlns:a14="http://schemas.microsoft.com/office/drawing/2010/main" val="0"/>
-              </a:ext>
-            </a:extLst>
-          </a:blip>
-          <a:stretch>
-            <a:fillRect/>
-          </a:stretch>
-        </p:blipFill>
+        </p:nvGrpSpPr>
+        <p:grpSpPr>
+          <a:xfrm>
+            <a:off x="0" y="4572000"/>
+            <a:ext cx="9161969" cy="1677035"/>
+            <a:chOff x="0" y="2895600"/>
+            <a:chExt cx="9161969" cy="1677035"/>
+          </a:xfrm>
+        </p:grpSpPr>
+        <p:pic>
+          <p:nvPicPr>
+            <p:cNvPr id="24" name="Picture 23" descr="HD-ShadowLong.png"/>
+            <p:cNvPicPr>
+              <a:picLocks noChangeAspect="1"/>
+            </p:cNvPicPr>
+            <p:nvPr/>
+          </p:nvPicPr>
+          <p:blipFill rotWithShape="1">
+            <a:blip r:embed="rId2">
+              <a:extLst>
+                <a:ext uri="{28A0092B-C50C-407E-A947-70E740481C1C}">
+                  <a14:useLocalDpi xmlns:a14="http://schemas.microsoft.com/office/drawing/2010/main" val="0"/>
+                </a:ext>
+              </a:extLst>
+            </a:blip>
+            <a:srcRect l="26982" r="-217"/>
+            <a:stretch/>
+          </p:blipFill>
+          <p:spPr>
+            <a:xfrm>
+              <a:off x="0" y="4251471"/>
+              <a:ext cx="7644384" cy="321164"/>
+            </a:xfrm>
+            <a:prstGeom prst="rect">
+              <a:avLst/>
+            </a:prstGeom>
+          </p:spPr>
+        </p:pic>
+        <p:pic>
+          <p:nvPicPr>
+            <p:cNvPr id="25" name="Picture 24" descr="HD-ShadowShort.png"/>
+            <p:cNvPicPr>
+              <a:picLocks noChangeAspect="1"/>
+            </p:cNvPicPr>
+            <p:nvPr/>
+          </p:nvPicPr>
+          <p:blipFill rotWithShape="1">
+            <a:blip r:embed="rId3">
+              <a:extLst>
+                <a:ext uri="{28A0092B-C50C-407E-A947-70E740481C1C}">
+                  <a14:useLocalDpi xmlns:a14="http://schemas.microsoft.com/office/drawing/2010/main" val="0"/>
+                </a:ext>
+              </a:extLst>
+            </a:blip>
+            <a:srcRect r="9871"/>
+            <a:stretch/>
+          </p:blipFill>
+          <p:spPr>
+            <a:xfrm>
+              <a:off x="7717217" y="4259262"/>
+              <a:ext cx="1444752" cy="144270"/>
+            </a:xfrm>
+            <a:prstGeom prst="rect">
+              <a:avLst/>
+            </a:prstGeom>
+          </p:spPr>
+        </p:pic>
+        <p:sp>
+          <p:nvSpPr>
+            <p:cNvPr id="26" name="Rectangle 25"/>
+            <p:cNvSpPr/>
+            <p:nvPr/>
+          </p:nvSpPr>
+          <p:spPr>
+            <a:xfrm>
+              <a:off x="0" y="2895600"/>
+              <a:ext cx="7567140" cy="1368198"/>
+            </a:xfrm>
+            <a:prstGeom prst="rect">
+              <a:avLst/>
+            </a:prstGeom>
+            <a:solidFill>
+              <a:schemeClr val="bg1">
+                <a:lumMod val="85000"/>
+                <a:lumOff val="15000"/>
+              </a:schemeClr>
+            </a:solidFill>
+            <a:ln>
+              <a:noFill/>
+            </a:ln>
+          </p:spPr>
+          <p:style>
+            <a:lnRef idx="2">
+              <a:schemeClr val="accent1">
+                <a:shade val="50000"/>
+              </a:schemeClr>
+            </a:lnRef>
+            <a:fillRef idx="1">
+              <a:schemeClr val="accent1"/>
+            </a:fillRef>
+            <a:effectRef idx="0">
+              <a:schemeClr val="accent1"/>
+            </a:effectRef>
+            <a:fontRef idx="minor">
+              <a:schemeClr val="lt1"/>
+            </a:fontRef>
+          </p:style>
+        </p:sp>
+        <p:sp>
+          <p:nvSpPr>
+            <p:cNvPr id="27" name="Rectangle 26"/>
+            <p:cNvSpPr/>
+            <p:nvPr/>
+          </p:nvSpPr>
+          <p:spPr>
+            <a:xfrm>
+              <a:off x="7710769" y="2895600"/>
+              <a:ext cx="1433231" cy="1368198"/>
+            </a:xfrm>
+            <a:prstGeom prst="rect">
+              <a:avLst/>
+            </a:prstGeom>
+            <a:solidFill>
+              <a:schemeClr val="accent1"/>
+            </a:solidFill>
+            <a:ln>
+              <a:noFill/>
+            </a:ln>
+          </p:spPr>
+          <p:style>
+            <a:lnRef idx="2">
+              <a:schemeClr val="accent1">
+                <a:shade val="50000"/>
+              </a:schemeClr>
+            </a:lnRef>
+            <a:fillRef idx="1">
+              <a:schemeClr val="accent1"/>
+            </a:fillRef>
+            <a:effectRef idx="0">
+              <a:schemeClr val="accent1"/>
+            </a:effectRef>
+            <a:fontRef idx="minor">
+              <a:schemeClr val="lt1"/>
+            </a:fontRef>
+          </p:style>
+        </p:sp>
+      </p:grpSp>
+      <p:sp>
+        <p:nvSpPr>
+          <p:cNvPr id="2" name="Title 1"/>
+          <p:cNvSpPr>
+            <a:spLocks noGrp="1"/>
+          </p:cNvSpPr>
+          <p:nvPr>
+            <p:ph type="title"/>
+          </p:nvPr>
+        </p:nvSpPr>
         <p:spPr>
           <a:xfrm>
-            <a:off x="0" y="0"/>
-            <a:ext cx="9144000" cy="6858000"/>
+            <a:off x="533403" y="4711617"/>
+            <a:ext cx="6894770" cy="544482"/>
           </a:xfrm>
-          <a:prstGeom prst="rect">
-            <a:avLst/>
-          </a:prstGeom>
         </p:spPr>
-      </p:pic>
-      <p:sp>
-        <p:nvSpPr>
-          <p:cNvPr id="2" name="Title 1"/>
-          <p:cNvSpPr>
-            <a:spLocks noGrp="1"/>
-          </p:cNvSpPr>
-          <p:nvPr>
-            <p:ph type="title"/>
+        <p:txBody>
+          <a:bodyPr anchor="b">
+            <a:normAutofit/>
+          </a:bodyPr>
+          <a:lstStyle>
+            <a:lvl1pPr>
+              <a:defRPr sz="2400"/>
+            </a:lvl1pPr>
+          </a:lstStyle>
+          <a:p>
+            <a:r>
+              <a:rPr lang="en-US" smtClean="0"/>
+              <a:t>Click to edit Master title style</a:t>
+            </a:r>
+            <a:endParaRPr lang="en-US" dirty="0"/>
+          </a:p>
+        </p:txBody>
+      </p:sp>
+      <p:sp>
+        <p:nvSpPr>
+          <p:cNvPr id="3" name="Picture Placeholder 2"/>
+          <p:cNvSpPr>
+            <a:spLocks noGrp="1" noChangeAspect="1"/>
+          </p:cNvSpPr>
+          <p:nvPr>
+            <p:ph type="pic" idx="1"/>
           </p:nvPr>
         </p:nvSpPr>
         <p:spPr>
           <a:xfrm>
-            <a:off x="685346" y="4289374"/>
-            <a:ext cx="7773324" cy="811610"/>
+            <a:off x="531639" y="609598"/>
+            <a:ext cx="6896534" cy="3589575"/>
           </a:xfrm>
-        </p:spPr>
-        <p:txBody>
-          <a:bodyPr anchor="b"/>
-          <a:lstStyle>
-            <a:lvl1pPr>
-              <a:defRPr sz="3200"/>
-            </a:lvl1pPr>
-          </a:lstStyle>
-          <a:p>
-            <a:r>
-              <a:rPr lang="en-US" smtClean="0"/>
-              <a:t>Click to edit Master title style</a:t>
-            </a:r>
-            <a:endParaRPr lang="en-US" dirty="0"/>
-          </a:p>
-        </p:txBody>
-      </p:sp>
-      <p:sp>
-        <p:nvSpPr>
-          <p:cNvPr id="3" name="Picture Placeholder 2"/>
-          <p:cNvSpPr>
-            <a:spLocks noGrp="1" noChangeAspect="1"/>
-          </p:cNvSpPr>
-          <p:nvPr>
-            <p:ph type="pic" idx="1"/>
-          </p:nvPr>
-        </p:nvSpPr>
-        <p:spPr>
-          <a:xfrm>
-            <a:off x="888558" y="698261"/>
-            <a:ext cx="7366899" cy="3214136"/>
-          </a:xfrm>
-          <a:prstGeom prst="roundRect">
-            <a:avLst>
-              <a:gd name="adj" fmla="val 4944"/>
-            </a:avLst>
-          </a:prstGeom>
           <a:noFill/>
-          <a:ln w="82550" cap="sq">
-            <a:solidFill>
-              <a:srgbClr val="EAEAEA"/>
-            </a:solidFill>
-            <a:miter lim="800000"/>
+          <a:ln>
+            <a:noFill/>
           </a:ln>
-          <a:effectLst/>
-          <a:scene3d>
-            <a:camera prst="orthographicFront"/>
-            <a:lightRig rig="threePt" dir="t">
-              <a:rot lat="0" lon="0" rev="2700000"/>
-            </a:lightRig>
-          </a:scene3d>
-          <a:sp3d contourW="6350">
-            <a:bevelT h="38100"/>
-            <a:contourClr>
-              <a:srgbClr val="C0C0C0"/>
-            </a:contourClr>
-          </a:sp3d>
+          <a:effectLst>
+            <a:outerShdw blurRad="76200" dist="63500" dir="5040000" algn="tl" rotWithShape="0">
+              <a:srgbClr val="000000">
+                <a:alpha val="41000"/>
+              </a:srgbClr>
+            </a:outerShdw>
+          </a:effectLst>
         </p:spPr>
         <p:txBody>
           <a:bodyPr anchor="t"/>
           <a:lstStyle>
-            <a:lvl1pPr marL="0" indent="0" algn="ctr">
+            <a:lvl1pPr marL="0" indent="0">
               <a:buNone/>
               <a:defRPr sz="3200"/>
             </a:lvl1pPr>
@@ -983,14 +1218,14 @@
         </p:nvSpPr>
         <p:spPr>
           <a:xfrm>
-            <a:off x="685331" y="5108728"/>
-            <a:ext cx="7773339" cy="682472"/>
+            <a:off x="533401" y="5256098"/>
+            <a:ext cx="6894772" cy="547819"/>
           </a:xfrm>
         </p:spPr>
         <p:txBody>
           <a:bodyPr/>
           <a:lstStyle>
-            <a:lvl1pPr marL="0" indent="0" algn="ctr">
+            <a:lvl1pPr marL="0" indent="0">
               <a:buNone/>
               <a:defRPr sz="1600"/>
             </a:lvl1pPr>
@@ -1088,7 +1323,12 @@
             <p:ph type="sldNum" sz="quarter" idx="12"/>
           </p:nvPr>
         </p:nvSpPr>
-        <p:spPr/>
+        <p:spPr>
+          <a:xfrm>
+            <a:off x="7856438" y="4711310"/>
+            <a:ext cx="1149836" cy="1090789"/>
+          </a:xfrm>
+        </p:spPr>
         <p:txBody>
           <a:bodyPr/>
           <a:lstStyle/>
@@ -1105,7 +1345,7 @@
     </p:spTree>
     <p:extLst>
       <p:ext uri="{BB962C8B-B14F-4D97-AF65-F5344CB8AC3E}">
-        <p14:creationId xmlns:p14="http://schemas.microsoft.com/office/powerpoint/2010/main" val="2116949149"/>
+        <p14:creationId xmlns:p14="http://schemas.microsoft.com/office/powerpoint/2010/main" val="499430725"/>
       </p:ext>
     </p:extLst>
   </p:cSld>
@@ -1133,56 +1373,178 @@
           <a:chExt cx="0" cy="0"/>
         </a:xfrm>
       </p:grpSpPr>
-      <p:pic>
-        <p:nvPicPr>
-          <p:cNvPr id="9" name="Picture 8" descr="Droplets-SD-Content-R1d.png"/>
-          <p:cNvPicPr>
-            <a:picLocks noChangeAspect="1"/>
-          </p:cNvPicPr>
+      <p:grpSp>
+        <p:nvGrpSpPr>
+          <p:cNvPr id="21" name="Group 20"/>
+          <p:cNvGrpSpPr/>
           <p:nvPr/>
-        </p:nvPicPr>
-        <p:blipFill>
-          <a:blip r:embed="rId2">
-            <a:extLst>
-              <a:ext uri="{28A0092B-C50C-407E-A947-70E740481C1C}">
-                <a14:useLocalDpi xmlns:a14="http://schemas.microsoft.com/office/drawing/2010/main" val="0"/>
-              </a:ext>
-            </a:extLst>
-          </a:blip>
-          <a:stretch>
-            <a:fillRect/>
-          </a:stretch>
-        </p:blipFill>
+        </p:nvGrpSpPr>
+        <p:grpSpPr>
+          <a:xfrm>
+            <a:off x="0" y="4572000"/>
+            <a:ext cx="9161969" cy="1677035"/>
+            <a:chOff x="0" y="2895600"/>
+            <a:chExt cx="9161969" cy="1677035"/>
+          </a:xfrm>
+        </p:grpSpPr>
+        <p:pic>
+          <p:nvPicPr>
+            <p:cNvPr id="22" name="Picture 21" descr="HD-ShadowLong.png"/>
+            <p:cNvPicPr>
+              <a:picLocks noChangeAspect="1"/>
+            </p:cNvPicPr>
+            <p:nvPr/>
+          </p:nvPicPr>
+          <p:blipFill rotWithShape="1">
+            <a:blip r:embed="rId2">
+              <a:extLst>
+                <a:ext uri="{28A0092B-C50C-407E-A947-70E740481C1C}">
+                  <a14:useLocalDpi xmlns:a14="http://schemas.microsoft.com/office/drawing/2010/main" val="0"/>
+                </a:ext>
+              </a:extLst>
+            </a:blip>
+            <a:srcRect l="26982" r="-217"/>
+            <a:stretch/>
+          </p:blipFill>
+          <p:spPr>
+            <a:xfrm>
+              <a:off x="0" y="4251471"/>
+              <a:ext cx="7644384" cy="321164"/>
+            </a:xfrm>
+            <a:prstGeom prst="rect">
+              <a:avLst/>
+            </a:prstGeom>
+          </p:spPr>
+        </p:pic>
+        <p:pic>
+          <p:nvPicPr>
+            <p:cNvPr id="23" name="Picture 22" descr="HD-ShadowShort.png"/>
+            <p:cNvPicPr>
+              <a:picLocks noChangeAspect="1"/>
+            </p:cNvPicPr>
+            <p:nvPr/>
+          </p:nvPicPr>
+          <p:blipFill rotWithShape="1">
+            <a:blip r:embed="rId3">
+              <a:extLst>
+                <a:ext uri="{28A0092B-C50C-407E-A947-70E740481C1C}">
+                  <a14:useLocalDpi xmlns:a14="http://schemas.microsoft.com/office/drawing/2010/main" val="0"/>
+                </a:ext>
+              </a:extLst>
+            </a:blip>
+            <a:srcRect r="9871"/>
+            <a:stretch/>
+          </p:blipFill>
+          <p:spPr>
+            <a:xfrm>
+              <a:off x="7717217" y="4259262"/>
+              <a:ext cx="1444752" cy="144270"/>
+            </a:xfrm>
+            <a:prstGeom prst="rect">
+              <a:avLst/>
+            </a:prstGeom>
+          </p:spPr>
+        </p:pic>
+        <p:sp>
+          <p:nvSpPr>
+            <p:cNvPr id="24" name="Rectangle 23"/>
+            <p:cNvSpPr/>
+            <p:nvPr/>
+          </p:nvSpPr>
+          <p:spPr>
+            <a:xfrm>
+              <a:off x="0" y="2895600"/>
+              <a:ext cx="7567140" cy="1368198"/>
+            </a:xfrm>
+            <a:prstGeom prst="rect">
+              <a:avLst/>
+            </a:prstGeom>
+            <a:solidFill>
+              <a:schemeClr val="bg1">
+                <a:lumMod val="85000"/>
+                <a:lumOff val="15000"/>
+              </a:schemeClr>
+            </a:solidFill>
+            <a:ln>
+              <a:noFill/>
+            </a:ln>
+          </p:spPr>
+          <p:style>
+            <a:lnRef idx="2">
+              <a:schemeClr val="accent1">
+                <a:shade val="50000"/>
+              </a:schemeClr>
+            </a:lnRef>
+            <a:fillRef idx="1">
+              <a:schemeClr val="accent1"/>
+            </a:fillRef>
+            <a:effectRef idx="0">
+              <a:schemeClr val="accent1"/>
+            </a:effectRef>
+            <a:fontRef idx="minor">
+              <a:schemeClr val="lt1"/>
+            </a:fontRef>
+          </p:style>
+        </p:sp>
+        <p:sp>
+          <p:nvSpPr>
+            <p:cNvPr id="25" name="Rectangle 24"/>
+            <p:cNvSpPr/>
+            <p:nvPr/>
+          </p:nvSpPr>
+          <p:spPr>
+            <a:xfrm>
+              <a:off x="7710769" y="2895600"/>
+              <a:ext cx="1433231" cy="1368198"/>
+            </a:xfrm>
+            <a:prstGeom prst="rect">
+              <a:avLst/>
+            </a:prstGeom>
+            <a:solidFill>
+              <a:schemeClr val="accent1"/>
+            </a:solidFill>
+            <a:ln>
+              <a:noFill/>
+            </a:ln>
+          </p:spPr>
+          <p:style>
+            <a:lnRef idx="2">
+              <a:schemeClr val="accent1">
+                <a:shade val="50000"/>
+              </a:schemeClr>
+            </a:lnRef>
+            <a:fillRef idx="1">
+              <a:schemeClr val="accent1"/>
+            </a:fillRef>
+            <a:effectRef idx="0">
+              <a:schemeClr val="accent1"/>
+            </a:effectRef>
+            <a:fontRef idx="minor">
+              <a:schemeClr val="lt1"/>
+            </a:fontRef>
+          </p:style>
+        </p:sp>
+      </p:grpSp>
+      <p:sp>
+        <p:nvSpPr>
+          <p:cNvPr id="2" name="Title 1"/>
+          <p:cNvSpPr>
+            <a:spLocks noGrp="1"/>
+          </p:cNvSpPr>
+          <p:nvPr>
+            <p:ph type="title"/>
+          </p:nvPr>
+        </p:nvSpPr>
         <p:spPr>
           <a:xfrm>
-            <a:off x="0" y="0"/>
-            <a:ext cx="9144000" cy="6858000"/>
-          </a:xfrm>
-          <a:prstGeom prst="rect">
-            <a:avLst/>
-          </a:prstGeom>
-        </p:spPr>
-      </p:pic>
-      <p:sp>
-        <p:nvSpPr>
-          <p:cNvPr id="2" name="Title 1"/>
-          <p:cNvSpPr>
-            <a:spLocks noGrp="1"/>
-          </p:cNvSpPr>
-          <p:nvPr>
-            <p:ph type="title"/>
-          </p:nvPr>
-        </p:nvSpPr>
-        <p:spPr>
-          <a:xfrm>
-            <a:off x="685331" y="609600"/>
-            <a:ext cx="7773339" cy="3427245"/>
+            <a:off x="524255" y="609597"/>
+            <a:ext cx="6896534" cy="3592750"/>
           </a:xfrm>
         </p:spPr>
         <p:txBody>
           <a:bodyPr anchor="ctr"/>
           <a:lstStyle>
-            <a:lvl1pPr algn="ctr">
+            <a:lvl1pPr>
               <a:defRPr sz="3200"/>
             </a:lvl1pPr>
           </a:lstStyle>
@@ -1207,14 +1569,14 @@
         </p:nvSpPr>
         <p:spPr>
           <a:xfrm>
-            <a:off x="685331" y="4204821"/>
-            <a:ext cx="7773339" cy="1586380"/>
+            <a:off x="531638" y="4710340"/>
+            <a:ext cx="6889151" cy="1101764"/>
           </a:xfrm>
         </p:spPr>
         <p:txBody>
           <a:bodyPr anchor="ctr"/>
           <a:lstStyle>
-            <a:lvl1pPr marL="0" indent="0" algn="ctr">
+            <a:lvl1pPr marL="0" indent="0">
               <a:buNone/>
               <a:defRPr sz="1600"/>
             </a:lvl1pPr>
@@ -1312,7 +1674,12 @@
             <p:ph type="sldNum" sz="quarter" idx="12"/>
           </p:nvPr>
         </p:nvSpPr>
-        <p:spPr/>
+        <p:spPr>
+          <a:xfrm>
+            <a:off x="7856438" y="4711616"/>
+            <a:ext cx="1149836" cy="1090789"/>
+          </a:xfrm>
+        </p:spPr>
         <p:txBody>
           <a:bodyPr/>
           <a:lstStyle/>
@@ -1329,7 +1696,7 @@
     </p:spTree>
     <p:extLst>
       <p:ext uri="{BB962C8B-B14F-4D97-AF65-F5344CB8AC3E}">
-        <p14:creationId xmlns:p14="http://schemas.microsoft.com/office/powerpoint/2010/main" val="55283747"/>
+        <p14:creationId xmlns:p14="http://schemas.microsoft.com/office/powerpoint/2010/main" val="1566102599"/>
       </p:ext>
     </p:extLst>
   </p:cSld>
@@ -1357,50 +1724,172 @@
           <a:chExt cx="0" cy="0"/>
         </a:xfrm>
       </p:grpSpPr>
-      <p:pic>
-        <p:nvPicPr>
-          <p:cNvPr id="13" name="Picture 12" descr="Droplets-SD-Content-R1d.png"/>
-          <p:cNvPicPr>
-            <a:picLocks noChangeAspect="1"/>
-          </p:cNvPicPr>
+      <p:grpSp>
+        <p:nvGrpSpPr>
+          <p:cNvPr id="29" name="Group 28"/>
+          <p:cNvGrpSpPr/>
           <p:nvPr/>
-        </p:nvPicPr>
-        <p:blipFill>
-          <a:blip r:embed="rId2">
-            <a:extLst>
-              <a:ext uri="{28A0092B-C50C-407E-A947-70E740481C1C}">
-                <a14:useLocalDpi xmlns:a14="http://schemas.microsoft.com/office/drawing/2010/main" val="0"/>
-              </a:ext>
-            </a:extLst>
-          </a:blip>
-          <a:stretch>
-            <a:fillRect/>
-          </a:stretch>
-        </p:blipFill>
+        </p:nvGrpSpPr>
+        <p:grpSpPr>
+          <a:xfrm>
+            <a:off x="0" y="4572000"/>
+            <a:ext cx="9161969" cy="1677035"/>
+            <a:chOff x="0" y="2895600"/>
+            <a:chExt cx="9161969" cy="1677035"/>
+          </a:xfrm>
+        </p:grpSpPr>
+        <p:pic>
+          <p:nvPicPr>
+            <p:cNvPr id="30" name="Picture 29" descr="HD-ShadowLong.png"/>
+            <p:cNvPicPr>
+              <a:picLocks noChangeAspect="1"/>
+            </p:cNvPicPr>
+            <p:nvPr/>
+          </p:nvPicPr>
+          <p:blipFill rotWithShape="1">
+            <a:blip r:embed="rId2">
+              <a:extLst>
+                <a:ext uri="{28A0092B-C50C-407E-A947-70E740481C1C}">
+                  <a14:useLocalDpi xmlns:a14="http://schemas.microsoft.com/office/drawing/2010/main" val="0"/>
+                </a:ext>
+              </a:extLst>
+            </a:blip>
+            <a:srcRect l="26982" r="-217"/>
+            <a:stretch/>
+          </p:blipFill>
+          <p:spPr>
+            <a:xfrm>
+              <a:off x="0" y="4251471"/>
+              <a:ext cx="7644384" cy="321164"/>
+            </a:xfrm>
+            <a:prstGeom prst="rect">
+              <a:avLst/>
+            </a:prstGeom>
+          </p:spPr>
+        </p:pic>
+        <p:pic>
+          <p:nvPicPr>
+            <p:cNvPr id="31" name="Picture 30" descr="HD-ShadowShort.png"/>
+            <p:cNvPicPr>
+              <a:picLocks noChangeAspect="1"/>
+            </p:cNvPicPr>
+            <p:nvPr/>
+          </p:nvPicPr>
+          <p:blipFill rotWithShape="1">
+            <a:blip r:embed="rId3">
+              <a:extLst>
+                <a:ext uri="{28A0092B-C50C-407E-A947-70E740481C1C}">
+                  <a14:useLocalDpi xmlns:a14="http://schemas.microsoft.com/office/drawing/2010/main" val="0"/>
+                </a:ext>
+              </a:extLst>
+            </a:blip>
+            <a:srcRect r="9871"/>
+            <a:stretch/>
+          </p:blipFill>
+          <p:spPr>
+            <a:xfrm>
+              <a:off x="7717217" y="4259262"/>
+              <a:ext cx="1444752" cy="144270"/>
+            </a:xfrm>
+            <a:prstGeom prst="rect">
+              <a:avLst/>
+            </a:prstGeom>
+          </p:spPr>
+        </p:pic>
+        <p:sp>
+          <p:nvSpPr>
+            <p:cNvPr id="32" name="Rectangle 31"/>
+            <p:cNvSpPr/>
+            <p:nvPr/>
+          </p:nvSpPr>
+          <p:spPr>
+            <a:xfrm>
+              <a:off x="0" y="2895600"/>
+              <a:ext cx="7567140" cy="1368198"/>
+            </a:xfrm>
+            <a:prstGeom prst="rect">
+              <a:avLst/>
+            </a:prstGeom>
+            <a:solidFill>
+              <a:schemeClr val="bg1">
+                <a:lumMod val="85000"/>
+                <a:lumOff val="15000"/>
+              </a:schemeClr>
+            </a:solidFill>
+            <a:ln>
+              <a:noFill/>
+            </a:ln>
+          </p:spPr>
+          <p:style>
+            <a:lnRef idx="2">
+              <a:schemeClr val="accent1">
+                <a:shade val="50000"/>
+              </a:schemeClr>
+            </a:lnRef>
+            <a:fillRef idx="1">
+              <a:schemeClr val="accent1"/>
+            </a:fillRef>
+            <a:effectRef idx="0">
+              <a:schemeClr val="accent1"/>
+            </a:effectRef>
+            <a:fontRef idx="minor">
+              <a:schemeClr val="lt1"/>
+            </a:fontRef>
+          </p:style>
+        </p:sp>
+        <p:sp>
+          <p:nvSpPr>
+            <p:cNvPr id="33" name="Rectangle 32"/>
+            <p:cNvSpPr/>
+            <p:nvPr/>
+          </p:nvSpPr>
+          <p:spPr>
+            <a:xfrm>
+              <a:off x="7710769" y="2895600"/>
+              <a:ext cx="1433231" cy="1368198"/>
+            </a:xfrm>
+            <a:prstGeom prst="rect">
+              <a:avLst/>
+            </a:prstGeom>
+            <a:solidFill>
+              <a:schemeClr val="accent1"/>
+            </a:solidFill>
+            <a:ln>
+              <a:noFill/>
+            </a:ln>
+          </p:spPr>
+          <p:style>
+            <a:lnRef idx="2">
+              <a:schemeClr val="accent1">
+                <a:shade val="50000"/>
+              </a:schemeClr>
+            </a:lnRef>
+            <a:fillRef idx="1">
+              <a:schemeClr val="accent1"/>
+            </a:fillRef>
+            <a:effectRef idx="0">
+              <a:schemeClr val="accent1"/>
+            </a:effectRef>
+            <a:fontRef idx="minor">
+              <a:schemeClr val="lt1"/>
+            </a:fontRef>
+          </p:style>
+        </p:sp>
+      </p:grpSp>
+      <p:sp>
+        <p:nvSpPr>
+          <p:cNvPr id="2" name="Title 1"/>
+          <p:cNvSpPr>
+            <a:spLocks noGrp="1"/>
+          </p:cNvSpPr>
+          <p:nvPr>
+            <p:ph type="title"/>
+          </p:nvPr>
+        </p:nvSpPr>
         <p:spPr>
           <a:xfrm>
-            <a:off x="0" y="0"/>
-            <a:ext cx="9144000" cy="6858000"/>
-          </a:xfrm>
-          <a:prstGeom prst="rect">
-            <a:avLst/>
-          </a:prstGeom>
-        </p:spPr>
-      </p:pic>
-      <p:sp>
-        <p:nvSpPr>
-          <p:cNvPr id="2" name="Title 1"/>
-          <p:cNvSpPr>
-            <a:spLocks noGrp="1"/>
-          </p:cNvSpPr>
-          <p:nvPr>
-            <p:ph type="title"/>
-          </p:nvPr>
-        </p:nvSpPr>
-        <p:spPr>
-          <a:xfrm>
-            <a:off x="1084659" y="872588"/>
-            <a:ext cx="6977064" cy="2729915"/>
+            <a:off x="767921" y="616983"/>
+            <a:ext cx="6425147" cy="3036061"/>
           </a:xfrm>
         </p:spPr>
         <p:txBody>
@@ -1431,8 +1920,8 @@
         </p:nvSpPr>
         <p:spPr>
           <a:xfrm>
-            <a:off x="1290484" y="3610032"/>
-            <a:ext cx="6564224" cy="594788"/>
+            <a:off x="989438" y="3660763"/>
+            <a:ext cx="5987731" cy="548968"/>
           </a:xfrm>
         </p:spPr>
         <p:txBody>
@@ -1498,8 +1987,8 @@
         </p:nvSpPr>
         <p:spPr>
           <a:xfrm>
-            <a:off x="685331" y="4372797"/>
-            <a:ext cx="7773339" cy="1421053"/>
+            <a:off x="531638" y="4710340"/>
+            <a:ext cx="6903919" cy="1101764"/>
           </a:xfrm>
         </p:spPr>
         <p:txBody>
@@ -1507,7 +1996,7 @@
             <a:normAutofit/>
           </a:bodyPr>
           <a:lstStyle>
-            <a:lvl1pPr marL="0" indent="0" algn="ctr">
+            <a:lvl1pPr marL="0" indent="0">
               <a:buNone/>
               <a:defRPr sz="1600"/>
             </a:lvl1pPr>
@@ -1605,7 +2094,12 @@
             <p:ph type="sldNum" sz="quarter" idx="12"/>
           </p:nvPr>
         </p:nvSpPr>
-        <p:spPr/>
+        <p:spPr>
+          <a:xfrm>
+            <a:off x="7856438" y="4709926"/>
+            <a:ext cx="1149836" cy="1090789"/>
+          </a:xfrm>
+        </p:spPr>
         <p:txBody>
           <a:bodyPr/>
           <a:lstStyle/>
@@ -1621,14 +2115,14 @@
       </p:sp>
       <p:sp>
         <p:nvSpPr>
-          <p:cNvPr id="11" name="TextBox 10"/>
+          <p:cNvPr id="27" name="TextBox 26"/>
           <p:cNvSpPr txBox="1"/>
           <p:nvPr/>
         </p:nvSpPr>
         <p:spPr>
           <a:xfrm>
-            <a:off x="737626" y="887859"/>
-            <a:ext cx="546888" cy="584776"/>
+            <a:off x="270932" y="748116"/>
+            <a:ext cx="533400" cy="584776"/>
           </a:xfrm>
           <a:prstGeom prst="rect">
             <a:avLst/>
@@ -1724,7 +2218,7 @@
           <a:p>
             <a:pPr lvl="0"/>
             <a:r>
-              <a:rPr lang="en-US" sz="8000" dirty="0">
+              <a:rPr lang="en-US" sz="7200" dirty="0">
                 <a:solidFill>
                   <a:schemeClr val="tx1"/>
                 </a:solidFill>
@@ -1737,14 +2231,14 @@
       </p:sp>
       <p:sp>
         <p:nvSpPr>
-          <p:cNvPr id="14" name="TextBox 13"/>
+          <p:cNvPr id="28" name="TextBox 27"/>
           <p:cNvSpPr txBox="1"/>
           <p:nvPr/>
         </p:nvSpPr>
         <p:spPr>
           <a:xfrm>
-            <a:off x="7850130" y="3120015"/>
-            <a:ext cx="553641" cy="584776"/>
+            <a:off x="6967191" y="2998573"/>
+            <a:ext cx="457200" cy="584777"/>
           </a:xfrm>
           <a:prstGeom prst="rect">
             <a:avLst/>
@@ -1840,7 +2334,7 @@
           <a:p>
             <a:pPr lvl="0" algn="r"/>
             <a:r>
-              <a:rPr lang="en-US" sz="8000" dirty="0">
+              <a:rPr lang="en-US" sz="7200" dirty="0">
                 <a:solidFill>
                   <a:schemeClr val="tx1"/>
                 </a:solidFill>
@@ -1854,7 +2348,7 @@
     </p:spTree>
     <p:extLst>
       <p:ext uri="{BB962C8B-B14F-4D97-AF65-F5344CB8AC3E}">
-        <p14:creationId xmlns:p14="http://schemas.microsoft.com/office/powerpoint/2010/main" val="1441000325"/>
+        <p14:creationId xmlns:p14="http://schemas.microsoft.com/office/powerpoint/2010/main" val="1926803761"/>
       </p:ext>
     </p:extLst>
   </p:cSld>
@@ -1882,56 +2376,178 @@
           <a:chExt cx="0" cy="0"/>
         </a:xfrm>
       </p:grpSpPr>
-      <p:pic>
-        <p:nvPicPr>
-          <p:cNvPr id="9" name="Picture 8" descr="Droplets-SD-Content-R1d.png"/>
-          <p:cNvPicPr>
-            <a:picLocks noChangeAspect="1"/>
-          </p:cNvPicPr>
+      <p:grpSp>
+        <p:nvGrpSpPr>
+          <p:cNvPr id="22" name="Group 21"/>
+          <p:cNvGrpSpPr/>
           <p:nvPr/>
-        </p:nvPicPr>
-        <p:blipFill>
-          <a:blip r:embed="rId2">
-            <a:extLst>
-              <a:ext uri="{28A0092B-C50C-407E-A947-70E740481C1C}">
-                <a14:useLocalDpi xmlns:a14="http://schemas.microsoft.com/office/drawing/2010/main" val="0"/>
-              </a:ext>
-            </a:extLst>
-          </a:blip>
-          <a:stretch>
-            <a:fillRect/>
-          </a:stretch>
-        </p:blipFill>
+        </p:nvGrpSpPr>
+        <p:grpSpPr>
+          <a:xfrm>
+            <a:off x="0" y="4572000"/>
+            <a:ext cx="9161969" cy="1677035"/>
+            <a:chOff x="0" y="2895600"/>
+            <a:chExt cx="9161969" cy="1677035"/>
+          </a:xfrm>
+        </p:grpSpPr>
+        <p:pic>
+          <p:nvPicPr>
+            <p:cNvPr id="23" name="Picture 22" descr="HD-ShadowLong.png"/>
+            <p:cNvPicPr>
+              <a:picLocks noChangeAspect="1"/>
+            </p:cNvPicPr>
+            <p:nvPr/>
+          </p:nvPicPr>
+          <p:blipFill rotWithShape="1">
+            <a:blip r:embed="rId2">
+              <a:extLst>
+                <a:ext uri="{28A0092B-C50C-407E-A947-70E740481C1C}">
+                  <a14:useLocalDpi xmlns:a14="http://schemas.microsoft.com/office/drawing/2010/main" val="0"/>
+                </a:ext>
+              </a:extLst>
+            </a:blip>
+            <a:srcRect l="26982" r="-217"/>
+            <a:stretch/>
+          </p:blipFill>
+          <p:spPr>
+            <a:xfrm>
+              <a:off x="0" y="4251471"/>
+              <a:ext cx="7644384" cy="321164"/>
+            </a:xfrm>
+            <a:prstGeom prst="rect">
+              <a:avLst/>
+            </a:prstGeom>
+          </p:spPr>
+        </p:pic>
+        <p:pic>
+          <p:nvPicPr>
+            <p:cNvPr id="24" name="Picture 23" descr="HD-ShadowShort.png"/>
+            <p:cNvPicPr>
+              <a:picLocks noChangeAspect="1"/>
+            </p:cNvPicPr>
+            <p:nvPr/>
+          </p:nvPicPr>
+          <p:blipFill rotWithShape="1">
+            <a:blip r:embed="rId3">
+              <a:extLst>
+                <a:ext uri="{28A0092B-C50C-407E-A947-70E740481C1C}">
+                  <a14:useLocalDpi xmlns:a14="http://schemas.microsoft.com/office/drawing/2010/main" val="0"/>
+                </a:ext>
+              </a:extLst>
+            </a:blip>
+            <a:srcRect r="9871"/>
+            <a:stretch/>
+          </p:blipFill>
+          <p:spPr>
+            <a:xfrm>
+              <a:off x="7717217" y="4259262"/>
+              <a:ext cx="1444752" cy="144270"/>
+            </a:xfrm>
+            <a:prstGeom prst="rect">
+              <a:avLst/>
+            </a:prstGeom>
+          </p:spPr>
+        </p:pic>
+        <p:sp>
+          <p:nvSpPr>
+            <p:cNvPr id="25" name="Rectangle 24"/>
+            <p:cNvSpPr/>
+            <p:nvPr/>
+          </p:nvSpPr>
+          <p:spPr>
+            <a:xfrm>
+              <a:off x="0" y="2895600"/>
+              <a:ext cx="7567140" cy="1368198"/>
+            </a:xfrm>
+            <a:prstGeom prst="rect">
+              <a:avLst/>
+            </a:prstGeom>
+            <a:solidFill>
+              <a:schemeClr val="bg1">
+                <a:lumMod val="85000"/>
+                <a:lumOff val="15000"/>
+              </a:schemeClr>
+            </a:solidFill>
+            <a:ln>
+              <a:noFill/>
+            </a:ln>
+          </p:spPr>
+          <p:style>
+            <a:lnRef idx="2">
+              <a:schemeClr val="accent1">
+                <a:shade val="50000"/>
+              </a:schemeClr>
+            </a:lnRef>
+            <a:fillRef idx="1">
+              <a:schemeClr val="accent1"/>
+            </a:fillRef>
+            <a:effectRef idx="0">
+              <a:schemeClr val="accent1"/>
+            </a:effectRef>
+            <a:fontRef idx="minor">
+              <a:schemeClr val="lt1"/>
+            </a:fontRef>
+          </p:style>
+        </p:sp>
+        <p:sp>
+          <p:nvSpPr>
+            <p:cNvPr id="26" name="Rectangle 25"/>
+            <p:cNvSpPr/>
+            <p:nvPr/>
+          </p:nvSpPr>
+          <p:spPr>
+            <a:xfrm>
+              <a:off x="7710769" y="2895600"/>
+              <a:ext cx="1433231" cy="1368198"/>
+            </a:xfrm>
+            <a:prstGeom prst="rect">
+              <a:avLst/>
+            </a:prstGeom>
+            <a:solidFill>
+              <a:schemeClr val="accent1"/>
+            </a:solidFill>
+            <a:ln>
+              <a:noFill/>
+            </a:ln>
+          </p:spPr>
+          <p:style>
+            <a:lnRef idx="2">
+              <a:schemeClr val="accent1">
+                <a:shade val="50000"/>
+              </a:schemeClr>
+            </a:lnRef>
+            <a:fillRef idx="1">
+              <a:schemeClr val="accent1"/>
+            </a:fillRef>
+            <a:effectRef idx="0">
+              <a:schemeClr val="accent1"/>
+            </a:effectRef>
+            <a:fontRef idx="minor">
+              <a:schemeClr val="lt1"/>
+            </a:fontRef>
+          </p:style>
+        </p:sp>
+      </p:grpSp>
+      <p:sp>
+        <p:nvSpPr>
+          <p:cNvPr id="2" name="Title 1"/>
+          <p:cNvSpPr>
+            <a:spLocks noGrp="1"/>
+          </p:cNvSpPr>
+          <p:nvPr>
+            <p:ph type="title"/>
+          </p:nvPr>
+        </p:nvSpPr>
         <p:spPr>
           <a:xfrm>
-            <a:off x="0" y="0"/>
-            <a:ext cx="9144000" cy="6858000"/>
-          </a:xfrm>
-          <a:prstGeom prst="rect">
-            <a:avLst/>
-          </a:prstGeom>
-        </p:spPr>
-      </p:pic>
-      <p:sp>
-        <p:nvSpPr>
-          <p:cNvPr id="2" name="Title 1"/>
-          <p:cNvSpPr>
-            <a:spLocks noGrp="1"/>
-          </p:cNvSpPr>
-          <p:nvPr>
-            <p:ph type="title"/>
-          </p:nvPr>
-        </p:nvSpPr>
-        <p:spPr>
-          <a:xfrm>
-            <a:off x="685331" y="2138722"/>
-            <a:ext cx="7773339" cy="2511835"/>
+            <a:off x="531638" y="4710340"/>
+            <a:ext cx="6896534" cy="589812"/>
           </a:xfrm>
         </p:spPr>
         <p:txBody>
           <a:bodyPr anchor="b"/>
           <a:lstStyle>
-            <a:lvl1pPr algn="ctr">
+            <a:lvl1pPr>
               <a:defRPr sz="3200"/>
             </a:lvl1pPr>
           </a:lstStyle>
@@ -1956,14 +2572,14 @@
         </p:nvSpPr>
         <p:spPr>
           <a:xfrm>
-            <a:off x="685331" y="4662335"/>
-            <a:ext cx="7773339" cy="1140644"/>
+            <a:off x="531639" y="5300150"/>
+            <a:ext cx="6896534" cy="511954"/>
           </a:xfrm>
         </p:spPr>
         <p:txBody>
           <a:bodyPr anchor="t"/>
           <a:lstStyle>
-            <a:lvl1pPr marL="0" indent="0" algn="ctr">
+            <a:lvl1pPr marL="0" indent="0">
               <a:buNone/>
               <a:defRPr sz="1600"/>
             </a:lvl1pPr>
@@ -2061,7 +2677,12 @@
             <p:ph type="sldNum" sz="quarter" idx="12"/>
           </p:nvPr>
         </p:nvSpPr>
-        <p:spPr/>
+        <p:spPr>
+          <a:xfrm>
+            <a:off x="7856438" y="4709926"/>
+            <a:ext cx="1149836" cy="1090789"/>
+          </a:xfrm>
+        </p:spPr>
         <p:txBody>
           <a:bodyPr/>
           <a:lstStyle/>
@@ -2078,7 +2699,7 @@
     </p:spTree>
     <p:extLst>
       <p:ext uri="{BB962C8B-B14F-4D97-AF65-F5344CB8AC3E}">
-        <p14:creationId xmlns:p14="http://schemas.microsoft.com/office/powerpoint/2010/main" val="1719375056"/>
+        <p14:creationId xmlns:p14="http://schemas.microsoft.com/office/powerpoint/2010/main" val="1884898014"/>
       </p:ext>
     </p:extLst>
   </p:cSld>
@@ -2106,78 +2727,200 @@
           <a:chExt cx="0" cy="0"/>
         </a:xfrm>
       </p:grpSpPr>
-      <p:pic>
-        <p:nvPicPr>
-          <p:cNvPr id="14" name="Picture 13" descr="Droplets-SD-Content-R1d.png"/>
-          <p:cNvPicPr>
-            <a:picLocks noChangeAspect="1"/>
-          </p:cNvPicPr>
+      <p:grpSp>
+        <p:nvGrpSpPr>
+          <p:cNvPr id="23" name="Group 22"/>
+          <p:cNvGrpSpPr/>
           <p:nvPr/>
-        </p:nvPicPr>
-        <p:blipFill>
-          <a:blip r:embed="rId2">
-            <a:extLst>
-              <a:ext uri="{28A0092B-C50C-407E-A947-70E740481C1C}">
-                <a14:useLocalDpi xmlns:a14="http://schemas.microsoft.com/office/drawing/2010/main" val="0"/>
-              </a:ext>
-            </a:extLst>
-          </a:blip>
-          <a:stretch>
-            <a:fillRect/>
-          </a:stretch>
-        </p:blipFill>
+        </p:nvGrpSpPr>
+        <p:grpSpPr>
+          <a:xfrm>
+            <a:off x="0" y="609600"/>
+            <a:ext cx="9161969" cy="1677035"/>
+            <a:chOff x="0" y="2895600"/>
+            <a:chExt cx="9161969" cy="1677035"/>
+          </a:xfrm>
+        </p:grpSpPr>
+        <p:pic>
+          <p:nvPicPr>
+            <p:cNvPr id="24" name="Picture 23" descr="HD-ShadowLong.png"/>
+            <p:cNvPicPr>
+              <a:picLocks noChangeAspect="1"/>
+            </p:cNvPicPr>
+            <p:nvPr/>
+          </p:nvPicPr>
+          <p:blipFill rotWithShape="1">
+            <a:blip r:embed="rId2">
+              <a:extLst>
+                <a:ext uri="{28A0092B-C50C-407E-A947-70E740481C1C}">
+                  <a14:useLocalDpi xmlns:a14="http://schemas.microsoft.com/office/drawing/2010/main" val="0"/>
+                </a:ext>
+              </a:extLst>
+            </a:blip>
+            <a:srcRect l="26982" r="-217"/>
+            <a:stretch/>
+          </p:blipFill>
+          <p:spPr>
+            <a:xfrm>
+              <a:off x="0" y="4251471"/>
+              <a:ext cx="7644384" cy="321164"/>
+            </a:xfrm>
+            <a:prstGeom prst="rect">
+              <a:avLst/>
+            </a:prstGeom>
+          </p:spPr>
+        </p:pic>
+        <p:pic>
+          <p:nvPicPr>
+            <p:cNvPr id="25" name="Picture 24" descr="HD-ShadowShort.png"/>
+            <p:cNvPicPr>
+              <a:picLocks noChangeAspect="1"/>
+            </p:cNvPicPr>
+            <p:nvPr/>
+          </p:nvPicPr>
+          <p:blipFill rotWithShape="1">
+            <a:blip r:embed="rId3">
+              <a:extLst>
+                <a:ext uri="{28A0092B-C50C-407E-A947-70E740481C1C}">
+                  <a14:useLocalDpi xmlns:a14="http://schemas.microsoft.com/office/drawing/2010/main" val="0"/>
+                </a:ext>
+              </a:extLst>
+            </a:blip>
+            <a:srcRect r="9871"/>
+            <a:stretch/>
+          </p:blipFill>
+          <p:spPr>
+            <a:xfrm>
+              <a:off x="7717217" y="4259262"/>
+              <a:ext cx="1444752" cy="144270"/>
+            </a:xfrm>
+            <a:prstGeom prst="rect">
+              <a:avLst/>
+            </a:prstGeom>
+          </p:spPr>
+        </p:pic>
+        <p:sp>
+          <p:nvSpPr>
+            <p:cNvPr id="26" name="Rectangle 25"/>
+            <p:cNvSpPr/>
+            <p:nvPr/>
+          </p:nvSpPr>
+          <p:spPr>
+            <a:xfrm>
+              <a:off x="0" y="2895600"/>
+              <a:ext cx="7567140" cy="1368198"/>
+            </a:xfrm>
+            <a:prstGeom prst="rect">
+              <a:avLst/>
+            </a:prstGeom>
+            <a:solidFill>
+              <a:schemeClr val="bg1">
+                <a:lumMod val="85000"/>
+                <a:lumOff val="15000"/>
+              </a:schemeClr>
+            </a:solidFill>
+            <a:ln>
+              <a:noFill/>
+            </a:ln>
+          </p:spPr>
+          <p:style>
+            <a:lnRef idx="2">
+              <a:schemeClr val="accent1">
+                <a:shade val="50000"/>
+              </a:schemeClr>
+            </a:lnRef>
+            <a:fillRef idx="1">
+              <a:schemeClr val="accent1"/>
+            </a:fillRef>
+            <a:effectRef idx="0">
+              <a:schemeClr val="accent1"/>
+            </a:effectRef>
+            <a:fontRef idx="minor">
+              <a:schemeClr val="lt1"/>
+            </a:fontRef>
+          </p:style>
+        </p:sp>
+        <p:sp>
+          <p:nvSpPr>
+            <p:cNvPr id="27" name="Rectangle 26"/>
+            <p:cNvSpPr/>
+            <p:nvPr/>
+          </p:nvSpPr>
+          <p:spPr>
+            <a:xfrm>
+              <a:off x="7710769" y="2895600"/>
+              <a:ext cx="1433231" cy="1368198"/>
+            </a:xfrm>
+            <a:prstGeom prst="rect">
+              <a:avLst/>
+            </a:prstGeom>
+            <a:solidFill>
+              <a:schemeClr val="accent1"/>
+            </a:solidFill>
+            <a:ln>
+              <a:noFill/>
+            </a:ln>
+          </p:spPr>
+          <p:style>
+            <a:lnRef idx="2">
+              <a:schemeClr val="accent1">
+                <a:shade val="50000"/>
+              </a:schemeClr>
+            </a:lnRef>
+            <a:fillRef idx="1">
+              <a:schemeClr val="accent1"/>
+            </a:fillRef>
+            <a:effectRef idx="0">
+              <a:schemeClr val="accent1"/>
+            </a:effectRef>
+            <a:fontRef idx="minor">
+              <a:schemeClr val="lt1"/>
+            </a:fontRef>
+          </p:style>
+        </p:sp>
+      </p:grpSp>
+      <p:sp>
+        <p:nvSpPr>
+          <p:cNvPr id="15" name="Title 1"/>
+          <p:cNvSpPr>
+            <a:spLocks noGrp="1"/>
+          </p:cNvSpPr>
+          <p:nvPr>
+            <p:ph type="title"/>
+          </p:nvPr>
+        </p:nvSpPr>
         <p:spPr>
           <a:xfrm>
-            <a:off x="0" y="0"/>
-            <a:ext cx="9144000" cy="6858000"/>
+            <a:off x="531639" y="753228"/>
+            <a:ext cx="6896534" cy="1080938"/>
           </a:xfrm>
-          <a:prstGeom prst="rect">
-            <a:avLst/>
-          </a:prstGeom>
         </p:spPr>
-      </p:pic>
-      <p:sp>
-        <p:nvSpPr>
-          <p:cNvPr id="15" name="Title 1"/>
-          <p:cNvSpPr>
-            <a:spLocks noGrp="1"/>
-          </p:cNvSpPr>
-          <p:nvPr>
-            <p:ph type="title"/>
+        <p:txBody>
+          <a:bodyPr/>
+          <a:lstStyle/>
+          <a:p>
+            <a:r>
+              <a:rPr lang="en-US" smtClean="0"/>
+              <a:t>Click to edit Master title style</a:t>
+            </a:r>
+            <a:endParaRPr lang="en-US" dirty="0"/>
+          </a:p>
+        </p:txBody>
+      </p:sp>
+      <p:sp>
+        <p:nvSpPr>
+          <p:cNvPr id="7" name="Text Placeholder 2"/>
+          <p:cNvSpPr>
+            <a:spLocks noGrp="1"/>
+          </p:cNvSpPr>
+          <p:nvPr>
+            <p:ph type="body" idx="1"/>
           </p:nvPr>
         </p:nvSpPr>
         <p:spPr>
           <a:xfrm>
-            <a:off x="685331" y="609600"/>
-            <a:ext cx="7773339" cy="1605094"/>
-          </a:xfrm>
-        </p:spPr>
-        <p:txBody>
-          <a:bodyPr/>
-          <a:lstStyle/>
-          <a:p>
-            <a:r>
-              <a:rPr lang="en-US" smtClean="0"/>
-              <a:t>Click to edit Master title style</a:t>
-            </a:r>
-            <a:endParaRPr lang="en-US" dirty="0"/>
-          </a:p>
-        </p:txBody>
-      </p:sp>
-      <p:sp>
-        <p:nvSpPr>
-          <p:cNvPr id="7" name="Text Placeholder 2"/>
-          <p:cNvSpPr>
-            <a:spLocks noGrp="1"/>
-          </p:cNvSpPr>
-          <p:nvPr>
-            <p:ph type="body" idx="1"/>
-          </p:nvPr>
-        </p:nvSpPr>
-        <p:spPr>
-          <a:xfrm>
-            <a:off x="685331" y="2367093"/>
-            <a:ext cx="2474232" cy="576262"/>
+            <a:off x="532629" y="2329489"/>
+            <a:ext cx="2194560" cy="576262"/>
           </a:xfrm>
         </p:spPr>
         <p:txBody>
@@ -2185,10 +2928,7 @@
             <a:noAutofit/>
           </a:bodyPr>
           <a:lstStyle>
-            <a:lvl1pPr marL="0" indent="0" algn="ctr">
-              <a:lnSpc>
-                <a:spcPct val="75000"/>
-              </a:lnSpc>
+            <a:lvl1pPr marL="0" indent="0">
               <a:buNone/>
               <a:defRPr sz="2400" b="0">
                 <a:solidFill>
@@ -2250,8 +2990,8 @@
         </p:nvSpPr>
         <p:spPr>
           <a:xfrm>
-            <a:off x="685331" y="2943356"/>
-            <a:ext cx="2474232" cy="2847845"/>
+            <a:off x="539777" y="3015290"/>
+            <a:ext cx="2194560" cy="2913513"/>
           </a:xfrm>
         </p:spPr>
         <p:txBody>
@@ -2259,7 +2999,7 @@
             <a:normAutofit/>
           </a:bodyPr>
           <a:lstStyle>
-            <a:lvl1pPr marL="0" indent="0" algn="ctr">
+            <a:lvl1pPr marL="0" indent="0">
               <a:buNone/>
               <a:defRPr sz="1400"/>
             </a:lvl1pPr>
@@ -2317,8 +3057,8 @@
         </p:nvSpPr>
         <p:spPr>
           <a:xfrm>
-            <a:off x="3339292" y="2367093"/>
-            <a:ext cx="2468641" cy="576262"/>
+            <a:off x="2878413" y="2336873"/>
+            <a:ext cx="2194560" cy="576262"/>
           </a:xfrm>
         </p:spPr>
         <p:txBody>
@@ -2326,10 +3066,7 @@
             <a:noAutofit/>
           </a:bodyPr>
           <a:lstStyle>
-            <a:lvl1pPr marL="0" indent="0" algn="ctr">
-              <a:lnSpc>
-                <a:spcPct val="75000"/>
-              </a:lnSpc>
+            <a:lvl1pPr marL="0" indent="0">
               <a:buNone/>
               <a:defRPr sz="2400" b="0">
                 <a:solidFill>
@@ -2391,8 +3128,8 @@
         </p:nvSpPr>
         <p:spPr>
           <a:xfrm>
-            <a:off x="3331012" y="2943356"/>
-            <a:ext cx="2477513" cy="2847845"/>
+            <a:off x="2879710" y="3007906"/>
+            <a:ext cx="2194560" cy="2913513"/>
           </a:xfrm>
         </p:spPr>
         <p:txBody>
@@ -2400,7 +3137,7 @@
             <a:normAutofit/>
           </a:bodyPr>
           <a:lstStyle>
-            <a:lvl1pPr marL="0" indent="0" algn="ctr">
+            <a:lvl1pPr marL="0" indent="0">
               <a:buNone/>
               <a:defRPr sz="1400"/>
             </a:lvl1pPr>
@@ -2458,8 +3195,8 @@
         </p:nvSpPr>
         <p:spPr>
           <a:xfrm>
-            <a:off x="5979974" y="2367093"/>
-            <a:ext cx="2478696" cy="576262"/>
+            <a:off x="5226136" y="2336873"/>
+            <a:ext cx="2194560" cy="576262"/>
           </a:xfrm>
         </p:spPr>
         <p:txBody>
@@ -2467,10 +3204,7 @@
             <a:noAutofit/>
           </a:bodyPr>
           <a:lstStyle>
-            <a:lvl1pPr marL="0" indent="0" algn="ctr">
-              <a:lnSpc>
-                <a:spcPct val="75000"/>
-              </a:lnSpc>
+            <a:lvl1pPr marL="0" indent="0">
               <a:buNone/>
               <a:defRPr sz="2400" b="0">
                 <a:solidFill>
@@ -2532,8 +3266,8 @@
         </p:nvSpPr>
         <p:spPr>
           <a:xfrm>
-            <a:off x="5979974" y="2943356"/>
-            <a:ext cx="2478696" cy="2847845"/>
+            <a:off x="5233520" y="3007905"/>
+            <a:ext cx="2194560" cy="2913513"/>
           </a:xfrm>
         </p:spPr>
         <p:txBody>
@@ -2541,7 +3275,7 @@
             <a:normAutofit/>
           </a:bodyPr>
           <a:lstStyle>
-            <a:lvl1pPr marL="0" indent="0" algn="ctr">
+            <a:lvl1pPr marL="0" indent="0">
               <a:buNone/>
               <a:defRPr sz="1400"/>
             </a:lvl1pPr>
@@ -2656,7 +3390,7 @@
     </p:spTree>
     <p:extLst>
       <p:ext uri="{BB962C8B-B14F-4D97-AF65-F5344CB8AC3E}">
-        <p14:creationId xmlns:p14="http://schemas.microsoft.com/office/powerpoint/2010/main" val="996612160"/>
+        <p14:creationId xmlns:p14="http://schemas.microsoft.com/office/powerpoint/2010/main" val="1949644401"/>
       </p:ext>
     </p:extLst>
   </p:cSld>
@@ -2684,78 +3418,200 @@
           <a:chExt cx="0" cy="0"/>
         </a:xfrm>
       </p:grpSpPr>
-      <p:pic>
-        <p:nvPicPr>
-          <p:cNvPr id="17" name="Picture 16" descr="Droplets-SD-Content-R1d.png"/>
-          <p:cNvPicPr>
-            <a:picLocks noChangeAspect="1"/>
-          </p:cNvPicPr>
+      <p:grpSp>
+        <p:nvGrpSpPr>
+          <p:cNvPr id="34" name="Group 33"/>
+          <p:cNvGrpSpPr/>
           <p:nvPr/>
-        </p:nvPicPr>
-        <p:blipFill>
-          <a:blip r:embed="rId2">
-            <a:extLst>
-              <a:ext uri="{28A0092B-C50C-407E-A947-70E740481C1C}">
-                <a14:useLocalDpi xmlns:a14="http://schemas.microsoft.com/office/drawing/2010/main" val="0"/>
-              </a:ext>
-            </a:extLst>
-          </a:blip>
-          <a:stretch>
-            <a:fillRect/>
-          </a:stretch>
-        </p:blipFill>
+        </p:nvGrpSpPr>
+        <p:grpSpPr>
+          <a:xfrm>
+            <a:off x="0" y="609600"/>
+            <a:ext cx="9161969" cy="1677035"/>
+            <a:chOff x="0" y="2895600"/>
+            <a:chExt cx="9161969" cy="1677035"/>
+          </a:xfrm>
+        </p:grpSpPr>
+        <p:pic>
+          <p:nvPicPr>
+            <p:cNvPr id="35" name="Picture 34" descr="HD-ShadowLong.png"/>
+            <p:cNvPicPr>
+              <a:picLocks noChangeAspect="1"/>
+            </p:cNvPicPr>
+            <p:nvPr/>
+          </p:nvPicPr>
+          <p:blipFill rotWithShape="1">
+            <a:blip r:embed="rId2">
+              <a:extLst>
+                <a:ext uri="{28A0092B-C50C-407E-A947-70E740481C1C}">
+                  <a14:useLocalDpi xmlns:a14="http://schemas.microsoft.com/office/drawing/2010/main" val="0"/>
+                </a:ext>
+              </a:extLst>
+            </a:blip>
+            <a:srcRect l="26982" r="-217"/>
+            <a:stretch/>
+          </p:blipFill>
+          <p:spPr>
+            <a:xfrm>
+              <a:off x="0" y="4251471"/>
+              <a:ext cx="7644384" cy="321164"/>
+            </a:xfrm>
+            <a:prstGeom prst="rect">
+              <a:avLst/>
+            </a:prstGeom>
+          </p:spPr>
+        </p:pic>
+        <p:pic>
+          <p:nvPicPr>
+            <p:cNvPr id="36" name="Picture 35" descr="HD-ShadowShort.png"/>
+            <p:cNvPicPr>
+              <a:picLocks noChangeAspect="1"/>
+            </p:cNvPicPr>
+            <p:nvPr/>
+          </p:nvPicPr>
+          <p:blipFill rotWithShape="1">
+            <a:blip r:embed="rId3">
+              <a:extLst>
+                <a:ext uri="{28A0092B-C50C-407E-A947-70E740481C1C}">
+                  <a14:useLocalDpi xmlns:a14="http://schemas.microsoft.com/office/drawing/2010/main" val="0"/>
+                </a:ext>
+              </a:extLst>
+            </a:blip>
+            <a:srcRect r="9871"/>
+            <a:stretch/>
+          </p:blipFill>
+          <p:spPr>
+            <a:xfrm>
+              <a:off x="7717217" y="4259262"/>
+              <a:ext cx="1444752" cy="144270"/>
+            </a:xfrm>
+            <a:prstGeom prst="rect">
+              <a:avLst/>
+            </a:prstGeom>
+          </p:spPr>
+        </p:pic>
+        <p:sp>
+          <p:nvSpPr>
+            <p:cNvPr id="37" name="Rectangle 36"/>
+            <p:cNvSpPr/>
+            <p:nvPr/>
+          </p:nvSpPr>
+          <p:spPr>
+            <a:xfrm>
+              <a:off x="0" y="2895600"/>
+              <a:ext cx="7567140" cy="1368198"/>
+            </a:xfrm>
+            <a:prstGeom prst="rect">
+              <a:avLst/>
+            </a:prstGeom>
+            <a:solidFill>
+              <a:schemeClr val="bg1">
+                <a:lumMod val="85000"/>
+                <a:lumOff val="15000"/>
+              </a:schemeClr>
+            </a:solidFill>
+            <a:ln>
+              <a:noFill/>
+            </a:ln>
+          </p:spPr>
+          <p:style>
+            <a:lnRef idx="2">
+              <a:schemeClr val="accent1">
+                <a:shade val="50000"/>
+              </a:schemeClr>
+            </a:lnRef>
+            <a:fillRef idx="1">
+              <a:schemeClr val="accent1"/>
+            </a:fillRef>
+            <a:effectRef idx="0">
+              <a:schemeClr val="accent1"/>
+            </a:effectRef>
+            <a:fontRef idx="minor">
+              <a:schemeClr val="lt1"/>
+            </a:fontRef>
+          </p:style>
+        </p:sp>
+        <p:sp>
+          <p:nvSpPr>
+            <p:cNvPr id="38" name="Rectangle 37"/>
+            <p:cNvSpPr/>
+            <p:nvPr/>
+          </p:nvSpPr>
+          <p:spPr>
+            <a:xfrm>
+              <a:off x="7710769" y="2895600"/>
+              <a:ext cx="1433231" cy="1368198"/>
+            </a:xfrm>
+            <a:prstGeom prst="rect">
+              <a:avLst/>
+            </a:prstGeom>
+            <a:solidFill>
+              <a:schemeClr val="accent1"/>
+            </a:solidFill>
+            <a:ln>
+              <a:noFill/>
+            </a:ln>
+          </p:spPr>
+          <p:style>
+            <a:lnRef idx="2">
+              <a:schemeClr val="accent1">
+                <a:shade val="50000"/>
+              </a:schemeClr>
+            </a:lnRef>
+            <a:fillRef idx="1">
+              <a:schemeClr val="accent1"/>
+            </a:fillRef>
+            <a:effectRef idx="0">
+              <a:schemeClr val="accent1"/>
+            </a:effectRef>
+            <a:fontRef idx="minor">
+              <a:schemeClr val="lt1"/>
+            </a:fontRef>
+          </p:style>
+        </p:sp>
+      </p:grpSp>
+      <p:sp>
+        <p:nvSpPr>
+          <p:cNvPr id="30" name="Title 1"/>
+          <p:cNvSpPr>
+            <a:spLocks noGrp="1"/>
+          </p:cNvSpPr>
+          <p:nvPr>
+            <p:ph type="title"/>
+          </p:nvPr>
+        </p:nvSpPr>
         <p:spPr>
           <a:xfrm>
-            <a:off x="0" y="0"/>
-            <a:ext cx="9144000" cy="6858000"/>
+            <a:off x="531639" y="753228"/>
+            <a:ext cx="6896534" cy="1080938"/>
           </a:xfrm>
-          <a:prstGeom prst="rect">
-            <a:avLst/>
-          </a:prstGeom>
         </p:spPr>
-      </p:pic>
-      <p:sp>
-        <p:nvSpPr>
-          <p:cNvPr id="30" name="Title 1"/>
-          <p:cNvSpPr>
-            <a:spLocks noGrp="1"/>
-          </p:cNvSpPr>
-          <p:nvPr>
-            <p:ph type="title"/>
+        <p:txBody>
+          <a:bodyPr/>
+          <a:lstStyle/>
+          <a:p>
+            <a:r>
+              <a:rPr lang="en-US" smtClean="0"/>
+              <a:t>Click to edit Master title style</a:t>
+            </a:r>
+            <a:endParaRPr lang="en-US" dirty="0"/>
+          </a:p>
+        </p:txBody>
+      </p:sp>
+      <p:sp>
+        <p:nvSpPr>
+          <p:cNvPr id="19" name="Text Placeholder 2"/>
+          <p:cNvSpPr>
+            <a:spLocks noGrp="1"/>
+          </p:cNvSpPr>
+          <p:nvPr>
+            <p:ph type="body" idx="1"/>
           </p:nvPr>
         </p:nvSpPr>
         <p:spPr>
           <a:xfrm>
-            <a:off x="685331" y="610772"/>
-            <a:ext cx="7773339" cy="1603922"/>
-          </a:xfrm>
-        </p:spPr>
-        <p:txBody>
-          <a:bodyPr/>
-          <a:lstStyle/>
-          <a:p>
-            <a:r>
-              <a:rPr lang="en-US" smtClean="0"/>
-              <a:t>Click to edit Master title style</a:t>
-            </a:r>
-            <a:endParaRPr lang="en-US" dirty="0"/>
-          </a:p>
-        </p:txBody>
-      </p:sp>
-      <p:sp>
-        <p:nvSpPr>
-          <p:cNvPr id="19" name="Text Placeholder 2"/>
-          <p:cNvSpPr>
-            <a:spLocks noGrp="1"/>
-          </p:cNvSpPr>
-          <p:nvPr>
-            <p:ph type="body" idx="1"/>
-          </p:nvPr>
-        </p:nvSpPr>
-        <p:spPr>
-          <a:xfrm>
-            <a:off x="685331" y="4204820"/>
-            <a:ext cx="2472307" cy="576262"/>
+            <a:off x="532391" y="4297503"/>
+            <a:ext cx="2192257" cy="576262"/>
           </a:xfrm>
         </p:spPr>
         <p:txBody>
@@ -2763,12 +3619,9 @@
             <a:noAutofit/>
           </a:bodyPr>
           <a:lstStyle>
-            <a:lvl1pPr marL="0" indent="0" algn="ctr">
-              <a:lnSpc>
-                <a:spcPct val="75000"/>
-              </a:lnSpc>
-              <a:buNone/>
-              <a:defRPr sz="2200" b="0">
+            <a:lvl1pPr marL="0" indent="0">
+              <a:buNone/>
+              <a:defRPr sz="2400" b="0">
                 <a:solidFill>
                   <a:schemeClr val="tx1"/>
                 </a:solidFill>
@@ -2828,34 +3681,21 @@
         </p:nvSpPr>
         <p:spPr>
           <a:xfrm>
-            <a:off x="685331" y="2367093"/>
-            <a:ext cx="2472307" cy="1524000"/>
+            <a:off x="532391" y="2336873"/>
+            <a:ext cx="2192257" cy="1524000"/>
           </a:xfrm>
           <a:prstGeom prst="roundRect">
             <a:avLst>
-              <a:gd name="adj" fmla="val 9363"/>
+              <a:gd name="adj" fmla="val 0"/>
             </a:avLst>
           </a:prstGeom>
-          <a:noFill/>
-          <a:ln w="82550" cap="sq">
-            <a:solidFill>
-              <a:srgbClr val="EAEAEA"/>
-            </a:solidFill>
-            <a:miter lim="800000"/>
-          </a:ln>
-          <a:effectLst/>
-          <a:scene3d>
-            <a:camera prst="orthographicFront"/>
-            <a:lightRig rig="threePt" dir="t">
-              <a:rot lat="0" lon="0" rev="2700000"/>
-            </a:lightRig>
-          </a:scene3d>
-          <a:sp3d contourW="6350">
-            <a:bevelT h="38100"/>
-            <a:contourClr>
-              <a:srgbClr val="C0C0C0"/>
-            </a:contourClr>
-          </a:sp3d>
+          <a:effectLst>
+            <a:outerShdw blurRad="50800" dist="50800" dir="5400000" algn="tl" rotWithShape="0">
+              <a:srgbClr val="000000">
+                <a:alpha val="43000"/>
+              </a:srgbClr>
+            </a:outerShdw>
+          </a:effectLst>
         </p:spPr>
         <p:txBody>
           <a:bodyPr anchor="t">
@@ -2920,8 +3760,8 @@
         </p:nvSpPr>
         <p:spPr>
           <a:xfrm>
-            <a:off x="685331" y="4781082"/>
-            <a:ext cx="2472307" cy="1010118"/>
+            <a:off x="532391" y="4873765"/>
+            <a:ext cx="2192257" cy="1062422"/>
           </a:xfrm>
         </p:spPr>
         <p:txBody>
@@ -2929,7 +3769,7 @@
             <a:normAutofit/>
           </a:bodyPr>
           <a:lstStyle>
-            <a:lvl1pPr marL="0" indent="0" algn="ctr">
+            <a:lvl1pPr marL="0" indent="0">
               <a:buNone/>
               <a:defRPr sz="1400"/>
             </a:lvl1pPr>
@@ -2987,8 +3827,8 @@
         </p:nvSpPr>
         <p:spPr>
           <a:xfrm>
-            <a:off x="3332069" y="4204820"/>
-            <a:ext cx="2476371" cy="576262"/>
+            <a:off x="2870497" y="4297503"/>
+            <a:ext cx="2215070" cy="576262"/>
           </a:xfrm>
         </p:spPr>
         <p:txBody>
@@ -2996,12 +3836,9 @@
             <a:noAutofit/>
           </a:bodyPr>
           <a:lstStyle>
-            <a:lvl1pPr marL="0" indent="0" algn="ctr">
-              <a:lnSpc>
-                <a:spcPct val="75000"/>
-              </a:lnSpc>
-              <a:buNone/>
-              <a:defRPr sz="2200" b="0">
+            <a:lvl1pPr marL="0" indent="0">
+              <a:buNone/>
+              <a:defRPr sz="2400" b="0">
                 <a:solidFill>
                   <a:schemeClr val="tx1"/>
                 </a:solidFill>
@@ -3061,34 +3898,21 @@
         </p:nvSpPr>
         <p:spPr>
           <a:xfrm>
-            <a:off x="3331011" y="2367093"/>
-            <a:ext cx="2477514" cy="1524000"/>
+            <a:off x="2870497" y="2336873"/>
+            <a:ext cx="2215070" cy="1524000"/>
           </a:xfrm>
           <a:prstGeom prst="roundRect">
             <a:avLst>
-              <a:gd name="adj" fmla="val 8841"/>
+              <a:gd name="adj" fmla="val 0"/>
             </a:avLst>
           </a:prstGeom>
-          <a:noFill/>
-          <a:ln w="82550" cap="sq">
-            <a:solidFill>
-              <a:srgbClr val="EAEAEA"/>
-            </a:solidFill>
-            <a:miter lim="800000"/>
-          </a:ln>
-          <a:effectLst/>
-          <a:scene3d>
-            <a:camera prst="orthographicFront"/>
-            <a:lightRig rig="threePt" dir="t">
-              <a:rot lat="0" lon="0" rev="2700000"/>
-            </a:lightRig>
-          </a:scene3d>
-          <a:sp3d contourW="6350">
-            <a:bevelT h="38100"/>
-            <a:contourClr>
-              <a:srgbClr val="C0C0C0"/>
-            </a:contourClr>
-          </a:sp3d>
+          <a:effectLst>
+            <a:outerShdw blurRad="50800" dist="50800" dir="5400000" algn="tl" rotWithShape="0">
+              <a:srgbClr val="000000">
+                <a:alpha val="43000"/>
+              </a:srgbClr>
+            </a:outerShdw>
+          </a:effectLst>
         </p:spPr>
         <p:txBody>
           <a:bodyPr anchor="t">
@@ -3153,8 +3977,8 @@
         </p:nvSpPr>
         <p:spPr>
           <a:xfrm>
-            <a:off x="3331011" y="4781081"/>
-            <a:ext cx="2477514" cy="1010119"/>
+            <a:off x="2869483" y="4873764"/>
+            <a:ext cx="2218004" cy="1062422"/>
           </a:xfrm>
         </p:spPr>
         <p:txBody>
@@ -3162,7 +3986,7 @@
             <a:normAutofit/>
           </a:bodyPr>
           <a:lstStyle>
-            <a:lvl1pPr marL="0" indent="0" algn="ctr">
+            <a:lvl1pPr marL="0" indent="0">
               <a:buNone/>
               <a:defRPr sz="1400"/>
             </a:lvl1pPr>
@@ -3220,8 +4044,8 @@
         </p:nvSpPr>
         <p:spPr>
           <a:xfrm>
-            <a:off x="5979974" y="4204820"/>
-            <a:ext cx="2475511" cy="576262"/>
+            <a:off x="5231028" y="4297503"/>
+            <a:ext cx="2194333" cy="576262"/>
           </a:xfrm>
         </p:spPr>
         <p:txBody>
@@ -3229,12 +4053,9 @@
             <a:noAutofit/>
           </a:bodyPr>
           <a:lstStyle>
-            <a:lvl1pPr marL="0" indent="0" algn="ctr">
-              <a:lnSpc>
-                <a:spcPct val="75000"/>
-              </a:lnSpc>
-              <a:buNone/>
-              <a:defRPr sz="2200" b="0">
+            <a:lvl1pPr marL="0" indent="0">
+              <a:buNone/>
+              <a:defRPr sz="2400" b="0">
                 <a:solidFill>
                   <a:schemeClr val="tx1"/>
                 </a:solidFill>
@@ -3294,34 +4115,21 @@
         </p:nvSpPr>
         <p:spPr>
           <a:xfrm>
-            <a:off x="5979974" y="2367093"/>
-            <a:ext cx="2478696" cy="1524000"/>
+            <a:off x="5231027" y="2336873"/>
+            <a:ext cx="2194333" cy="1524000"/>
           </a:xfrm>
           <a:prstGeom prst="roundRect">
             <a:avLst>
-              <a:gd name="adj" fmla="val 8841"/>
+              <a:gd name="adj" fmla="val 0"/>
             </a:avLst>
           </a:prstGeom>
-          <a:noFill/>
-          <a:ln w="82550" cap="sq">
-            <a:solidFill>
-              <a:srgbClr val="EAEAEA"/>
-            </a:solidFill>
-            <a:miter lim="800000"/>
-          </a:ln>
-          <a:effectLst/>
-          <a:scene3d>
-            <a:camera prst="orthographicFront"/>
-            <a:lightRig rig="threePt" dir="t">
-              <a:rot lat="0" lon="0" rev="2700000"/>
-            </a:lightRig>
-          </a:scene3d>
-          <a:sp3d contourW="6350">
-            <a:bevelT h="38100"/>
-            <a:contourClr>
-              <a:srgbClr val="C0C0C0"/>
-            </a:contourClr>
-          </a:sp3d>
+          <a:effectLst>
+            <a:outerShdw blurRad="50800" dist="50800" dir="5400000" algn="tl" rotWithShape="0">
+              <a:srgbClr val="000000">
+                <a:alpha val="43000"/>
+              </a:srgbClr>
+            </a:outerShdw>
+          </a:effectLst>
         </p:spPr>
         <p:txBody>
           <a:bodyPr anchor="t">
@@ -3386,8 +4194,8 @@
         </p:nvSpPr>
         <p:spPr>
           <a:xfrm>
-            <a:off x="5979880" y="4781079"/>
-            <a:ext cx="2478790" cy="1010121"/>
+            <a:off x="5230934" y="4873762"/>
+            <a:ext cx="2197239" cy="1062422"/>
           </a:xfrm>
         </p:spPr>
         <p:txBody>
@@ -3395,7 +4203,7 @@
             <a:normAutofit/>
           </a:bodyPr>
           <a:lstStyle>
-            <a:lvl1pPr marL="0" indent="0" algn="ctr">
+            <a:lvl1pPr marL="0" indent="0">
               <a:buNone/>
               <a:defRPr sz="1400"/>
             </a:lvl1pPr>
@@ -3510,7 +4318,7 @@
     </p:spTree>
     <p:extLst>
       <p:ext uri="{BB962C8B-B14F-4D97-AF65-F5344CB8AC3E}">
-        <p14:creationId xmlns:p14="http://schemas.microsoft.com/office/powerpoint/2010/main" val="1835610167"/>
+        <p14:creationId xmlns:p14="http://schemas.microsoft.com/office/powerpoint/2010/main" val="1367961681"/>
       </p:ext>
     </p:extLst>
   </p:cSld>
@@ -3538,75 +4346,201 @@
           <a:chExt cx="0" cy="0"/>
         </a:xfrm>
       </p:grpSpPr>
-      <p:pic>
-        <p:nvPicPr>
-          <p:cNvPr id="9" name="Picture 8" descr="Droplets-SD-Content-R1d.png"/>
-          <p:cNvPicPr>
-            <a:picLocks noChangeAspect="1"/>
-          </p:cNvPicPr>
+      <p:grpSp>
+        <p:nvGrpSpPr>
+          <p:cNvPr id="16" name="Group 15"/>
+          <p:cNvGrpSpPr/>
           <p:nvPr/>
-        </p:nvPicPr>
-        <p:blipFill>
-          <a:blip r:embed="rId2">
-            <a:extLst>
-              <a:ext uri="{28A0092B-C50C-407E-A947-70E740481C1C}">
-                <a14:useLocalDpi xmlns:a14="http://schemas.microsoft.com/office/drawing/2010/main" val="0"/>
-              </a:ext>
-            </a:extLst>
-          </a:blip>
-          <a:stretch>
-            <a:fillRect/>
-          </a:stretch>
-        </p:blipFill>
+        </p:nvGrpSpPr>
+        <p:grpSpPr>
+          <a:xfrm>
+            <a:off x="0" y="609600"/>
+            <a:ext cx="9161969" cy="1677035"/>
+            <a:chOff x="0" y="2895600"/>
+            <a:chExt cx="9161969" cy="1677035"/>
+          </a:xfrm>
+        </p:grpSpPr>
+        <p:pic>
+          <p:nvPicPr>
+            <p:cNvPr id="17" name="Picture 16" descr="HD-ShadowLong.png"/>
+            <p:cNvPicPr>
+              <a:picLocks noChangeAspect="1"/>
+            </p:cNvPicPr>
+            <p:nvPr/>
+          </p:nvPicPr>
+          <p:blipFill rotWithShape="1">
+            <a:blip r:embed="rId2">
+              <a:extLst>
+                <a:ext uri="{28A0092B-C50C-407E-A947-70E740481C1C}">
+                  <a14:useLocalDpi xmlns:a14="http://schemas.microsoft.com/office/drawing/2010/main" val="0"/>
+                </a:ext>
+              </a:extLst>
+            </a:blip>
+            <a:srcRect l="26982" r="-217"/>
+            <a:stretch/>
+          </p:blipFill>
+          <p:spPr>
+            <a:xfrm>
+              <a:off x="0" y="4251471"/>
+              <a:ext cx="7644384" cy="321164"/>
+            </a:xfrm>
+            <a:prstGeom prst="rect">
+              <a:avLst/>
+            </a:prstGeom>
+          </p:spPr>
+        </p:pic>
+        <p:pic>
+          <p:nvPicPr>
+            <p:cNvPr id="18" name="Picture 17" descr="HD-ShadowShort.png"/>
+            <p:cNvPicPr>
+              <a:picLocks noChangeAspect="1"/>
+            </p:cNvPicPr>
+            <p:nvPr/>
+          </p:nvPicPr>
+          <p:blipFill rotWithShape="1">
+            <a:blip r:embed="rId3">
+              <a:extLst>
+                <a:ext uri="{28A0092B-C50C-407E-A947-70E740481C1C}">
+                  <a14:useLocalDpi xmlns:a14="http://schemas.microsoft.com/office/drawing/2010/main" val="0"/>
+                </a:ext>
+              </a:extLst>
+            </a:blip>
+            <a:srcRect r="9871"/>
+            <a:stretch/>
+          </p:blipFill>
+          <p:spPr>
+            <a:xfrm>
+              <a:off x="7717217" y="4259262"/>
+              <a:ext cx="1444752" cy="144270"/>
+            </a:xfrm>
+            <a:prstGeom prst="rect">
+              <a:avLst/>
+            </a:prstGeom>
+          </p:spPr>
+        </p:pic>
+        <p:sp>
+          <p:nvSpPr>
+            <p:cNvPr id="19" name="Rectangle 18"/>
+            <p:cNvSpPr/>
+            <p:nvPr/>
+          </p:nvSpPr>
+          <p:spPr>
+            <a:xfrm>
+              <a:off x="0" y="2895600"/>
+              <a:ext cx="7567140" cy="1368198"/>
+            </a:xfrm>
+            <a:prstGeom prst="rect">
+              <a:avLst/>
+            </a:prstGeom>
+            <a:solidFill>
+              <a:schemeClr val="bg1">
+                <a:lumMod val="85000"/>
+                <a:lumOff val="15000"/>
+              </a:schemeClr>
+            </a:solidFill>
+            <a:ln>
+              <a:noFill/>
+            </a:ln>
+          </p:spPr>
+          <p:style>
+            <a:lnRef idx="2">
+              <a:schemeClr val="accent1">
+                <a:shade val="50000"/>
+              </a:schemeClr>
+            </a:lnRef>
+            <a:fillRef idx="1">
+              <a:schemeClr val="accent1"/>
+            </a:fillRef>
+            <a:effectRef idx="0">
+              <a:schemeClr val="accent1"/>
+            </a:effectRef>
+            <a:fontRef idx="minor">
+              <a:schemeClr val="lt1"/>
+            </a:fontRef>
+          </p:style>
+        </p:sp>
+        <p:sp>
+          <p:nvSpPr>
+            <p:cNvPr id="20" name="Rectangle 19"/>
+            <p:cNvSpPr/>
+            <p:nvPr/>
+          </p:nvSpPr>
+          <p:spPr>
+            <a:xfrm>
+              <a:off x="7710769" y="2895600"/>
+              <a:ext cx="1433231" cy="1368198"/>
+            </a:xfrm>
+            <a:prstGeom prst="rect">
+              <a:avLst/>
+            </a:prstGeom>
+            <a:solidFill>
+              <a:schemeClr val="accent1"/>
+            </a:solidFill>
+            <a:ln>
+              <a:noFill/>
+            </a:ln>
+          </p:spPr>
+          <p:style>
+            <a:lnRef idx="2">
+              <a:schemeClr val="accent1">
+                <a:shade val="50000"/>
+              </a:schemeClr>
+            </a:lnRef>
+            <a:fillRef idx="1">
+              <a:schemeClr val="accent1"/>
+            </a:fillRef>
+            <a:effectRef idx="0">
+              <a:schemeClr val="accent1"/>
+            </a:effectRef>
+            <a:fontRef idx="minor">
+              <a:schemeClr val="lt1"/>
+            </a:fontRef>
+          </p:style>
+        </p:sp>
+      </p:grpSp>
+      <p:sp>
+        <p:nvSpPr>
+          <p:cNvPr id="2" name="Title 1"/>
+          <p:cNvSpPr>
+            <a:spLocks noGrp="1"/>
+          </p:cNvSpPr>
+          <p:nvPr>
+            <p:ph type="title"/>
+          </p:nvPr>
+        </p:nvSpPr>
         <p:spPr>
           <a:xfrm>
-            <a:off x="0" y="0"/>
-            <a:ext cx="9144000" cy="6858000"/>
-          </a:xfrm>
-          <a:prstGeom prst="rect">
-            <a:avLst/>
-          </a:prstGeom>
-        </p:spPr>
-      </p:pic>
-      <p:sp>
-        <p:nvSpPr>
-          <p:cNvPr id="2" name="Title 1"/>
-          <p:cNvSpPr>
-            <a:spLocks noGrp="1"/>
-          </p:cNvSpPr>
-          <p:nvPr>
-            <p:ph type="title"/>
-          </p:nvPr>
-        </p:nvSpPr>
-        <p:spPr/>
-        <p:txBody>
-          <a:bodyPr/>
-          <a:lstStyle/>
-          <a:p>
-            <a:r>
-              <a:rPr lang="en-US" smtClean="0"/>
-              <a:t>Click to edit Master title style</a:t>
-            </a:r>
-            <a:endParaRPr lang="en-US" dirty="0"/>
-          </a:p>
-        </p:txBody>
-      </p:sp>
-      <p:sp>
-        <p:nvSpPr>
-          <p:cNvPr id="11" name="Vertical Text Placeholder 2"/>
-          <p:cNvSpPr>
-            <a:spLocks noGrp="1"/>
-          </p:cNvSpPr>
-          <p:nvPr>
-            <p:ph type="body" orient="vert" sz="quarter" idx="13"/>
-          </p:nvPr>
-        </p:nvSpPr>
-        <p:spPr>
-          <a:xfrm>
-            <a:off x="685331" y="2367094"/>
-            <a:ext cx="7773339" cy="3424107"/>
+            <a:off x="531639" y="753228"/>
+            <a:ext cx="6896534" cy="1080938"/>
           </a:xfrm>
         </p:spPr>
+        <p:txBody>
+          <a:bodyPr/>
+          <a:lstStyle>
+            <a:lvl1pPr algn="r">
+              <a:defRPr/>
+            </a:lvl1pPr>
+          </a:lstStyle>
+          <a:p>
+            <a:r>
+              <a:rPr lang="en-US" smtClean="0"/>
+              <a:t>Click to edit Master title style</a:t>
+            </a:r>
+            <a:endParaRPr lang="en-US" dirty="0"/>
+          </a:p>
+        </p:txBody>
+      </p:sp>
+      <p:sp>
+        <p:nvSpPr>
+          <p:cNvPr id="3" name="Vertical Text Placeholder 2"/>
+          <p:cNvSpPr>
+            <a:spLocks noGrp="1"/>
+          </p:cNvSpPr>
+          <p:nvPr>
+            <p:ph type="body" orient="vert" idx="1"/>
+          </p:nvPr>
+        </p:nvSpPr>
+        <p:spPr/>
         <p:txBody>
           <a:bodyPr vert="eaVert"/>
           <a:lstStyle/>
@@ -3716,7 +4650,7 @@
     </p:spTree>
     <p:extLst>
       <p:ext uri="{BB962C8B-B14F-4D97-AF65-F5344CB8AC3E}">
-        <p14:creationId xmlns:p14="http://schemas.microsoft.com/office/powerpoint/2010/main" val="350003967"/>
+        <p14:creationId xmlns:p14="http://schemas.microsoft.com/office/powerpoint/2010/main" val="372047785"/>
       </p:ext>
     </p:extLst>
   </p:cSld>
@@ -3743,182 +4677,261 @@
           <a:chExt cx="0" cy="0"/>
         </a:xfrm>
       </p:grpSpPr>
-      <p:pic>
-        <p:nvPicPr>
-          <p:cNvPr id="10" name="Picture 9" descr="Droplets-SD-Content-R1d.png"/>
-          <p:cNvPicPr>
-            <a:picLocks noChangeAspect="1"/>
-          </p:cNvPicPr>
+      <p:grpSp>
+        <p:nvGrpSpPr>
+          <p:cNvPr id="14" name="Group 13"/>
+          <p:cNvGrpSpPr/>
           <p:nvPr/>
-        </p:nvPicPr>
-        <p:blipFill>
-          <a:blip r:embed="rId2">
-            <a:extLst>
-              <a:ext uri="{28A0092B-C50C-407E-A947-70E740481C1C}">
-                <a14:useLocalDpi xmlns:a14="http://schemas.microsoft.com/office/drawing/2010/main" val="0"/>
-              </a:ext>
-            </a:extLst>
-          </a:blip>
-          <a:stretch>
-            <a:fillRect/>
-          </a:stretch>
-        </p:blipFill>
+        </p:nvGrpSpPr>
+        <p:grpSpPr>
+          <a:xfrm rot="5400000">
+            <a:off x="4575305" y="2747178"/>
+            <a:ext cx="6862555" cy="1368199"/>
+            <a:chOff x="2281445" y="609600"/>
+            <a:chExt cx="6862555" cy="1368199"/>
+          </a:xfrm>
+        </p:grpSpPr>
+        <p:sp>
+          <p:nvSpPr>
+            <p:cNvPr id="12" name="Rectangle 11"/>
+            <p:cNvSpPr/>
+            <p:nvPr/>
+          </p:nvSpPr>
+          <p:spPr>
+            <a:xfrm>
+              <a:off x="2281445" y="609601"/>
+              <a:ext cx="5285695" cy="1368198"/>
+            </a:xfrm>
+            <a:prstGeom prst="rect">
+              <a:avLst/>
+            </a:prstGeom>
+            <a:solidFill>
+              <a:schemeClr val="bg1">
+                <a:lumMod val="85000"/>
+                <a:lumOff val="15000"/>
+              </a:schemeClr>
+            </a:solidFill>
+            <a:ln>
+              <a:noFill/>
+            </a:ln>
+          </p:spPr>
+          <p:style>
+            <a:lnRef idx="2">
+              <a:schemeClr val="accent1">
+                <a:shade val="50000"/>
+              </a:schemeClr>
+            </a:lnRef>
+            <a:fillRef idx="1">
+              <a:schemeClr val="accent1"/>
+            </a:fillRef>
+            <a:effectRef idx="0">
+              <a:schemeClr val="accent1"/>
+            </a:effectRef>
+            <a:fontRef idx="minor">
+              <a:schemeClr val="lt1"/>
+            </a:fontRef>
+          </p:style>
+        </p:sp>
+        <p:sp>
+          <p:nvSpPr>
+            <p:cNvPr id="13" name="Rectangle 12"/>
+            <p:cNvSpPr/>
+            <p:nvPr/>
+          </p:nvSpPr>
+          <p:spPr>
+            <a:xfrm>
+              <a:off x="7710769" y="609600"/>
+              <a:ext cx="1433231" cy="1368198"/>
+            </a:xfrm>
+            <a:prstGeom prst="rect">
+              <a:avLst/>
+            </a:prstGeom>
+            <a:solidFill>
+              <a:schemeClr val="accent1"/>
+            </a:solidFill>
+            <a:ln>
+              <a:noFill/>
+            </a:ln>
+          </p:spPr>
+          <p:style>
+            <a:lnRef idx="2">
+              <a:schemeClr val="accent1">
+                <a:shade val="50000"/>
+              </a:schemeClr>
+            </a:lnRef>
+            <a:fillRef idx="1">
+              <a:schemeClr val="accent1"/>
+            </a:fillRef>
+            <a:effectRef idx="0">
+              <a:schemeClr val="accent1"/>
+            </a:effectRef>
+            <a:fontRef idx="minor">
+              <a:schemeClr val="lt1"/>
+            </a:fontRef>
+          </p:style>
+        </p:sp>
+      </p:grpSp>
+      <p:sp>
+        <p:nvSpPr>
+          <p:cNvPr id="2" name="Vertical Title 1"/>
+          <p:cNvSpPr>
+            <a:spLocks noGrp="1"/>
+          </p:cNvSpPr>
+          <p:nvPr>
+            <p:ph type="title" orient="vert"/>
+          </p:nvPr>
+        </p:nvSpPr>
         <p:spPr>
           <a:xfrm>
-            <a:off x="0" y="0"/>
-            <a:ext cx="9144000" cy="6858000"/>
+            <a:off x="7464798" y="609597"/>
+            <a:ext cx="1069602" cy="4461936"/>
           </a:xfrm>
-          <a:prstGeom prst="rect">
-            <a:avLst/>
-          </a:prstGeom>
         </p:spPr>
-      </p:pic>
-      <p:sp>
-        <p:nvSpPr>
-          <p:cNvPr id="2" name="Vertical Title 1"/>
-          <p:cNvSpPr>
-            <a:spLocks noGrp="1"/>
-          </p:cNvSpPr>
-          <p:nvPr>
-            <p:ph type="title" orient="vert"/>
+        <p:txBody>
+          <a:bodyPr vert="eaVert"/>
+          <a:lstStyle/>
+          <a:p>
+            <a:r>
+              <a:rPr lang="en-US" smtClean="0"/>
+              <a:t>Click to edit Master title style</a:t>
+            </a:r>
+            <a:endParaRPr lang="en-US" dirty="0"/>
+          </a:p>
+        </p:txBody>
+      </p:sp>
+      <p:sp>
+        <p:nvSpPr>
+          <p:cNvPr id="3" name="Vertical Text Placeholder 2"/>
+          <p:cNvSpPr>
+            <a:spLocks noGrp="1"/>
+          </p:cNvSpPr>
+          <p:nvPr>
+            <p:ph type="body" orient="vert" idx="1"/>
           </p:nvPr>
         </p:nvSpPr>
         <p:spPr>
           <a:xfrm>
-            <a:off x="6543675" y="609602"/>
-            <a:ext cx="1914995" cy="5181599"/>
+            <a:off x="510241" y="609598"/>
+            <a:ext cx="6576359" cy="5326589"/>
           </a:xfrm>
         </p:spPr>
         <p:txBody>
           <a:bodyPr vert="eaVert"/>
+          <a:lstStyle/>
+          <a:p>
+            <a:pPr lvl="0"/>
+            <a:r>
+              <a:rPr lang="en-US" smtClean="0"/>
+              <a:t>Click to edit Master text styles</a:t>
+            </a:r>
+          </a:p>
+          <a:p>
+            <a:pPr lvl="1"/>
+            <a:r>
+              <a:rPr lang="en-US" smtClean="0"/>
+              <a:t>Second level</a:t>
+            </a:r>
+          </a:p>
+          <a:p>
+            <a:pPr lvl="2"/>
+            <a:r>
+              <a:rPr lang="en-US" smtClean="0"/>
+              <a:t>Third level</a:t>
+            </a:r>
+          </a:p>
+          <a:p>
+            <a:pPr lvl="3"/>
+            <a:r>
+              <a:rPr lang="en-US" smtClean="0"/>
+              <a:t>Fourth level</a:t>
+            </a:r>
+          </a:p>
+          <a:p>
+            <a:pPr lvl="4"/>
+            <a:r>
+              <a:rPr lang="en-US" smtClean="0"/>
+              <a:t>Fifth level</a:t>
+            </a:r>
+            <a:endParaRPr lang="en-US" dirty="0"/>
+          </a:p>
+        </p:txBody>
+      </p:sp>
+      <p:sp>
+        <p:nvSpPr>
+          <p:cNvPr id="4" name="Date Placeholder 3"/>
+          <p:cNvSpPr>
+            <a:spLocks noGrp="1"/>
+          </p:cNvSpPr>
+          <p:nvPr>
+            <p:ph type="dt" sz="half" idx="10"/>
+          </p:nvPr>
+        </p:nvSpPr>
+        <p:spPr>
+          <a:xfrm>
+            <a:off x="5029144" y="5936188"/>
+            <a:ext cx="2057400" cy="365125"/>
+          </a:xfrm>
+        </p:spPr>
+        <p:txBody>
+          <a:bodyPr/>
+          <a:lstStyle/>
+          <a:p>
+            <a:fld id="{B4E0BF79-FAC6-4A96-8DE1-F7B82E2E1652}" type="datetimeFigureOut">
+              <a:rPr lang="en-US" smtClean="0"/>
+              <a:t>4/23/16</a:t>
+            </a:fld>
+            <a:endParaRPr lang="en-US" dirty="0"/>
+          </a:p>
+        </p:txBody>
+      </p:sp>
+      <p:sp>
+        <p:nvSpPr>
+          <p:cNvPr id="5" name="Footer Placeholder 4"/>
+          <p:cNvSpPr>
+            <a:spLocks noGrp="1"/>
+          </p:cNvSpPr>
+          <p:nvPr>
+            <p:ph type="ftr" sz="quarter" idx="11"/>
+          </p:nvPr>
+        </p:nvSpPr>
+        <p:spPr>
+          <a:xfrm>
+            <a:off x="510241" y="5936189"/>
+            <a:ext cx="4518959" cy="365125"/>
+          </a:xfrm>
+        </p:spPr>
+        <p:txBody>
+          <a:bodyPr/>
+          <a:lstStyle/>
+          <a:p>
+            <a:endParaRPr lang="en-US" dirty="0"/>
+          </a:p>
+        </p:txBody>
+      </p:sp>
+      <p:sp>
+        <p:nvSpPr>
+          <p:cNvPr id="6" name="Slide Number Placeholder 5"/>
+          <p:cNvSpPr>
+            <a:spLocks noGrp="1"/>
+          </p:cNvSpPr>
+          <p:nvPr>
+            <p:ph type="sldNum" sz="quarter" idx="12"/>
+          </p:nvPr>
+        </p:nvSpPr>
+        <p:spPr>
+          <a:xfrm>
+            <a:off x="7431152" y="5432500"/>
+            <a:ext cx="1149636" cy="1273100"/>
+          </a:xfrm>
+        </p:spPr>
+        <p:txBody>
+          <a:bodyPr anchor="t"/>
           <a:lstStyle>
-            <a:lvl1pPr algn="l">
+            <a:lvl1pPr algn="ctr">
               <a:defRPr/>
             </a:lvl1pPr>
           </a:lstStyle>
           <a:p>
-            <a:r>
-              <a:rPr lang="en-US" smtClean="0"/>
-              <a:t>Click to edit Master title style</a:t>
-            </a:r>
-            <a:endParaRPr lang="en-US" dirty="0"/>
-          </a:p>
-        </p:txBody>
-      </p:sp>
-      <p:sp>
-        <p:nvSpPr>
-          <p:cNvPr id="8" name="Vertical Text Placeholder 2"/>
-          <p:cNvSpPr>
-            <a:spLocks noGrp="1"/>
-          </p:cNvSpPr>
-          <p:nvPr>
-            <p:ph type="body" orient="vert" sz="quarter" idx="13"/>
-          </p:nvPr>
-        </p:nvSpPr>
-        <p:spPr>
-          <a:xfrm>
-            <a:off x="685331" y="609602"/>
-            <a:ext cx="5744043" cy="5181599"/>
-          </a:xfrm>
-        </p:spPr>
-        <p:txBody>
-          <a:bodyPr vert="eaVert"/>
-          <a:lstStyle/>
-          <a:p>
-            <a:pPr lvl="0"/>
-            <a:r>
-              <a:rPr lang="en-US" smtClean="0"/>
-              <a:t>Click to edit Master text styles</a:t>
-            </a:r>
-          </a:p>
-          <a:p>
-            <a:pPr lvl="1"/>
-            <a:r>
-              <a:rPr lang="en-US" smtClean="0"/>
-              <a:t>Second level</a:t>
-            </a:r>
-          </a:p>
-          <a:p>
-            <a:pPr lvl="2"/>
-            <a:r>
-              <a:rPr lang="en-US" smtClean="0"/>
-              <a:t>Third level</a:t>
-            </a:r>
-          </a:p>
-          <a:p>
-            <a:pPr lvl="3"/>
-            <a:r>
-              <a:rPr lang="en-US" smtClean="0"/>
-              <a:t>Fourth level</a:t>
-            </a:r>
-          </a:p>
-          <a:p>
-            <a:pPr lvl="4"/>
-            <a:r>
-              <a:rPr lang="en-US" smtClean="0"/>
-              <a:t>Fifth level</a:t>
-            </a:r>
-            <a:endParaRPr lang="en-US" dirty="0"/>
-          </a:p>
-        </p:txBody>
-      </p:sp>
-      <p:sp>
-        <p:nvSpPr>
-          <p:cNvPr id="4" name="Date Placeholder 3"/>
-          <p:cNvSpPr>
-            <a:spLocks noGrp="1"/>
-          </p:cNvSpPr>
-          <p:nvPr>
-            <p:ph type="dt" sz="half" idx="10"/>
-          </p:nvPr>
-        </p:nvSpPr>
-        <p:spPr/>
-        <p:txBody>
-          <a:bodyPr/>
-          <a:lstStyle/>
-          <a:p>
-            <a:fld id="{B4E0BF79-FAC6-4A96-8DE1-F7B82E2E1652}" type="datetimeFigureOut">
-              <a:rPr lang="en-US" smtClean="0"/>
-              <a:t>4/23/16</a:t>
-            </a:fld>
-            <a:endParaRPr lang="en-US" dirty="0"/>
-          </a:p>
-        </p:txBody>
-      </p:sp>
-      <p:sp>
-        <p:nvSpPr>
-          <p:cNvPr id="5" name="Footer Placeholder 4"/>
-          <p:cNvSpPr>
-            <a:spLocks noGrp="1"/>
-          </p:cNvSpPr>
-          <p:nvPr>
-            <p:ph type="ftr" sz="quarter" idx="11"/>
-          </p:nvPr>
-        </p:nvSpPr>
-        <p:spPr/>
-        <p:txBody>
-          <a:bodyPr/>
-          <a:lstStyle/>
-          <a:p>
-            <a:endParaRPr lang="en-US" dirty="0"/>
-          </a:p>
-        </p:txBody>
-      </p:sp>
-      <p:sp>
-        <p:nvSpPr>
-          <p:cNvPr id="6" name="Slide Number Placeholder 5"/>
-          <p:cNvSpPr>
-            <a:spLocks noGrp="1"/>
-          </p:cNvSpPr>
-          <p:nvPr>
-            <p:ph type="sldNum" sz="quarter" idx="12"/>
-          </p:nvPr>
-        </p:nvSpPr>
-        <p:spPr/>
-        <p:txBody>
-          <a:bodyPr/>
-          <a:lstStyle/>
-          <a:p>
             <a:fld id="{4FAB73BC-B049-4115-A692-8D63A059BFB8}" type="slidenum">
               <a:rPr lang="en-US" smtClean="0"/>
               <a:t>‹#›</a:t>
@@ -3930,7 +4943,7 @@
     </p:spTree>
     <p:extLst>
       <p:ext uri="{BB962C8B-B14F-4D97-AF65-F5344CB8AC3E}">
-        <p14:creationId xmlns:p14="http://schemas.microsoft.com/office/powerpoint/2010/main" val="558964236"/>
+        <p14:creationId xmlns:p14="http://schemas.microsoft.com/office/powerpoint/2010/main" val="1682226078"/>
       </p:ext>
     </p:extLst>
   </p:cSld>
@@ -3957,36 +4970,158 @@
           <a:chExt cx="0" cy="0"/>
         </a:xfrm>
       </p:grpSpPr>
-      <p:pic>
-        <p:nvPicPr>
-          <p:cNvPr id="7" name="Picture 6" descr="Droplets-SD-Content-R1d.png"/>
-          <p:cNvPicPr>
-            <a:picLocks noChangeAspect="1"/>
-          </p:cNvPicPr>
+      <p:grpSp>
+        <p:nvGrpSpPr>
+          <p:cNvPr id="27" name="Group 26"/>
+          <p:cNvGrpSpPr/>
           <p:nvPr/>
-        </p:nvPicPr>
-        <p:blipFill>
-          <a:blip r:embed="rId2">
-            <a:extLst>
-              <a:ext uri="{28A0092B-C50C-407E-A947-70E740481C1C}">
-                <a14:useLocalDpi xmlns:a14="http://schemas.microsoft.com/office/drawing/2010/main" val="0"/>
-              </a:ext>
-            </a:extLst>
-          </a:blip>
-          <a:stretch>
-            <a:fillRect/>
-          </a:stretch>
-        </p:blipFill>
-        <p:spPr>
+        </p:nvGrpSpPr>
+        <p:grpSpPr>
           <a:xfrm>
-            <a:off x="0" y="0"/>
-            <a:ext cx="9144000" cy="6858000"/>
+            <a:off x="0" y="609600"/>
+            <a:ext cx="9161969" cy="1677035"/>
+            <a:chOff x="0" y="2895600"/>
+            <a:chExt cx="9161969" cy="1677035"/>
           </a:xfrm>
-          <a:prstGeom prst="rect">
-            <a:avLst/>
-          </a:prstGeom>
-        </p:spPr>
-      </p:pic>
+        </p:grpSpPr>
+        <p:pic>
+          <p:nvPicPr>
+            <p:cNvPr id="28" name="Picture 27" descr="HD-ShadowLong.png"/>
+            <p:cNvPicPr>
+              <a:picLocks noChangeAspect="1"/>
+            </p:cNvPicPr>
+            <p:nvPr/>
+          </p:nvPicPr>
+          <p:blipFill rotWithShape="1">
+            <a:blip r:embed="rId2">
+              <a:extLst>
+                <a:ext uri="{28A0092B-C50C-407E-A947-70E740481C1C}">
+                  <a14:useLocalDpi xmlns:a14="http://schemas.microsoft.com/office/drawing/2010/main" val="0"/>
+                </a:ext>
+              </a:extLst>
+            </a:blip>
+            <a:srcRect l="26982" r="-217"/>
+            <a:stretch/>
+          </p:blipFill>
+          <p:spPr>
+            <a:xfrm>
+              <a:off x="0" y="4251471"/>
+              <a:ext cx="7644384" cy="321164"/>
+            </a:xfrm>
+            <a:prstGeom prst="rect">
+              <a:avLst/>
+            </a:prstGeom>
+          </p:spPr>
+        </p:pic>
+        <p:pic>
+          <p:nvPicPr>
+            <p:cNvPr id="29" name="Picture 28" descr="HD-ShadowShort.png"/>
+            <p:cNvPicPr>
+              <a:picLocks noChangeAspect="1"/>
+            </p:cNvPicPr>
+            <p:nvPr/>
+          </p:nvPicPr>
+          <p:blipFill rotWithShape="1">
+            <a:blip r:embed="rId3">
+              <a:extLst>
+                <a:ext uri="{28A0092B-C50C-407E-A947-70E740481C1C}">
+                  <a14:useLocalDpi xmlns:a14="http://schemas.microsoft.com/office/drawing/2010/main" val="0"/>
+                </a:ext>
+              </a:extLst>
+            </a:blip>
+            <a:srcRect r="9871"/>
+            <a:stretch/>
+          </p:blipFill>
+          <p:spPr>
+            <a:xfrm>
+              <a:off x="7717217" y="4259262"/>
+              <a:ext cx="1444752" cy="144270"/>
+            </a:xfrm>
+            <a:prstGeom prst="rect">
+              <a:avLst/>
+            </a:prstGeom>
+          </p:spPr>
+        </p:pic>
+        <p:sp>
+          <p:nvSpPr>
+            <p:cNvPr id="30" name="Rectangle 29"/>
+            <p:cNvSpPr/>
+            <p:nvPr/>
+          </p:nvSpPr>
+          <p:spPr>
+            <a:xfrm>
+              <a:off x="0" y="2895600"/>
+              <a:ext cx="7567140" cy="1368198"/>
+            </a:xfrm>
+            <a:prstGeom prst="rect">
+              <a:avLst/>
+            </a:prstGeom>
+            <a:solidFill>
+              <a:schemeClr val="bg1">
+                <a:lumMod val="85000"/>
+                <a:lumOff val="15000"/>
+              </a:schemeClr>
+            </a:solidFill>
+            <a:ln>
+              <a:noFill/>
+            </a:ln>
+          </p:spPr>
+          <p:style>
+            <a:lnRef idx="2">
+              <a:schemeClr val="accent1">
+                <a:shade val="50000"/>
+              </a:schemeClr>
+            </a:lnRef>
+            <a:fillRef idx="1">
+              <a:schemeClr val="accent1"/>
+            </a:fillRef>
+            <a:effectRef idx="0">
+              <a:schemeClr val="accent1"/>
+            </a:effectRef>
+            <a:fontRef idx="minor">
+              <a:schemeClr val="lt1"/>
+            </a:fontRef>
+          </p:style>
+        </p:sp>
+        <p:sp>
+          <p:nvSpPr>
+            <p:cNvPr id="31" name="Rectangle 30"/>
+            <p:cNvSpPr/>
+            <p:nvPr/>
+          </p:nvSpPr>
+          <p:spPr>
+            <a:xfrm>
+              <a:off x="7710769" y="2895600"/>
+              <a:ext cx="1433231" cy="1368198"/>
+            </a:xfrm>
+            <a:prstGeom prst="rect">
+              <a:avLst/>
+            </a:prstGeom>
+            <a:solidFill>
+              <a:schemeClr val="accent1"/>
+            </a:solidFill>
+            <a:ln>
+              <a:noFill/>
+            </a:ln>
+          </p:spPr>
+          <p:style>
+            <a:lnRef idx="2">
+              <a:schemeClr val="accent1">
+                <a:shade val="50000"/>
+              </a:schemeClr>
+            </a:lnRef>
+            <a:fillRef idx="1">
+              <a:schemeClr val="accent1"/>
+            </a:fillRef>
+            <a:effectRef idx="0">
+              <a:schemeClr val="accent1"/>
+            </a:effectRef>
+            <a:fontRef idx="minor">
+              <a:schemeClr val="lt1"/>
+            </a:fontRef>
+          </p:style>
+        </p:sp>
+      </p:grpSp>
       <p:sp>
         <p:nvSpPr>
           <p:cNvPr id="2" name="Title 1"/>
@@ -4012,20 +5147,15 @@
       </p:sp>
       <p:sp>
         <p:nvSpPr>
-          <p:cNvPr id="12" name="Content Placeholder 2"/>
-          <p:cNvSpPr>
-            <a:spLocks noGrp="1"/>
-          </p:cNvSpPr>
-          <p:nvPr>
-            <p:ph sz="quarter" idx="13"/>
-          </p:nvPr>
-        </p:nvSpPr>
-        <p:spPr>
-          <a:xfrm>
-            <a:off x="685330" y="2367093"/>
-            <a:ext cx="7772870" cy="3424107"/>
-          </a:xfrm>
-        </p:spPr>
+          <p:cNvPr id="3" name="Content Placeholder 2"/>
+          <p:cNvSpPr>
+            <a:spLocks noGrp="1"/>
+          </p:cNvSpPr>
+          <p:nvPr>
+            <p:ph idx="1"/>
+          </p:nvPr>
+        </p:nvSpPr>
+        <p:spPr/>
         <p:txBody>
           <a:bodyPr/>
           <a:lstStyle/>
@@ -4136,7 +5266,7 @@
     </p:spTree>
     <p:extLst>
       <p:ext uri="{BB962C8B-B14F-4D97-AF65-F5344CB8AC3E}">
-        <p14:creationId xmlns:p14="http://schemas.microsoft.com/office/powerpoint/2010/main" val="1182923534"/>
+        <p14:creationId xmlns:p14="http://schemas.microsoft.com/office/powerpoint/2010/main" val="501213866"/>
       </p:ext>
     </p:extLst>
   </p:cSld>
@@ -4163,59 +5293,181 @@
           <a:chExt cx="0" cy="0"/>
         </a:xfrm>
       </p:grpSpPr>
-      <p:pic>
-        <p:nvPicPr>
-          <p:cNvPr id="8" name="Picture 7" descr="Droplets-SD-Content-R1d.png"/>
-          <p:cNvPicPr>
-            <a:picLocks noChangeAspect="1"/>
-          </p:cNvPicPr>
+      <p:grpSp>
+        <p:nvGrpSpPr>
+          <p:cNvPr id="18" name="Group 17"/>
+          <p:cNvGrpSpPr/>
           <p:nvPr/>
-        </p:nvPicPr>
-        <p:blipFill>
-          <a:blip r:embed="rId2">
-            <a:extLst>
-              <a:ext uri="{28A0092B-C50C-407E-A947-70E740481C1C}">
-                <a14:useLocalDpi xmlns:a14="http://schemas.microsoft.com/office/drawing/2010/main" val="0"/>
-              </a:ext>
-            </a:extLst>
-          </a:blip>
-          <a:stretch>
-            <a:fillRect/>
-          </a:stretch>
-        </p:blipFill>
+        </p:nvGrpSpPr>
+        <p:grpSpPr>
+          <a:xfrm>
+            <a:off x="0" y="2728432"/>
+            <a:ext cx="9161969" cy="1677035"/>
+            <a:chOff x="0" y="2895600"/>
+            <a:chExt cx="9161969" cy="1677035"/>
+          </a:xfrm>
+        </p:grpSpPr>
+        <p:pic>
+          <p:nvPicPr>
+            <p:cNvPr id="19" name="Picture 18" descr="HD-ShadowLong.png"/>
+            <p:cNvPicPr>
+              <a:picLocks noChangeAspect="1"/>
+            </p:cNvPicPr>
+            <p:nvPr/>
+          </p:nvPicPr>
+          <p:blipFill rotWithShape="1">
+            <a:blip r:embed="rId2">
+              <a:extLst>
+                <a:ext uri="{28A0092B-C50C-407E-A947-70E740481C1C}">
+                  <a14:useLocalDpi xmlns:a14="http://schemas.microsoft.com/office/drawing/2010/main" val="0"/>
+                </a:ext>
+              </a:extLst>
+            </a:blip>
+            <a:srcRect l="26982" r="-217"/>
+            <a:stretch/>
+          </p:blipFill>
+          <p:spPr>
+            <a:xfrm>
+              <a:off x="0" y="4251471"/>
+              <a:ext cx="7644384" cy="321164"/>
+            </a:xfrm>
+            <a:prstGeom prst="rect">
+              <a:avLst/>
+            </a:prstGeom>
+          </p:spPr>
+        </p:pic>
+        <p:pic>
+          <p:nvPicPr>
+            <p:cNvPr id="20" name="Picture 19" descr="HD-ShadowShort.png"/>
+            <p:cNvPicPr>
+              <a:picLocks noChangeAspect="1"/>
+            </p:cNvPicPr>
+            <p:nvPr/>
+          </p:nvPicPr>
+          <p:blipFill rotWithShape="1">
+            <a:blip r:embed="rId3">
+              <a:extLst>
+                <a:ext uri="{28A0092B-C50C-407E-A947-70E740481C1C}">
+                  <a14:useLocalDpi xmlns:a14="http://schemas.microsoft.com/office/drawing/2010/main" val="0"/>
+                </a:ext>
+              </a:extLst>
+            </a:blip>
+            <a:srcRect r="9871"/>
+            <a:stretch/>
+          </p:blipFill>
+          <p:spPr>
+            <a:xfrm>
+              <a:off x="7717217" y="4259262"/>
+              <a:ext cx="1444752" cy="144270"/>
+            </a:xfrm>
+            <a:prstGeom prst="rect">
+              <a:avLst/>
+            </a:prstGeom>
+          </p:spPr>
+        </p:pic>
+        <p:sp>
+          <p:nvSpPr>
+            <p:cNvPr id="21" name="Rectangle 20"/>
+            <p:cNvSpPr/>
+            <p:nvPr/>
+          </p:nvSpPr>
+          <p:spPr>
+            <a:xfrm>
+              <a:off x="0" y="2895600"/>
+              <a:ext cx="7567140" cy="1368198"/>
+            </a:xfrm>
+            <a:prstGeom prst="rect">
+              <a:avLst/>
+            </a:prstGeom>
+            <a:solidFill>
+              <a:schemeClr val="bg1">
+                <a:lumMod val="85000"/>
+                <a:lumOff val="15000"/>
+              </a:schemeClr>
+            </a:solidFill>
+            <a:ln>
+              <a:noFill/>
+            </a:ln>
+          </p:spPr>
+          <p:style>
+            <a:lnRef idx="2">
+              <a:schemeClr val="accent1">
+                <a:shade val="50000"/>
+              </a:schemeClr>
+            </a:lnRef>
+            <a:fillRef idx="1">
+              <a:schemeClr val="accent1"/>
+            </a:fillRef>
+            <a:effectRef idx="0">
+              <a:schemeClr val="accent1"/>
+            </a:effectRef>
+            <a:fontRef idx="minor">
+              <a:schemeClr val="lt1"/>
+            </a:fontRef>
+          </p:style>
+        </p:sp>
+        <p:sp>
+          <p:nvSpPr>
+            <p:cNvPr id="22" name="Rectangle 21"/>
+            <p:cNvSpPr/>
+            <p:nvPr/>
+          </p:nvSpPr>
+          <p:spPr>
+            <a:xfrm>
+              <a:off x="7710769" y="2895600"/>
+              <a:ext cx="1433231" cy="1368198"/>
+            </a:xfrm>
+            <a:prstGeom prst="rect">
+              <a:avLst/>
+            </a:prstGeom>
+            <a:solidFill>
+              <a:schemeClr val="accent1"/>
+            </a:solidFill>
+            <a:ln>
+              <a:noFill/>
+            </a:ln>
+          </p:spPr>
+          <p:style>
+            <a:lnRef idx="2">
+              <a:schemeClr val="accent1">
+                <a:shade val="50000"/>
+              </a:schemeClr>
+            </a:lnRef>
+            <a:fillRef idx="1">
+              <a:schemeClr val="accent1"/>
+            </a:fillRef>
+            <a:effectRef idx="0">
+              <a:schemeClr val="accent1"/>
+            </a:effectRef>
+            <a:fontRef idx="minor">
+              <a:schemeClr val="lt1"/>
+            </a:fontRef>
+          </p:style>
+        </p:sp>
+      </p:grpSp>
+      <p:sp>
+        <p:nvSpPr>
+          <p:cNvPr id="2" name="Title 1"/>
+          <p:cNvSpPr>
+            <a:spLocks noGrp="1"/>
+          </p:cNvSpPr>
+          <p:nvPr>
+            <p:ph type="title"/>
+          </p:nvPr>
+        </p:nvSpPr>
         <p:spPr>
           <a:xfrm>
-            <a:off x="0" y="0"/>
-            <a:ext cx="9144000" cy="6858000"/>
-          </a:xfrm>
-          <a:prstGeom prst="rect">
-            <a:avLst/>
-          </a:prstGeom>
-        </p:spPr>
-      </p:pic>
-      <p:sp>
-        <p:nvSpPr>
-          <p:cNvPr id="2" name="Title 1"/>
-          <p:cNvSpPr>
-            <a:spLocks noGrp="1"/>
-          </p:cNvSpPr>
-          <p:nvPr>
-            <p:ph type="title"/>
-          </p:nvPr>
-        </p:nvSpPr>
-        <p:spPr>
-          <a:xfrm>
-            <a:off x="685331" y="828564"/>
-            <a:ext cx="7763814" cy="2736819"/>
+            <a:off x="531639" y="2869895"/>
+            <a:ext cx="6889150" cy="1090788"/>
           </a:xfrm>
         </p:spPr>
         <p:txBody>
-          <a:bodyPr anchor="b">
+          <a:bodyPr anchor="ctr">
             <a:normAutofit/>
           </a:bodyPr>
           <a:lstStyle>
-            <a:lvl1pPr>
-              <a:defRPr sz="4000"/>
+            <a:lvl1pPr algn="r">
+              <a:defRPr sz="3600"/>
             </a:lvl1pPr>
           </a:lstStyle>
           <a:p>
@@ -4239,8 +5491,8 @@
         </p:nvSpPr>
         <p:spPr>
           <a:xfrm>
-            <a:off x="685331" y="3657458"/>
-            <a:ext cx="7763814" cy="1368183"/>
+            <a:off x="531639" y="4232172"/>
+            <a:ext cx="6889150" cy="1704017"/>
           </a:xfrm>
         </p:spPr>
         <p:txBody>
@@ -4248,12 +5500,12 @@
             <a:normAutofit/>
           </a:bodyPr>
           <a:lstStyle>
-            <a:lvl1pPr marL="0" indent="0" algn="ctr">
+            <a:lvl1pPr marL="0" indent="0" algn="r">
               <a:buNone/>
               <a:defRPr sz="2000">
                 <a:solidFill>
-                  <a:schemeClr val="bg1">
-                    <a:lumMod val="50000"/>
+                  <a:schemeClr val="tx1">
+                    <a:tint val="75000"/>
                   </a:schemeClr>
                 </a:solidFill>
               </a:defRPr>
@@ -4358,7 +5610,12 @@
             <p:ph type="dt" sz="half" idx="10"/>
           </p:nvPr>
         </p:nvSpPr>
-        <p:spPr/>
+        <p:spPr>
+          <a:xfrm>
+            <a:off x="5365810" y="5936188"/>
+            <a:ext cx="2057400" cy="365125"/>
+          </a:xfrm>
+        </p:spPr>
         <p:txBody>
           <a:bodyPr/>
           <a:lstStyle/>
@@ -4381,7 +5638,12 @@
             <p:ph type="ftr" sz="quarter" idx="11"/>
           </p:nvPr>
         </p:nvSpPr>
-        <p:spPr/>
+        <p:spPr>
+          <a:xfrm>
+            <a:off x="533400" y="5936189"/>
+            <a:ext cx="4834673" cy="365125"/>
+          </a:xfrm>
+        </p:spPr>
         <p:txBody>
           <a:bodyPr/>
           <a:lstStyle/>
@@ -4400,7 +5662,12 @@
             <p:ph type="sldNum" sz="quarter" idx="12"/>
           </p:nvPr>
         </p:nvSpPr>
-        <p:spPr/>
+        <p:spPr>
+          <a:xfrm>
+            <a:off x="7856438" y="2869896"/>
+            <a:ext cx="1149836" cy="1090789"/>
+          </a:xfrm>
+        </p:spPr>
         <p:txBody>
           <a:bodyPr/>
           <a:lstStyle/>
@@ -4416,7 +5683,7 @@
     </p:spTree>
     <p:extLst>
       <p:ext uri="{BB962C8B-B14F-4D97-AF65-F5344CB8AC3E}">
-        <p14:creationId xmlns:p14="http://schemas.microsoft.com/office/powerpoint/2010/main" val="2139715659"/>
+        <p14:creationId xmlns:p14="http://schemas.microsoft.com/office/powerpoint/2010/main" val="1470582328"/>
       </p:ext>
     </p:extLst>
   </p:cSld>
@@ -4443,135 +5710,257 @@
           <a:chExt cx="0" cy="0"/>
         </a:xfrm>
       </p:grpSpPr>
-      <p:pic>
-        <p:nvPicPr>
-          <p:cNvPr id="9" name="Picture 8" descr="Droplets-SD-Content-R1d.png"/>
-          <p:cNvPicPr>
-            <a:picLocks noChangeAspect="1"/>
-          </p:cNvPicPr>
+      <p:grpSp>
+        <p:nvGrpSpPr>
+          <p:cNvPr id="17" name="Group 16"/>
+          <p:cNvGrpSpPr/>
           <p:nvPr/>
-        </p:nvPicPr>
-        <p:blipFill>
-          <a:blip r:embed="rId2">
-            <a:extLst>
-              <a:ext uri="{28A0092B-C50C-407E-A947-70E740481C1C}">
-                <a14:useLocalDpi xmlns:a14="http://schemas.microsoft.com/office/drawing/2010/main" val="0"/>
-              </a:ext>
-            </a:extLst>
-          </a:blip>
-          <a:stretch>
-            <a:fillRect/>
-          </a:stretch>
-        </p:blipFill>
+        </p:nvGrpSpPr>
+        <p:grpSpPr>
+          <a:xfrm>
+            <a:off x="0" y="609600"/>
+            <a:ext cx="9161969" cy="1677035"/>
+            <a:chOff x="0" y="2895600"/>
+            <a:chExt cx="9161969" cy="1677035"/>
+          </a:xfrm>
+        </p:grpSpPr>
+        <p:pic>
+          <p:nvPicPr>
+            <p:cNvPr id="18" name="Picture 17" descr="HD-ShadowLong.png"/>
+            <p:cNvPicPr>
+              <a:picLocks noChangeAspect="1"/>
+            </p:cNvPicPr>
+            <p:nvPr/>
+          </p:nvPicPr>
+          <p:blipFill rotWithShape="1">
+            <a:blip r:embed="rId2">
+              <a:extLst>
+                <a:ext uri="{28A0092B-C50C-407E-A947-70E740481C1C}">
+                  <a14:useLocalDpi xmlns:a14="http://schemas.microsoft.com/office/drawing/2010/main" val="0"/>
+                </a:ext>
+              </a:extLst>
+            </a:blip>
+            <a:srcRect l="26982" r="-217"/>
+            <a:stretch/>
+          </p:blipFill>
+          <p:spPr>
+            <a:xfrm>
+              <a:off x="0" y="4251471"/>
+              <a:ext cx="7644384" cy="321164"/>
+            </a:xfrm>
+            <a:prstGeom prst="rect">
+              <a:avLst/>
+            </a:prstGeom>
+          </p:spPr>
+        </p:pic>
+        <p:pic>
+          <p:nvPicPr>
+            <p:cNvPr id="19" name="Picture 18" descr="HD-ShadowShort.png"/>
+            <p:cNvPicPr>
+              <a:picLocks noChangeAspect="1"/>
+            </p:cNvPicPr>
+            <p:nvPr/>
+          </p:nvPicPr>
+          <p:blipFill rotWithShape="1">
+            <a:blip r:embed="rId3">
+              <a:extLst>
+                <a:ext uri="{28A0092B-C50C-407E-A947-70E740481C1C}">
+                  <a14:useLocalDpi xmlns:a14="http://schemas.microsoft.com/office/drawing/2010/main" val="0"/>
+                </a:ext>
+              </a:extLst>
+            </a:blip>
+            <a:srcRect r="9871"/>
+            <a:stretch/>
+          </p:blipFill>
+          <p:spPr>
+            <a:xfrm>
+              <a:off x="7717217" y="4259262"/>
+              <a:ext cx="1444752" cy="144270"/>
+            </a:xfrm>
+            <a:prstGeom prst="rect">
+              <a:avLst/>
+            </a:prstGeom>
+          </p:spPr>
+        </p:pic>
+        <p:sp>
+          <p:nvSpPr>
+            <p:cNvPr id="20" name="Rectangle 19"/>
+            <p:cNvSpPr/>
+            <p:nvPr/>
+          </p:nvSpPr>
+          <p:spPr>
+            <a:xfrm>
+              <a:off x="0" y="2895600"/>
+              <a:ext cx="7567140" cy="1368198"/>
+            </a:xfrm>
+            <a:prstGeom prst="rect">
+              <a:avLst/>
+            </a:prstGeom>
+            <a:solidFill>
+              <a:schemeClr val="bg1">
+                <a:lumMod val="85000"/>
+                <a:lumOff val="15000"/>
+              </a:schemeClr>
+            </a:solidFill>
+            <a:ln>
+              <a:noFill/>
+            </a:ln>
+          </p:spPr>
+          <p:style>
+            <a:lnRef idx="2">
+              <a:schemeClr val="accent1">
+                <a:shade val="50000"/>
+              </a:schemeClr>
+            </a:lnRef>
+            <a:fillRef idx="1">
+              <a:schemeClr val="accent1"/>
+            </a:fillRef>
+            <a:effectRef idx="0">
+              <a:schemeClr val="accent1"/>
+            </a:effectRef>
+            <a:fontRef idx="minor">
+              <a:schemeClr val="lt1"/>
+            </a:fontRef>
+          </p:style>
+        </p:sp>
+        <p:sp>
+          <p:nvSpPr>
+            <p:cNvPr id="21" name="Rectangle 20"/>
+            <p:cNvSpPr/>
+            <p:nvPr/>
+          </p:nvSpPr>
+          <p:spPr>
+            <a:xfrm>
+              <a:off x="7710769" y="2895600"/>
+              <a:ext cx="1433231" cy="1368198"/>
+            </a:xfrm>
+            <a:prstGeom prst="rect">
+              <a:avLst/>
+            </a:prstGeom>
+            <a:solidFill>
+              <a:schemeClr val="accent1"/>
+            </a:solidFill>
+            <a:ln>
+              <a:noFill/>
+            </a:ln>
+          </p:spPr>
+          <p:style>
+            <a:lnRef idx="2">
+              <a:schemeClr val="accent1">
+                <a:shade val="50000"/>
+              </a:schemeClr>
+            </a:lnRef>
+            <a:fillRef idx="1">
+              <a:schemeClr val="accent1"/>
+            </a:fillRef>
+            <a:effectRef idx="0">
+              <a:schemeClr val="accent1"/>
+            </a:effectRef>
+            <a:fontRef idx="minor">
+              <a:schemeClr val="lt1"/>
+            </a:fontRef>
+          </p:style>
+        </p:sp>
+      </p:grpSp>
+      <p:sp>
+        <p:nvSpPr>
+          <p:cNvPr id="2" name="Title 1"/>
+          <p:cNvSpPr>
+            <a:spLocks noGrp="1"/>
+          </p:cNvSpPr>
+          <p:nvPr>
+            <p:ph type="title"/>
+          </p:nvPr>
+        </p:nvSpPr>
         <p:spPr>
           <a:xfrm>
-            <a:off x="0" y="0"/>
-            <a:ext cx="9144000" cy="6858000"/>
+            <a:off x="533400" y="753228"/>
+            <a:ext cx="6887390" cy="1080938"/>
           </a:xfrm>
-          <a:prstGeom prst="rect">
-            <a:avLst/>
-          </a:prstGeom>
         </p:spPr>
-      </p:pic>
-      <p:sp>
-        <p:nvSpPr>
-          <p:cNvPr id="14" name="Title 1"/>
-          <p:cNvSpPr>
-            <a:spLocks noGrp="1"/>
-          </p:cNvSpPr>
-          <p:nvPr>
-            <p:ph type="title"/>
+        <p:txBody>
+          <a:bodyPr/>
+          <a:lstStyle/>
+          <a:p>
+            <a:r>
+              <a:rPr lang="en-US" smtClean="0"/>
+              <a:t>Click to edit Master title style</a:t>
+            </a:r>
+            <a:endParaRPr lang="en-US" dirty="0"/>
+          </a:p>
+        </p:txBody>
+      </p:sp>
+      <p:sp>
+        <p:nvSpPr>
+          <p:cNvPr id="3" name="Content Placeholder 2"/>
+          <p:cNvSpPr>
+            <a:spLocks noGrp="1"/>
+          </p:cNvSpPr>
+          <p:nvPr>
+            <p:ph sz="half" idx="1"/>
           </p:nvPr>
         </p:nvSpPr>
         <p:spPr>
           <a:xfrm>
-            <a:off x="685332" y="618518"/>
-            <a:ext cx="7773338" cy="1596177"/>
+            <a:off x="533400" y="2336873"/>
+            <a:ext cx="3357899" cy="3599316"/>
           </a:xfrm>
         </p:spPr>
         <p:txBody>
           <a:bodyPr/>
           <a:lstStyle/>
           <a:p>
-            <a:r>
-              <a:rPr lang="en-US" smtClean="0"/>
-              <a:t>Click to edit Master title style</a:t>
-            </a:r>
-            <a:endParaRPr lang="en-US" dirty="0"/>
-          </a:p>
-        </p:txBody>
-      </p:sp>
-      <p:sp>
-        <p:nvSpPr>
-          <p:cNvPr id="12" name="Content Placeholder 2"/>
-          <p:cNvSpPr>
-            <a:spLocks noGrp="1"/>
-          </p:cNvSpPr>
-          <p:nvPr>
-            <p:ph sz="quarter" idx="13"/>
+            <a:pPr lvl="0"/>
+            <a:r>
+              <a:rPr lang="en-US" smtClean="0"/>
+              <a:t>Click to edit Master text styles</a:t>
+            </a:r>
+          </a:p>
+          <a:p>
+            <a:pPr lvl="1"/>
+            <a:r>
+              <a:rPr lang="en-US" smtClean="0"/>
+              <a:t>Second level</a:t>
+            </a:r>
+          </a:p>
+          <a:p>
+            <a:pPr lvl="2"/>
+            <a:r>
+              <a:rPr lang="en-US" smtClean="0"/>
+              <a:t>Third level</a:t>
+            </a:r>
+          </a:p>
+          <a:p>
+            <a:pPr lvl="3"/>
+            <a:r>
+              <a:rPr lang="en-US" smtClean="0"/>
+              <a:t>Fourth level</a:t>
+            </a:r>
+          </a:p>
+          <a:p>
+            <a:pPr lvl="4"/>
+            <a:r>
+              <a:rPr lang="en-US" smtClean="0"/>
+              <a:t>Fifth level</a:t>
+            </a:r>
+            <a:endParaRPr lang="en-US" dirty="0"/>
+          </a:p>
+        </p:txBody>
+      </p:sp>
+      <p:sp>
+        <p:nvSpPr>
+          <p:cNvPr id="4" name="Content Placeholder 3"/>
+          <p:cNvSpPr>
+            <a:spLocks noGrp="1"/>
+          </p:cNvSpPr>
+          <p:nvPr>
+            <p:ph sz="half" idx="2"/>
           </p:nvPr>
         </p:nvSpPr>
         <p:spPr>
           <a:xfrm>
-            <a:off x="685330" y="2367093"/>
-            <a:ext cx="3829520" cy="3424107"/>
-          </a:xfrm>
-        </p:spPr>
-        <p:txBody>
-          <a:bodyPr/>
-          <a:lstStyle/>
-          <a:p>
-            <a:pPr lvl="0"/>
-            <a:r>
-              <a:rPr lang="en-US" smtClean="0"/>
-              <a:t>Click to edit Master text styles</a:t>
-            </a:r>
-          </a:p>
-          <a:p>
-            <a:pPr lvl="1"/>
-            <a:r>
-              <a:rPr lang="en-US" smtClean="0"/>
-              <a:t>Second level</a:t>
-            </a:r>
-          </a:p>
-          <a:p>
-            <a:pPr lvl="2"/>
-            <a:r>
-              <a:rPr lang="en-US" smtClean="0"/>
-              <a:t>Third level</a:t>
-            </a:r>
-          </a:p>
-          <a:p>
-            <a:pPr lvl="3"/>
-            <a:r>
-              <a:rPr lang="en-US" smtClean="0"/>
-              <a:t>Fourth level</a:t>
-            </a:r>
-          </a:p>
-          <a:p>
-            <a:pPr lvl="4"/>
-            <a:r>
-              <a:rPr lang="en-US" smtClean="0"/>
-              <a:t>Fifth level</a:t>
-            </a:r>
-            <a:endParaRPr lang="en-US" dirty="0"/>
-          </a:p>
-        </p:txBody>
-      </p:sp>
-      <p:sp>
-        <p:nvSpPr>
-          <p:cNvPr id="13" name="Content Placeholder 3"/>
-          <p:cNvSpPr>
-            <a:spLocks noGrp="1"/>
-          </p:cNvSpPr>
-          <p:nvPr>
-            <p:ph sz="quarter" idx="14"/>
-          </p:nvPr>
-        </p:nvSpPr>
-        <p:spPr>
-          <a:xfrm>
-            <a:off x="4629150" y="2367093"/>
-            <a:ext cx="3829050" cy="3424107"/>
+            <a:off x="4061128" y="2336873"/>
+            <a:ext cx="3359661" cy="3599316"/>
           </a:xfrm>
         </p:spPr>
         <p:txBody>
@@ -4683,7 +6072,7 @@
     </p:spTree>
     <p:extLst>
       <p:ext uri="{BB962C8B-B14F-4D97-AF65-F5344CB8AC3E}">
-        <p14:creationId xmlns:p14="http://schemas.microsoft.com/office/powerpoint/2010/main" val="439928151"/>
+        <p14:creationId xmlns:p14="http://schemas.microsoft.com/office/powerpoint/2010/main" val="687893373"/>
       </p:ext>
     </p:extLst>
   </p:cSld>
@@ -4715,95 +6104,208 @@
           <a:chExt cx="0" cy="0"/>
         </a:xfrm>
       </p:grpSpPr>
-      <p:pic>
-        <p:nvPicPr>
-          <p:cNvPr id="11" name="Picture 10" descr="Droplets-SD-Content-R1d.png"/>
-          <p:cNvPicPr>
-            <a:picLocks noChangeAspect="1"/>
-          </p:cNvPicPr>
+      <p:grpSp>
+        <p:nvGrpSpPr>
+          <p:cNvPr id="28" name="Group 27"/>
+          <p:cNvGrpSpPr/>
           <p:nvPr/>
-        </p:nvPicPr>
-        <p:blipFill>
-          <a:blip r:embed="rId2">
-            <a:extLst>
-              <a:ext uri="{28A0092B-C50C-407E-A947-70E740481C1C}">
-                <a14:useLocalDpi xmlns:a14="http://schemas.microsoft.com/office/drawing/2010/main" val="0"/>
-              </a:ext>
-            </a:extLst>
-          </a:blip>
-          <a:stretch>
-            <a:fillRect/>
-          </a:stretch>
-        </p:blipFill>
+        </p:nvGrpSpPr>
+        <p:grpSpPr>
+          <a:xfrm>
+            <a:off x="0" y="609600"/>
+            <a:ext cx="9161969" cy="1677035"/>
+            <a:chOff x="0" y="2895600"/>
+            <a:chExt cx="9161969" cy="1677035"/>
+          </a:xfrm>
+        </p:grpSpPr>
+        <p:pic>
+          <p:nvPicPr>
+            <p:cNvPr id="29" name="Picture 28" descr="HD-ShadowLong.png"/>
+            <p:cNvPicPr>
+              <a:picLocks noChangeAspect="1"/>
+            </p:cNvPicPr>
+            <p:nvPr/>
+          </p:nvPicPr>
+          <p:blipFill rotWithShape="1">
+            <a:blip r:embed="rId2">
+              <a:extLst>
+                <a:ext uri="{28A0092B-C50C-407E-A947-70E740481C1C}">
+                  <a14:useLocalDpi xmlns:a14="http://schemas.microsoft.com/office/drawing/2010/main" val="0"/>
+                </a:ext>
+              </a:extLst>
+            </a:blip>
+            <a:srcRect l="26982" r="-217"/>
+            <a:stretch/>
+          </p:blipFill>
+          <p:spPr>
+            <a:xfrm>
+              <a:off x="0" y="4251471"/>
+              <a:ext cx="7644384" cy="321164"/>
+            </a:xfrm>
+            <a:prstGeom prst="rect">
+              <a:avLst/>
+            </a:prstGeom>
+          </p:spPr>
+        </p:pic>
+        <p:pic>
+          <p:nvPicPr>
+            <p:cNvPr id="30" name="Picture 29" descr="HD-ShadowShort.png"/>
+            <p:cNvPicPr>
+              <a:picLocks noChangeAspect="1"/>
+            </p:cNvPicPr>
+            <p:nvPr/>
+          </p:nvPicPr>
+          <p:blipFill rotWithShape="1">
+            <a:blip r:embed="rId3">
+              <a:extLst>
+                <a:ext uri="{28A0092B-C50C-407E-A947-70E740481C1C}">
+                  <a14:useLocalDpi xmlns:a14="http://schemas.microsoft.com/office/drawing/2010/main" val="0"/>
+                </a:ext>
+              </a:extLst>
+            </a:blip>
+            <a:srcRect r="9871"/>
+            <a:stretch/>
+          </p:blipFill>
+          <p:spPr>
+            <a:xfrm>
+              <a:off x="7717217" y="4259262"/>
+              <a:ext cx="1444752" cy="144270"/>
+            </a:xfrm>
+            <a:prstGeom prst="rect">
+              <a:avLst/>
+            </a:prstGeom>
+          </p:spPr>
+        </p:pic>
+        <p:sp>
+          <p:nvSpPr>
+            <p:cNvPr id="31" name="Rectangle 30"/>
+            <p:cNvSpPr/>
+            <p:nvPr/>
+          </p:nvSpPr>
+          <p:spPr>
+            <a:xfrm>
+              <a:off x="0" y="2895600"/>
+              <a:ext cx="7567140" cy="1368198"/>
+            </a:xfrm>
+            <a:prstGeom prst="rect">
+              <a:avLst/>
+            </a:prstGeom>
+            <a:solidFill>
+              <a:schemeClr val="bg1">
+                <a:lumMod val="85000"/>
+                <a:lumOff val="15000"/>
+              </a:schemeClr>
+            </a:solidFill>
+            <a:ln>
+              <a:noFill/>
+            </a:ln>
+          </p:spPr>
+          <p:style>
+            <a:lnRef idx="2">
+              <a:schemeClr val="accent1">
+                <a:shade val="50000"/>
+              </a:schemeClr>
+            </a:lnRef>
+            <a:fillRef idx="1">
+              <a:schemeClr val="accent1"/>
+            </a:fillRef>
+            <a:effectRef idx="0">
+              <a:schemeClr val="accent1"/>
+            </a:effectRef>
+            <a:fontRef idx="minor">
+              <a:schemeClr val="lt1"/>
+            </a:fontRef>
+          </p:style>
+        </p:sp>
+        <p:sp>
+          <p:nvSpPr>
+            <p:cNvPr id="32" name="Rectangle 31"/>
+            <p:cNvSpPr/>
+            <p:nvPr/>
+          </p:nvSpPr>
+          <p:spPr>
+            <a:xfrm>
+              <a:off x="7710769" y="2895600"/>
+              <a:ext cx="1433231" cy="1368198"/>
+            </a:xfrm>
+            <a:prstGeom prst="rect">
+              <a:avLst/>
+            </a:prstGeom>
+            <a:solidFill>
+              <a:schemeClr val="accent1"/>
+            </a:solidFill>
+            <a:ln>
+              <a:noFill/>
+            </a:ln>
+          </p:spPr>
+          <p:style>
+            <a:lnRef idx="2">
+              <a:schemeClr val="accent1">
+                <a:shade val="50000"/>
+              </a:schemeClr>
+            </a:lnRef>
+            <a:fillRef idx="1">
+              <a:schemeClr val="accent1"/>
+            </a:fillRef>
+            <a:effectRef idx="0">
+              <a:schemeClr val="accent1"/>
+            </a:effectRef>
+            <a:fontRef idx="minor">
+              <a:schemeClr val="lt1"/>
+            </a:fontRef>
+          </p:style>
+        </p:sp>
+      </p:grpSp>
+      <p:sp>
+        <p:nvSpPr>
+          <p:cNvPr id="2" name="Title 1"/>
+          <p:cNvSpPr>
+            <a:spLocks noGrp="1"/>
+          </p:cNvSpPr>
+          <p:nvPr>
+            <p:ph type="title"/>
+          </p:nvPr>
+        </p:nvSpPr>
         <p:spPr>
           <a:xfrm>
-            <a:off x="0" y="0"/>
-            <a:ext cx="9144000" cy="6858000"/>
+            <a:off x="531639" y="753230"/>
+            <a:ext cx="6896534" cy="1080937"/>
           </a:xfrm>
-          <a:prstGeom prst="rect">
-            <a:avLst/>
-          </a:prstGeom>
         </p:spPr>
-      </p:pic>
-      <p:sp>
-        <p:nvSpPr>
-          <p:cNvPr id="14" name="Title 1"/>
-          <p:cNvSpPr>
-            <a:spLocks noGrp="1"/>
-          </p:cNvSpPr>
-          <p:nvPr>
-            <p:ph type="title"/>
+        <p:txBody>
+          <a:bodyPr/>
+          <a:lstStyle/>
+          <a:p>
+            <a:r>
+              <a:rPr lang="en-US" smtClean="0"/>
+              <a:t>Click to edit Master title style</a:t>
+            </a:r>
+            <a:endParaRPr lang="en-US" dirty="0"/>
+          </a:p>
+        </p:txBody>
+      </p:sp>
+      <p:sp>
+        <p:nvSpPr>
+          <p:cNvPr id="3" name="Text Placeholder 2"/>
+          <p:cNvSpPr>
+            <a:spLocks noGrp="1"/>
+          </p:cNvSpPr>
+          <p:nvPr>
+            <p:ph type="body" idx="1"/>
           </p:nvPr>
         </p:nvSpPr>
         <p:spPr>
           <a:xfrm>
-            <a:off x="685332" y="618518"/>
-            <a:ext cx="7773338" cy="1596177"/>
+            <a:off x="760988" y="2336874"/>
+            <a:ext cx="3145080" cy="693135"/>
           </a:xfrm>
         </p:spPr>
         <p:txBody>
-          <a:bodyPr/>
-          <a:lstStyle/>
-          <a:p>
-            <a:r>
-              <a:rPr lang="en-US" smtClean="0"/>
-              <a:t>Click to edit Master title style</a:t>
-            </a:r>
-            <a:endParaRPr lang="en-US" dirty="0"/>
-          </a:p>
-        </p:txBody>
-      </p:sp>
-      <p:sp>
-        <p:nvSpPr>
-          <p:cNvPr id="3" name="Text Placeholder 2"/>
-          <p:cNvSpPr>
-            <a:spLocks noGrp="1"/>
-          </p:cNvSpPr>
-          <p:nvPr>
-            <p:ph type="body" idx="1"/>
-          </p:nvPr>
-        </p:nvSpPr>
-        <p:spPr>
-          <a:xfrm>
-            <a:off x="859746" y="2371018"/>
-            <a:ext cx="3655106" cy="679994"/>
-          </a:xfrm>
-        </p:spPr>
-        <p:txBody>
-          <a:bodyPr anchor="b">
-            <a:noAutofit/>
-          </a:bodyPr>
+          <a:bodyPr anchor="b"/>
           <a:lstStyle>
             <a:lvl1pPr marL="0" indent="0">
-              <a:lnSpc>
-                <a:spcPct val="75000"/>
-              </a:lnSpc>
-              <a:buNone/>
-              <a:defRPr sz="2600" b="0">
-                <a:solidFill>
-                  <a:schemeClr val="tx1"/>
-                </a:solidFill>
-              </a:defRPr>
+              <a:buNone/>
+              <a:defRPr sz="2400" b="1"/>
             </a:lvl1pPr>
             <a:lvl2pPr marL="457200" indent="0">
               <a:buNone/>
@@ -4849,18 +6351,18 @@
       </p:sp>
       <p:sp>
         <p:nvSpPr>
-          <p:cNvPr id="12" name="Content Placeholder 3"/>
-          <p:cNvSpPr>
-            <a:spLocks noGrp="1"/>
-          </p:cNvSpPr>
-          <p:nvPr>
-            <p:ph sz="quarter" idx="13"/>
+          <p:cNvPr id="4" name="Content Placeholder 3"/>
+          <p:cNvSpPr>
+            <a:spLocks noGrp="1"/>
+          </p:cNvSpPr>
+          <p:nvPr>
+            <p:ph sz="half" idx="2"/>
           </p:nvPr>
         </p:nvSpPr>
         <p:spPr>
           <a:xfrm>
-            <a:off x="685331" y="3051013"/>
-            <a:ext cx="3829520" cy="2740187"/>
+            <a:off x="531638" y="3030009"/>
+            <a:ext cx="3367045" cy="2906179"/>
           </a:xfrm>
         </p:spPr>
         <p:txBody>
@@ -4916,25 +6418,16 @@
         </p:nvSpPr>
         <p:spPr>
           <a:xfrm>
-            <a:off x="4797317" y="2371018"/>
-            <a:ext cx="3661353" cy="679994"/>
+            <a:off x="4282646" y="2336873"/>
+            <a:ext cx="3145527" cy="692076"/>
           </a:xfrm>
         </p:spPr>
         <p:txBody>
-          <a:bodyPr anchor="b">
-            <a:noAutofit/>
-          </a:bodyPr>
+          <a:bodyPr anchor="b"/>
           <a:lstStyle>
             <a:lvl1pPr marL="0" indent="0">
-              <a:lnSpc>
-                <a:spcPct val="75000"/>
-              </a:lnSpc>
-              <a:buNone/>
-              <a:defRPr sz="2600" b="0">
-                <a:solidFill>
-                  <a:schemeClr val="tx1"/>
-                </a:solidFill>
-              </a:defRPr>
+              <a:buNone/>
+              <a:defRPr sz="2400" b="1"/>
             </a:lvl1pPr>
             <a:lvl2pPr marL="457200" indent="0">
               <a:buNone/>
@@ -4980,18 +6473,18 @@
       </p:sp>
       <p:sp>
         <p:nvSpPr>
-          <p:cNvPr id="13" name="Content Placeholder 5"/>
-          <p:cNvSpPr>
-            <a:spLocks noGrp="1"/>
-          </p:cNvSpPr>
-          <p:nvPr>
-            <p:ph sz="quarter" idx="14"/>
+          <p:cNvPr id="6" name="Content Placeholder 5"/>
+          <p:cNvSpPr>
+            <a:spLocks noGrp="1"/>
+          </p:cNvSpPr>
+          <p:nvPr>
+            <p:ph sz="quarter" idx="4"/>
           </p:nvPr>
         </p:nvSpPr>
         <p:spPr>
           <a:xfrm>
-            <a:off x="4629150" y="3051013"/>
-            <a:ext cx="3829051" cy="2740187"/>
+            <a:off x="4061129" y="3030009"/>
+            <a:ext cx="3367044" cy="2906179"/>
           </a:xfrm>
         </p:spPr>
         <p:txBody>
@@ -5103,7 +6596,7 @@
     </p:spTree>
     <p:extLst>
       <p:ext uri="{BB962C8B-B14F-4D97-AF65-F5344CB8AC3E}">
-        <p14:creationId xmlns:p14="http://schemas.microsoft.com/office/powerpoint/2010/main" val="86237236"/>
+        <p14:creationId xmlns:p14="http://schemas.microsoft.com/office/powerpoint/2010/main" val="1519448210"/>
       </p:ext>
     </p:extLst>
   </p:cSld>
@@ -5135,36 +6628,158 @@
           <a:chExt cx="0" cy="0"/>
         </a:xfrm>
       </p:grpSpPr>
-      <p:pic>
-        <p:nvPicPr>
-          <p:cNvPr id="7" name="Picture 6" descr="Droplets-SD-Content-R1d.png"/>
-          <p:cNvPicPr>
-            <a:picLocks noChangeAspect="1"/>
-          </p:cNvPicPr>
+      <p:grpSp>
+        <p:nvGrpSpPr>
+          <p:cNvPr id="15" name="Group 14"/>
+          <p:cNvGrpSpPr/>
           <p:nvPr/>
-        </p:nvPicPr>
-        <p:blipFill>
-          <a:blip r:embed="rId2">
-            <a:extLst>
-              <a:ext uri="{28A0092B-C50C-407E-A947-70E740481C1C}">
-                <a14:useLocalDpi xmlns:a14="http://schemas.microsoft.com/office/drawing/2010/main" val="0"/>
-              </a:ext>
-            </a:extLst>
-          </a:blip>
-          <a:stretch>
-            <a:fillRect/>
-          </a:stretch>
-        </p:blipFill>
-        <p:spPr>
+        </p:nvGrpSpPr>
+        <p:grpSpPr>
           <a:xfrm>
-            <a:off x="0" y="0"/>
-            <a:ext cx="9144000" cy="6858000"/>
+            <a:off x="0" y="609600"/>
+            <a:ext cx="9161969" cy="1677035"/>
+            <a:chOff x="0" y="2895600"/>
+            <a:chExt cx="9161969" cy="1677035"/>
           </a:xfrm>
-          <a:prstGeom prst="rect">
-            <a:avLst/>
-          </a:prstGeom>
-        </p:spPr>
-      </p:pic>
+        </p:grpSpPr>
+        <p:pic>
+          <p:nvPicPr>
+            <p:cNvPr id="16" name="Picture 15" descr="HD-ShadowLong.png"/>
+            <p:cNvPicPr>
+              <a:picLocks noChangeAspect="1"/>
+            </p:cNvPicPr>
+            <p:nvPr/>
+          </p:nvPicPr>
+          <p:blipFill rotWithShape="1">
+            <a:blip r:embed="rId2">
+              <a:extLst>
+                <a:ext uri="{28A0092B-C50C-407E-A947-70E740481C1C}">
+                  <a14:useLocalDpi xmlns:a14="http://schemas.microsoft.com/office/drawing/2010/main" val="0"/>
+                </a:ext>
+              </a:extLst>
+            </a:blip>
+            <a:srcRect l="26982" r="-217"/>
+            <a:stretch/>
+          </p:blipFill>
+          <p:spPr>
+            <a:xfrm>
+              <a:off x="0" y="4251471"/>
+              <a:ext cx="7644384" cy="321164"/>
+            </a:xfrm>
+            <a:prstGeom prst="rect">
+              <a:avLst/>
+            </a:prstGeom>
+          </p:spPr>
+        </p:pic>
+        <p:pic>
+          <p:nvPicPr>
+            <p:cNvPr id="17" name="Picture 16" descr="HD-ShadowShort.png"/>
+            <p:cNvPicPr>
+              <a:picLocks noChangeAspect="1"/>
+            </p:cNvPicPr>
+            <p:nvPr/>
+          </p:nvPicPr>
+          <p:blipFill rotWithShape="1">
+            <a:blip r:embed="rId3">
+              <a:extLst>
+                <a:ext uri="{28A0092B-C50C-407E-A947-70E740481C1C}">
+                  <a14:useLocalDpi xmlns:a14="http://schemas.microsoft.com/office/drawing/2010/main" val="0"/>
+                </a:ext>
+              </a:extLst>
+            </a:blip>
+            <a:srcRect r="9871"/>
+            <a:stretch/>
+          </p:blipFill>
+          <p:spPr>
+            <a:xfrm>
+              <a:off x="7717217" y="4259262"/>
+              <a:ext cx="1444752" cy="144270"/>
+            </a:xfrm>
+            <a:prstGeom prst="rect">
+              <a:avLst/>
+            </a:prstGeom>
+          </p:spPr>
+        </p:pic>
+        <p:sp>
+          <p:nvSpPr>
+            <p:cNvPr id="18" name="Rectangle 17"/>
+            <p:cNvSpPr/>
+            <p:nvPr/>
+          </p:nvSpPr>
+          <p:spPr>
+            <a:xfrm>
+              <a:off x="0" y="2895600"/>
+              <a:ext cx="7567140" cy="1368198"/>
+            </a:xfrm>
+            <a:prstGeom prst="rect">
+              <a:avLst/>
+            </a:prstGeom>
+            <a:solidFill>
+              <a:schemeClr val="bg1">
+                <a:lumMod val="85000"/>
+                <a:lumOff val="15000"/>
+              </a:schemeClr>
+            </a:solidFill>
+            <a:ln>
+              <a:noFill/>
+            </a:ln>
+          </p:spPr>
+          <p:style>
+            <a:lnRef idx="2">
+              <a:schemeClr val="accent1">
+                <a:shade val="50000"/>
+              </a:schemeClr>
+            </a:lnRef>
+            <a:fillRef idx="1">
+              <a:schemeClr val="accent1"/>
+            </a:fillRef>
+            <a:effectRef idx="0">
+              <a:schemeClr val="accent1"/>
+            </a:effectRef>
+            <a:fontRef idx="minor">
+              <a:schemeClr val="lt1"/>
+            </a:fontRef>
+          </p:style>
+        </p:sp>
+        <p:sp>
+          <p:nvSpPr>
+            <p:cNvPr id="19" name="Rectangle 18"/>
+            <p:cNvSpPr/>
+            <p:nvPr/>
+          </p:nvSpPr>
+          <p:spPr>
+            <a:xfrm>
+              <a:off x="7710769" y="2895600"/>
+              <a:ext cx="1433231" cy="1368198"/>
+            </a:xfrm>
+            <a:prstGeom prst="rect">
+              <a:avLst/>
+            </a:prstGeom>
+            <a:solidFill>
+              <a:schemeClr val="accent1"/>
+            </a:solidFill>
+            <a:ln>
+              <a:noFill/>
+            </a:ln>
+          </p:spPr>
+          <p:style>
+            <a:lnRef idx="2">
+              <a:schemeClr val="accent1">
+                <a:shade val="50000"/>
+              </a:schemeClr>
+            </a:lnRef>
+            <a:fillRef idx="1">
+              <a:schemeClr val="accent1"/>
+            </a:fillRef>
+            <a:effectRef idx="0">
+              <a:schemeClr val="accent1"/>
+            </a:effectRef>
+            <a:fontRef idx="minor">
+              <a:schemeClr val="lt1"/>
+            </a:fontRef>
+          </p:style>
+        </p:sp>
+      </p:grpSp>
       <p:sp>
         <p:nvSpPr>
           <p:cNvPr id="2" name="Title 1"/>
@@ -5256,7 +6871,7 @@
     </p:spTree>
     <p:extLst>
       <p:ext uri="{BB962C8B-B14F-4D97-AF65-F5344CB8AC3E}">
-        <p14:creationId xmlns:p14="http://schemas.microsoft.com/office/powerpoint/2010/main" val="1985247374"/>
+        <p14:creationId xmlns:p14="http://schemas.microsoft.com/office/powerpoint/2010/main" val="1638018993"/>
       </p:ext>
     </p:extLst>
   </p:cSld>
@@ -5285,13 +6900,13 @@
       </p:grpSpPr>
       <p:pic>
         <p:nvPicPr>
-          <p:cNvPr id="6" name="Picture 5" descr="Droplets-SD-Content-R1d.png"/>
+          <p:cNvPr id="12" name="Picture 11" descr="HD-ShadowShort.png"/>
           <p:cNvPicPr>
             <a:picLocks noChangeAspect="1"/>
           </p:cNvPicPr>
           <p:nvPr/>
         </p:nvPicPr>
-        <p:blipFill>
+        <p:blipFill rotWithShape="1">
           <a:blip r:embed="rId2">
             <a:extLst>
               <a:ext uri="{28A0092B-C50C-407E-A947-70E740481C1C}">
@@ -5299,14 +6914,13 @@
               </a:ext>
             </a:extLst>
           </a:blip>
-          <a:stretch>
-            <a:fillRect/>
-          </a:stretch>
+          <a:srcRect r="9871"/>
+          <a:stretch/>
         </p:blipFill>
         <p:spPr>
           <a:xfrm>
-            <a:off x="0" y="0"/>
-            <a:ext cx="9144000" cy="6858000"/>
+            <a:off x="7717217" y="1973262"/>
+            <a:ext cx="1444752" cy="144270"/>
           </a:xfrm>
           <a:prstGeom prst="rect">
             <a:avLst/>
@@ -5315,6 +6929,44 @@
       </p:pic>
       <p:sp>
         <p:nvSpPr>
+          <p:cNvPr id="14" name="Rectangle 13"/>
+          <p:cNvSpPr/>
+          <p:nvPr/>
+        </p:nvSpPr>
+        <p:spPr>
+          <a:xfrm>
+            <a:off x="7710769" y="609600"/>
+            <a:ext cx="1433231" cy="1368198"/>
+          </a:xfrm>
+          <a:prstGeom prst="rect">
+            <a:avLst/>
+          </a:prstGeom>
+          <a:solidFill>
+            <a:schemeClr val="accent1"/>
+          </a:solidFill>
+          <a:ln>
+            <a:noFill/>
+          </a:ln>
+        </p:spPr>
+        <p:style>
+          <a:lnRef idx="2">
+            <a:schemeClr val="accent1">
+              <a:shade val="50000"/>
+            </a:schemeClr>
+          </a:lnRef>
+          <a:fillRef idx="1">
+            <a:schemeClr val="accent1"/>
+          </a:fillRef>
+          <a:effectRef idx="0">
+            <a:schemeClr val="accent1"/>
+          </a:effectRef>
+          <a:fontRef idx="minor">
+            <a:schemeClr val="lt1"/>
+          </a:fontRef>
+        </p:style>
+      </p:sp>
+      <p:sp>
+        <p:nvSpPr>
           <p:cNvPr id="2" name="Date Placeholder 1"/>
           <p:cNvSpPr>
             <a:spLocks noGrp="1"/>
@@ -5381,7 +7033,7 @@
     </p:spTree>
     <p:extLst>
       <p:ext uri="{BB962C8B-B14F-4D97-AF65-F5344CB8AC3E}">
-        <p14:creationId xmlns:p14="http://schemas.microsoft.com/office/powerpoint/2010/main" val="599191379"/>
+        <p14:creationId xmlns:p14="http://schemas.microsoft.com/office/powerpoint/2010/main" val="1592344458"/>
       </p:ext>
     </p:extLst>
   </p:cSld>
@@ -5413,145 +7065,269 @@
           <a:chExt cx="0" cy="0"/>
         </a:xfrm>
       </p:grpSpPr>
-      <p:pic>
-        <p:nvPicPr>
-          <p:cNvPr id="9" name="Picture 8" descr="Droplets-SD-Content-R1d.png"/>
-          <p:cNvPicPr>
-            <a:picLocks noChangeAspect="1"/>
-          </p:cNvPicPr>
+      <p:grpSp>
+        <p:nvGrpSpPr>
+          <p:cNvPr id="17" name="Group 16"/>
+          <p:cNvGrpSpPr/>
           <p:nvPr/>
-        </p:nvPicPr>
-        <p:blipFill>
-          <a:blip r:embed="rId2">
-            <a:extLst>
-              <a:ext uri="{28A0092B-C50C-407E-A947-70E740481C1C}">
-                <a14:useLocalDpi xmlns:a14="http://schemas.microsoft.com/office/drawing/2010/main" val="0"/>
-              </a:ext>
-            </a:extLst>
-          </a:blip>
-          <a:stretch>
-            <a:fillRect/>
-          </a:stretch>
-        </p:blipFill>
+        </p:nvGrpSpPr>
+        <p:grpSpPr>
+          <a:xfrm>
+            <a:off x="0" y="609600"/>
+            <a:ext cx="9161969" cy="1677035"/>
+            <a:chOff x="0" y="2895600"/>
+            <a:chExt cx="9161969" cy="1677035"/>
+          </a:xfrm>
+        </p:grpSpPr>
+        <p:pic>
+          <p:nvPicPr>
+            <p:cNvPr id="18" name="Picture 17" descr="HD-ShadowLong.png"/>
+            <p:cNvPicPr>
+              <a:picLocks noChangeAspect="1"/>
+            </p:cNvPicPr>
+            <p:nvPr/>
+          </p:nvPicPr>
+          <p:blipFill rotWithShape="1">
+            <a:blip r:embed="rId2">
+              <a:extLst>
+                <a:ext uri="{28A0092B-C50C-407E-A947-70E740481C1C}">
+                  <a14:useLocalDpi xmlns:a14="http://schemas.microsoft.com/office/drawing/2010/main" val="0"/>
+                </a:ext>
+              </a:extLst>
+            </a:blip>
+            <a:srcRect l="26982" r="-217"/>
+            <a:stretch/>
+          </p:blipFill>
+          <p:spPr>
+            <a:xfrm>
+              <a:off x="0" y="4251471"/>
+              <a:ext cx="7644384" cy="321164"/>
+            </a:xfrm>
+            <a:prstGeom prst="rect">
+              <a:avLst/>
+            </a:prstGeom>
+          </p:spPr>
+        </p:pic>
+        <p:pic>
+          <p:nvPicPr>
+            <p:cNvPr id="19" name="Picture 18" descr="HD-ShadowShort.png"/>
+            <p:cNvPicPr>
+              <a:picLocks noChangeAspect="1"/>
+            </p:cNvPicPr>
+            <p:nvPr/>
+          </p:nvPicPr>
+          <p:blipFill rotWithShape="1">
+            <a:blip r:embed="rId3">
+              <a:extLst>
+                <a:ext uri="{28A0092B-C50C-407E-A947-70E740481C1C}">
+                  <a14:useLocalDpi xmlns:a14="http://schemas.microsoft.com/office/drawing/2010/main" val="0"/>
+                </a:ext>
+              </a:extLst>
+            </a:blip>
+            <a:srcRect r="9871"/>
+            <a:stretch/>
+          </p:blipFill>
+          <p:spPr>
+            <a:xfrm>
+              <a:off x="7717217" y="4259262"/>
+              <a:ext cx="1444752" cy="144270"/>
+            </a:xfrm>
+            <a:prstGeom prst="rect">
+              <a:avLst/>
+            </a:prstGeom>
+          </p:spPr>
+        </p:pic>
+        <p:sp>
+          <p:nvSpPr>
+            <p:cNvPr id="20" name="Rectangle 19"/>
+            <p:cNvSpPr/>
+            <p:nvPr/>
+          </p:nvSpPr>
+          <p:spPr>
+            <a:xfrm>
+              <a:off x="0" y="2895600"/>
+              <a:ext cx="7567140" cy="1368198"/>
+            </a:xfrm>
+            <a:prstGeom prst="rect">
+              <a:avLst/>
+            </a:prstGeom>
+            <a:solidFill>
+              <a:schemeClr val="bg1">
+                <a:lumMod val="85000"/>
+                <a:lumOff val="15000"/>
+              </a:schemeClr>
+            </a:solidFill>
+            <a:ln>
+              <a:noFill/>
+            </a:ln>
+          </p:spPr>
+          <p:style>
+            <a:lnRef idx="2">
+              <a:schemeClr val="accent1">
+                <a:shade val="50000"/>
+              </a:schemeClr>
+            </a:lnRef>
+            <a:fillRef idx="1">
+              <a:schemeClr val="accent1"/>
+            </a:fillRef>
+            <a:effectRef idx="0">
+              <a:schemeClr val="accent1"/>
+            </a:effectRef>
+            <a:fontRef idx="minor">
+              <a:schemeClr val="lt1"/>
+            </a:fontRef>
+          </p:style>
+        </p:sp>
+        <p:sp>
+          <p:nvSpPr>
+            <p:cNvPr id="21" name="Rectangle 20"/>
+            <p:cNvSpPr/>
+            <p:nvPr/>
+          </p:nvSpPr>
+          <p:spPr>
+            <a:xfrm>
+              <a:off x="7710769" y="2895600"/>
+              <a:ext cx="1433231" cy="1368198"/>
+            </a:xfrm>
+            <a:prstGeom prst="rect">
+              <a:avLst/>
+            </a:prstGeom>
+            <a:solidFill>
+              <a:schemeClr val="accent1"/>
+            </a:solidFill>
+            <a:ln>
+              <a:noFill/>
+            </a:ln>
+          </p:spPr>
+          <p:style>
+            <a:lnRef idx="2">
+              <a:schemeClr val="accent1">
+                <a:shade val="50000"/>
+              </a:schemeClr>
+            </a:lnRef>
+            <a:fillRef idx="1">
+              <a:schemeClr val="accent1"/>
+            </a:fillRef>
+            <a:effectRef idx="0">
+              <a:schemeClr val="accent1"/>
+            </a:effectRef>
+            <a:fontRef idx="minor">
+              <a:schemeClr val="lt1"/>
+            </a:fontRef>
+          </p:style>
+        </p:sp>
+      </p:grpSp>
+      <p:sp>
+        <p:nvSpPr>
+          <p:cNvPr id="2" name="Title 1"/>
+          <p:cNvSpPr>
+            <a:spLocks noGrp="1"/>
+          </p:cNvSpPr>
+          <p:nvPr>
+            <p:ph type="title"/>
+          </p:nvPr>
+        </p:nvSpPr>
         <p:spPr>
           <a:xfrm>
-            <a:off x="0" y="0"/>
-            <a:ext cx="9144000" cy="6858000"/>
+            <a:off x="531639" y="753227"/>
+            <a:ext cx="6896534" cy="1080940"/>
           </a:xfrm>
-          <a:prstGeom prst="rect">
-            <a:avLst/>
-          </a:prstGeom>
         </p:spPr>
-      </p:pic>
-      <p:sp>
-        <p:nvSpPr>
-          <p:cNvPr id="2" name="Title 1"/>
-          <p:cNvSpPr>
-            <a:spLocks noGrp="1"/>
-          </p:cNvSpPr>
-          <p:nvPr>
-            <p:ph type="title"/>
+        <p:txBody>
+          <a:bodyPr anchor="ctr">
+            <a:normAutofit/>
+          </a:bodyPr>
+          <a:lstStyle>
+            <a:lvl1pPr>
+              <a:defRPr sz="3600"/>
+            </a:lvl1pPr>
+          </a:lstStyle>
+          <a:p>
+            <a:r>
+              <a:rPr lang="en-US" smtClean="0"/>
+              <a:t>Click to edit Master title style</a:t>
+            </a:r>
+            <a:endParaRPr lang="en-US" dirty="0"/>
+          </a:p>
+        </p:txBody>
+      </p:sp>
+      <p:sp>
+        <p:nvSpPr>
+          <p:cNvPr id="3" name="Content Placeholder 2"/>
+          <p:cNvSpPr>
+            <a:spLocks noGrp="1"/>
+          </p:cNvSpPr>
+          <p:nvPr>
+            <p:ph idx="1"/>
           </p:nvPr>
         </p:nvSpPr>
         <p:spPr>
           <a:xfrm>
-            <a:off x="685331" y="609600"/>
-            <a:ext cx="2951766" cy="2023252"/>
+            <a:off x="3514385" y="2336874"/>
+            <a:ext cx="3913788" cy="3599313"/>
           </a:xfrm>
         </p:spPr>
         <p:txBody>
-          <a:bodyPr anchor="b"/>
-          <a:lstStyle>
-            <a:lvl1pPr algn="ctr">
-              <a:defRPr sz="3200"/>
-            </a:lvl1pPr>
-          </a:lstStyle>
-          <a:p>
-            <a:r>
-              <a:rPr lang="en-US" smtClean="0"/>
-              <a:t>Click to edit Master title style</a:t>
-            </a:r>
-            <a:endParaRPr lang="en-US" dirty="0"/>
-          </a:p>
-        </p:txBody>
-      </p:sp>
-      <p:sp>
-        <p:nvSpPr>
-          <p:cNvPr id="10" name="Content Placeholder 2"/>
-          <p:cNvSpPr>
-            <a:spLocks noGrp="1"/>
-          </p:cNvSpPr>
-          <p:nvPr>
-            <p:ph sz="quarter" idx="13"/>
+          <a:bodyPr/>
+          <a:lstStyle/>
+          <a:p>
+            <a:pPr lvl="0"/>
+            <a:r>
+              <a:rPr lang="en-US" smtClean="0"/>
+              <a:t>Click to edit Master text styles</a:t>
+            </a:r>
+          </a:p>
+          <a:p>
+            <a:pPr lvl="1"/>
+            <a:r>
+              <a:rPr lang="en-US" smtClean="0"/>
+              <a:t>Second level</a:t>
+            </a:r>
+          </a:p>
+          <a:p>
+            <a:pPr lvl="2"/>
+            <a:r>
+              <a:rPr lang="en-US" smtClean="0"/>
+              <a:t>Third level</a:t>
+            </a:r>
+          </a:p>
+          <a:p>
+            <a:pPr lvl="3"/>
+            <a:r>
+              <a:rPr lang="en-US" smtClean="0"/>
+              <a:t>Fourth level</a:t>
+            </a:r>
+          </a:p>
+          <a:p>
+            <a:pPr lvl="4"/>
+            <a:r>
+              <a:rPr lang="en-US" smtClean="0"/>
+              <a:t>Fifth level</a:t>
+            </a:r>
+            <a:endParaRPr lang="en-US" dirty="0"/>
+          </a:p>
+        </p:txBody>
+      </p:sp>
+      <p:sp>
+        <p:nvSpPr>
+          <p:cNvPr id="4" name="Text Placeholder 3"/>
+          <p:cNvSpPr>
+            <a:spLocks noGrp="1"/>
+          </p:cNvSpPr>
+          <p:nvPr>
+            <p:ph type="body" sz="half" idx="2"/>
           </p:nvPr>
         </p:nvSpPr>
         <p:spPr>
           <a:xfrm>
-            <a:off x="3808547" y="609601"/>
-            <a:ext cx="4650122" cy="5181599"/>
+            <a:off x="533401" y="2336873"/>
+            <a:ext cx="2796240" cy="3599317"/>
           </a:xfrm>
         </p:spPr>
         <p:txBody>
-          <a:bodyPr/>
-          <a:lstStyle/>
-          <a:p>
-            <a:pPr lvl="0"/>
-            <a:r>
-              <a:rPr lang="en-US" smtClean="0"/>
-              <a:t>Click to edit Master text styles</a:t>
-            </a:r>
-          </a:p>
-          <a:p>
-            <a:pPr lvl="1"/>
-            <a:r>
-              <a:rPr lang="en-US" smtClean="0"/>
-              <a:t>Second level</a:t>
-            </a:r>
-          </a:p>
-          <a:p>
-            <a:pPr lvl="2"/>
-            <a:r>
-              <a:rPr lang="en-US" smtClean="0"/>
-              <a:t>Third level</a:t>
-            </a:r>
-          </a:p>
-          <a:p>
-            <a:pPr lvl="3"/>
-            <a:r>
-              <a:rPr lang="en-US" smtClean="0"/>
-              <a:t>Fourth level</a:t>
-            </a:r>
-          </a:p>
-          <a:p>
-            <a:pPr lvl="4"/>
-            <a:r>
-              <a:rPr lang="en-US" smtClean="0"/>
-              <a:t>Fifth level</a:t>
-            </a:r>
-            <a:endParaRPr lang="en-US" dirty="0"/>
-          </a:p>
-        </p:txBody>
-      </p:sp>
-      <p:sp>
-        <p:nvSpPr>
-          <p:cNvPr id="4" name="Text Placeholder 3"/>
-          <p:cNvSpPr>
-            <a:spLocks noGrp="1"/>
-          </p:cNvSpPr>
-          <p:nvPr>
-            <p:ph type="body" sz="half" idx="2"/>
-          </p:nvPr>
-        </p:nvSpPr>
-        <p:spPr>
-          <a:xfrm>
-            <a:off x="685331" y="2632852"/>
-            <a:ext cx="2951767" cy="3158348"/>
-          </a:xfrm>
-        </p:spPr>
-        <p:txBody>
-          <a:bodyPr/>
+          <a:bodyPr anchor="ctr"/>
           <a:lstStyle>
-            <a:lvl1pPr marL="0" indent="0" algn="ctr">
+            <a:lvl1pPr marL="0" indent="0">
               <a:buNone/>
               <a:defRPr sz="1600"/>
             </a:lvl1pPr>
@@ -5666,7 +7442,7 @@
     </p:spTree>
     <p:extLst>
       <p:ext uri="{BB962C8B-B14F-4D97-AF65-F5344CB8AC3E}">
-        <p14:creationId xmlns:p14="http://schemas.microsoft.com/office/powerpoint/2010/main" val="1058686070"/>
+        <p14:creationId xmlns:p14="http://schemas.microsoft.com/office/powerpoint/2010/main" val="592096692"/>
       </p:ext>
     </p:extLst>
   </p:cSld>
@@ -5698,108 +7474,218 @@
           <a:chExt cx="0" cy="0"/>
         </a:xfrm>
       </p:grpSpPr>
-      <p:pic>
-        <p:nvPicPr>
-          <p:cNvPr id="9" name="Picture 8" descr="Droplets-SD-Content-R1d.png"/>
-          <p:cNvPicPr>
-            <a:picLocks noChangeAspect="1"/>
-          </p:cNvPicPr>
+      <p:grpSp>
+        <p:nvGrpSpPr>
+          <p:cNvPr id="17" name="Group 16"/>
+          <p:cNvGrpSpPr/>
           <p:nvPr/>
-        </p:nvPicPr>
-        <p:blipFill>
-          <a:blip r:embed="rId2">
-            <a:extLst>
-              <a:ext uri="{28A0092B-C50C-407E-A947-70E740481C1C}">
-                <a14:useLocalDpi xmlns:a14="http://schemas.microsoft.com/office/drawing/2010/main" val="0"/>
-              </a:ext>
-            </a:extLst>
-          </a:blip>
-          <a:stretch>
-            <a:fillRect/>
-          </a:stretch>
-        </p:blipFill>
+        </p:nvGrpSpPr>
+        <p:grpSpPr>
+          <a:xfrm>
+            <a:off x="0" y="609600"/>
+            <a:ext cx="9161969" cy="1677035"/>
+            <a:chOff x="0" y="2895600"/>
+            <a:chExt cx="9161969" cy="1677035"/>
+          </a:xfrm>
+        </p:grpSpPr>
+        <p:pic>
+          <p:nvPicPr>
+            <p:cNvPr id="18" name="Picture 17" descr="HD-ShadowLong.png"/>
+            <p:cNvPicPr>
+              <a:picLocks noChangeAspect="1"/>
+            </p:cNvPicPr>
+            <p:nvPr/>
+          </p:nvPicPr>
+          <p:blipFill rotWithShape="1">
+            <a:blip r:embed="rId2">
+              <a:extLst>
+                <a:ext uri="{28A0092B-C50C-407E-A947-70E740481C1C}">
+                  <a14:useLocalDpi xmlns:a14="http://schemas.microsoft.com/office/drawing/2010/main" val="0"/>
+                </a:ext>
+              </a:extLst>
+            </a:blip>
+            <a:srcRect l="26982" r="-217"/>
+            <a:stretch/>
+          </p:blipFill>
+          <p:spPr>
+            <a:xfrm>
+              <a:off x="0" y="4251471"/>
+              <a:ext cx="7644384" cy="321164"/>
+            </a:xfrm>
+            <a:prstGeom prst="rect">
+              <a:avLst/>
+            </a:prstGeom>
+          </p:spPr>
+        </p:pic>
+        <p:pic>
+          <p:nvPicPr>
+            <p:cNvPr id="19" name="Picture 18" descr="HD-ShadowShort.png"/>
+            <p:cNvPicPr>
+              <a:picLocks noChangeAspect="1"/>
+            </p:cNvPicPr>
+            <p:nvPr/>
+          </p:nvPicPr>
+          <p:blipFill rotWithShape="1">
+            <a:blip r:embed="rId3">
+              <a:extLst>
+                <a:ext uri="{28A0092B-C50C-407E-A947-70E740481C1C}">
+                  <a14:useLocalDpi xmlns:a14="http://schemas.microsoft.com/office/drawing/2010/main" val="0"/>
+                </a:ext>
+              </a:extLst>
+            </a:blip>
+            <a:srcRect r="9871"/>
+            <a:stretch/>
+          </p:blipFill>
+          <p:spPr>
+            <a:xfrm>
+              <a:off x="7717217" y="4259262"/>
+              <a:ext cx="1444752" cy="144270"/>
+            </a:xfrm>
+            <a:prstGeom prst="rect">
+              <a:avLst/>
+            </a:prstGeom>
+          </p:spPr>
+        </p:pic>
+        <p:sp>
+          <p:nvSpPr>
+            <p:cNvPr id="20" name="Rectangle 19"/>
+            <p:cNvSpPr/>
+            <p:nvPr/>
+          </p:nvSpPr>
+          <p:spPr>
+            <a:xfrm>
+              <a:off x="0" y="2895600"/>
+              <a:ext cx="7567140" cy="1368198"/>
+            </a:xfrm>
+            <a:prstGeom prst="rect">
+              <a:avLst/>
+            </a:prstGeom>
+            <a:solidFill>
+              <a:schemeClr val="bg1">
+                <a:lumMod val="85000"/>
+                <a:lumOff val="15000"/>
+              </a:schemeClr>
+            </a:solidFill>
+            <a:ln>
+              <a:noFill/>
+            </a:ln>
+          </p:spPr>
+          <p:style>
+            <a:lnRef idx="2">
+              <a:schemeClr val="accent1">
+                <a:shade val="50000"/>
+              </a:schemeClr>
+            </a:lnRef>
+            <a:fillRef idx="1">
+              <a:schemeClr val="accent1"/>
+            </a:fillRef>
+            <a:effectRef idx="0">
+              <a:schemeClr val="accent1"/>
+            </a:effectRef>
+            <a:fontRef idx="minor">
+              <a:schemeClr val="lt1"/>
+            </a:fontRef>
+          </p:style>
+        </p:sp>
+        <p:sp>
+          <p:nvSpPr>
+            <p:cNvPr id="21" name="Rectangle 20"/>
+            <p:cNvSpPr/>
+            <p:nvPr/>
+          </p:nvSpPr>
+          <p:spPr>
+            <a:xfrm>
+              <a:off x="7710769" y="2895600"/>
+              <a:ext cx="1433231" cy="1368198"/>
+            </a:xfrm>
+            <a:prstGeom prst="rect">
+              <a:avLst/>
+            </a:prstGeom>
+            <a:solidFill>
+              <a:schemeClr val="accent1"/>
+            </a:solidFill>
+            <a:ln>
+              <a:noFill/>
+            </a:ln>
+          </p:spPr>
+          <p:style>
+            <a:lnRef idx="2">
+              <a:schemeClr val="accent1">
+                <a:shade val="50000"/>
+              </a:schemeClr>
+            </a:lnRef>
+            <a:fillRef idx="1">
+              <a:schemeClr val="accent1"/>
+            </a:fillRef>
+            <a:effectRef idx="0">
+              <a:schemeClr val="accent1"/>
+            </a:effectRef>
+            <a:fontRef idx="minor">
+              <a:schemeClr val="lt1"/>
+            </a:fontRef>
+          </p:style>
+        </p:sp>
+      </p:grpSp>
+      <p:sp>
+        <p:nvSpPr>
+          <p:cNvPr id="2" name="Title 1"/>
+          <p:cNvSpPr>
+            <a:spLocks noGrp="1"/>
+          </p:cNvSpPr>
+          <p:nvPr>
+            <p:ph type="title"/>
+          </p:nvPr>
+        </p:nvSpPr>
         <p:spPr>
           <a:xfrm>
-            <a:off x="0" y="0"/>
-            <a:ext cx="9144000" cy="6858000"/>
+            <a:off x="531639" y="753228"/>
+            <a:ext cx="6896534" cy="1080938"/>
           </a:xfrm>
-          <a:prstGeom prst="rect">
-            <a:avLst/>
-          </a:prstGeom>
         </p:spPr>
-      </p:pic>
-      <p:sp>
-        <p:nvSpPr>
-          <p:cNvPr id="2" name="Title 1"/>
-          <p:cNvSpPr>
-            <a:spLocks noGrp="1"/>
-          </p:cNvSpPr>
-          <p:nvPr>
-            <p:ph type="title"/>
+        <p:txBody>
+          <a:bodyPr anchor="ctr">
+            <a:normAutofit/>
+          </a:bodyPr>
+          <a:lstStyle>
+            <a:lvl1pPr>
+              <a:defRPr sz="3600"/>
+            </a:lvl1pPr>
+          </a:lstStyle>
+          <a:p>
+            <a:r>
+              <a:rPr lang="en-US" smtClean="0"/>
+              <a:t>Click to edit Master title style</a:t>
+            </a:r>
+            <a:endParaRPr lang="en-US" dirty="0"/>
+          </a:p>
+        </p:txBody>
+      </p:sp>
+      <p:sp>
+        <p:nvSpPr>
+          <p:cNvPr id="3" name="Picture Placeholder 2"/>
+          <p:cNvSpPr>
+            <a:spLocks noGrp="1" noChangeAspect="1"/>
+          </p:cNvSpPr>
+          <p:nvPr>
+            <p:ph type="pic" idx="1"/>
           </p:nvPr>
         </p:nvSpPr>
         <p:spPr>
           <a:xfrm>
-            <a:off x="685332" y="609600"/>
-            <a:ext cx="4129618" cy="2023254"/>
+            <a:off x="3510956" y="2336874"/>
+            <a:ext cx="3917217" cy="3599312"/>
           </a:xfrm>
-        </p:spPr>
-        <p:txBody>
-          <a:bodyPr anchor="b"/>
-          <a:lstStyle>
-            <a:lvl1pPr algn="ctr">
-              <a:defRPr sz="3200"/>
-            </a:lvl1pPr>
-          </a:lstStyle>
-          <a:p>
-            <a:r>
-              <a:rPr lang="en-US" smtClean="0"/>
-              <a:t>Click to edit Master title style</a:t>
-            </a:r>
-            <a:endParaRPr lang="en-US" dirty="0"/>
-          </a:p>
-        </p:txBody>
-      </p:sp>
-      <p:sp>
-        <p:nvSpPr>
-          <p:cNvPr id="3" name="Picture Placeholder 2"/>
-          <p:cNvSpPr>
-            <a:spLocks noGrp="1" noChangeAspect="1"/>
-          </p:cNvSpPr>
-          <p:nvPr>
-            <p:ph type="pic" idx="1"/>
-          </p:nvPr>
-        </p:nvSpPr>
-        <p:spPr>
-          <a:xfrm>
-            <a:off x="5004270" y="609601"/>
-            <a:ext cx="3005851" cy="5181600"/>
-          </a:xfrm>
-          <a:prstGeom prst="roundRect">
-            <a:avLst>
-              <a:gd name="adj" fmla="val 4943"/>
-            </a:avLst>
-          </a:prstGeom>
           <a:noFill/>
-          <a:ln w="82550" cap="sq">
-            <a:solidFill>
-              <a:srgbClr val="EAEAEA"/>
-            </a:solidFill>
-            <a:miter lim="800000"/>
+          <a:ln>
+            <a:noFill/>
           </a:ln>
-          <a:effectLst/>
-          <a:scene3d>
-            <a:camera prst="orthographicFront"/>
-            <a:lightRig rig="threePt" dir="t">
-              <a:rot lat="0" lon="0" rev="2700000"/>
-            </a:lightRig>
-          </a:scene3d>
-          <a:sp3d contourW="6350">
-            <a:bevelT h="38100"/>
-            <a:contourClr>
-              <a:srgbClr val="C0C0C0"/>
-            </a:contourClr>
-          </a:sp3d>
+          <a:effectLst>
+            <a:outerShdw blurRad="76200" dist="63500" dir="5040000" algn="tl" rotWithShape="0">
+              <a:srgbClr val="000000">
+                <a:alpha val="41000"/>
+              </a:srgbClr>
+            </a:outerShdw>
+          </a:effectLst>
         </p:spPr>
         <p:txBody>
           <a:bodyPr anchor="t"/>
@@ -5862,14 +7748,14 @@
         </p:nvSpPr>
         <p:spPr>
           <a:xfrm>
-            <a:off x="685346" y="2632853"/>
-            <a:ext cx="4129604" cy="3158347"/>
+            <a:off x="531638" y="2336874"/>
+            <a:ext cx="2798487" cy="3599315"/>
           </a:xfrm>
         </p:spPr>
         <p:txBody>
-          <a:bodyPr/>
+          <a:bodyPr anchor="ctr"/>
           <a:lstStyle>
-            <a:lvl1pPr marL="0" indent="0" algn="ctr">
+            <a:lvl1pPr marL="0" indent="0">
               <a:buNone/>
               <a:defRPr sz="1600"/>
             </a:lvl1pPr>
@@ -5984,7 +7870,7 @@
     </p:spTree>
     <p:extLst>
       <p:ext uri="{BB962C8B-B14F-4D97-AF65-F5344CB8AC3E}">
-        <p14:creationId xmlns:p14="http://schemas.microsoft.com/office/powerpoint/2010/main" val="1434763095"/>
+        <p14:creationId xmlns:p14="http://schemas.microsoft.com/office/powerpoint/2010/main" val="2077365893"/>
       </p:ext>
     </p:extLst>
   </p:cSld>
@@ -5998,8 +7884,8 @@
 <p:sldMaster xmlns:a="http://schemas.openxmlformats.org/drawingml/2006/main" xmlns:r="http://schemas.openxmlformats.org/officeDocument/2006/relationships" xmlns:p="http://schemas.openxmlformats.org/presentationml/2006/main">
   <p:cSld>
     <p:bg>
-      <p:bgRef idx="1002">
-        <a:schemeClr val="bg1"/>
+      <p:bgRef idx="1003">
+        <a:schemeClr val="bg2"/>
       </p:bgRef>
     </p:bg>
     <p:spTree>
@@ -6018,7 +7904,7 @@
       </p:grpSpPr>
       <p:pic>
         <p:nvPicPr>
-          <p:cNvPr id="1026" name="Picture 2" descr="\\DROBO-FS\QuickDrops\JB\PPTX NG\Droplets\LightingOverlay.png"/>
+          <p:cNvPr id="1027" name="Picture 3" descr="C:\Users\James\Desktop\msft\Berlin\build Assets\hashOverlaySD-FullResolve.png"/>
           <p:cNvPicPr>
             <a:picLocks noChangeAspect="1" noChangeArrowheads="1"/>
           </p:cNvPicPr>
@@ -6026,7 +7912,7 @@
         </p:nvPicPr>
         <p:blipFill>
           <a:blip r:embed="rId19">
-            <a:alphaModFix/>
+            <a:alphaModFix amt="10000"/>
             <a:extLst>
               <a:ext uri="{28A0092B-C50C-407E-A947-70E740481C1C}">
                 <a14:useLocalDpi xmlns:a14="http://schemas.microsoft.com/office/drawing/2010/main" val="0"/>
@@ -6040,16 +7926,15 @@
         </p:blipFill>
         <p:spPr bwMode="auto">
           <a:xfrm>
-            <a:off x="1" y="-1"/>
-            <a:ext cx="9144002" cy="6858001"/>
+            <a:off x="0" y="1"/>
+            <a:ext cx="9144000" cy="6858000"/>
           </a:xfrm>
           <a:prstGeom prst="rect">
             <a:avLst/>
           </a:prstGeom>
-          <a:noFill/>
           <a:extLst>
-            <a:ext uri="{909E8E84-426E-40DD-AFC4-6F175D3DCCD1}">
-              <a14:hiddenFill xmlns:a14="http://schemas.microsoft.com/office/drawing/2010/main">
+            <a:ext uri="{909E8E84-426E-40dd-AFC4-6F175D3DCCD1}">
+              <a14:hiddenFill xmlns:a14="http://schemas.microsoft.com/office/drawing/2010/main" xmlns="">
                 <a:solidFill>
                   <a:srgbClr val="FFFFFF"/>
                 </a:solidFill>
@@ -6070,8 +7955,8 @@
         </p:nvSpPr>
         <p:spPr>
           <a:xfrm>
-            <a:off x="685332" y="618518"/>
-            <a:ext cx="7773338" cy="1596177"/>
+            <a:off x="531639" y="753228"/>
+            <a:ext cx="6896534" cy="1080938"/>
           </a:xfrm>
           <a:prstGeom prst="rect">
             <a:avLst/>
@@ -6103,8 +7988,8 @@
         </p:nvSpPr>
         <p:spPr>
           <a:xfrm>
-            <a:off x="685331" y="2367094"/>
-            <a:ext cx="7773339" cy="3424107"/>
+            <a:off x="533400" y="2336873"/>
+            <a:ext cx="6887389" cy="3599316"/>
           </a:xfrm>
           <a:prstGeom prst="rect">
             <a:avLst/>
@@ -6165,7 +8050,7 @@
         </p:nvSpPr>
         <p:spPr>
           <a:xfrm>
-            <a:off x="5759053" y="5883276"/>
+            <a:off x="5367881" y="5936188"/>
             <a:ext cx="2057400" cy="365125"/>
           </a:xfrm>
           <a:prstGeom prst="rect">
@@ -6176,9 +8061,11 @@
           <a:bodyPr vert="horz" lIns="91440" tIns="45720" rIns="91440" bIns="45720" rtlCol="0" anchor="ctr"/>
           <a:lstStyle>
             <a:lvl1pPr algn="r">
-              <a:defRPr sz="1000">
+              <a:defRPr sz="1050">
                 <a:solidFill>
-                  <a:schemeClr val="tx1"/>
+                  <a:schemeClr val="tx1">
+                    <a:tint val="75000"/>
+                  </a:schemeClr>
                 </a:solidFill>
               </a:defRPr>
             </a:lvl1pPr>
@@ -6204,8 +8091,8 @@
         </p:nvSpPr>
         <p:spPr>
           <a:xfrm>
-            <a:off x="685331" y="5883276"/>
-            <a:ext cx="5004665" cy="365125"/>
+            <a:off x="533400" y="5936189"/>
+            <a:ext cx="4834673" cy="365125"/>
           </a:xfrm>
           <a:prstGeom prst="rect">
             <a:avLst/>
@@ -6215,9 +8102,11 @@
           <a:bodyPr vert="horz" lIns="91440" tIns="45720" rIns="91440" bIns="45720" rtlCol="0" anchor="ctr"/>
           <a:lstStyle>
             <a:lvl1pPr algn="l">
-              <a:defRPr sz="1000">
+              <a:defRPr sz="1050">
                 <a:solidFill>
-                  <a:schemeClr val="tx1"/>
+                  <a:schemeClr val="tx1">
+                    <a:tint val="75000"/>
+                  </a:schemeClr>
                 </a:solidFill>
               </a:defRPr>
             </a:lvl1pPr>
@@ -6239,8 +8128,8 @@
         </p:nvSpPr>
         <p:spPr>
           <a:xfrm>
-            <a:off x="7885509" y="5883276"/>
-            <a:ext cx="573161" cy="365125"/>
+            <a:off x="7848600" y="753228"/>
+            <a:ext cx="1157674" cy="1090789"/>
           </a:xfrm>
           <a:prstGeom prst="rect">
             <a:avLst/>
@@ -6249,10 +8138,12 @@
         <p:txBody>
           <a:bodyPr vert="horz" lIns="91440" tIns="45720" rIns="91440" bIns="45720" rtlCol="0" anchor="ctr"/>
           <a:lstStyle>
-            <a:lvl1pPr algn="r">
-              <a:defRPr sz="1000">
+            <a:lvl1pPr algn="l">
+              <a:defRPr sz="3600">
                 <a:solidFill>
-                  <a:schemeClr val="tx1"/>
+                  <a:schemeClr val="tx1">
+                    <a:tint val="75000"/>
+                  </a:schemeClr>
                 </a:solidFill>
               </a:defRPr>
             </a:lvl1pPr>
@@ -6270,34 +8161,34 @@
     </p:spTree>
     <p:extLst>
       <p:ext uri="{BB962C8B-B14F-4D97-AF65-F5344CB8AC3E}">
-        <p14:creationId xmlns:p14="http://schemas.microsoft.com/office/powerpoint/2010/main" val="1807215918"/>
+        <p14:creationId xmlns:p14="http://schemas.microsoft.com/office/powerpoint/2010/main" val="1042643488"/>
       </p:ext>
     </p:extLst>
   </p:cSld>
-  <p:clrMap bg1="lt1" tx1="dk1" bg2="lt2" tx2="dk2" accent1="accent1" accent2="accent2" accent3="accent3" accent4="accent4" accent5="accent5" accent6="accent6" hlink="hlink" folHlink="folHlink"/>
+  <p:clrMap bg1="dk1" tx1="lt1" bg2="dk2" tx2="lt2" accent1="accent1" accent2="accent2" accent3="accent3" accent4="accent4" accent5="accent5" accent6="accent6" hlink="hlink" folHlink="folHlink"/>
   <p:sldLayoutIdLst>
-    <p:sldLayoutId id="2147484865" r:id="rId1"/>
-    <p:sldLayoutId id="2147484866" r:id="rId2"/>
-    <p:sldLayoutId id="2147484867" r:id="rId3"/>
-    <p:sldLayoutId id="2147484868" r:id="rId4"/>
-    <p:sldLayoutId id="2147484869" r:id="rId5"/>
-    <p:sldLayoutId id="2147484870" r:id="rId6"/>
-    <p:sldLayoutId id="2147484871" r:id="rId7"/>
-    <p:sldLayoutId id="2147484872" r:id="rId8"/>
-    <p:sldLayoutId id="2147484873" r:id="rId9"/>
-    <p:sldLayoutId id="2147484874" r:id="rId10"/>
-    <p:sldLayoutId id="2147484875" r:id="rId11"/>
-    <p:sldLayoutId id="2147484876" r:id="rId12"/>
-    <p:sldLayoutId id="2147484877" r:id="rId13"/>
-    <p:sldLayoutId id="2147484878" r:id="rId14"/>
-    <p:sldLayoutId id="2147484879" r:id="rId15"/>
-    <p:sldLayoutId id="2147484880" r:id="rId16"/>
-    <p:sldLayoutId id="2147484881" r:id="rId17"/>
+    <p:sldLayoutId id="2147484937" r:id="rId1"/>
+    <p:sldLayoutId id="2147484938" r:id="rId2"/>
+    <p:sldLayoutId id="2147484939" r:id="rId3"/>
+    <p:sldLayoutId id="2147484940" r:id="rId4"/>
+    <p:sldLayoutId id="2147484941" r:id="rId5"/>
+    <p:sldLayoutId id="2147484942" r:id="rId6"/>
+    <p:sldLayoutId id="2147484943" r:id="rId7"/>
+    <p:sldLayoutId id="2147484944" r:id="rId8"/>
+    <p:sldLayoutId id="2147484945" r:id="rId9"/>
+    <p:sldLayoutId id="2147484946" r:id="rId10"/>
+    <p:sldLayoutId id="2147484947" r:id="rId11"/>
+    <p:sldLayoutId id="2147484948" r:id="rId12"/>
+    <p:sldLayoutId id="2147484949" r:id="rId13"/>
+    <p:sldLayoutId id="2147484950" r:id="rId14"/>
+    <p:sldLayoutId id="2147484951" r:id="rId15"/>
+    <p:sldLayoutId id="2147484952" r:id="rId16"/>
+    <p:sldLayoutId id="2147484953" r:id="rId17"/>
   </p:sldLayoutIdLst>
   <p:hf sldNum="0" hdr="0" ftr="0" dt="0"/>
   <p:txStyles>
     <p:titleStyle>
-      <a:lvl1pPr algn="ctr" defTabSz="914400" rtl="0" eaLnBrk="1" latinLnBrk="0" hangingPunct="1">
+      <a:lvl1pPr algn="l" defTabSz="914400" rtl="0" eaLnBrk="1" latinLnBrk="0" hangingPunct="1">
         <a:lnSpc>
           <a:spcPct val="90000"/>
         </a:lnSpc>
@@ -6305,11 +8196,10 @@
           <a:spcPct val="0"/>
         </a:spcBef>
         <a:buNone/>
-        <a:defRPr sz="3600" kern="1200" cap="all" baseline="0">
+        <a:defRPr sz="3600" kern="1200">
           <a:solidFill>
             <a:schemeClr val="tx1"/>
           </a:solidFill>
-          <a:effectLst/>
           <a:latin typeface="+mj-lt"/>
           <a:ea typeface="+mj-ea"/>
           <a:cs typeface="+mj-cs"/>
@@ -6319,21 +8209,17 @@
     <p:bodyStyle>
       <a:lvl1pPr marL="228600" indent="-228600" algn="l" defTabSz="914400" rtl="0" eaLnBrk="1" latinLnBrk="0" hangingPunct="1">
         <a:lnSpc>
-          <a:spcPct val="120000"/>
+          <a:spcPct val="90000"/>
         </a:lnSpc>
         <a:spcBef>
           <a:spcPts val="1000"/>
         </a:spcBef>
-        <a:buClr>
-          <a:schemeClr val="tx1"/>
-        </a:buClr>
         <a:buFont typeface="Arial" panose="020B0604020202020204" pitchFamily="34" charset="0"/>
         <a:buChar char="•"/>
-        <a:defRPr sz="2000" kern="1200" cap="all" baseline="0">
+        <a:defRPr sz="2400" kern="1200">
           <a:solidFill>
             <a:schemeClr val="tx1"/>
           </a:solidFill>
-          <a:effectLst/>
           <a:latin typeface="+mn-lt"/>
           <a:ea typeface="+mn-ea"/>
           <a:cs typeface="+mn-cs"/>
@@ -6341,21 +8227,17 @@
       </a:lvl1pPr>
       <a:lvl2pPr marL="685800" indent="-228600" algn="l" defTabSz="914400" rtl="0" eaLnBrk="1" latinLnBrk="0" hangingPunct="1">
         <a:lnSpc>
-          <a:spcPct val="120000"/>
+          <a:spcPct val="90000"/>
         </a:lnSpc>
         <a:spcBef>
           <a:spcPts val="500"/>
         </a:spcBef>
-        <a:buClr>
-          <a:schemeClr val="tx1"/>
-        </a:buClr>
         <a:buFont typeface="Arial" panose="020B0604020202020204" pitchFamily="34" charset="0"/>
         <a:buChar char="•"/>
-        <a:defRPr sz="1800" kern="1200" cap="all" baseline="0">
+        <a:defRPr sz="2000" kern="1200">
           <a:solidFill>
             <a:schemeClr val="tx1"/>
           </a:solidFill>
-          <a:effectLst/>
           <a:latin typeface="+mn-lt"/>
           <a:ea typeface="+mn-ea"/>
           <a:cs typeface="+mn-cs"/>
@@ -6363,21 +8245,17 @@
       </a:lvl2pPr>
       <a:lvl3pPr marL="1143000" indent="-228600" algn="l" defTabSz="914400" rtl="0" eaLnBrk="1" latinLnBrk="0" hangingPunct="1">
         <a:lnSpc>
-          <a:spcPct val="120000"/>
+          <a:spcPct val="90000"/>
         </a:lnSpc>
         <a:spcBef>
           <a:spcPts val="500"/>
         </a:spcBef>
-        <a:buClr>
-          <a:schemeClr val="tx1"/>
-        </a:buClr>
         <a:buFont typeface="Arial" panose="020B0604020202020204" pitchFamily="34" charset="0"/>
         <a:buChar char="•"/>
-        <a:defRPr sz="1600" kern="1200" cap="all" baseline="0">
+        <a:defRPr sz="1800" kern="1200">
           <a:solidFill>
             <a:schemeClr val="tx1"/>
           </a:solidFill>
-          <a:effectLst/>
           <a:latin typeface="+mn-lt"/>
           <a:ea typeface="+mn-ea"/>
           <a:cs typeface="+mn-cs"/>
@@ -6385,21 +8263,17 @@
       </a:lvl3pPr>
       <a:lvl4pPr marL="1600200" indent="-228600" algn="l" defTabSz="914400" rtl="0" eaLnBrk="1" latinLnBrk="0" hangingPunct="1">
         <a:lnSpc>
-          <a:spcPct val="120000"/>
+          <a:spcPct val="90000"/>
         </a:lnSpc>
         <a:spcBef>
           <a:spcPts val="500"/>
         </a:spcBef>
-        <a:buClr>
-          <a:schemeClr val="tx1"/>
-        </a:buClr>
         <a:buFont typeface="Arial" panose="020B0604020202020204" pitchFamily="34" charset="0"/>
         <a:buChar char="•"/>
-        <a:defRPr sz="1400" kern="1200" cap="all" baseline="0">
+        <a:defRPr sz="1600" kern="1200">
           <a:solidFill>
             <a:schemeClr val="tx1"/>
           </a:solidFill>
-          <a:effectLst/>
           <a:latin typeface="+mn-lt"/>
           <a:ea typeface="+mn-ea"/>
           <a:cs typeface="+mn-cs"/>
@@ -6407,21 +8281,17 @@
       </a:lvl4pPr>
       <a:lvl5pPr marL="2057400" indent="-228600" algn="l" defTabSz="914400" rtl="0" eaLnBrk="1" latinLnBrk="0" hangingPunct="1">
         <a:lnSpc>
-          <a:spcPct val="120000"/>
+          <a:spcPct val="90000"/>
         </a:lnSpc>
         <a:spcBef>
           <a:spcPts val="500"/>
         </a:spcBef>
-        <a:buClr>
-          <a:schemeClr val="tx1"/>
-        </a:buClr>
         <a:buFont typeface="Arial" panose="020B0604020202020204" pitchFamily="34" charset="0"/>
         <a:buChar char="•"/>
-        <a:defRPr sz="1400" kern="1200" cap="all" baseline="0">
+        <a:defRPr sz="1600" kern="1200">
           <a:solidFill>
             <a:schemeClr val="tx1"/>
           </a:solidFill>
-          <a:effectLst/>
           <a:latin typeface="+mn-lt"/>
           <a:ea typeface="+mn-ea"/>
           <a:cs typeface="+mn-cs"/>
@@ -6429,21 +8299,17 @@
       </a:lvl5pPr>
       <a:lvl6pPr marL="2514600" indent="-228600" algn="l" defTabSz="914400" rtl="0" eaLnBrk="1" latinLnBrk="0" hangingPunct="1">
         <a:lnSpc>
-          <a:spcPct val="120000"/>
+          <a:spcPct val="90000"/>
         </a:lnSpc>
         <a:spcBef>
           <a:spcPts val="500"/>
         </a:spcBef>
-        <a:buClr>
-          <a:schemeClr val="tx1"/>
-        </a:buClr>
         <a:buFont typeface="Arial" panose="020B0604020202020204" pitchFamily="34" charset="0"/>
         <a:buChar char="•"/>
-        <a:defRPr sz="1400" kern="1200" cap="all" baseline="0">
+        <a:defRPr sz="1400" kern="1200">
           <a:solidFill>
             <a:schemeClr val="tx1"/>
           </a:solidFill>
-          <a:effectLst/>
           <a:latin typeface="+mn-lt"/>
           <a:ea typeface="+mn-ea"/>
           <a:cs typeface="+mn-cs"/>
@@ -6451,21 +8317,17 @@
       </a:lvl6pPr>
       <a:lvl7pPr marL="2971800" indent="-228600" algn="l" defTabSz="914400" rtl="0" eaLnBrk="1" latinLnBrk="0" hangingPunct="1">
         <a:lnSpc>
-          <a:spcPct val="120000"/>
+          <a:spcPct val="90000"/>
         </a:lnSpc>
         <a:spcBef>
           <a:spcPts val="500"/>
         </a:spcBef>
-        <a:buClr>
-          <a:schemeClr val="tx1"/>
-        </a:buClr>
         <a:buFont typeface="Arial" panose="020B0604020202020204" pitchFamily="34" charset="0"/>
         <a:buChar char="•"/>
-        <a:defRPr sz="1400" kern="1200" cap="all" baseline="0">
+        <a:defRPr sz="1400" kern="1200">
           <a:solidFill>
             <a:schemeClr val="tx1"/>
           </a:solidFill>
-          <a:effectLst/>
           <a:latin typeface="+mn-lt"/>
           <a:ea typeface="+mn-ea"/>
           <a:cs typeface="+mn-cs"/>
@@ -6473,21 +8335,17 @@
       </a:lvl7pPr>
       <a:lvl8pPr marL="3429000" indent="-228600" algn="l" defTabSz="914400" rtl="0" eaLnBrk="1" latinLnBrk="0" hangingPunct="1">
         <a:lnSpc>
-          <a:spcPct val="120000"/>
+          <a:spcPct val="90000"/>
         </a:lnSpc>
         <a:spcBef>
           <a:spcPts val="500"/>
         </a:spcBef>
-        <a:buClr>
-          <a:schemeClr val="tx1"/>
-        </a:buClr>
         <a:buFont typeface="Arial" panose="020B0604020202020204" pitchFamily="34" charset="0"/>
         <a:buChar char="•"/>
-        <a:defRPr sz="1400" kern="1200" cap="all" baseline="0">
+        <a:defRPr sz="1400" kern="1200">
           <a:solidFill>
             <a:schemeClr val="tx1"/>
           </a:solidFill>
-          <a:effectLst/>
           <a:latin typeface="+mn-lt"/>
           <a:ea typeface="+mn-ea"/>
           <a:cs typeface="+mn-cs"/>
@@ -6495,21 +8353,17 @@
       </a:lvl8pPr>
       <a:lvl9pPr marL="3886200" indent="-228600" algn="l" defTabSz="914400" rtl="0" eaLnBrk="1" latinLnBrk="0" hangingPunct="1">
         <a:lnSpc>
-          <a:spcPct val="120000"/>
+          <a:spcPct val="90000"/>
         </a:lnSpc>
         <a:spcBef>
           <a:spcPts val="500"/>
         </a:spcBef>
-        <a:buClr>
-          <a:schemeClr val="tx1"/>
-        </a:buClr>
         <a:buFont typeface="Arial" panose="020B0604020202020204" pitchFamily="34" charset="0"/>
         <a:buChar char="•"/>
-        <a:defRPr sz="1400" kern="1200" cap="all" baseline="0">
+        <a:defRPr sz="1400" kern="1200">
           <a:solidFill>
             <a:schemeClr val="tx1"/>
           </a:solidFill>
-          <a:effectLst/>
           <a:latin typeface="+mn-lt"/>
           <a:ea typeface="+mn-ea"/>
           <a:cs typeface="+mn-cs"/>
@@ -6766,34 +8620,866 @@
           <a:p>
             <a:r>
               <a:rPr lang="en-US" dirty="0" smtClean="0"/>
-              <a:t>Result</a:t>
-            </a:r>
-            <a:endParaRPr lang="en-US" dirty="0"/>
-          </a:p>
-        </p:txBody>
-      </p:sp>
-      <p:sp>
-        <p:nvSpPr>
-          <p:cNvPr id="8" name="Content Placeholder 7"/>
-          <p:cNvSpPr>
-            <a:spLocks noGrp="1"/>
-          </p:cNvSpPr>
-          <p:nvPr>
-            <p:ph sz="quarter" idx="13"/>
-          </p:nvPr>
-        </p:nvSpPr>
-        <p:spPr/>
+              <a:t>Testing and training dataset</a:t>
+            </a:r>
+            <a:endParaRPr lang="en-US" dirty="0"/>
+          </a:p>
+        </p:txBody>
+      </p:sp>
+      <p:sp>
+        <p:nvSpPr>
+          <p:cNvPr id="3" name="Content Placeholder 2"/>
+          <p:cNvSpPr>
+            <a:spLocks noGrp="1"/>
+          </p:cNvSpPr>
+          <p:nvPr>
+            <p:ph idx="1"/>
+          </p:nvPr>
+        </p:nvSpPr>
+        <p:spPr>
+          <a:xfrm>
+            <a:off x="982133" y="2526384"/>
+            <a:ext cx="7704667" cy="3473432"/>
+          </a:xfrm>
+        </p:spPr>
         <p:txBody>
           <a:bodyPr/>
           <a:lstStyle/>
           <a:p>
             <a:r>
               <a:rPr lang="en-US" dirty="0" smtClean="0"/>
-              <a:t>Using both logistic regression and decision tree, I got 88</a:t>
-            </a:r>
+              <a:t>Taken 409 instances out of 675 sample and used logistic regression on these instances</a:t>
+            </a:r>
+          </a:p>
+          <a:p>
             <a:r>
               <a:rPr lang="en-US" dirty="0" smtClean="0"/>
-              <a:t>% accuracy. </a:t>
+              <a:t>Taken another 409 samples randomly from 675 samples and used them as test sample</a:t>
+            </a:r>
+          </a:p>
+          <a:p>
+            <a:r>
+              <a:rPr lang="en-US" dirty="0" smtClean="0"/>
+              <a:t>No missing values were found</a:t>
+            </a:r>
+          </a:p>
+          <a:p>
+            <a:endParaRPr lang="en-US" dirty="0"/>
+          </a:p>
+        </p:txBody>
+      </p:sp>
+    </p:spTree>
+    <p:extLst>
+      <p:ext uri="{BB962C8B-B14F-4D97-AF65-F5344CB8AC3E}">
+        <p14:creationId xmlns:p14="http://schemas.microsoft.com/office/powerpoint/2010/main" val="129238832"/>
+      </p:ext>
+    </p:extLst>
+  </p:cSld>
+  <p:clrMapOvr>
+    <a:masterClrMapping/>
+  </p:clrMapOvr>
+</p:sld>
+</file>
+
+<file path=ppt/slides/slide11.xml><?xml version="1.0" encoding="utf-8"?>
+<p:sld xmlns:a="http://schemas.openxmlformats.org/drawingml/2006/main" xmlns:r="http://schemas.openxmlformats.org/officeDocument/2006/relationships" xmlns:p="http://schemas.openxmlformats.org/presentationml/2006/main">
+  <p:cSld>
+    <p:bg>
+      <p:bgPr>
+        <a:gradFill flip="none" rotWithShape="1">
+          <a:gsLst>
+            <a:gs pos="0">
+              <a:schemeClr val="accent4">
+                <a:lumMod val="67000"/>
+              </a:schemeClr>
+            </a:gs>
+            <a:gs pos="48000">
+              <a:schemeClr val="accent4">
+                <a:lumMod val="97000"/>
+                <a:lumOff val="3000"/>
+              </a:schemeClr>
+            </a:gs>
+            <a:gs pos="100000">
+              <a:schemeClr val="accent4">
+                <a:lumMod val="60000"/>
+                <a:lumOff val="40000"/>
+              </a:schemeClr>
+            </a:gs>
+          </a:gsLst>
+          <a:lin ang="16200000" scaled="1"/>
+          <a:tileRect/>
+        </a:gradFill>
+        <a:effectLst/>
+      </p:bgPr>
+    </p:bg>
+    <p:spTree>
+      <p:nvGrpSpPr>
+        <p:cNvPr id="1" name=""/>
+        <p:cNvGrpSpPr/>
+        <p:nvPr/>
+      </p:nvGrpSpPr>
+      <p:grpSpPr>
+        <a:xfrm>
+          <a:off x="0" y="0"/>
+          <a:ext cx="0" cy="0"/>
+          <a:chOff x="0" y="0"/>
+          <a:chExt cx="0" cy="0"/>
+        </a:xfrm>
+      </p:grpSpPr>
+      <p:sp>
+        <p:nvSpPr>
+          <p:cNvPr id="2" name="Title 1"/>
+          <p:cNvSpPr>
+            <a:spLocks noGrp="1"/>
+          </p:cNvSpPr>
+          <p:nvPr>
+            <p:ph type="title"/>
+          </p:nvPr>
+        </p:nvSpPr>
+        <p:spPr/>
+        <p:txBody>
+          <a:bodyPr/>
+          <a:lstStyle/>
+          <a:p>
+            <a:r>
+              <a:rPr lang="en-US" dirty="0" smtClean="0"/>
+              <a:t>Process/Reading data</a:t>
+            </a:r>
+            <a:endParaRPr lang="en-US" dirty="0"/>
+          </a:p>
+        </p:txBody>
+      </p:sp>
+      <p:sp>
+        <p:nvSpPr>
+          <p:cNvPr id="3" name="Content Placeholder 2"/>
+          <p:cNvSpPr>
+            <a:spLocks noGrp="1"/>
+          </p:cNvSpPr>
+          <p:nvPr>
+            <p:ph idx="1"/>
+          </p:nvPr>
+        </p:nvSpPr>
+        <p:spPr/>
+        <p:txBody>
+          <a:bodyPr/>
+          <a:lstStyle/>
+          <a:p>
+            <a:r>
+              <a:rPr lang="en-US" dirty="0"/>
+              <a:t>1) Read file using </a:t>
+            </a:r>
+            <a:r>
+              <a:rPr lang="en-US" dirty="0" err="1"/>
+              <a:t>numpy</a:t>
+            </a:r>
+            <a:endParaRPr lang="en-US" dirty="0"/>
+          </a:p>
+          <a:p>
+            <a:r>
+              <a:rPr lang="en-US" dirty="0"/>
+              <a:t>2) Categorized X and y with the variables that were chosen to be used</a:t>
+            </a:r>
+          </a:p>
+          <a:p>
+            <a:pPr marL="0" indent="0">
+              <a:buNone/>
+            </a:pPr>
+            <a:endParaRPr lang="en-US" dirty="0"/>
+          </a:p>
+          <a:p>
+            <a:endParaRPr lang="en-US" dirty="0"/>
+          </a:p>
+        </p:txBody>
+      </p:sp>
+      <p:pic>
+        <p:nvPicPr>
+          <p:cNvPr id="4" name="Picture 3"/>
+          <p:cNvPicPr>
+            <a:picLocks noChangeAspect="1"/>
+          </p:cNvPicPr>
+          <p:nvPr/>
+        </p:nvPicPr>
+        <p:blipFill>
+          <a:blip r:embed="rId2">
+            <a:extLst>
+              <a:ext uri="{28A0092B-C50C-407E-A947-70E740481C1C}">
+                <a14:useLocalDpi xmlns:a14="http://schemas.microsoft.com/office/drawing/2010/main" val="0"/>
+              </a:ext>
+            </a:extLst>
+          </a:blip>
+          <a:stretch>
+            <a:fillRect/>
+          </a:stretch>
+        </p:blipFill>
+        <p:spPr>
+          <a:xfrm>
+            <a:off x="1743959" y="3728563"/>
+            <a:ext cx="5473700" cy="1612900"/>
+          </a:xfrm>
+          <a:prstGeom prst="rect">
+            <a:avLst/>
+          </a:prstGeom>
+        </p:spPr>
+      </p:pic>
+    </p:spTree>
+    <p:extLst>
+      <p:ext uri="{BB962C8B-B14F-4D97-AF65-F5344CB8AC3E}">
+        <p14:creationId xmlns:p14="http://schemas.microsoft.com/office/powerpoint/2010/main" val="1032233198"/>
+      </p:ext>
+    </p:extLst>
+  </p:cSld>
+  <p:clrMapOvr>
+    <a:masterClrMapping/>
+  </p:clrMapOvr>
+</p:sld>
+</file>
+
+<file path=ppt/slides/slide12.xml><?xml version="1.0" encoding="utf-8"?>
+<p:sld xmlns:a="http://schemas.openxmlformats.org/drawingml/2006/main" xmlns:r="http://schemas.openxmlformats.org/officeDocument/2006/relationships" xmlns:p="http://schemas.openxmlformats.org/presentationml/2006/main">
+  <p:cSld>
+    <p:bg>
+      <p:bgPr>
+        <a:gradFill flip="none" rotWithShape="1">
+          <a:gsLst>
+            <a:gs pos="0">
+              <a:schemeClr val="accent4">
+                <a:lumMod val="67000"/>
+              </a:schemeClr>
+            </a:gs>
+            <a:gs pos="48000">
+              <a:schemeClr val="accent4">
+                <a:lumMod val="97000"/>
+                <a:lumOff val="3000"/>
+              </a:schemeClr>
+            </a:gs>
+            <a:gs pos="100000">
+              <a:schemeClr val="accent4">
+                <a:lumMod val="60000"/>
+                <a:lumOff val="40000"/>
+              </a:schemeClr>
+            </a:gs>
+          </a:gsLst>
+          <a:lin ang="16200000" scaled="1"/>
+          <a:tileRect/>
+        </a:gradFill>
+        <a:effectLst/>
+      </p:bgPr>
+    </p:bg>
+    <p:spTree>
+      <p:nvGrpSpPr>
+        <p:cNvPr id="1" name=""/>
+        <p:cNvGrpSpPr/>
+        <p:nvPr/>
+      </p:nvGrpSpPr>
+      <p:grpSpPr>
+        <a:xfrm>
+          <a:off x="0" y="0"/>
+          <a:ext cx="0" cy="0"/>
+          <a:chOff x="0" y="0"/>
+          <a:chExt cx="0" cy="0"/>
+        </a:xfrm>
+      </p:grpSpPr>
+      <p:sp>
+        <p:nvSpPr>
+          <p:cNvPr id="2" name="Title 1"/>
+          <p:cNvSpPr>
+            <a:spLocks noGrp="1"/>
+          </p:cNvSpPr>
+          <p:nvPr>
+            <p:ph type="title"/>
+          </p:nvPr>
+        </p:nvSpPr>
+        <p:spPr/>
+        <p:txBody>
+          <a:bodyPr/>
+          <a:lstStyle/>
+          <a:p>
+            <a:r>
+              <a:rPr lang="en-US" dirty="0" smtClean="0"/>
+              <a:t>Process/Logistic regression</a:t>
+            </a:r>
+            <a:endParaRPr lang="en-US" dirty="0"/>
+          </a:p>
+        </p:txBody>
+      </p:sp>
+      <p:sp>
+        <p:nvSpPr>
+          <p:cNvPr id="3" name="Content Placeholder 2"/>
+          <p:cNvSpPr>
+            <a:spLocks noGrp="1"/>
+          </p:cNvSpPr>
+          <p:nvPr>
+            <p:ph idx="1"/>
+          </p:nvPr>
+        </p:nvSpPr>
+        <p:spPr/>
+        <p:txBody>
+          <a:bodyPr/>
+          <a:lstStyle/>
+          <a:p>
+            <a:r>
+              <a:rPr lang="en-US" dirty="0"/>
+              <a:t>3) Instantiated </a:t>
+            </a:r>
+            <a:r>
+              <a:rPr lang="en-US" dirty="0" err="1"/>
+              <a:t>LogisticRegression</a:t>
+            </a:r>
+            <a:r>
+              <a:rPr lang="en-US" dirty="0"/>
+              <a:t> class available in </a:t>
+            </a:r>
+            <a:r>
+              <a:rPr lang="en-US" dirty="0" err="1"/>
+              <a:t>Sklearn.linear_model</a:t>
+            </a:r>
+            <a:endParaRPr lang="en-US" dirty="0"/>
+          </a:p>
+          <a:p>
+            <a:r>
+              <a:rPr lang="en-US" dirty="0"/>
+              <a:t>4) Called predict function from </a:t>
+            </a:r>
+            <a:r>
+              <a:rPr lang="en-US" dirty="0" err="1"/>
+              <a:t>LogisticRegression</a:t>
+            </a:r>
+            <a:r>
+              <a:rPr lang="en-US" dirty="0"/>
+              <a:t> on X</a:t>
+            </a:r>
+          </a:p>
+          <a:p>
+            <a:pPr marL="0" indent="0">
+              <a:buNone/>
+            </a:pPr>
+            <a:endParaRPr lang="en-US" dirty="0"/>
+          </a:p>
+          <a:p>
+            <a:endParaRPr lang="en-US" dirty="0"/>
+          </a:p>
+        </p:txBody>
+      </p:sp>
+      <p:pic>
+        <p:nvPicPr>
+          <p:cNvPr id="4" name="Picture 3"/>
+          <p:cNvPicPr/>
+          <p:nvPr/>
+        </p:nvPicPr>
+        <p:blipFill>
+          <a:blip r:embed="rId2">
+            <a:extLst>
+              <a:ext uri="{28A0092B-C50C-407E-A947-70E740481C1C}">
+                <a14:useLocalDpi xmlns:a14="http://schemas.microsoft.com/office/drawing/2010/main" val="0"/>
+              </a:ext>
+            </a:extLst>
+          </a:blip>
+          <a:stretch>
+            <a:fillRect/>
+          </a:stretch>
+        </p:blipFill>
+        <p:spPr>
+          <a:xfrm>
+            <a:off x="1042970" y="4006392"/>
+            <a:ext cx="6677583" cy="1410224"/>
+          </a:xfrm>
+          <a:prstGeom prst="rect">
+            <a:avLst/>
+          </a:prstGeom>
+        </p:spPr>
+      </p:pic>
+    </p:spTree>
+    <p:extLst>
+      <p:ext uri="{BB962C8B-B14F-4D97-AF65-F5344CB8AC3E}">
+        <p14:creationId xmlns:p14="http://schemas.microsoft.com/office/powerpoint/2010/main" val="1457583683"/>
+      </p:ext>
+    </p:extLst>
+  </p:cSld>
+  <p:clrMapOvr>
+    <a:masterClrMapping/>
+  </p:clrMapOvr>
+</p:sld>
+</file>
+
+<file path=ppt/slides/slide13.xml><?xml version="1.0" encoding="utf-8"?>
+<p:sld xmlns:a="http://schemas.openxmlformats.org/drawingml/2006/main" xmlns:r="http://schemas.openxmlformats.org/officeDocument/2006/relationships" xmlns:p="http://schemas.openxmlformats.org/presentationml/2006/main">
+  <p:cSld>
+    <p:bg>
+      <p:bgPr>
+        <a:gradFill flip="none" rotWithShape="1">
+          <a:gsLst>
+            <a:gs pos="0">
+              <a:schemeClr val="accent4">
+                <a:lumMod val="67000"/>
+              </a:schemeClr>
+            </a:gs>
+            <a:gs pos="48000">
+              <a:schemeClr val="accent4">
+                <a:lumMod val="97000"/>
+                <a:lumOff val="3000"/>
+              </a:schemeClr>
+            </a:gs>
+            <a:gs pos="100000">
+              <a:schemeClr val="accent4">
+                <a:lumMod val="60000"/>
+                <a:lumOff val="40000"/>
+              </a:schemeClr>
+            </a:gs>
+          </a:gsLst>
+          <a:lin ang="16200000" scaled="1"/>
+          <a:tileRect/>
+        </a:gradFill>
+        <a:effectLst/>
+      </p:bgPr>
+    </p:bg>
+    <p:spTree>
+      <p:nvGrpSpPr>
+        <p:cNvPr id="1" name=""/>
+        <p:cNvGrpSpPr/>
+        <p:nvPr/>
+      </p:nvGrpSpPr>
+      <p:grpSpPr>
+        <a:xfrm>
+          <a:off x="0" y="0"/>
+          <a:ext cx="0" cy="0"/>
+          <a:chOff x="0" y="0"/>
+          <a:chExt cx="0" cy="0"/>
+        </a:xfrm>
+      </p:grpSpPr>
+      <p:sp>
+        <p:nvSpPr>
+          <p:cNvPr id="2" name="Title 1"/>
+          <p:cNvSpPr>
+            <a:spLocks noGrp="1"/>
+          </p:cNvSpPr>
+          <p:nvPr>
+            <p:ph type="title"/>
+          </p:nvPr>
+        </p:nvSpPr>
+        <p:spPr/>
+        <p:txBody>
+          <a:bodyPr/>
+          <a:lstStyle/>
+          <a:p>
+            <a:r>
+              <a:rPr lang="en-US" dirty="0" smtClean="0"/>
+              <a:t>Process/Decision tree</a:t>
+            </a:r>
+            <a:endParaRPr lang="en-US" dirty="0"/>
+          </a:p>
+        </p:txBody>
+      </p:sp>
+      <p:sp>
+        <p:nvSpPr>
+          <p:cNvPr id="3" name="Content Placeholder 2"/>
+          <p:cNvSpPr>
+            <a:spLocks noGrp="1"/>
+          </p:cNvSpPr>
+          <p:nvPr>
+            <p:ph idx="1"/>
+          </p:nvPr>
+        </p:nvSpPr>
+        <p:spPr/>
+        <p:txBody>
+          <a:bodyPr/>
+          <a:lstStyle/>
+          <a:p>
+            <a:pPr marL="0" indent="0">
+              <a:buNone/>
+            </a:pPr>
+            <a:r>
+              <a:rPr lang="en-US" b="1" dirty="0" smtClean="0"/>
+              <a:t> </a:t>
+            </a:r>
+            <a:r>
+              <a:rPr lang="en-US" dirty="0"/>
+              <a:t>Also used decision Tree for predicting data</a:t>
+            </a:r>
+          </a:p>
+          <a:p>
+            <a:pPr marL="0" indent="0">
+              <a:buNone/>
+            </a:pPr>
+            <a:endParaRPr lang="en-US" dirty="0"/>
+          </a:p>
+          <a:p>
+            <a:endParaRPr lang="en-US" dirty="0"/>
+          </a:p>
+        </p:txBody>
+      </p:sp>
+      <p:pic>
+        <p:nvPicPr>
+          <p:cNvPr id="5" name="Picture 4"/>
+          <p:cNvPicPr>
+            <a:picLocks noChangeAspect="1"/>
+          </p:cNvPicPr>
+          <p:nvPr/>
+        </p:nvPicPr>
+        <p:blipFill>
+          <a:blip r:embed="rId2">
+            <a:extLst>
+              <a:ext uri="{28A0092B-C50C-407E-A947-70E740481C1C}">
+                <a14:useLocalDpi xmlns:a14="http://schemas.microsoft.com/office/drawing/2010/main" val="0"/>
+              </a:ext>
+            </a:extLst>
+          </a:blip>
+          <a:stretch>
+            <a:fillRect/>
+          </a:stretch>
+        </p:blipFill>
+        <p:spPr>
+          <a:xfrm>
+            <a:off x="836105" y="3337089"/>
+            <a:ext cx="7216020" cy="1331929"/>
+          </a:xfrm>
+          <a:prstGeom prst="rect">
+            <a:avLst/>
+          </a:prstGeom>
+        </p:spPr>
+      </p:pic>
+    </p:spTree>
+    <p:extLst>
+      <p:ext uri="{BB962C8B-B14F-4D97-AF65-F5344CB8AC3E}">
+        <p14:creationId xmlns:p14="http://schemas.microsoft.com/office/powerpoint/2010/main" val="1594002358"/>
+      </p:ext>
+    </p:extLst>
+  </p:cSld>
+  <p:clrMapOvr>
+    <a:masterClrMapping/>
+  </p:clrMapOvr>
+</p:sld>
+</file>
+
+<file path=ppt/slides/slide14.xml><?xml version="1.0" encoding="utf-8"?>
+<p:sld xmlns:a="http://schemas.openxmlformats.org/drawingml/2006/main" xmlns:r="http://schemas.openxmlformats.org/officeDocument/2006/relationships" xmlns:p="http://schemas.openxmlformats.org/presentationml/2006/main">
+  <p:cSld>
+    <p:bg>
+      <p:bgPr>
+        <a:gradFill flip="none" rotWithShape="1">
+          <a:gsLst>
+            <a:gs pos="0">
+              <a:schemeClr val="accent4">
+                <a:lumMod val="67000"/>
+              </a:schemeClr>
+            </a:gs>
+            <a:gs pos="48000">
+              <a:schemeClr val="accent4">
+                <a:lumMod val="97000"/>
+                <a:lumOff val="3000"/>
+              </a:schemeClr>
+            </a:gs>
+            <a:gs pos="100000">
+              <a:schemeClr val="accent4">
+                <a:lumMod val="60000"/>
+                <a:lumOff val="40000"/>
+              </a:schemeClr>
+            </a:gs>
+          </a:gsLst>
+          <a:lin ang="16200000" scaled="1"/>
+          <a:tileRect/>
+        </a:gradFill>
+        <a:effectLst/>
+      </p:bgPr>
+    </p:bg>
+    <p:spTree>
+      <p:nvGrpSpPr>
+        <p:cNvPr id="1" name=""/>
+        <p:cNvGrpSpPr/>
+        <p:nvPr/>
+      </p:nvGrpSpPr>
+      <p:grpSpPr>
+        <a:xfrm>
+          <a:off x="0" y="0"/>
+          <a:ext cx="0" cy="0"/>
+          <a:chOff x="0" y="0"/>
+          <a:chExt cx="0" cy="0"/>
+        </a:xfrm>
+      </p:grpSpPr>
+      <p:sp>
+        <p:nvSpPr>
+          <p:cNvPr id="2" name="Title 1"/>
+          <p:cNvSpPr>
+            <a:spLocks noGrp="1"/>
+          </p:cNvSpPr>
+          <p:nvPr>
+            <p:ph type="title"/>
+          </p:nvPr>
+        </p:nvSpPr>
+        <p:spPr/>
+        <p:txBody>
+          <a:bodyPr/>
+          <a:lstStyle/>
+          <a:p>
+            <a:r>
+              <a:rPr lang="en-US" dirty="0" smtClean="0"/>
+              <a:t>Process/accuracy calculation</a:t>
+            </a:r>
+            <a:endParaRPr lang="en-US" dirty="0"/>
+          </a:p>
+        </p:txBody>
+      </p:sp>
+      <p:sp>
+        <p:nvSpPr>
+          <p:cNvPr id="3" name="Content Placeholder 2"/>
+          <p:cNvSpPr>
+            <a:spLocks noGrp="1"/>
+          </p:cNvSpPr>
+          <p:nvPr>
+            <p:ph idx="1"/>
+          </p:nvPr>
+        </p:nvSpPr>
+        <p:spPr/>
+        <p:txBody>
+          <a:bodyPr/>
+          <a:lstStyle/>
+          <a:p>
+            <a:r>
+              <a:rPr lang="en-US" dirty="0" smtClean="0"/>
+              <a:t>Calculated </a:t>
+            </a:r>
+            <a:r>
+              <a:rPr lang="en-US" dirty="0"/>
+              <a:t>the accuracy of the prediction using </a:t>
+            </a:r>
+            <a:r>
+              <a:rPr lang="en-US" dirty="0" err="1" smtClean="0"/>
+              <a:t>metrics.classifictionreport</a:t>
+            </a:r>
+            <a:r>
+              <a:rPr lang="en-US" dirty="0" smtClean="0"/>
+              <a:t> </a:t>
+            </a:r>
+            <a:r>
+              <a:rPr lang="en-US" dirty="0"/>
+              <a:t>from </a:t>
+            </a:r>
+            <a:r>
+              <a:rPr lang="en-US" dirty="0" err="1"/>
+              <a:t>sklearn</a:t>
+            </a:r>
+            <a:r>
+              <a:rPr lang="en-US" dirty="0"/>
+              <a:t> </a:t>
+            </a:r>
+            <a:endParaRPr lang="en-US" dirty="0" smtClean="0"/>
+          </a:p>
+          <a:p>
+            <a:endParaRPr lang="en-US" dirty="0"/>
+          </a:p>
+          <a:p>
+            <a:endParaRPr lang="en-US" dirty="0"/>
+          </a:p>
+        </p:txBody>
+      </p:sp>
+      <p:pic>
+        <p:nvPicPr>
+          <p:cNvPr id="4" name="Picture 3"/>
+          <p:cNvPicPr/>
+          <p:nvPr/>
+        </p:nvPicPr>
+        <p:blipFill>
+          <a:blip r:embed="rId2">
+            <a:extLst>
+              <a:ext uri="{28A0092B-C50C-407E-A947-70E740481C1C}">
+                <a14:useLocalDpi xmlns:a14="http://schemas.microsoft.com/office/drawing/2010/main" val="0"/>
+              </a:ext>
+            </a:extLst>
+          </a:blip>
+          <a:stretch>
+            <a:fillRect/>
+          </a:stretch>
+        </p:blipFill>
+        <p:spPr>
+          <a:xfrm>
+            <a:off x="1159497" y="3469064"/>
+            <a:ext cx="6381946" cy="2138162"/>
+          </a:xfrm>
+          <a:prstGeom prst="rect">
+            <a:avLst/>
+          </a:prstGeom>
+        </p:spPr>
+      </p:pic>
+    </p:spTree>
+    <p:extLst>
+      <p:ext uri="{BB962C8B-B14F-4D97-AF65-F5344CB8AC3E}">
+        <p14:creationId xmlns:p14="http://schemas.microsoft.com/office/powerpoint/2010/main" val="1253177086"/>
+      </p:ext>
+    </p:extLst>
+  </p:cSld>
+  <p:clrMapOvr>
+    <a:masterClrMapping/>
+  </p:clrMapOvr>
+</p:sld>
+</file>
+
+<file path=ppt/slides/slide15.xml><?xml version="1.0" encoding="utf-8"?>
+<p:sld xmlns:a="http://schemas.openxmlformats.org/drawingml/2006/main" xmlns:r="http://schemas.openxmlformats.org/officeDocument/2006/relationships" xmlns:p="http://schemas.openxmlformats.org/presentationml/2006/main">
+  <p:cSld>
+    <p:bg>
+      <p:bgPr>
+        <a:solidFill>
+          <a:schemeClr val="accent4"/>
+        </a:solidFill>
+        <a:effectLst/>
+      </p:bgPr>
+    </p:bg>
+    <p:spTree>
+      <p:nvGrpSpPr>
+        <p:cNvPr id="1" name=""/>
+        <p:cNvGrpSpPr/>
+        <p:nvPr/>
+      </p:nvGrpSpPr>
+      <p:grpSpPr>
+        <a:xfrm>
+          <a:off x="0" y="0"/>
+          <a:ext cx="0" cy="0"/>
+          <a:chOff x="0" y="0"/>
+          <a:chExt cx="0" cy="0"/>
+        </a:xfrm>
+      </p:grpSpPr>
+      <p:sp>
+        <p:nvSpPr>
+          <p:cNvPr id="2" name="Title 1"/>
+          <p:cNvSpPr>
+            <a:spLocks noGrp="1"/>
+          </p:cNvSpPr>
+          <p:nvPr>
+            <p:ph type="title"/>
+          </p:nvPr>
+        </p:nvSpPr>
+        <p:spPr/>
+        <p:txBody>
+          <a:bodyPr>
+            <a:normAutofit fontScale="90000"/>
+          </a:bodyPr>
+          <a:lstStyle/>
+          <a:p>
+            <a:r>
+              <a:rPr lang="en-US" dirty="0" smtClean="0"/>
+              <a:t/>
+            </a:r>
+            <a:br>
+              <a:rPr lang="en-US" dirty="0" smtClean="0"/>
+            </a:br>
+            <a:r>
+              <a:rPr lang="en-US" dirty="0" smtClean="0"/>
+              <a:t>Predicted data from both logistic regression and decision tree</a:t>
+            </a:r>
+            <a:br>
+              <a:rPr lang="en-US" dirty="0" smtClean="0"/>
+            </a:br>
+            <a:endParaRPr lang="en-US" dirty="0"/>
+          </a:p>
+        </p:txBody>
+      </p:sp>
+      <p:pic>
+        <p:nvPicPr>
+          <p:cNvPr id="4" name="Content Placeholder 3"/>
+          <p:cNvPicPr>
+            <a:picLocks noGrp="1" noChangeAspect="1"/>
+          </p:cNvPicPr>
+          <p:nvPr>
+            <p:ph idx="1"/>
+          </p:nvPr>
+        </p:nvPicPr>
+        <p:blipFill>
+          <a:blip r:embed="rId2">
+            <a:extLst>
+              <a:ext uri="{28A0092B-C50C-407E-A947-70E740481C1C}">
+                <a14:useLocalDpi xmlns:a14="http://schemas.microsoft.com/office/drawing/2010/main" val="0"/>
+              </a:ext>
+            </a:extLst>
+          </a:blip>
+          <a:stretch>
+            <a:fillRect/>
+          </a:stretch>
+        </p:blipFill>
+        <p:spPr>
+          <a:xfrm>
+            <a:off x="1097464" y="2336800"/>
+            <a:ext cx="5760035" cy="3598863"/>
+          </a:xfrm>
+        </p:spPr>
+      </p:pic>
+    </p:spTree>
+    <p:extLst>
+      <p:ext uri="{BB962C8B-B14F-4D97-AF65-F5344CB8AC3E}">
+        <p14:creationId xmlns:p14="http://schemas.microsoft.com/office/powerpoint/2010/main" val="1425229894"/>
+      </p:ext>
+    </p:extLst>
+  </p:cSld>
+  <p:clrMapOvr>
+    <a:masterClrMapping/>
+  </p:clrMapOvr>
+</p:sld>
+</file>
+
+<file path=ppt/slides/slide16.xml><?xml version="1.0" encoding="utf-8"?>
+<p:sld xmlns:a="http://schemas.openxmlformats.org/drawingml/2006/main" xmlns:r="http://schemas.openxmlformats.org/officeDocument/2006/relationships" xmlns:p="http://schemas.openxmlformats.org/presentationml/2006/main">
+  <p:cSld>
+    <p:bg>
+      <p:bgPr>
+        <a:solidFill>
+          <a:schemeClr val="accent4"/>
+        </a:solidFill>
+        <a:effectLst/>
+      </p:bgPr>
+    </p:bg>
+    <p:spTree>
+      <p:nvGrpSpPr>
+        <p:cNvPr id="1" name=""/>
+        <p:cNvGrpSpPr/>
+        <p:nvPr/>
+      </p:nvGrpSpPr>
+      <p:grpSpPr>
+        <a:xfrm>
+          <a:off x="0" y="0"/>
+          <a:ext cx="0" cy="0"/>
+          <a:chOff x="0" y="0"/>
+          <a:chExt cx="0" cy="0"/>
+        </a:xfrm>
+      </p:grpSpPr>
+      <p:sp>
+        <p:nvSpPr>
+          <p:cNvPr id="2" name="Title 1"/>
+          <p:cNvSpPr>
+            <a:spLocks noGrp="1"/>
+          </p:cNvSpPr>
+          <p:nvPr>
+            <p:ph type="title"/>
+          </p:nvPr>
+        </p:nvSpPr>
+        <p:spPr/>
+        <p:txBody>
+          <a:bodyPr/>
+          <a:lstStyle/>
+          <a:p>
+            <a:r>
+              <a:rPr lang="en-US" dirty="0" smtClean="0"/>
+              <a:t>Result</a:t>
+            </a:r>
+            <a:endParaRPr lang="en-US" dirty="0"/>
+          </a:p>
+        </p:txBody>
+      </p:sp>
+      <p:sp>
+        <p:nvSpPr>
+          <p:cNvPr id="8" name="Content Placeholder 7"/>
+          <p:cNvSpPr>
+            <a:spLocks noGrp="1"/>
+          </p:cNvSpPr>
+          <p:nvPr>
+            <p:ph idx="1"/>
+          </p:nvPr>
+        </p:nvSpPr>
+        <p:spPr/>
+        <p:txBody>
+          <a:bodyPr/>
+          <a:lstStyle/>
+          <a:p>
+            <a:r>
+              <a:rPr lang="en-US" dirty="0" smtClean="0"/>
+              <a:t>Using both logistic regression and decision tree, I got 88% accuracy. </a:t>
             </a:r>
           </a:p>
           <a:p>
@@ -6847,7 +9533,111 @@
 </p:sld>
 </file>
 
-<file path=ppt/slides/slide11.xml><?xml version="1.0" encoding="utf-8"?>
+<file path=ppt/slides/slide17.xml><?xml version="1.0" encoding="utf-8"?>
+<p:sld xmlns:a="http://schemas.openxmlformats.org/drawingml/2006/main" xmlns:r="http://schemas.openxmlformats.org/officeDocument/2006/relationships" xmlns:p="http://schemas.openxmlformats.org/presentationml/2006/main">
+  <p:cSld>
+    <p:bg>
+      <p:bgPr>
+        <a:gradFill flip="none" rotWithShape="1">
+          <a:gsLst>
+            <a:gs pos="0">
+              <a:schemeClr val="accent4">
+                <a:lumMod val="67000"/>
+              </a:schemeClr>
+            </a:gs>
+            <a:gs pos="48000">
+              <a:schemeClr val="accent4">
+                <a:lumMod val="97000"/>
+                <a:lumOff val="3000"/>
+              </a:schemeClr>
+            </a:gs>
+            <a:gs pos="100000">
+              <a:schemeClr val="accent4">
+                <a:lumMod val="60000"/>
+                <a:lumOff val="40000"/>
+              </a:schemeClr>
+            </a:gs>
+          </a:gsLst>
+          <a:lin ang="16200000" scaled="1"/>
+          <a:tileRect/>
+        </a:gradFill>
+        <a:effectLst/>
+      </p:bgPr>
+    </p:bg>
+    <p:spTree>
+      <p:nvGrpSpPr>
+        <p:cNvPr id="1" name=""/>
+        <p:cNvGrpSpPr/>
+        <p:nvPr/>
+      </p:nvGrpSpPr>
+      <p:grpSpPr>
+        <a:xfrm>
+          <a:off x="0" y="0"/>
+          <a:ext cx="0" cy="0"/>
+          <a:chOff x="0" y="0"/>
+          <a:chExt cx="0" cy="0"/>
+        </a:xfrm>
+      </p:grpSpPr>
+      <p:sp>
+        <p:nvSpPr>
+          <p:cNvPr id="2" name="Title 1"/>
+          <p:cNvSpPr>
+            <a:spLocks noGrp="1"/>
+          </p:cNvSpPr>
+          <p:nvPr>
+            <p:ph type="title"/>
+          </p:nvPr>
+        </p:nvSpPr>
+        <p:spPr/>
+        <p:txBody>
+          <a:bodyPr/>
+          <a:lstStyle/>
+          <a:p>
+            <a:r>
+              <a:rPr lang="en-US" dirty="0" smtClean="0"/>
+              <a:t>What’s next?</a:t>
+            </a:r>
+            <a:endParaRPr lang="en-US" dirty="0"/>
+          </a:p>
+        </p:txBody>
+      </p:sp>
+      <p:sp>
+        <p:nvSpPr>
+          <p:cNvPr id="3" name="Content Placeholder 2"/>
+          <p:cNvSpPr>
+            <a:spLocks noGrp="1"/>
+          </p:cNvSpPr>
+          <p:nvPr>
+            <p:ph idx="1"/>
+          </p:nvPr>
+        </p:nvSpPr>
+        <p:spPr/>
+        <p:txBody>
+          <a:bodyPr/>
+          <a:lstStyle/>
+          <a:p>
+            <a:r>
+              <a:rPr lang="en-US" dirty="0" smtClean="0"/>
+              <a:t>Can use cross validation </a:t>
+            </a:r>
+            <a:endParaRPr lang="en-US" dirty="0"/>
+          </a:p>
+        </p:txBody>
+      </p:sp>
+    </p:spTree>
+    <p:extLst>
+      <p:ext uri="{BB962C8B-B14F-4D97-AF65-F5344CB8AC3E}">
+        <p14:creationId xmlns:p14="http://schemas.microsoft.com/office/powerpoint/2010/main" val="173331407"/>
+      </p:ext>
+    </p:extLst>
+  </p:cSld>
+  <p:clrMapOvr>
+    <a:masterClrMapping/>
+  </p:clrMapOvr>
+</p:sld>
+</file>
+
+<file path=ppt/slides/slide18.xml><?xml version="1.0" encoding="utf-8"?>
 <p:sld xmlns:a="http://schemas.openxmlformats.org/drawingml/2006/main" xmlns:r="http://schemas.openxmlformats.org/officeDocument/2006/relationships" xmlns:p="http://schemas.openxmlformats.org/presentationml/2006/main">
   <p:cSld>
     <p:bg>
@@ -6902,7 +9692,7 @@
             <a:picLocks noGrp="1" noChangeAspect="1"/>
           </p:cNvPicPr>
           <p:nvPr>
-            <p:ph sz="quarter" idx="13"/>
+            <p:ph idx="1"/>
           </p:nvPr>
         </p:nvPicPr>
         <p:blipFill>
@@ -6919,8 +9709,8 @@
         </p:blipFill>
         <p:spPr>
           <a:xfrm>
-            <a:off x="2712747" y="2017336"/>
-            <a:ext cx="4339853" cy="2795673"/>
+            <a:off x="2127654" y="2492558"/>
+            <a:ext cx="4744485" cy="3056331"/>
           </a:xfrm>
         </p:spPr>
       </p:pic>
@@ -6987,14 +9777,48 @@
           </a:p>
         </p:txBody>
       </p:sp>
+      <p:sp>
+        <p:nvSpPr>
+          <p:cNvPr id="6" name="TextBox 5"/>
+          <p:cNvSpPr txBox="1"/>
+          <p:nvPr/>
+        </p:nvSpPr>
+        <p:spPr>
+          <a:xfrm>
+            <a:off x="1421091" y="2921720"/>
+            <a:ext cx="1793440" cy="300082"/>
+          </a:xfrm>
+          <a:prstGeom prst="rect">
+            <a:avLst/>
+          </a:prstGeom>
+          <a:noFill/>
+        </p:spPr>
+        <p:txBody>
+          <a:bodyPr wrap="none" rtlCol="0">
+            <a:spAutoFit/>
+          </a:bodyPr>
+          <a:lstStyle/>
+          <a:p>
+            <a:r>
+              <a:rPr lang="en-US" sz="1350" dirty="0" smtClean="0"/>
+              <a:t>Wikipedia </a:t>
+            </a:r>
+            <a:r>
+              <a:rPr lang="en-US" sz="1350" dirty="0" err="1" smtClean="0"/>
+              <a:t>defination</a:t>
+            </a:r>
+            <a:endParaRPr lang="en-US" sz="1350" dirty="0"/>
+          </a:p>
+        </p:txBody>
+      </p:sp>
       <p:pic>
         <p:nvPicPr>
-          <p:cNvPr id="4" name="Content Placeholder 3"/>
+          <p:cNvPr id="5" name="Content Placeholder 4"/>
           <p:cNvPicPr>
             <a:picLocks noGrp="1" noChangeAspect="1"/>
           </p:cNvPicPr>
           <p:nvPr>
-            <p:ph sz="quarter" idx="13"/>
+            <p:ph idx="1"/>
           </p:nvPr>
         </p:nvPicPr>
         <p:blipFill>
@@ -7011,40 +9835,11 @@
         </p:blipFill>
         <p:spPr>
           <a:xfrm>
-            <a:off x="1085851" y="3633337"/>
-            <a:ext cx="6972300" cy="1739900"/>
+            <a:off x="759643" y="3221802"/>
+            <a:ext cx="6888163" cy="2443394"/>
           </a:xfrm>
         </p:spPr>
       </p:pic>
-      <p:sp>
-        <p:nvSpPr>
-          <p:cNvPr id="6" name="TextBox 5"/>
-          <p:cNvSpPr txBox="1"/>
-          <p:nvPr/>
-        </p:nvSpPr>
-        <p:spPr>
-          <a:xfrm>
-            <a:off x="1421091" y="2921720"/>
-            <a:ext cx="1998560" cy="300082"/>
-          </a:xfrm>
-          <a:prstGeom prst="rect">
-            <a:avLst/>
-          </a:prstGeom>
-          <a:noFill/>
-        </p:spPr>
-        <p:txBody>
-          <a:bodyPr wrap="none" rtlCol="0">
-            <a:spAutoFit/>
-          </a:bodyPr>
-          <a:lstStyle/>
-          <a:p>
-            <a:r>
-              <a:rPr lang="en-US" sz="1350" dirty="0"/>
-              <a:t>Taken from Google Search</a:t>
-            </a:r>
-          </a:p>
-        </p:txBody>
-      </p:sp>
     </p:spTree>
     <p:extLst>
       <p:ext uri="{BB962C8B-B14F-4D97-AF65-F5344CB8AC3E}">
@@ -7133,7 +9928,7 @@
             <a:spLocks noGrp="1"/>
           </p:cNvSpPr>
           <p:nvPr>
-            <p:ph sz="quarter" idx="13"/>
+            <p:ph idx="1"/>
           </p:nvPr>
         </p:nvSpPr>
         <p:spPr/>
@@ -7148,9 +9943,6 @@
               <a:rPr lang="en-US" dirty="0" smtClean="0"/>
               <a:t> </a:t>
             </a:r>
-            <a:endParaRPr lang="en-US" dirty="0"/>
-          </a:p>
-          <a:p>
             <a:r>
               <a:rPr lang="en-US" dirty="0" smtClean="0">
                 <a:hlinkClick r:id="rId2"/>
@@ -7177,7 +9969,11 @@
           <a:p>
             <a:r>
               <a:rPr lang="en-US" dirty="0" smtClean="0"/>
-              <a:t>Used 409 </a:t>
+              <a:t>Used </a:t>
+            </a:r>
+            <a:r>
+              <a:rPr lang="en-US" dirty="0" smtClean="0"/>
+              <a:t>409 </a:t>
             </a:r>
             <a:r>
               <a:rPr lang="en-US" dirty="0" err="1" smtClean="0"/>
@@ -7185,8 +9981,16 @@
             </a:r>
             <a:r>
               <a:rPr lang="en-US" dirty="0" smtClean="0"/>
-              <a:t> out of 675 available</a:t>
-            </a:r>
+              <a:t> out of 675 </a:t>
+            </a:r>
+            <a:r>
+              <a:rPr lang="en-US" dirty="0" smtClean="0"/>
+              <a:t>available</a:t>
+            </a:r>
+            <a:br>
+              <a:rPr lang="en-US" dirty="0" smtClean="0"/>
+            </a:br>
+            <a:endParaRPr lang="en-US" dirty="0" smtClean="0"/>
           </a:p>
           <a:p>
             <a:pPr marL="0" indent="0">
@@ -7286,7 +10090,7 @@
             <a:picLocks noGrp="1" noChangeAspect="1"/>
           </p:cNvPicPr>
           <p:nvPr>
-            <p:ph sz="quarter" idx="13"/>
+            <p:ph idx="1"/>
           </p:nvPr>
         </p:nvPicPr>
         <p:blipFill>
@@ -7303,8 +10107,8 @@
         </p:blipFill>
         <p:spPr>
           <a:xfrm>
-            <a:off x="1735968" y="2121031"/>
-            <a:ext cx="5672066" cy="3783291"/>
+            <a:off x="1279700" y="2029426"/>
+            <a:ext cx="5856391" cy="3906237"/>
           </a:xfrm>
         </p:spPr>
       </p:pic>
@@ -7383,7 +10187,7 @@
           <a:p>
             <a:r>
               <a:rPr lang="en-US" dirty="0" smtClean="0"/>
-              <a:t>Libraries Used</a:t>
+              <a:t>Description of variables</a:t>
             </a:r>
             <a:endParaRPr lang="en-US" dirty="0"/>
           </a:p>
@@ -7396,75 +10200,80 @@
             <a:spLocks noGrp="1"/>
           </p:cNvSpPr>
           <p:nvPr>
-            <p:ph sz="quarter" idx="13"/>
+            <p:ph idx="1"/>
           </p:nvPr>
         </p:nvSpPr>
         <p:spPr/>
         <p:txBody>
-          <a:bodyPr/>
+          <a:bodyPr>
+            <a:normAutofit lnSpcReduction="10000"/>
+          </a:bodyPr>
           <a:lstStyle/>
           <a:p>
             <a:r>
-              <a:rPr lang="en-US" dirty="0" err="1" smtClean="0"/>
-              <a:t>NUMPy</a:t>
-            </a:r>
-            <a:endParaRPr lang="en-US" dirty="0" smtClean="0"/>
-          </a:p>
-          <a:p>
-            <a:r>
-              <a:rPr lang="en-US" dirty="0" smtClean="0"/>
-              <a:t>SCIPY</a:t>
-            </a:r>
-          </a:p>
-          <a:p>
-            <a:r>
-              <a:rPr lang="en-US" dirty="0" err="1" smtClean="0"/>
-              <a:t>Sklearn</a:t>
-            </a:r>
-            <a:endParaRPr lang="en-US" dirty="0" smtClean="0"/>
-          </a:p>
-          <a:p>
-            <a:pPr marL="0" indent="0">
-              <a:buNone/>
-            </a:pPr>
-            <a:endParaRPr lang="en-US" dirty="0"/>
-          </a:p>
-        </p:txBody>
-      </p:sp>
-      <p:pic>
-        <p:nvPicPr>
-          <p:cNvPr id="4" name="Picture 3"/>
-          <p:cNvPicPr>
-            <a:picLocks noChangeAspect="1"/>
-          </p:cNvPicPr>
-          <p:nvPr/>
-        </p:nvPicPr>
-        <p:blipFill>
-          <a:blip r:embed="rId2">
-            <a:extLst>
-              <a:ext uri="{28A0092B-C50C-407E-A947-70E740481C1C}">
-                <a14:useLocalDpi xmlns:a14="http://schemas.microsoft.com/office/drawing/2010/main" val="0"/>
-              </a:ext>
-            </a:extLst>
-          </a:blip>
-          <a:stretch>
-            <a:fillRect/>
-          </a:stretch>
-        </p:blipFill>
-        <p:spPr>
-          <a:xfrm>
-            <a:off x="1496035" y="4212633"/>
-            <a:ext cx="5171041" cy="1163554"/>
-          </a:xfrm>
-          <a:prstGeom prst="rect">
-            <a:avLst/>
-          </a:prstGeom>
-        </p:spPr>
-      </p:pic>
+              <a:rPr lang="en-US" dirty="0"/>
+              <a:t>sex: Male 1, Female 0</a:t>
+            </a:r>
+          </a:p>
+          <a:p>
+            <a:r>
+              <a:rPr lang="en-US" dirty="0"/>
+              <a:t>Race: (1,2,3) Not necessary for our prediction</a:t>
+            </a:r>
+          </a:p>
+          <a:p>
+            <a:r>
+              <a:rPr lang="en-US" dirty="0"/>
+              <a:t>Age: Integer</a:t>
+            </a:r>
+          </a:p>
+          <a:p>
+            <a:r>
+              <a:rPr lang="en-US" dirty="0"/>
+              <a:t>State: (1,2,3)Not necessary for our prediction</a:t>
+            </a:r>
+          </a:p>
+          <a:p>
+            <a:r>
+              <a:rPr lang="en-US" dirty="0" err="1"/>
+              <a:t>Max.sentence</a:t>
+            </a:r>
+            <a:r>
+              <a:rPr lang="en-US" dirty="0"/>
+              <a:t>: integer</a:t>
+            </a:r>
+          </a:p>
+          <a:p>
+            <a:r>
+              <a:rPr lang="en-US" dirty="0" err="1"/>
+              <a:t>Multiple.offenses</a:t>
+            </a:r>
+            <a:r>
+              <a:rPr lang="en-US" dirty="0"/>
+              <a:t>: binary</a:t>
+            </a:r>
+          </a:p>
+          <a:p>
+            <a:r>
+              <a:rPr lang="en-US" dirty="0"/>
+              <a:t>Crime: integer</a:t>
+            </a:r>
+          </a:p>
+          <a:p>
+            <a:r>
+              <a:rPr lang="en-US" dirty="0"/>
+              <a:t>Violator: True(1), False(0) </a:t>
+            </a:r>
+          </a:p>
+          <a:p>
+            <a:endParaRPr lang="en-US" dirty="0"/>
+          </a:p>
+        </p:txBody>
+      </p:sp>
     </p:spTree>
     <p:extLst>
       <p:ext uri="{BB962C8B-B14F-4D97-AF65-F5344CB8AC3E}">
-        <p14:creationId xmlns:p14="http://schemas.microsoft.com/office/powerpoint/2010/main" val="1467733893"/>
+        <p14:creationId xmlns:p14="http://schemas.microsoft.com/office/powerpoint/2010/main" val="1362727409"/>
       </p:ext>
     </p:extLst>
   </p:cSld>
@@ -7551,37 +10360,39 @@
             <a:spLocks noGrp="1"/>
           </p:cNvSpPr>
           <p:nvPr>
-            <p:ph sz="quarter" idx="13"/>
+            <p:ph idx="1"/>
           </p:nvPr>
         </p:nvSpPr>
         <p:spPr/>
         <p:txBody>
-          <a:bodyPr/>
+          <a:bodyPr>
+            <a:normAutofit fontScale="92500" lnSpcReduction="10000"/>
+          </a:bodyPr>
           <a:lstStyle/>
           <a:p>
             <a:r>
               <a:rPr lang="en-US" dirty="0" smtClean="0"/>
-              <a:t>Sex</a:t>
-            </a:r>
-          </a:p>
-          <a:p>
+              <a:t>Sex, </a:t>
+            </a:r>
             <a:r>
               <a:rPr lang="en-US" dirty="0" err="1" smtClean="0"/>
               <a:t>Multipleoffenses</a:t>
             </a:r>
             <a:r>
               <a:rPr lang="en-US" dirty="0" smtClean="0"/>
-              <a:t> (Boolean value)</a:t>
-            </a:r>
-          </a:p>
-          <a:p>
+              <a:t> </a:t>
+            </a:r>
             <a:r>
               <a:rPr lang="en-US" dirty="0" smtClean="0"/>
-              <a:t>Violator</a:t>
-            </a:r>
-          </a:p>
-          <a:p>
-            <a:endParaRPr lang="en-US" dirty="0"/>
+              <a:t>(Boolean </a:t>
+            </a:r>
+            <a:r>
+              <a:rPr lang="en-US" dirty="0" smtClean="0"/>
+              <a:t>value), Violator</a:t>
+            </a:r>
+          </a:p>
+          <a:p>
+            <a:endParaRPr lang="en-US" dirty="0" smtClean="0"/>
           </a:p>
           <a:p>
             <a:pPr marL="0" indent="0">
@@ -7589,8 +10400,42 @@
             </a:pPr>
             <a:r>
               <a:rPr lang="en-US" dirty="0" smtClean="0"/>
-              <a:t>Data Ignored:</a:t>
-            </a:r>
+              <a:t>Why These??</a:t>
+            </a:r>
+            <a:br>
+              <a:rPr lang="en-US" dirty="0" smtClean="0"/>
+            </a:br>
+            <a:r>
+              <a:rPr lang="en-US" dirty="0" smtClean="0"/>
+              <a:t/>
+            </a:r>
+            <a:br>
+              <a:rPr lang="en-US" dirty="0" smtClean="0"/>
+            </a:br>
+            <a:r>
+              <a:rPr lang="en-US" dirty="0" smtClean="0"/>
+              <a:t>Sex: Because of difference in prison experience between men and </a:t>
+            </a:r>
+            <a:r>
+              <a:rPr lang="en-US" dirty="0"/>
+              <a:t>women (Source: http://</a:t>
+            </a:r>
+            <a:r>
+              <a:rPr lang="en-US" dirty="0" err="1"/>
+              <a:t>www.americanjail.org</a:t>
+            </a:r>
+            <a:r>
+              <a:rPr lang="en-US" dirty="0"/>
+              <a:t>/10-facts-about-women-in-jails</a:t>
+            </a:r>
+            <a:r>
+              <a:rPr lang="en-US" dirty="0" smtClean="0"/>
+              <a:t>/)</a:t>
+            </a:r>
+            <a:br>
+              <a:rPr lang="en-US" dirty="0" smtClean="0"/>
+            </a:br>
+            <a:endParaRPr lang="en-US" dirty="0" smtClean="0"/>
           </a:p>
           <a:p>
             <a:pPr marL="0" indent="0">
@@ -7598,19 +10443,7 @@
             </a:pPr>
             <a:r>
               <a:rPr lang="en-US" dirty="0" smtClean="0"/>
-              <a:t>Race, age, state, </a:t>
-            </a:r>
-            <a:r>
-              <a:rPr lang="en-US" dirty="0" err="1" smtClean="0"/>
-              <a:t>timeserved</a:t>
-            </a:r>
-            <a:r>
-              <a:rPr lang="en-US" dirty="0" smtClean="0"/>
-              <a:t>, crimes, </a:t>
-            </a:r>
-            <a:r>
-              <a:rPr lang="en-US" dirty="0" err="1" smtClean="0"/>
-              <a:t>maxsenteces</a:t>
+              <a:t>Multiple offenses: the more offenses you have, the more likely you are desperate to violate parole</a:t>
             </a:r>
             <a:endParaRPr lang="en-US" dirty="0"/>
           </a:p>
@@ -7634,9 +10467,29 @@
   <p:cSld>
     <p:bg>
       <p:bgPr>
-        <a:solidFill>
-          <a:schemeClr val="accent4"/>
-        </a:solidFill>
+        <a:gradFill flip="none" rotWithShape="1">
+          <a:gsLst>
+            <a:gs pos="0">
+              <a:schemeClr val="accent4">
+                <a:lumMod val="67000"/>
+              </a:schemeClr>
+            </a:gs>
+            <a:gs pos="48000">
+              <a:schemeClr val="accent4">
+                <a:lumMod val="97000"/>
+                <a:lumOff val="3000"/>
+              </a:schemeClr>
+            </a:gs>
+            <a:gs pos="100000">
+              <a:schemeClr val="accent4">
+                <a:lumMod val="60000"/>
+                <a:lumOff val="40000"/>
+              </a:schemeClr>
+            </a:gs>
+          </a:gsLst>
+          <a:lin ang="16200000" scaled="1"/>
+          <a:tileRect/>
+        </a:gradFill>
         <a:effectLst/>
       </p:bgPr>
     </p:bg>
@@ -7671,7 +10524,7 @@
           <a:p>
             <a:r>
               <a:rPr lang="en-US" dirty="0" smtClean="0"/>
-              <a:t>Process</a:t>
+              <a:t>Variables ignored and reasons</a:t>
             </a:r>
             <a:endParaRPr lang="en-US" dirty="0"/>
           </a:p>
@@ -7684,79 +10537,66 @@
             <a:spLocks noGrp="1"/>
           </p:cNvSpPr>
           <p:nvPr>
-            <p:ph sz="quarter" idx="13"/>
-          </p:nvPr>
-        </p:nvSpPr>
-        <p:spPr>
-          <a:xfrm>
-            <a:off x="982133" y="1923068"/>
-            <a:ext cx="7704667" cy="4076748"/>
-          </a:xfrm>
-        </p:spPr>
-        <p:txBody>
-          <a:bodyPr/>
+            <p:ph idx="1"/>
+          </p:nvPr>
+        </p:nvSpPr>
+        <p:spPr/>
+        <p:txBody>
+          <a:bodyPr>
+            <a:normAutofit fontScale="92500"/>
+          </a:bodyPr>
           <a:lstStyle/>
           <a:p>
             <a:r>
               <a:rPr lang="en-US" dirty="0" smtClean="0"/>
-              <a:t>Taken 409 instances out of 675 sample and used logistic regression on these instances</a:t>
+              <a:t>Race		(Race not defined properly in dataset given)</a:t>
             </a:r>
           </a:p>
           <a:p>
             <a:r>
               <a:rPr lang="en-US" dirty="0" smtClean="0"/>
-              <a:t>Taken another 409 samples randomly from 675 samples and used them as test </a:t>
-            </a:r>
+              <a:t>Age		(Difficult to convert to binary values)</a:t>
+            </a:r>
+          </a:p>
+          <a:p>
             <a:r>
               <a:rPr lang="en-US" dirty="0" smtClean="0"/>
-              <a:t>sample</a:t>
+              <a:t>State		(difficult to convert to binary values)</a:t>
             </a:r>
           </a:p>
           <a:p>
             <a:r>
               <a:rPr lang="en-US" dirty="0" smtClean="0"/>
-              <a:t>No missing values were found</a:t>
-            </a:r>
-          </a:p>
-          <a:p>
-            <a:endParaRPr lang="en-US" dirty="0"/>
-          </a:p>
-        </p:txBody>
-      </p:sp>
-      <p:pic>
-        <p:nvPicPr>
-          <p:cNvPr id="4" name="Picture 3"/>
-          <p:cNvPicPr>
-            <a:picLocks noChangeAspect="1"/>
-          </p:cNvPicPr>
-          <p:nvPr/>
-        </p:nvPicPr>
-        <p:blipFill>
-          <a:blip r:embed="rId3">
-            <a:extLst>
-              <a:ext uri="{28A0092B-C50C-407E-A947-70E740481C1C}">
-                <a14:useLocalDpi xmlns:a14="http://schemas.microsoft.com/office/drawing/2010/main" val="0"/>
-              </a:ext>
-            </a:extLst>
-          </a:blip>
-          <a:stretch>
-            <a:fillRect/>
-          </a:stretch>
-        </p:blipFill>
-        <p:spPr>
-          <a:xfrm>
-            <a:off x="1357560" y="4252813"/>
-            <a:ext cx="4105275" cy="1209675"/>
-          </a:xfrm>
-          <a:prstGeom prst="rect">
-            <a:avLst/>
-          </a:prstGeom>
-        </p:spPr>
-      </p:pic>
+              <a:t>Time served	(difficult to convert to binary values)</a:t>
+            </a:r>
+          </a:p>
+          <a:p>
+            <a:r>
+              <a:rPr lang="en-US" dirty="0" smtClean="0"/>
+              <a:t>Max sentence: ( very similar to time served and multiple offenses)</a:t>
+            </a:r>
+          </a:p>
+          <a:p>
+            <a:r>
+              <a:rPr lang="en-US" dirty="0" smtClean="0"/>
+              <a:t>Crimes (similar to multiple offenses)</a:t>
+            </a:r>
+          </a:p>
+          <a:p>
+            <a:endParaRPr lang="en-US" dirty="0" smtClean="0"/>
+          </a:p>
+          <a:p>
+            <a:endParaRPr lang="en-US" dirty="0" smtClean="0"/>
+          </a:p>
+          <a:p>
+            <a:endParaRPr lang="en-US" dirty="0"/>
+          </a:p>
+        </p:txBody>
+      </p:sp>
     </p:spTree>
     <p:extLst>
       <p:ext uri="{BB962C8B-B14F-4D97-AF65-F5344CB8AC3E}">
-        <p14:creationId xmlns:p14="http://schemas.microsoft.com/office/powerpoint/2010/main" val="129238832"/>
+        <p14:creationId xmlns:p14="http://schemas.microsoft.com/office/powerpoint/2010/main" val="242746331"/>
       </p:ext>
     </p:extLst>
   </p:cSld>
@@ -7771,9 +10611,29 @@
   <p:cSld>
     <p:bg>
       <p:bgPr>
-        <a:solidFill>
-          <a:schemeClr val="accent4"/>
-        </a:solidFill>
+        <a:gradFill flip="none" rotWithShape="1">
+          <a:gsLst>
+            <a:gs pos="0">
+              <a:schemeClr val="accent4">
+                <a:lumMod val="67000"/>
+              </a:schemeClr>
+            </a:gs>
+            <a:gs pos="48000">
+              <a:schemeClr val="accent4">
+                <a:lumMod val="97000"/>
+                <a:lumOff val="3000"/>
+              </a:schemeClr>
+            </a:gs>
+            <a:gs pos="100000">
+              <a:schemeClr val="accent4">
+                <a:lumMod val="60000"/>
+                <a:lumOff val="40000"/>
+              </a:schemeClr>
+            </a:gs>
+          </a:gsLst>
+          <a:lin ang="16200000" scaled="1"/>
+          <a:tileRect/>
+        </a:gradFill>
         <a:effectLst/>
       </p:bgPr>
     </p:bg>
@@ -7808,7 +10668,7 @@
           <a:p>
             <a:r>
               <a:rPr lang="en-US" dirty="0" smtClean="0"/>
-              <a:t>Decision tree</a:t>
+              <a:t>Problem statement</a:t>
             </a:r>
             <a:endParaRPr lang="en-US" dirty="0"/>
           </a:p>
@@ -7821,7 +10681,7 @@
             <a:spLocks noGrp="1"/>
           </p:cNvSpPr>
           <p:nvPr>
-            <p:ph sz="quarter" idx="13"/>
+            <p:ph idx="1"/>
           </p:nvPr>
         </p:nvSpPr>
         <p:spPr/>
@@ -7829,24 +10689,172 @@
           <a:bodyPr/>
           <a:lstStyle/>
           <a:p>
+            <a:pPr marL="0" indent="0">
+              <a:buNone/>
+            </a:pPr>
+            <a:r>
+              <a:rPr lang="en-US" dirty="0"/>
+              <a:t> </a:t>
+            </a:r>
+          </a:p>
+          <a:p>
+            <a:r>
+              <a:rPr lang="en-US" dirty="0"/>
+              <a:t>Let’s treat this as a classification problem by focusing on three variables sex, </a:t>
+            </a:r>
+            <a:r>
+              <a:rPr lang="en-US" dirty="0" err="1"/>
+              <a:t>multiple.offenses</a:t>
+            </a:r>
+            <a:r>
+              <a:rPr lang="en-US" dirty="0"/>
+              <a:t> and </a:t>
+            </a:r>
+            <a:r>
+              <a:rPr lang="en-US" dirty="0" err="1"/>
+              <a:t>violater</a:t>
+            </a:r>
+            <a:r>
+              <a:rPr lang="en-US" dirty="0"/>
+              <a:t>. Since they are in binary form, it will be easier to use logistic regression function </a:t>
+            </a:r>
             <a:r>
               <a:rPr lang="en-US" dirty="0" smtClean="0"/>
-              <a:t>Also used decision tree from </a:t>
-            </a:r>
+              <a:t>and decision tree on </a:t>
+            </a:r>
+            <a:r>
+              <a:rPr lang="en-US" dirty="0"/>
+              <a:t>those variables.</a:t>
+            </a:r>
+            <a:br>
+              <a:rPr lang="en-US" dirty="0"/>
+            </a:br>
+            <a:endParaRPr lang="en-US" dirty="0"/>
+          </a:p>
+          <a:p>
+            <a:endParaRPr lang="en-US" dirty="0"/>
+          </a:p>
+        </p:txBody>
+      </p:sp>
+    </p:spTree>
+    <p:extLst>
+      <p:ext uri="{BB962C8B-B14F-4D97-AF65-F5344CB8AC3E}">
+        <p14:creationId xmlns:p14="http://schemas.microsoft.com/office/powerpoint/2010/main" val="870906203"/>
+      </p:ext>
+    </p:extLst>
+  </p:cSld>
+  <p:clrMapOvr>
+    <a:masterClrMapping/>
+  </p:clrMapOvr>
+</p:sld>
+</file>
+
+<file path=ppt/slides/slide9.xml><?xml version="1.0" encoding="utf-8"?>
+<p:sld xmlns:a="http://schemas.openxmlformats.org/drawingml/2006/main" xmlns:r="http://schemas.openxmlformats.org/officeDocument/2006/relationships" xmlns:p="http://schemas.openxmlformats.org/presentationml/2006/main">
+  <p:cSld>
+    <p:bg>
+      <p:bgPr>
+        <a:gradFill flip="none" rotWithShape="1">
+          <a:gsLst>
+            <a:gs pos="0">
+              <a:schemeClr val="accent4">
+                <a:lumMod val="67000"/>
+              </a:schemeClr>
+            </a:gs>
+            <a:gs pos="48000">
+              <a:schemeClr val="accent4">
+                <a:lumMod val="97000"/>
+                <a:lumOff val="3000"/>
+              </a:schemeClr>
+            </a:gs>
+            <a:gs pos="100000">
+              <a:schemeClr val="accent4">
+                <a:lumMod val="60000"/>
+                <a:lumOff val="40000"/>
+              </a:schemeClr>
+            </a:gs>
+          </a:gsLst>
+          <a:lin ang="16200000" scaled="1"/>
+          <a:tileRect/>
+        </a:gradFill>
+        <a:effectLst/>
+      </p:bgPr>
+    </p:bg>
+    <p:spTree>
+      <p:nvGrpSpPr>
+        <p:cNvPr id="1" name=""/>
+        <p:cNvGrpSpPr/>
+        <p:nvPr/>
+      </p:nvGrpSpPr>
+      <p:grpSpPr>
+        <a:xfrm>
+          <a:off x="0" y="0"/>
+          <a:ext cx="0" cy="0"/>
+          <a:chOff x="0" y="0"/>
+          <a:chExt cx="0" cy="0"/>
+        </a:xfrm>
+      </p:grpSpPr>
+      <p:sp>
+        <p:nvSpPr>
+          <p:cNvPr id="2" name="Title 1"/>
+          <p:cNvSpPr>
+            <a:spLocks noGrp="1"/>
+          </p:cNvSpPr>
+          <p:nvPr>
+            <p:ph type="title"/>
+          </p:nvPr>
+        </p:nvSpPr>
+        <p:spPr/>
+        <p:txBody>
+          <a:bodyPr/>
+          <a:lstStyle/>
+          <a:p>
+            <a:r>
+              <a:rPr lang="en-US" dirty="0" smtClean="0"/>
+              <a:t>Libraries Used</a:t>
+            </a:r>
+            <a:endParaRPr lang="en-US" dirty="0"/>
+          </a:p>
+        </p:txBody>
+      </p:sp>
+      <p:sp>
+        <p:nvSpPr>
+          <p:cNvPr id="3" name="Content Placeholder 2"/>
+          <p:cNvSpPr>
+            <a:spLocks noGrp="1"/>
+          </p:cNvSpPr>
+          <p:nvPr>
+            <p:ph idx="1"/>
+          </p:nvPr>
+        </p:nvSpPr>
+        <p:spPr/>
+        <p:txBody>
+          <a:bodyPr/>
+          <a:lstStyle/>
+          <a:p>
             <a:r>
               <a:rPr lang="en-US" dirty="0" err="1" smtClean="0"/>
-              <a:t>sklearn</a:t>
-            </a:r>
+              <a:t>NUMPy</a:t>
+            </a:r>
+            <a:endParaRPr lang="en-US" dirty="0" smtClean="0"/>
+          </a:p>
+          <a:p>
             <a:r>
               <a:rPr lang="en-US" dirty="0" smtClean="0"/>
-              <a:t> library</a:t>
-            </a:r>
-          </a:p>
-          <a:p>
-            <a:r>
-              <a:rPr lang="en-US" dirty="0" smtClean="0"/>
-              <a:t>Got same result</a:t>
-            </a:r>
+              <a:t>SCIPY</a:t>
+            </a:r>
+          </a:p>
+          <a:p>
+            <a:r>
+              <a:rPr lang="en-US" dirty="0" err="1" smtClean="0"/>
+              <a:t>Sklearn</a:t>
+            </a:r>
+            <a:endParaRPr lang="en-US" dirty="0" smtClean="0"/>
+          </a:p>
+          <a:p>
+            <a:pPr marL="0" indent="0">
+              <a:buNone/>
+            </a:pPr>
             <a:endParaRPr lang="en-US" dirty="0"/>
           </a:p>
         </p:txBody>
@@ -7873,8 +10881,8 @@
         </p:blipFill>
         <p:spPr>
           <a:xfrm>
-            <a:off x="2053234" y="3958916"/>
-            <a:ext cx="5259577" cy="1197143"/>
+            <a:off x="789025" y="4079146"/>
+            <a:ext cx="6479041" cy="1457872"/>
           </a:xfrm>
           <a:prstGeom prst="rect">
             <a:avLst/>
@@ -7884,109 +10892,7 @@
     </p:spTree>
     <p:extLst>
       <p:ext uri="{BB962C8B-B14F-4D97-AF65-F5344CB8AC3E}">
-        <p14:creationId xmlns:p14="http://schemas.microsoft.com/office/powerpoint/2010/main" val="491253962"/>
-      </p:ext>
-    </p:extLst>
-  </p:cSld>
-  <p:clrMapOvr>
-    <a:masterClrMapping/>
-  </p:clrMapOvr>
-</p:sld>
-</file>
-
-<file path=ppt/slides/slide9.xml><?xml version="1.0" encoding="utf-8"?>
-<p:sld xmlns:a="http://schemas.openxmlformats.org/drawingml/2006/main" xmlns:r="http://schemas.openxmlformats.org/officeDocument/2006/relationships" xmlns:p="http://schemas.openxmlformats.org/presentationml/2006/main">
-  <p:cSld>
-    <p:bg>
-      <p:bgPr>
-        <a:solidFill>
-          <a:schemeClr val="accent4"/>
-        </a:solidFill>
-        <a:effectLst/>
-      </p:bgPr>
-    </p:bg>
-    <p:spTree>
-      <p:nvGrpSpPr>
-        <p:cNvPr id="1" name=""/>
-        <p:cNvGrpSpPr/>
-        <p:nvPr/>
-      </p:nvGrpSpPr>
-      <p:grpSpPr>
-        <a:xfrm>
-          <a:off x="0" y="0"/>
-          <a:ext cx="0" cy="0"/>
-          <a:chOff x="0" y="0"/>
-          <a:chExt cx="0" cy="0"/>
-        </a:xfrm>
-      </p:grpSpPr>
-      <p:sp>
-        <p:nvSpPr>
-          <p:cNvPr id="2" name="Title 1"/>
-          <p:cNvSpPr>
-            <a:spLocks noGrp="1"/>
-          </p:cNvSpPr>
-          <p:nvPr>
-            <p:ph type="title"/>
-          </p:nvPr>
-        </p:nvSpPr>
-        <p:spPr/>
-        <p:txBody>
-          <a:bodyPr>
-            <a:normAutofit fontScale="90000"/>
-          </a:bodyPr>
-          <a:lstStyle/>
-          <a:p>
-            <a:r>
-              <a:rPr lang="en-US" dirty="0" smtClean="0"/>
-              <a:t/>
-            </a:r>
-            <a:br>
-              <a:rPr lang="en-US" dirty="0" smtClean="0"/>
-            </a:br>
-            <a:r>
-              <a:rPr lang="en-US" dirty="0" smtClean="0"/>
-              <a:t>Predicted data from both logistic regression and decision tree</a:t>
-            </a:r>
-            <a:br>
-              <a:rPr lang="en-US" dirty="0" smtClean="0"/>
-            </a:br>
-            <a:endParaRPr lang="en-US" dirty="0"/>
-          </a:p>
-        </p:txBody>
-      </p:sp>
-      <p:pic>
-        <p:nvPicPr>
-          <p:cNvPr id="4" name="Content Placeholder 3"/>
-          <p:cNvPicPr>
-            <a:picLocks noGrp="1" noChangeAspect="1"/>
-          </p:cNvPicPr>
-          <p:nvPr>
-            <p:ph sz="quarter" idx="13"/>
-          </p:nvPr>
-        </p:nvPicPr>
-        <p:blipFill>
-          <a:blip r:embed="rId2">
-            <a:extLst>
-              <a:ext uri="{28A0092B-C50C-407E-A947-70E740481C1C}">
-                <a14:useLocalDpi xmlns:a14="http://schemas.microsoft.com/office/drawing/2010/main" val="0"/>
-              </a:ext>
-            </a:extLst>
-          </a:blip>
-          <a:stretch>
-            <a:fillRect/>
-          </a:stretch>
-        </p:blipFill>
-        <p:spPr>
-          <a:xfrm>
-            <a:off x="1831728" y="2366963"/>
-            <a:ext cx="5480544" cy="3424237"/>
-          </a:xfrm>
-        </p:spPr>
-      </p:pic>
-    </p:spTree>
-    <p:extLst>
-      <p:ext uri="{BB962C8B-B14F-4D97-AF65-F5344CB8AC3E}">
-        <p14:creationId xmlns:p14="http://schemas.microsoft.com/office/powerpoint/2010/main" val="1425229894"/>
+        <p14:creationId xmlns:p14="http://schemas.microsoft.com/office/powerpoint/2010/main" val="1467733893"/>
       </p:ext>
     </p:extLst>
   </p:cSld>
@@ -7997,9 +10903,9 @@
 </file>
 
 <file path=ppt/theme/theme1.xml><?xml version="1.0" encoding="utf-8"?>
-<a:theme xmlns:a="http://schemas.openxmlformats.org/drawingml/2006/main" name="Droplet">
+<a:theme xmlns:a="http://schemas.openxmlformats.org/drawingml/2006/main" name="Berlin">
   <a:themeElements>
-    <a:clrScheme name="Droplet">
+    <a:clrScheme name="Berlin">
       <a:dk1>
         <a:sysClr val="windowText" lastClr="000000"/>
       </a:dk1>
@@ -8007,39 +10913,39 @@
         <a:sysClr val="window" lastClr="FFFFFF"/>
       </a:lt1>
       <a:dk2>
-        <a:srgbClr val="355071"/>
+        <a:srgbClr val="9D360E"/>
       </a:dk2>
       <a:lt2>
-        <a:srgbClr val="AABED7"/>
+        <a:srgbClr val="E7E6E6"/>
       </a:lt2>
       <a:accent1>
-        <a:srgbClr val="2FA3EE"/>
+        <a:srgbClr val="F09415"/>
       </a:accent1>
       <a:accent2>
-        <a:srgbClr val="4BCAAD"/>
+        <a:srgbClr val="C1B56B"/>
       </a:accent2>
       <a:accent3>
-        <a:srgbClr val="86C157"/>
+        <a:srgbClr val="4BAF73"/>
       </a:accent3>
       <a:accent4>
-        <a:srgbClr val="D99C3F"/>
+        <a:srgbClr val="5AA6C0"/>
       </a:accent4>
       <a:accent5>
-        <a:srgbClr val="CE6633"/>
+        <a:srgbClr val="D17DF9"/>
       </a:accent5>
       <a:accent6>
-        <a:srgbClr val="A35DD1"/>
+        <a:srgbClr val="FA7E5C"/>
       </a:accent6>
       <a:hlink>
-        <a:srgbClr val="56BCFE"/>
+        <a:srgbClr val="FFAE3E"/>
       </a:hlink>
       <a:folHlink>
-        <a:srgbClr val="97C5E3"/>
+        <a:srgbClr val="FCC77E"/>
       </a:folHlink>
     </a:clrScheme>
-    <a:fontScheme name="Droplet">
+    <a:fontScheme name="Berlin">
       <a:majorFont>
-        <a:latin typeface="Tw Cen MT" panose="020B0602020104020603"/>
+        <a:latin typeface="Trebuchet MS" panose="020B0603020202020204"/>
         <a:ea typeface=""/>
         <a:cs typeface=""/>
         <a:font script="Jpan" typeface="ＭＳ Ｐゴシック"/>
@@ -8074,7 +10980,7 @@
         <a:font script="Geor" typeface="Sylfaen"/>
       </a:majorFont>
       <a:minorFont>
-        <a:latin typeface="Tw Cen MT" panose="020B0602020104020603"/>
+        <a:latin typeface="Trebuchet MS" panose="020B0603020202020204"/>
         <a:ea typeface=""/>
         <a:cs typeface=""/>
         <a:font script="Jpan" typeface="ＭＳ Ｐゴシック"/>
@@ -8109,40 +11015,51 @@
         <a:font script="Geor" typeface="Sylfaen"/>
       </a:minorFont>
     </a:fontScheme>
-    <a:fmtScheme name="Droplet">
+    <a:fmtScheme name="Berlin">
       <a:fillStyleLst>
         <a:solidFill>
           <a:schemeClr val="phClr"/>
-        </a:solidFill>
-        <a:solidFill>
-          <a:schemeClr val="phClr">
-            <a:tint val="69000"/>
-            <a:satMod val="105000"/>
-            <a:lumMod val="110000"/>
-          </a:schemeClr>
         </a:solidFill>
         <a:gradFill rotWithShape="1">
           <a:gsLst>
             <a:gs pos="0">
               <a:schemeClr val="phClr">
+                <a:tint val="60000"/>
+                <a:satMod val="100000"/>
+                <a:lumMod val="110000"/>
+              </a:schemeClr>
+            </a:gs>
+            <a:gs pos="100000">
+              <a:schemeClr val="phClr">
+                <a:tint val="70000"/>
+                <a:satMod val="100000"/>
+                <a:lumMod val="100000"/>
+              </a:schemeClr>
+            </a:gs>
+          </a:gsLst>
+          <a:lin ang="5400000" scaled="0"/>
+        </a:gradFill>
+        <a:gradFill rotWithShape="1">
+          <a:gsLst>
+            <a:gs pos="0">
+              <a:schemeClr val="phClr">
                 <a:tint val="94000"/>
-                <a:satMod val="100000"/>
-                <a:lumMod val="108000"/>
+                <a:satMod val="103000"/>
+                <a:lumMod val="102000"/>
               </a:schemeClr>
             </a:gs>
             <a:gs pos="50000">
               <a:schemeClr val="phClr">
-                <a:tint val="98000"/>
                 <a:shade val="100000"/>
-                <a:satMod val="100000"/>
+                <a:satMod val="110000"/>
                 <a:lumMod val="100000"/>
               </a:schemeClr>
             </a:gs>
             <a:gs pos="100000">
               <a:schemeClr val="phClr">
-                <a:shade val="72000"/>
+                <a:shade val="78000"/>
                 <a:satMod val="120000"/>
-                <a:lumMod val="100000"/>
+                <a:lumMod val="99000"/>
               </a:schemeClr>
             </a:gs>
           </a:gsLst>
@@ -8152,19 +11069,17 @@
       <a:lnStyleLst>
         <a:ln w="9525" cap="flat" cmpd="sng" algn="ctr">
           <a:solidFill>
-            <a:schemeClr val="phClr">
-              <a:shade val="60000"/>
-            </a:schemeClr>
+            <a:schemeClr val="phClr"/>
           </a:solidFill>
           <a:prstDash val="solid"/>
         </a:ln>
-        <a:ln w="15875" cap="flat" cmpd="sng" algn="ctr">
+        <a:ln w="12700" cap="flat" cmpd="sng" algn="ctr">
           <a:solidFill>
             <a:schemeClr val="phClr"/>
           </a:solidFill>
           <a:prstDash val="solid"/>
         </a:ln>
-        <a:ln w="22225" cap="flat" cmpd="sng" algn="ctr">
+        <a:ln w="19050" cap="flat" cmpd="sng" algn="ctr">
           <a:solidFill>
             <a:schemeClr val="phClr"/>
           </a:solidFill>
@@ -8176,76 +11091,57 @@
           <a:effectLst/>
         </a:effectStyle>
         <a:effectStyle>
+          <a:effectLst/>
+        </a:effectStyle>
+        <a:effectStyle>
           <a:effectLst>
-            <a:outerShdw blurRad="50800" dist="25400" dir="5400000" rotWithShape="0">
+            <a:outerShdw blurRad="57150" dist="19050" dir="5400000" algn="ctr" rotWithShape="0">
               <a:srgbClr val="000000">
-                <a:alpha val="28000"/>
+                <a:alpha val="63000"/>
               </a:srgbClr>
             </a:outerShdw>
           </a:effectLst>
-        </a:effectStyle>
-        <a:effectStyle>
-          <a:effectLst>
-            <a:outerShdw blurRad="63500" dist="25400" dir="5400000" algn="ctr" rotWithShape="0">
-              <a:srgbClr val="000000">
-                <a:alpha val="69000"/>
-              </a:srgbClr>
-            </a:outerShdw>
-          </a:effectLst>
-          <a:scene3d>
-            <a:camera prst="orthographicFront">
-              <a:rot lat="0" lon="0" rev="0"/>
-            </a:camera>
-            <a:lightRig rig="balanced" dir="t">
-              <a:rot lat="0" lon="0" rev="1200000"/>
-            </a:lightRig>
-          </a:scene3d>
-          <a:sp3d prstMaterial="plastic">
-            <a:bevelT w="25400" h="25400"/>
-          </a:sp3d>
         </a:effectStyle>
       </a:effectStyleLst>
       <a:bgFillStyleLst>
         <a:solidFill>
           <a:schemeClr val="phClr"/>
         </a:solidFill>
+        <a:solidFill>
+          <a:schemeClr val="phClr">
+            <a:tint val="95000"/>
+            <a:satMod val="170000"/>
+          </a:schemeClr>
+        </a:solidFill>
         <a:gradFill rotWithShape="1">
           <a:gsLst>
             <a:gs pos="0">
               <a:schemeClr val="phClr">
-                <a:tint val="90000"/>
-                <a:lumMod val="110000"/>
+                <a:tint val="96000"/>
+                <a:shade val="100000"/>
+                <a:hueMod val="270000"/>
+                <a:satMod val="200000"/>
+                <a:lumMod val="128000"/>
+              </a:schemeClr>
+            </a:gs>
+            <a:gs pos="50000">
+              <a:schemeClr val="phClr">
+                <a:shade val="100000"/>
+                <a:hueMod val="100000"/>
+                <a:satMod val="110000"/>
+                <a:lumMod val="130000"/>
               </a:schemeClr>
             </a:gs>
             <a:gs pos="100000">
               <a:schemeClr val="phClr">
-                <a:shade val="64000"/>
-                <a:lumMod val="88000"/>
+                <a:shade val="78000"/>
+                <a:hueMod val="44000"/>
+                <a:satMod val="200000"/>
+                <a:lumMod val="69000"/>
               </a:schemeClr>
             </a:gs>
           </a:gsLst>
-          <a:lin ang="5400000" scaled="0"/>
-        </a:gradFill>
-        <a:gradFill rotWithShape="1">
-          <a:gsLst>
-            <a:gs pos="0">
-              <a:schemeClr val="phClr">
-                <a:tint val="84000"/>
-                <a:shade val="100000"/>
-                <a:hueMod val="130000"/>
-                <a:satMod val="150000"/>
-                <a:lumMod val="112000"/>
-              </a:schemeClr>
-            </a:gs>
-            <a:gs pos="100000">
-              <a:schemeClr val="phClr">
-                <a:shade val="92000"/>
-                <a:satMod val="140000"/>
-                <a:lumMod val="110000"/>
-              </a:schemeClr>
-            </a:gs>
-          </a:gsLst>
-          <a:lin ang="5400000" scaled="0"/>
+          <a:lin ang="2520000" scaled="0"/>
         </a:gradFill>
       </a:bgFillStyleLst>
     </a:fmtScheme>
@@ -8254,7 +11150,7 @@
   <a:extraClrSchemeLst/>
   <a:extLst>
     <a:ext uri="{05A4C25C-085E-4340-85A3-A5531E510DB2}">
-      <thm15:themeFamily xmlns:thm15="http://schemas.microsoft.com/office/thememl/2012/main" name="Droplet" id="{8984A317-299A-4E50-B45D-BFC9EDE2337A}" vid="{A633B6A3-9E7F-4C10-9C98-2517A3134361}"/>
+      <thm15:themeFamily xmlns:thm15="http://schemas.microsoft.com/office/thememl/2012/main" name="Berlin" id="{7B5DBA9E-B069-418E-9360-A61BDD0615A4}" vid="{C0CBE056-4EF4-4D92-969E-947779DA7AAA}"/>
     </a:ext>
   </a:extLst>
 </a:theme>

--- a/project/LogisticRegression.pptx
+++ b/project/LogisticRegression.pptx
@@ -2,7 +2,7 @@
 <file path=ppt/presentation.xml><?xml version="1.0" encoding="utf-8"?>
 <p:presentation xmlns:a="http://schemas.openxmlformats.org/drawingml/2006/main" xmlns:r="http://schemas.openxmlformats.org/officeDocument/2006/relationships" xmlns:p="http://schemas.openxmlformats.org/presentationml/2006/main" saveSubsetFonts="1" autoCompressPictures="0">
   <p:sldMasterIdLst>
-    <p:sldMasterId id="2147484936" r:id="rId1"/>
+    <p:sldMasterId id="2147485145" r:id="rId1"/>
   </p:sldMasterIdLst>
   <p:notesMasterIdLst>
     <p:notesMasterId r:id="rId20"/>
@@ -590,7 +590,7 @@
       </p:grpSpPr>
       <p:pic>
         <p:nvPicPr>
-          <p:cNvPr id="7" name="Picture 6" descr="HD-ShadowLong.png"/>
+          <p:cNvPr id="8" name="Picture 7" descr="Droplets-SD-Title-R1d.png"/>
           <p:cNvPicPr>
             <a:picLocks noChangeAspect="1"/>
           </p:cNvPicPr>
@@ -610,145 +610,36 @@
         </p:blipFill>
         <p:spPr>
           <a:xfrm>
-            <a:off x="1" y="4242851"/>
-            <a:ext cx="6726063" cy="275942"/>
+            <a:off x="0" y="0"/>
+            <a:ext cx="9144000" cy="6858000"/>
           </a:xfrm>
           <a:prstGeom prst="rect">
             <a:avLst/>
           </a:prstGeom>
         </p:spPr>
       </p:pic>
-      <p:pic>
-        <p:nvPicPr>
-          <p:cNvPr id="8" name="Picture 7" descr="HD-ShadowShort.png"/>
-          <p:cNvPicPr>
-            <a:picLocks noChangeAspect="1"/>
-          </p:cNvPicPr>
-          <p:nvPr/>
-        </p:nvPicPr>
-        <p:blipFill>
-          <a:blip r:embed="rId3">
-            <a:extLst>
-              <a:ext uri="{28A0092B-C50C-407E-A947-70E740481C1C}">
-                <a14:useLocalDpi xmlns:a14="http://schemas.microsoft.com/office/drawing/2010/main" val="0"/>
-              </a:ext>
-            </a:extLst>
-          </a:blip>
-          <a:stretch>
-            <a:fillRect/>
-          </a:stretch>
-        </p:blipFill>
+      <p:sp>
+        <p:nvSpPr>
+          <p:cNvPr id="2" name="Title 1"/>
+          <p:cNvSpPr>
+            <a:spLocks noGrp="1"/>
+          </p:cNvSpPr>
+          <p:nvPr>
+            <p:ph type="ctrTitle"/>
+          </p:nvPr>
+        </p:nvSpPr>
         <p:spPr>
           <a:xfrm>
-            <a:off x="6833787" y="4243845"/>
-            <a:ext cx="2307831" cy="276940"/>
-          </a:xfrm>
-          <a:prstGeom prst="rect">
-            <a:avLst/>
-          </a:prstGeom>
-        </p:spPr>
-      </p:pic>
-      <p:sp>
-        <p:nvSpPr>
-          <p:cNvPr id="9" name="Rectangle 8"/>
-          <p:cNvSpPr/>
-          <p:nvPr/>
-        </p:nvSpPr>
-        <p:spPr>
-          <a:xfrm>
-            <a:off x="0" y="2590078"/>
-            <a:ext cx="6726064" cy="1660332"/>
-          </a:xfrm>
-          <a:prstGeom prst="rect">
-            <a:avLst/>
-          </a:prstGeom>
-          <a:solidFill>
-            <a:schemeClr val="bg1">
-              <a:lumMod val="85000"/>
-              <a:lumOff val="15000"/>
-            </a:schemeClr>
-          </a:solidFill>
-          <a:ln>
-            <a:noFill/>
-          </a:ln>
-        </p:spPr>
-        <p:style>
-          <a:lnRef idx="2">
-            <a:schemeClr val="accent1">
-              <a:shade val="50000"/>
-            </a:schemeClr>
-          </a:lnRef>
-          <a:fillRef idx="1">
-            <a:schemeClr val="accent1"/>
-          </a:fillRef>
-          <a:effectRef idx="0">
-            <a:schemeClr val="accent1"/>
-          </a:effectRef>
-          <a:fontRef idx="minor">
-            <a:schemeClr val="lt1"/>
-          </a:fontRef>
-        </p:style>
-      </p:sp>
-      <p:sp>
-        <p:nvSpPr>
-          <p:cNvPr id="10" name="Rectangle 9"/>
-          <p:cNvSpPr/>
-          <p:nvPr/>
-        </p:nvSpPr>
-        <p:spPr>
-          <a:xfrm>
-            <a:off x="6833787" y="2590078"/>
-            <a:ext cx="2307832" cy="1660332"/>
-          </a:xfrm>
-          <a:prstGeom prst="rect">
-            <a:avLst/>
-          </a:prstGeom>
-          <a:solidFill>
-            <a:schemeClr val="accent1"/>
-          </a:solidFill>
-          <a:ln>
-            <a:noFill/>
-          </a:ln>
-        </p:spPr>
-        <p:style>
-          <a:lnRef idx="2">
-            <a:schemeClr val="accent1">
-              <a:shade val="50000"/>
-            </a:schemeClr>
-          </a:lnRef>
-          <a:fillRef idx="1">
-            <a:schemeClr val="accent1"/>
-          </a:fillRef>
-          <a:effectRef idx="0">
-            <a:schemeClr val="accent1"/>
-          </a:effectRef>
-          <a:fontRef idx="minor">
-            <a:schemeClr val="lt1"/>
-          </a:fontRef>
-        </p:style>
-      </p:sp>
-      <p:sp>
-        <p:nvSpPr>
-          <p:cNvPr id="2" name="Title 1"/>
-          <p:cNvSpPr>
-            <a:spLocks noGrp="1"/>
-          </p:cNvSpPr>
-          <p:nvPr>
-            <p:ph type="ctrTitle"/>
-          </p:nvPr>
-        </p:nvSpPr>
-        <p:spPr>
-          <a:xfrm>
-            <a:off x="510242" y="2733709"/>
-            <a:ext cx="6069268" cy="1373070"/>
+            <a:off x="1313259" y="1300786"/>
+            <a:ext cx="6517482" cy="2509213"/>
           </a:xfrm>
         </p:spPr>
         <p:txBody>
           <a:bodyPr anchor="b">
-            <a:noAutofit/>
+            <a:normAutofit/>
           </a:bodyPr>
           <a:lstStyle>
-            <a:lvl1pPr algn="r">
+            <a:lvl1pPr algn="ctr">
               <a:defRPr sz="4800"/>
             </a:lvl1pPr>
           </a:lstStyle>
@@ -773,8 +664,8 @@
         </p:nvSpPr>
         <p:spPr>
           <a:xfrm>
-            <a:off x="510241" y="4394040"/>
-            <a:ext cx="6108101" cy="1117687"/>
+            <a:off x="1313259" y="3886201"/>
+            <a:ext cx="6517482" cy="1371599"/>
           </a:xfrm>
         </p:spPr>
         <p:txBody>
@@ -782,9 +673,15 @@
             <a:normAutofit/>
           </a:bodyPr>
           <a:lstStyle>
-            <a:lvl1pPr marL="0" indent="0" algn="r">
-              <a:buNone/>
-              <a:defRPr sz="2000"/>
+            <a:lvl1pPr marL="0" indent="0" algn="ctr">
+              <a:buNone/>
+              <a:defRPr sz="2200">
+                <a:solidFill>
+                  <a:schemeClr val="bg1">
+                    <a:lumMod val="50000"/>
+                  </a:schemeClr>
+                </a:solidFill>
+              </a:defRPr>
             </a:lvl1pPr>
             <a:lvl2pPr marL="457200" indent="0" algn="ctr">
               <a:buNone/>
@@ -838,12 +735,7 @@
             <p:ph type="dt" sz="half" idx="10"/>
           </p:nvPr>
         </p:nvSpPr>
-        <p:spPr>
-          <a:xfrm>
-            <a:off x="4555655" y="5936188"/>
-            <a:ext cx="2057400" cy="365125"/>
-          </a:xfrm>
-        </p:spPr>
+        <p:spPr/>
         <p:txBody>
           <a:bodyPr/>
           <a:lstStyle/>
@@ -866,12 +758,7 @@
             <p:ph type="ftr" sz="quarter" idx="11"/>
           </p:nvPr>
         </p:nvSpPr>
-        <p:spPr>
-          <a:xfrm>
-            <a:off x="533401" y="5936189"/>
-            <a:ext cx="4021666" cy="365125"/>
-          </a:xfrm>
-        </p:spPr>
+        <p:spPr/>
         <p:txBody>
           <a:bodyPr/>
           <a:lstStyle/>
@@ -890,12 +777,7 @@
             <p:ph type="sldNum" sz="quarter" idx="12"/>
           </p:nvPr>
         </p:nvSpPr>
-        <p:spPr>
-          <a:xfrm>
-            <a:off x="7010399" y="2750337"/>
-            <a:ext cx="1370293" cy="1356442"/>
-          </a:xfrm>
-        </p:spPr>
+        <p:spPr/>
         <p:txBody>
           <a:bodyPr/>
           <a:lstStyle/>
@@ -912,7 +794,7 @@
     </p:spTree>
     <p:extLst>
       <p:ext uri="{BB962C8B-B14F-4D97-AF65-F5344CB8AC3E}">
-        <p14:creationId xmlns:p14="http://schemas.microsoft.com/office/powerpoint/2010/main" val="242543296"/>
+        <p14:creationId xmlns:p14="http://schemas.microsoft.com/office/powerpoint/2010/main" val="1348416802"/>
       </p:ext>
     </p:extLst>
   </p:cSld>
@@ -944,181 +826,57 @@
           <a:chExt cx="0" cy="0"/>
         </a:xfrm>
       </p:grpSpPr>
-      <p:grpSp>
-        <p:nvGrpSpPr>
-          <p:cNvPr id="20" name="Group 19"/>
-          <p:cNvGrpSpPr/>
+      <p:pic>
+        <p:nvPicPr>
+          <p:cNvPr id="9" name="Picture 8" descr="Droplets-SD-Content-R1d.png"/>
+          <p:cNvPicPr>
+            <a:picLocks noChangeAspect="1"/>
+          </p:cNvPicPr>
           <p:nvPr/>
-        </p:nvGrpSpPr>
-        <p:grpSpPr>
-          <a:xfrm>
-            <a:off x="0" y="4572000"/>
-            <a:ext cx="9161969" cy="1677035"/>
-            <a:chOff x="0" y="2895600"/>
-            <a:chExt cx="9161969" cy="1677035"/>
-          </a:xfrm>
-        </p:grpSpPr>
-        <p:pic>
-          <p:nvPicPr>
-            <p:cNvPr id="24" name="Picture 23" descr="HD-ShadowLong.png"/>
-            <p:cNvPicPr>
-              <a:picLocks noChangeAspect="1"/>
-            </p:cNvPicPr>
-            <p:nvPr/>
-          </p:nvPicPr>
-          <p:blipFill rotWithShape="1">
-            <a:blip r:embed="rId2">
-              <a:extLst>
-                <a:ext uri="{28A0092B-C50C-407E-A947-70E740481C1C}">
-                  <a14:useLocalDpi xmlns:a14="http://schemas.microsoft.com/office/drawing/2010/main" val="0"/>
-                </a:ext>
-              </a:extLst>
-            </a:blip>
-            <a:srcRect l="26982" r="-217"/>
-            <a:stretch/>
-          </p:blipFill>
-          <p:spPr>
-            <a:xfrm>
-              <a:off x="0" y="4251471"/>
-              <a:ext cx="7644384" cy="321164"/>
-            </a:xfrm>
-            <a:prstGeom prst="rect">
-              <a:avLst/>
-            </a:prstGeom>
-          </p:spPr>
-        </p:pic>
-        <p:pic>
-          <p:nvPicPr>
-            <p:cNvPr id="25" name="Picture 24" descr="HD-ShadowShort.png"/>
-            <p:cNvPicPr>
-              <a:picLocks noChangeAspect="1"/>
-            </p:cNvPicPr>
-            <p:nvPr/>
-          </p:nvPicPr>
-          <p:blipFill rotWithShape="1">
-            <a:blip r:embed="rId3">
-              <a:extLst>
-                <a:ext uri="{28A0092B-C50C-407E-A947-70E740481C1C}">
-                  <a14:useLocalDpi xmlns:a14="http://schemas.microsoft.com/office/drawing/2010/main" val="0"/>
-                </a:ext>
-              </a:extLst>
-            </a:blip>
-            <a:srcRect r="9871"/>
-            <a:stretch/>
-          </p:blipFill>
-          <p:spPr>
-            <a:xfrm>
-              <a:off x="7717217" y="4259262"/>
-              <a:ext cx="1444752" cy="144270"/>
-            </a:xfrm>
-            <a:prstGeom prst="rect">
-              <a:avLst/>
-            </a:prstGeom>
-          </p:spPr>
-        </p:pic>
-        <p:sp>
-          <p:nvSpPr>
-            <p:cNvPr id="26" name="Rectangle 25"/>
-            <p:cNvSpPr/>
-            <p:nvPr/>
-          </p:nvSpPr>
-          <p:spPr>
-            <a:xfrm>
-              <a:off x="0" y="2895600"/>
-              <a:ext cx="7567140" cy="1368198"/>
-            </a:xfrm>
-            <a:prstGeom prst="rect">
-              <a:avLst/>
-            </a:prstGeom>
-            <a:solidFill>
-              <a:schemeClr val="bg1">
-                <a:lumMod val="85000"/>
-                <a:lumOff val="15000"/>
-              </a:schemeClr>
-            </a:solidFill>
-            <a:ln>
-              <a:noFill/>
-            </a:ln>
-          </p:spPr>
-          <p:style>
-            <a:lnRef idx="2">
-              <a:schemeClr val="accent1">
-                <a:shade val="50000"/>
-              </a:schemeClr>
-            </a:lnRef>
-            <a:fillRef idx="1">
-              <a:schemeClr val="accent1"/>
-            </a:fillRef>
-            <a:effectRef idx="0">
-              <a:schemeClr val="accent1"/>
-            </a:effectRef>
-            <a:fontRef idx="minor">
-              <a:schemeClr val="lt1"/>
-            </a:fontRef>
-          </p:style>
-        </p:sp>
-        <p:sp>
-          <p:nvSpPr>
-            <p:cNvPr id="27" name="Rectangle 26"/>
-            <p:cNvSpPr/>
-            <p:nvPr/>
-          </p:nvSpPr>
-          <p:spPr>
-            <a:xfrm>
-              <a:off x="7710769" y="2895600"/>
-              <a:ext cx="1433231" cy="1368198"/>
-            </a:xfrm>
-            <a:prstGeom prst="rect">
-              <a:avLst/>
-            </a:prstGeom>
-            <a:solidFill>
-              <a:schemeClr val="accent1"/>
-            </a:solidFill>
-            <a:ln>
-              <a:noFill/>
-            </a:ln>
-          </p:spPr>
-          <p:style>
-            <a:lnRef idx="2">
-              <a:schemeClr val="accent1">
-                <a:shade val="50000"/>
-              </a:schemeClr>
-            </a:lnRef>
-            <a:fillRef idx="1">
-              <a:schemeClr val="accent1"/>
-            </a:fillRef>
-            <a:effectRef idx="0">
-              <a:schemeClr val="accent1"/>
-            </a:effectRef>
-            <a:fontRef idx="minor">
-              <a:schemeClr val="lt1"/>
-            </a:fontRef>
-          </p:style>
-        </p:sp>
-      </p:grpSp>
-      <p:sp>
-        <p:nvSpPr>
-          <p:cNvPr id="2" name="Title 1"/>
-          <p:cNvSpPr>
-            <a:spLocks noGrp="1"/>
-          </p:cNvSpPr>
-          <p:nvPr>
-            <p:ph type="title"/>
-          </p:nvPr>
-        </p:nvSpPr>
+        </p:nvPicPr>
+        <p:blipFill>
+          <a:blip r:embed="rId2">
+            <a:extLst>
+              <a:ext uri="{28A0092B-C50C-407E-A947-70E740481C1C}">
+                <a14:useLocalDpi xmlns:a14="http://schemas.microsoft.com/office/drawing/2010/main" val="0"/>
+              </a:ext>
+            </a:extLst>
+          </a:blip>
+          <a:stretch>
+            <a:fillRect/>
+          </a:stretch>
+        </p:blipFill>
         <p:spPr>
           <a:xfrm>
-            <a:off x="533403" y="4711617"/>
-            <a:ext cx="6894770" cy="544482"/>
+            <a:off x="0" y="0"/>
+            <a:ext cx="9144000" cy="6858000"/>
+          </a:xfrm>
+          <a:prstGeom prst="rect">
+            <a:avLst/>
+          </a:prstGeom>
+        </p:spPr>
+      </p:pic>
+      <p:sp>
+        <p:nvSpPr>
+          <p:cNvPr id="2" name="Title 1"/>
+          <p:cNvSpPr>
+            <a:spLocks noGrp="1"/>
+          </p:cNvSpPr>
+          <p:nvPr>
+            <p:ph type="title"/>
+          </p:nvPr>
+        </p:nvSpPr>
+        <p:spPr>
+          <a:xfrm>
+            <a:off x="685346" y="4289374"/>
+            <a:ext cx="7773324" cy="811610"/>
           </a:xfrm>
         </p:spPr>
         <p:txBody>
-          <a:bodyPr anchor="b">
-            <a:normAutofit/>
-          </a:bodyPr>
+          <a:bodyPr anchor="b"/>
           <a:lstStyle>
             <a:lvl1pPr>
-              <a:defRPr sz="2400"/>
+              <a:defRPr sz="3200"/>
             </a:lvl1pPr>
           </a:lstStyle>
           <a:p>
@@ -1142,25 +900,39 @@
         </p:nvSpPr>
         <p:spPr>
           <a:xfrm>
-            <a:off x="531639" y="609598"/>
-            <a:ext cx="6896534" cy="3589575"/>
+            <a:off x="888558" y="698261"/>
+            <a:ext cx="7366899" cy="3214136"/>
           </a:xfrm>
+          <a:prstGeom prst="roundRect">
+            <a:avLst>
+              <a:gd name="adj" fmla="val 4944"/>
+            </a:avLst>
+          </a:prstGeom>
           <a:noFill/>
-          <a:ln>
-            <a:noFill/>
+          <a:ln w="82550" cap="sq">
+            <a:solidFill>
+              <a:srgbClr val="EAEAEA"/>
+            </a:solidFill>
+            <a:miter lim="800000"/>
           </a:ln>
-          <a:effectLst>
-            <a:outerShdw blurRad="76200" dist="63500" dir="5040000" algn="tl" rotWithShape="0">
-              <a:srgbClr val="000000">
-                <a:alpha val="41000"/>
-              </a:srgbClr>
-            </a:outerShdw>
-          </a:effectLst>
+          <a:effectLst/>
+          <a:scene3d>
+            <a:camera prst="orthographicFront"/>
+            <a:lightRig rig="threePt" dir="t">
+              <a:rot lat="0" lon="0" rev="2700000"/>
+            </a:lightRig>
+          </a:scene3d>
+          <a:sp3d contourW="6350">
+            <a:bevelT h="38100"/>
+            <a:contourClr>
+              <a:srgbClr val="C0C0C0"/>
+            </a:contourClr>
+          </a:sp3d>
         </p:spPr>
         <p:txBody>
           <a:bodyPr anchor="t"/>
           <a:lstStyle>
-            <a:lvl1pPr marL="0" indent="0">
+            <a:lvl1pPr marL="0" indent="0" algn="ctr">
               <a:buNone/>
               <a:defRPr sz="3200"/>
             </a:lvl1pPr>
@@ -1218,14 +990,14 @@
         </p:nvSpPr>
         <p:spPr>
           <a:xfrm>
-            <a:off x="533401" y="5256098"/>
-            <a:ext cx="6894772" cy="547819"/>
+            <a:off x="685331" y="5108728"/>
+            <a:ext cx="7773339" cy="682472"/>
           </a:xfrm>
         </p:spPr>
         <p:txBody>
           <a:bodyPr/>
           <a:lstStyle>
-            <a:lvl1pPr marL="0" indent="0">
+            <a:lvl1pPr marL="0" indent="0" algn="ctr">
               <a:buNone/>
               <a:defRPr sz="1600"/>
             </a:lvl1pPr>
@@ -1323,12 +1095,7 @@
             <p:ph type="sldNum" sz="quarter" idx="12"/>
           </p:nvPr>
         </p:nvSpPr>
-        <p:spPr>
-          <a:xfrm>
-            <a:off x="7856438" y="4711310"/>
-            <a:ext cx="1149836" cy="1090789"/>
-          </a:xfrm>
-        </p:spPr>
+        <p:spPr/>
         <p:txBody>
           <a:bodyPr/>
           <a:lstStyle/>
@@ -1345,7 +1112,7 @@
     </p:spTree>
     <p:extLst>
       <p:ext uri="{BB962C8B-B14F-4D97-AF65-F5344CB8AC3E}">
-        <p14:creationId xmlns:p14="http://schemas.microsoft.com/office/powerpoint/2010/main" val="499430725"/>
+        <p14:creationId xmlns:p14="http://schemas.microsoft.com/office/powerpoint/2010/main" val="361418757"/>
       </p:ext>
     </p:extLst>
   </p:cSld>
@@ -1373,178 +1140,56 @@
           <a:chExt cx="0" cy="0"/>
         </a:xfrm>
       </p:grpSpPr>
-      <p:grpSp>
-        <p:nvGrpSpPr>
-          <p:cNvPr id="21" name="Group 20"/>
-          <p:cNvGrpSpPr/>
+      <p:pic>
+        <p:nvPicPr>
+          <p:cNvPr id="9" name="Picture 8" descr="Droplets-SD-Content-R1d.png"/>
+          <p:cNvPicPr>
+            <a:picLocks noChangeAspect="1"/>
+          </p:cNvPicPr>
           <p:nvPr/>
-        </p:nvGrpSpPr>
-        <p:grpSpPr>
-          <a:xfrm>
-            <a:off x="0" y="4572000"/>
-            <a:ext cx="9161969" cy="1677035"/>
-            <a:chOff x="0" y="2895600"/>
-            <a:chExt cx="9161969" cy="1677035"/>
-          </a:xfrm>
-        </p:grpSpPr>
-        <p:pic>
-          <p:nvPicPr>
-            <p:cNvPr id="22" name="Picture 21" descr="HD-ShadowLong.png"/>
-            <p:cNvPicPr>
-              <a:picLocks noChangeAspect="1"/>
-            </p:cNvPicPr>
-            <p:nvPr/>
-          </p:nvPicPr>
-          <p:blipFill rotWithShape="1">
-            <a:blip r:embed="rId2">
-              <a:extLst>
-                <a:ext uri="{28A0092B-C50C-407E-A947-70E740481C1C}">
-                  <a14:useLocalDpi xmlns:a14="http://schemas.microsoft.com/office/drawing/2010/main" val="0"/>
-                </a:ext>
-              </a:extLst>
-            </a:blip>
-            <a:srcRect l="26982" r="-217"/>
-            <a:stretch/>
-          </p:blipFill>
-          <p:spPr>
-            <a:xfrm>
-              <a:off x="0" y="4251471"/>
-              <a:ext cx="7644384" cy="321164"/>
-            </a:xfrm>
-            <a:prstGeom prst="rect">
-              <a:avLst/>
-            </a:prstGeom>
-          </p:spPr>
-        </p:pic>
-        <p:pic>
-          <p:nvPicPr>
-            <p:cNvPr id="23" name="Picture 22" descr="HD-ShadowShort.png"/>
-            <p:cNvPicPr>
-              <a:picLocks noChangeAspect="1"/>
-            </p:cNvPicPr>
-            <p:nvPr/>
-          </p:nvPicPr>
-          <p:blipFill rotWithShape="1">
-            <a:blip r:embed="rId3">
-              <a:extLst>
-                <a:ext uri="{28A0092B-C50C-407E-A947-70E740481C1C}">
-                  <a14:useLocalDpi xmlns:a14="http://schemas.microsoft.com/office/drawing/2010/main" val="0"/>
-                </a:ext>
-              </a:extLst>
-            </a:blip>
-            <a:srcRect r="9871"/>
-            <a:stretch/>
-          </p:blipFill>
-          <p:spPr>
-            <a:xfrm>
-              <a:off x="7717217" y="4259262"/>
-              <a:ext cx="1444752" cy="144270"/>
-            </a:xfrm>
-            <a:prstGeom prst="rect">
-              <a:avLst/>
-            </a:prstGeom>
-          </p:spPr>
-        </p:pic>
-        <p:sp>
-          <p:nvSpPr>
-            <p:cNvPr id="24" name="Rectangle 23"/>
-            <p:cNvSpPr/>
-            <p:nvPr/>
-          </p:nvSpPr>
-          <p:spPr>
-            <a:xfrm>
-              <a:off x="0" y="2895600"/>
-              <a:ext cx="7567140" cy="1368198"/>
-            </a:xfrm>
-            <a:prstGeom prst="rect">
-              <a:avLst/>
-            </a:prstGeom>
-            <a:solidFill>
-              <a:schemeClr val="bg1">
-                <a:lumMod val="85000"/>
-                <a:lumOff val="15000"/>
-              </a:schemeClr>
-            </a:solidFill>
-            <a:ln>
-              <a:noFill/>
-            </a:ln>
-          </p:spPr>
-          <p:style>
-            <a:lnRef idx="2">
-              <a:schemeClr val="accent1">
-                <a:shade val="50000"/>
-              </a:schemeClr>
-            </a:lnRef>
-            <a:fillRef idx="1">
-              <a:schemeClr val="accent1"/>
-            </a:fillRef>
-            <a:effectRef idx="0">
-              <a:schemeClr val="accent1"/>
-            </a:effectRef>
-            <a:fontRef idx="minor">
-              <a:schemeClr val="lt1"/>
-            </a:fontRef>
-          </p:style>
-        </p:sp>
-        <p:sp>
-          <p:nvSpPr>
-            <p:cNvPr id="25" name="Rectangle 24"/>
-            <p:cNvSpPr/>
-            <p:nvPr/>
-          </p:nvSpPr>
-          <p:spPr>
-            <a:xfrm>
-              <a:off x="7710769" y="2895600"/>
-              <a:ext cx="1433231" cy="1368198"/>
-            </a:xfrm>
-            <a:prstGeom prst="rect">
-              <a:avLst/>
-            </a:prstGeom>
-            <a:solidFill>
-              <a:schemeClr val="accent1"/>
-            </a:solidFill>
-            <a:ln>
-              <a:noFill/>
-            </a:ln>
-          </p:spPr>
-          <p:style>
-            <a:lnRef idx="2">
-              <a:schemeClr val="accent1">
-                <a:shade val="50000"/>
-              </a:schemeClr>
-            </a:lnRef>
-            <a:fillRef idx="1">
-              <a:schemeClr val="accent1"/>
-            </a:fillRef>
-            <a:effectRef idx="0">
-              <a:schemeClr val="accent1"/>
-            </a:effectRef>
-            <a:fontRef idx="minor">
-              <a:schemeClr val="lt1"/>
-            </a:fontRef>
-          </p:style>
-        </p:sp>
-      </p:grpSp>
-      <p:sp>
-        <p:nvSpPr>
-          <p:cNvPr id="2" name="Title 1"/>
-          <p:cNvSpPr>
-            <a:spLocks noGrp="1"/>
-          </p:cNvSpPr>
-          <p:nvPr>
-            <p:ph type="title"/>
-          </p:nvPr>
-        </p:nvSpPr>
+        </p:nvPicPr>
+        <p:blipFill>
+          <a:blip r:embed="rId2">
+            <a:extLst>
+              <a:ext uri="{28A0092B-C50C-407E-A947-70E740481C1C}">
+                <a14:useLocalDpi xmlns:a14="http://schemas.microsoft.com/office/drawing/2010/main" val="0"/>
+              </a:ext>
+            </a:extLst>
+          </a:blip>
+          <a:stretch>
+            <a:fillRect/>
+          </a:stretch>
+        </p:blipFill>
         <p:spPr>
           <a:xfrm>
-            <a:off x="524255" y="609597"/>
-            <a:ext cx="6896534" cy="3592750"/>
+            <a:off x="0" y="0"/>
+            <a:ext cx="9144000" cy="6858000"/>
+          </a:xfrm>
+          <a:prstGeom prst="rect">
+            <a:avLst/>
+          </a:prstGeom>
+        </p:spPr>
+      </p:pic>
+      <p:sp>
+        <p:nvSpPr>
+          <p:cNvPr id="2" name="Title 1"/>
+          <p:cNvSpPr>
+            <a:spLocks noGrp="1"/>
+          </p:cNvSpPr>
+          <p:nvPr>
+            <p:ph type="title"/>
+          </p:nvPr>
+        </p:nvSpPr>
+        <p:spPr>
+          <a:xfrm>
+            <a:off x="685331" y="609600"/>
+            <a:ext cx="7773339" cy="3427245"/>
           </a:xfrm>
         </p:spPr>
         <p:txBody>
           <a:bodyPr anchor="ctr"/>
           <a:lstStyle>
-            <a:lvl1pPr>
+            <a:lvl1pPr algn="ctr">
               <a:defRPr sz="3200"/>
             </a:lvl1pPr>
           </a:lstStyle>
@@ -1569,14 +1214,14 @@
         </p:nvSpPr>
         <p:spPr>
           <a:xfrm>
-            <a:off x="531638" y="4710340"/>
-            <a:ext cx="6889151" cy="1101764"/>
+            <a:off x="685331" y="4204821"/>
+            <a:ext cx="7773339" cy="1586380"/>
           </a:xfrm>
         </p:spPr>
         <p:txBody>
           <a:bodyPr anchor="ctr"/>
           <a:lstStyle>
-            <a:lvl1pPr marL="0" indent="0">
+            <a:lvl1pPr marL="0" indent="0" algn="ctr">
               <a:buNone/>
               <a:defRPr sz="1600"/>
             </a:lvl1pPr>
@@ -1674,12 +1319,7 @@
             <p:ph type="sldNum" sz="quarter" idx="12"/>
           </p:nvPr>
         </p:nvSpPr>
-        <p:spPr>
-          <a:xfrm>
-            <a:off x="7856438" y="4711616"/>
-            <a:ext cx="1149836" cy="1090789"/>
-          </a:xfrm>
-        </p:spPr>
+        <p:spPr/>
         <p:txBody>
           <a:bodyPr/>
           <a:lstStyle/>
@@ -1696,7 +1336,7 @@
     </p:spTree>
     <p:extLst>
       <p:ext uri="{BB962C8B-B14F-4D97-AF65-F5344CB8AC3E}">
-        <p14:creationId xmlns:p14="http://schemas.microsoft.com/office/powerpoint/2010/main" val="1566102599"/>
+        <p14:creationId xmlns:p14="http://schemas.microsoft.com/office/powerpoint/2010/main" val="1281295183"/>
       </p:ext>
     </p:extLst>
   </p:cSld>
@@ -1724,172 +1364,50 @@
           <a:chExt cx="0" cy="0"/>
         </a:xfrm>
       </p:grpSpPr>
-      <p:grpSp>
-        <p:nvGrpSpPr>
-          <p:cNvPr id="29" name="Group 28"/>
-          <p:cNvGrpSpPr/>
+      <p:pic>
+        <p:nvPicPr>
+          <p:cNvPr id="13" name="Picture 12" descr="Droplets-SD-Content-R1d.png"/>
+          <p:cNvPicPr>
+            <a:picLocks noChangeAspect="1"/>
+          </p:cNvPicPr>
           <p:nvPr/>
-        </p:nvGrpSpPr>
-        <p:grpSpPr>
-          <a:xfrm>
-            <a:off x="0" y="4572000"/>
-            <a:ext cx="9161969" cy="1677035"/>
-            <a:chOff x="0" y="2895600"/>
-            <a:chExt cx="9161969" cy="1677035"/>
-          </a:xfrm>
-        </p:grpSpPr>
-        <p:pic>
-          <p:nvPicPr>
-            <p:cNvPr id="30" name="Picture 29" descr="HD-ShadowLong.png"/>
-            <p:cNvPicPr>
-              <a:picLocks noChangeAspect="1"/>
-            </p:cNvPicPr>
-            <p:nvPr/>
-          </p:nvPicPr>
-          <p:blipFill rotWithShape="1">
-            <a:blip r:embed="rId2">
-              <a:extLst>
-                <a:ext uri="{28A0092B-C50C-407E-A947-70E740481C1C}">
-                  <a14:useLocalDpi xmlns:a14="http://schemas.microsoft.com/office/drawing/2010/main" val="0"/>
-                </a:ext>
-              </a:extLst>
-            </a:blip>
-            <a:srcRect l="26982" r="-217"/>
-            <a:stretch/>
-          </p:blipFill>
-          <p:spPr>
-            <a:xfrm>
-              <a:off x="0" y="4251471"/>
-              <a:ext cx="7644384" cy="321164"/>
-            </a:xfrm>
-            <a:prstGeom prst="rect">
-              <a:avLst/>
-            </a:prstGeom>
-          </p:spPr>
-        </p:pic>
-        <p:pic>
-          <p:nvPicPr>
-            <p:cNvPr id="31" name="Picture 30" descr="HD-ShadowShort.png"/>
-            <p:cNvPicPr>
-              <a:picLocks noChangeAspect="1"/>
-            </p:cNvPicPr>
-            <p:nvPr/>
-          </p:nvPicPr>
-          <p:blipFill rotWithShape="1">
-            <a:blip r:embed="rId3">
-              <a:extLst>
-                <a:ext uri="{28A0092B-C50C-407E-A947-70E740481C1C}">
-                  <a14:useLocalDpi xmlns:a14="http://schemas.microsoft.com/office/drawing/2010/main" val="0"/>
-                </a:ext>
-              </a:extLst>
-            </a:blip>
-            <a:srcRect r="9871"/>
-            <a:stretch/>
-          </p:blipFill>
-          <p:spPr>
-            <a:xfrm>
-              <a:off x="7717217" y="4259262"/>
-              <a:ext cx="1444752" cy="144270"/>
-            </a:xfrm>
-            <a:prstGeom prst="rect">
-              <a:avLst/>
-            </a:prstGeom>
-          </p:spPr>
-        </p:pic>
-        <p:sp>
-          <p:nvSpPr>
-            <p:cNvPr id="32" name="Rectangle 31"/>
-            <p:cNvSpPr/>
-            <p:nvPr/>
-          </p:nvSpPr>
-          <p:spPr>
-            <a:xfrm>
-              <a:off x="0" y="2895600"/>
-              <a:ext cx="7567140" cy="1368198"/>
-            </a:xfrm>
-            <a:prstGeom prst="rect">
-              <a:avLst/>
-            </a:prstGeom>
-            <a:solidFill>
-              <a:schemeClr val="bg1">
-                <a:lumMod val="85000"/>
-                <a:lumOff val="15000"/>
-              </a:schemeClr>
-            </a:solidFill>
-            <a:ln>
-              <a:noFill/>
-            </a:ln>
-          </p:spPr>
-          <p:style>
-            <a:lnRef idx="2">
-              <a:schemeClr val="accent1">
-                <a:shade val="50000"/>
-              </a:schemeClr>
-            </a:lnRef>
-            <a:fillRef idx="1">
-              <a:schemeClr val="accent1"/>
-            </a:fillRef>
-            <a:effectRef idx="0">
-              <a:schemeClr val="accent1"/>
-            </a:effectRef>
-            <a:fontRef idx="minor">
-              <a:schemeClr val="lt1"/>
-            </a:fontRef>
-          </p:style>
-        </p:sp>
-        <p:sp>
-          <p:nvSpPr>
-            <p:cNvPr id="33" name="Rectangle 32"/>
-            <p:cNvSpPr/>
-            <p:nvPr/>
-          </p:nvSpPr>
-          <p:spPr>
-            <a:xfrm>
-              <a:off x="7710769" y="2895600"/>
-              <a:ext cx="1433231" cy="1368198"/>
-            </a:xfrm>
-            <a:prstGeom prst="rect">
-              <a:avLst/>
-            </a:prstGeom>
-            <a:solidFill>
-              <a:schemeClr val="accent1"/>
-            </a:solidFill>
-            <a:ln>
-              <a:noFill/>
-            </a:ln>
-          </p:spPr>
-          <p:style>
-            <a:lnRef idx="2">
-              <a:schemeClr val="accent1">
-                <a:shade val="50000"/>
-              </a:schemeClr>
-            </a:lnRef>
-            <a:fillRef idx="1">
-              <a:schemeClr val="accent1"/>
-            </a:fillRef>
-            <a:effectRef idx="0">
-              <a:schemeClr val="accent1"/>
-            </a:effectRef>
-            <a:fontRef idx="minor">
-              <a:schemeClr val="lt1"/>
-            </a:fontRef>
-          </p:style>
-        </p:sp>
-      </p:grpSp>
-      <p:sp>
-        <p:nvSpPr>
-          <p:cNvPr id="2" name="Title 1"/>
-          <p:cNvSpPr>
-            <a:spLocks noGrp="1"/>
-          </p:cNvSpPr>
-          <p:nvPr>
-            <p:ph type="title"/>
-          </p:nvPr>
-        </p:nvSpPr>
+        </p:nvPicPr>
+        <p:blipFill>
+          <a:blip r:embed="rId2">
+            <a:extLst>
+              <a:ext uri="{28A0092B-C50C-407E-A947-70E740481C1C}">
+                <a14:useLocalDpi xmlns:a14="http://schemas.microsoft.com/office/drawing/2010/main" val="0"/>
+              </a:ext>
+            </a:extLst>
+          </a:blip>
+          <a:stretch>
+            <a:fillRect/>
+          </a:stretch>
+        </p:blipFill>
         <p:spPr>
           <a:xfrm>
-            <a:off x="767921" y="616983"/>
-            <a:ext cx="6425147" cy="3036061"/>
+            <a:off x="0" y="0"/>
+            <a:ext cx="9144000" cy="6858000"/>
+          </a:xfrm>
+          <a:prstGeom prst="rect">
+            <a:avLst/>
+          </a:prstGeom>
+        </p:spPr>
+      </p:pic>
+      <p:sp>
+        <p:nvSpPr>
+          <p:cNvPr id="2" name="Title 1"/>
+          <p:cNvSpPr>
+            <a:spLocks noGrp="1"/>
+          </p:cNvSpPr>
+          <p:nvPr>
+            <p:ph type="title"/>
+          </p:nvPr>
+        </p:nvSpPr>
+        <p:spPr>
+          <a:xfrm>
+            <a:off x="1084659" y="872588"/>
+            <a:ext cx="6977064" cy="2729915"/>
           </a:xfrm>
         </p:spPr>
         <p:txBody>
@@ -1920,8 +1438,8 @@
         </p:nvSpPr>
         <p:spPr>
           <a:xfrm>
-            <a:off x="989438" y="3660763"/>
-            <a:ext cx="5987731" cy="548968"/>
+            <a:off x="1290484" y="3610032"/>
+            <a:ext cx="6564224" cy="594788"/>
           </a:xfrm>
         </p:spPr>
         <p:txBody>
@@ -1987,8 +1505,8 @@
         </p:nvSpPr>
         <p:spPr>
           <a:xfrm>
-            <a:off x="531638" y="4710340"/>
-            <a:ext cx="6903919" cy="1101764"/>
+            <a:off x="685331" y="4372797"/>
+            <a:ext cx="7773339" cy="1421053"/>
           </a:xfrm>
         </p:spPr>
         <p:txBody>
@@ -1996,7 +1514,7 @@
             <a:normAutofit/>
           </a:bodyPr>
           <a:lstStyle>
-            <a:lvl1pPr marL="0" indent="0">
+            <a:lvl1pPr marL="0" indent="0" algn="ctr">
               <a:buNone/>
               <a:defRPr sz="1600"/>
             </a:lvl1pPr>
@@ -2094,12 +1612,7 @@
             <p:ph type="sldNum" sz="quarter" idx="12"/>
           </p:nvPr>
         </p:nvSpPr>
-        <p:spPr>
-          <a:xfrm>
-            <a:off x="7856438" y="4709926"/>
-            <a:ext cx="1149836" cy="1090789"/>
-          </a:xfrm>
-        </p:spPr>
+        <p:spPr/>
         <p:txBody>
           <a:bodyPr/>
           <a:lstStyle/>
@@ -2115,14 +1628,14 @@
       </p:sp>
       <p:sp>
         <p:nvSpPr>
-          <p:cNvPr id="27" name="TextBox 26"/>
+          <p:cNvPr id="11" name="TextBox 10"/>
           <p:cNvSpPr txBox="1"/>
           <p:nvPr/>
         </p:nvSpPr>
         <p:spPr>
           <a:xfrm>
-            <a:off x="270932" y="748116"/>
-            <a:ext cx="533400" cy="584776"/>
+            <a:off x="737626" y="887859"/>
+            <a:ext cx="546888" cy="584776"/>
           </a:xfrm>
           <a:prstGeom prst="rect">
             <a:avLst/>
@@ -2218,7 +1731,7 @@
           <a:p>
             <a:pPr lvl="0"/>
             <a:r>
-              <a:rPr lang="en-US" sz="7200" dirty="0">
+              <a:rPr lang="en-US" sz="8000" dirty="0">
                 <a:solidFill>
                   <a:schemeClr val="tx1"/>
                 </a:solidFill>
@@ -2231,14 +1744,14 @@
       </p:sp>
       <p:sp>
         <p:nvSpPr>
-          <p:cNvPr id="28" name="TextBox 27"/>
+          <p:cNvPr id="14" name="TextBox 13"/>
           <p:cNvSpPr txBox="1"/>
           <p:nvPr/>
         </p:nvSpPr>
         <p:spPr>
           <a:xfrm>
-            <a:off x="6967191" y="2998573"/>
-            <a:ext cx="457200" cy="584777"/>
+            <a:off x="7850130" y="3120015"/>
+            <a:ext cx="553641" cy="584776"/>
           </a:xfrm>
           <a:prstGeom prst="rect">
             <a:avLst/>
@@ -2334,7 +1847,7 @@
           <a:p>
             <a:pPr lvl="0" algn="r"/>
             <a:r>
-              <a:rPr lang="en-US" sz="7200" dirty="0">
+              <a:rPr lang="en-US" sz="8000" dirty="0">
                 <a:solidFill>
                   <a:schemeClr val="tx1"/>
                 </a:solidFill>
@@ -2348,7 +1861,7 @@
     </p:spTree>
     <p:extLst>
       <p:ext uri="{BB962C8B-B14F-4D97-AF65-F5344CB8AC3E}">
-        <p14:creationId xmlns:p14="http://schemas.microsoft.com/office/powerpoint/2010/main" val="1926803761"/>
+        <p14:creationId xmlns:p14="http://schemas.microsoft.com/office/powerpoint/2010/main" val="1909612212"/>
       </p:ext>
     </p:extLst>
   </p:cSld>
@@ -2376,178 +1889,56 @@
           <a:chExt cx="0" cy="0"/>
         </a:xfrm>
       </p:grpSpPr>
-      <p:grpSp>
-        <p:nvGrpSpPr>
-          <p:cNvPr id="22" name="Group 21"/>
-          <p:cNvGrpSpPr/>
+      <p:pic>
+        <p:nvPicPr>
+          <p:cNvPr id="9" name="Picture 8" descr="Droplets-SD-Content-R1d.png"/>
+          <p:cNvPicPr>
+            <a:picLocks noChangeAspect="1"/>
+          </p:cNvPicPr>
           <p:nvPr/>
-        </p:nvGrpSpPr>
-        <p:grpSpPr>
-          <a:xfrm>
-            <a:off x="0" y="4572000"/>
-            <a:ext cx="9161969" cy="1677035"/>
-            <a:chOff x="0" y="2895600"/>
-            <a:chExt cx="9161969" cy="1677035"/>
-          </a:xfrm>
-        </p:grpSpPr>
-        <p:pic>
-          <p:nvPicPr>
-            <p:cNvPr id="23" name="Picture 22" descr="HD-ShadowLong.png"/>
-            <p:cNvPicPr>
-              <a:picLocks noChangeAspect="1"/>
-            </p:cNvPicPr>
-            <p:nvPr/>
-          </p:nvPicPr>
-          <p:blipFill rotWithShape="1">
-            <a:blip r:embed="rId2">
-              <a:extLst>
-                <a:ext uri="{28A0092B-C50C-407E-A947-70E740481C1C}">
-                  <a14:useLocalDpi xmlns:a14="http://schemas.microsoft.com/office/drawing/2010/main" val="0"/>
-                </a:ext>
-              </a:extLst>
-            </a:blip>
-            <a:srcRect l="26982" r="-217"/>
-            <a:stretch/>
-          </p:blipFill>
-          <p:spPr>
-            <a:xfrm>
-              <a:off x="0" y="4251471"/>
-              <a:ext cx="7644384" cy="321164"/>
-            </a:xfrm>
-            <a:prstGeom prst="rect">
-              <a:avLst/>
-            </a:prstGeom>
-          </p:spPr>
-        </p:pic>
-        <p:pic>
-          <p:nvPicPr>
-            <p:cNvPr id="24" name="Picture 23" descr="HD-ShadowShort.png"/>
-            <p:cNvPicPr>
-              <a:picLocks noChangeAspect="1"/>
-            </p:cNvPicPr>
-            <p:nvPr/>
-          </p:nvPicPr>
-          <p:blipFill rotWithShape="1">
-            <a:blip r:embed="rId3">
-              <a:extLst>
-                <a:ext uri="{28A0092B-C50C-407E-A947-70E740481C1C}">
-                  <a14:useLocalDpi xmlns:a14="http://schemas.microsoft.com/office/drawing/2010/main" val="0"/>
-                </a:ext>
-              </a:extLst>
-            </a:blip>
-            <a:srcRect r="9871"/>
-            <a:stretch/>
-          </p:blipFill>
-          <p:spPr>
-            <a:xfrm>
-              <a:off x="7717217" y="4259262"/>
-              <a:ext cx="1444752" cy="144270"/>
-            </a:xfrm>
-            <a:prstGeom prst="rect">
-              <a:avLst/>
-            </a:prstGeom>
-          </p:spPr>
-        </p:pic>
-        <p:sp>
-          <p:nvSpPr>
-            <p:cNvPr id="25" name="Rectangle 24"/>
-            <p:cNvSpPr/>
-            <p:nvPr/>
-          </p:nvSpPr>
-          <p:spPr>
-            <a:xfrm>
-              <a:off x="0" y="2895600"/>
-              <a:ext cx="7567140" cy="1368198"/>
-            </a:xfrm>
-            <a:prstGeom prst="rect">
-              <a:avLst/>
-            </a:prstGeom>
-            <a:solidFill>
-              <a:schemeClr val="bg1">
-                <a:lumMod val="85000"/>
-                <a:lumOff val="15000"/>
-              </a:schemeClr>
-            </a:solidFill>
-            <a:ln>
-              <a:noFill/>
-            </a:ln>
-          </p:spPr>
-          <p:style>
-            <a:lnRef idx="2">
-              <a:schemeClr val="accent1">
-                <a:shade val="50000"/>
-              </a:schemeClr>
-            </a:lnRef>
-            <a:fillRef idx="1">
-              <a:schemeClr val="accent1"/>
-            </a:fillRef>
-            <a:effectRef idx="0">
-              <a:schemeClr val="accent1"/>
-            </a:effectRef>
-            <a:fontRef idx="minor">
-              <a:schemeClr val="lt1"/>
-            </a:fontRef>
-          </p:style>
-        </p:sp>
-        <p:sp>
-          <p:nvSpPr>
-            <p:cNvPr id="26" name="Rectangle 25"/>
-            <p:cNvSpPr/>
-            <p:nvPr/>
-          </p:nvSpPr>
-          <p:spPr>
-            <a:xfrm>
-              <a:off x="7710769" y="2895600"/>
-              <a:ext cx="1433231" cy="1368198"/>
-            </a:xfrm>
-            <a:prstGeom prst="rect">
-              <a:avLst/>
-            </a:prstGeom>
-            <a:solidFill>
-              <a:schemeClr val="accent1"/>
-            </a:solidFill>
-            <a:ln>
-              <a:noFill/>
-            </a:ln>
-          </p:spPr>
-          <p:style>
-            <a:lnRef idx="2">
-              <a:schemeClr val="accent1">
-                <a:shade val="50000"/>
-              </a:schemeClr>
-            </a:lnRef>
-            <a:fillRef idx="1">
-              <a:schemeClr val="accent1"/>
-            </a:fillRef>
-            <a:effectRef idx="0">
-              <a:schemeClr val="accent1"/>
-            </a:effectRef>
-            <a:fontRef idx="minor">
-              <a:schemeClr val="lt1"/>
-            </a:fontRef>
-          </p:style>
-        </p:sp>
-      </p:grpSp>
-      <p:sp>
-        <p:nvSpPr>
-          <p:cNvPr id="2" name="Title 1"/>
-          <p:cNvSpPr>
-            <a:spLocks noGrp="1"/>
-          </p:cNvSpPr>
-          <p:nvPr>
-            <p:ph type="title"/>
-          </p:nvPr>
-        </p:nvSpPr>
+        </p:nvPicPr>
+        <p:blipFill>
+          <a:blip r:embed="rId2">
+            <a:extLst>
+              <a:ext uri="{28A0092B-C50C-407E-A947-70E740481C1C}">
+                <a14:useLocalDpi xmlns:a14="http://schemas.microsoft.com/office/drawing/2010/main" val="0"/>
+              </a:ext>
+            </a:extLst>
+          </a:blip>
+          <a:stretch>
+            <a:fillRect/>
+          </a:stretch>
+        </p:blipFill>
         <p:spPr>
           <a:xfrm>
-            <a:off x="531638" y="4710340"/>
-            <a:ext cx="6896534" cy="589812"/>
+            <a:off x="0" y="0"/>
+            <a:ext cx="9144000" cy="6858000"/>
+          </a:xfrm>
+          <a:prstGeom prst="rect">
+            <a:avLst/>
+          </a:prstGeom>
+        </p:spPr>
+      </p:pic>
+      <p:sp>
+        <p:nvSpPr>
+          <p:cNvPr id="2" name="Title 1"/>
+          <p:cNvSpPr>
+            <a:spLocks noGrp="1"/>
+          </p:cNvSpPr>
+          <p:nvPr>
+            <p:ph type="title"/>
+          </p:nvPr>
+        </p:nvSpPr>
+        <p:spPr>
+          <a:xfrm>
+            <a:off x="685331" y="2138722"/>
+            <a:ext cx="7773339" cy="2511835"/>
           </a:xfrm>
         </p:spPr>
         <p:txBody>
           <a:bodyPr anchor="b"/>
           <a:lstStyle>
-            <a:lvl1pPr>
+            <a:lvl1pPr algn="ctr">
               <a:defRPr sz="3200"/>
             </a:lvl1pPr>
           </a:lstStyle>
@@ -2572,14 +1963,14 @@
         </p:nvSpPr>
         <p:spPr>
           <a:xfrm>
-            <a:off x="531639" y="5300150"/>
-            <a:ext cx="6896534" cy="511954"/>
+            <a:off x="685331" y="4662335"/>
+            <a:ext cx="7773339" cy="1140644"/>
           </a:xfrm>
         </p:spPr>
         <p:txBody>
           <a:bodyPr anchor="t"/>
           <a:lstStyle>
-            <a:lvl1pPr marL="0" indent="0">
+            <a:lvl1pPr marL="0" indent="0" algn="ctr">
               <a:buNone/>
               <a:defRPr sz="1600"/>
             </a:lvl1pPr>
@@ -2677,12 +2068,7 @@
             <p:ph type="sldNum" sz="quarter" idx="12"/>
           </p:nvPr>
         </p:nvSpPr>
-        <p:spPr>
-          <a:xfrm>
-            <a:off x="7856438" y="4709926"/>
-            <a:ext cx="1149836" cy="1090789"/>
-          </a:xfrm>
-        </p:spPr>
+        <p:spPr/>
         <p:txBody>
           <a:bodyPr/>
           <a:lstStyle/>
@@ -2699,7 +2085,7 @@
     </p:spTree>
     <p:extLst>
       <p:ext uri="{BB962C8B-B14F-4D97-AF65-F5344CB8AC3E}">
-        <p14:creationId xmlns:p14="http://schemas.microsoft.com/office/powerpoint/2010/main" val="1884898014"/>
+        <p14:creationId xmlns:p14="http://schemas.microsoft.com/office/powerpoint/2010/main" val="709342669"/>
       </p:ext>
     </p:extLst>
   </p:cSld>
@@ -2727,172 +2113,50 @@
           <a:chExt cx="0" cy="0"/>
         </a:xfrm>
       </p:grpSpPr>
-      <p:grpSp>
-        <p:nvGrpSpPr>
-          <p:cNvPr id="23" name="Group 22"/>
-          <p:cNvGrpSpPr/>
+      <p:pic>
+        <p:nvPicPr>
+          <p:cNvPr id="14" name="Picture 13" descr="Droplets-SD-Content-R1d.png"/>
+          <p:cNvPicPr>
+            <a:picLocks noChangeAspect="1"/>
+          </p:cNvPicPr>
           <p:nvPr/>
-        </p:nvGrpSpPr>
-        <p:grpSpPr>
-          <a:xfrm>
-            <a:off x="0" y="609600"/>
-            <a:ext cx="9161969" cy="1677035"/>
-            <a:chOff x="0" y="2895600"/>
-            <a:chExt cx="9161969" cy="1677035"/>
-          </a:xfrm>
-        </p:grpSpPr>
-        <p:pic>
-          <p:nvPicPr>
-            <p:cNvPr id="24" name="Picture 23" descr="HD-ShadowLong.png"/>
-            <p:cNvPicPr>
-              <a:picLocks noChangeAspect="1"/>
-            </p:cNvPicPr>
-            <p:nvPr/>
-          </p:nvPicPr>
-          <p:blipFill rotWithShape="1">
-            <a:blip r:embed="rId2">
-              <a:extLst>
-                <a:ext uri="{28A0092B-C50C-407E-A947-70E740481C1C}">
-                  <a14:useLocalDpi xmlns:a14="http://schemas.microsoft.com/office/drawing/2010/main" val="0"/>
-                </a:ext>
-              </a:extLst>
-            </a:blip>
-            <a:srcRect l="26982" r="-217"/>
-            <a:stretch/>
-          </p:blipFill>
-          <p:spPr>
-            <a:xfrm>
-              <a:off x="0" y="4251471"/>
-              <a:ext cx="7644384" cy="321164"/>
-            </a:xfrm>
-            <a:prstGeom prst="rect">
-              <a:avLst/>
-            </a:prstGeom>
-          </p:spPr>
-        </p:pic>
-        <p:pic>
-          <p:nvPicPr>
-            <p:cNvPr id="25" name="Picture 24" descr="HD-ShadowShort.png"/>
-            <p:cNvPicPr>
-              <a:picLocks noChangeAspect="1"/>
-            </p:cNvPicPr>
-            <p:nvPr/>
-          </p:nvPicPr>
-          <p:blipFill rotWithShape="1">
-            <a:blip r:embed="rId3">
-              <a:extLst>
-                <a:ext uri="{28A0092B-C50C-407E-A947-70E740481C1C}">
-                  <a14:useLocalDpi xmlns:a14="http://schemas.microsoft.com/office/drawing/2010/main" val="0"/>
-                </a:ext>
-              </a:extLst>
-            </a:blip>
-            <a:srcRect r="9871"/>
-            <a:stretch/>
-          </p:blipFill>
-          <p:spPr>
-            <a:xfrm>
-              <a:off x="7717217" y="4259262"/>
-              <a:ext cx="1444752" cy="144270"/>
-            </a:xfrm>
-            <a:prstGeom prst="rect">
-              <a:avLst/>
-            </a:prstGeom>
-          </p:spPr>
-        </p:pic>
-        <p:sp>
-          <p:nvSpPr>
-            <p:cNvPr id="26" name="Rectangle 25"/>
-            <p:cNvSpPr/>
-            <p:nvPr/>
-          </p:nvSpPr>
-          <p:spPr>
-            <a:xfrm>
-              <a:off x="0" y="2895600"/>
-              <a:ext cx="7567140" cy="1368198"/>
-            </a:xfrm>
-            <a:prstGeom prst="rect">
-              <a:avLst/>
-            </a:prstGeom>
-            <a:solidFill>
-              <a:schemeClr val="bg1">
-                <a:lumMod val="85000"/>
-                <a:lumOff val="15000"/>
-              </a:schemeClr>
-            </a:solidFill>
-            <a:ln>
-              <a:noFill/>
-            </a:ln>
-          </p:spPr>
-          <p:style>
-            <a:lnRef idx="2">
-              <a:schemeClr val="accent1">
-                <a:shade val="50000"/>
-              </a:schemeClr>
-            </a:lnRef>
-            <a:fillRef idx="1">
-              <a:schemeClr val="accent1"/>
-            </a:fillRef>
-            <a:effectRef idx="0">
-              <a:schemeClr val="accent1"/>
-            </a:effectRef>
-            <a:fontRef idx="minor">
-              <a:schemeClr val="lt1"/>
-            </a:fontRef>
-          </p:style>
-        </p:sp>
-        <p:sp>
-          <p:nvSpPr>
-            <p:cNvPr id="27" name="Rectangle 26"/>
-            <p:cNvSpPr/>
-            <p:nvPr/>
-          </p:nvSpPr>
-          <p:spPr>
-            <a:xfrm>
-              <a:off x="7710769" y="2895600"/>
-              <a:ext cx="1433231" cy="1368198"/>
-            </a:xfrm>
-            <a:prstGeom prst="rect">
-              <a:avLst/>
-            </a:prstGeom>
-            <a:solidFill>
-              <a:schemeClr val="accent1"/>
-            </a:solidFill>
-            <a:ln>
-              <a:noFill/>
-            </a:ln>
-          </p:spPr>
-          <p:style>
-            <a:lnRef idx="2">
-              <a:schemeClr val="accent1">
-                <a:shade val="50000"/>
-              </a:schemeClr>
-            </a:lnRef>
-            <a:fillRef idx="1">
-              <a:schemeClr val="accent1"/>
-            </a:fillRef>
-            <a:effectRef idx="0">
-              <a:schemeClr val="accent1"/>
-            </a:effectRef>
-            <a:fontRef idx="minor">
-              <a:schemeClr val="lt1"/>
-            </a:fontRef>
-          </p:style>
-        </p:sp>
-      </p:grpSp>
-      <p:sp>
-        <p:nvSpPr>
-          <p:cNvPr id="15" name="Title 1"/>
-          <p:cNvSpPr>
-            <a:spLocks noGrp="1"/>
-          </p:cNvSpPr>
-          <p:nvPr>
-            <p:ph type="title"/>
-          </p:nvPr>
-        </p:nvSpPr>
+        </p:nvPicPr>
+        <p:blipFill>
+          <a:blip r:embed="rId2">
+            <a:extLst>
+              <a:ext uri="{28A0092B-C50C-407E-A947-70E740481C1C}">
+                <a14:useLocalDpi xmlns:a14="http://schemas.microsoft.com/office/drawing/2010/main" val="0"/>
+              </a:ext>
+            </a:extLst>
+          </a:blip>
+          <a:stretch>
+            <a:fillRect/>
+          </a:stretch>
+        </p:blipFill>
         <p:spPr>
           <a:xfrm>
-            <a:off x="531639" y="753228"/>
-            <a:ext cx="6896534" cy="1080938"/>
+            <a:off x="0" y="0"/>
+            <a:ext cx="9144000" cy="6858000"/>
+          </a:xfrm>
+          <a:prstGeom prst="rect">
+            <a:avLst/>
+          </a:prstGeom>
+        </p:spPr>
+      </p:pic>
+      <p:sp>
+        <p:nvSpPr>
+          <p:cNvPr id="15" name="Title 1"/>
+          <p:cNvSpPr>
+            <a:spLocks noGrp="1"/>
+          </p:cNvSpPr>
+          <p:nvPr>
+            <p:ph type="title"/>
+          </p:nvPr>
+        </p:nvSpPr>
+        <p:spPr>
+          <a:xfrm>
+            <a:off x="685331" y="609600"/>
+            <a:ext cx="7773339" cy="1605094"/>
           </a:xfrm>
         </p:spPr>
         <p:txBody>
@@ -2919,8 +2183,8 @@
         </p:nvSpPr>
         <p:spPr>
           <a:xfrm>
-            <a:off x="532629" y="2329489"/>
-            <a:ext cx="2194560" cy="576262"/>
+            <a:off x="685331" y="2367093"/>
+            <a:ext cx="2474232" cy="576262"/>
           </a:xfrm>
         </p:spPr>
         <p:txBody>
@@ -2928,7 +2192,10 @@
             <a:noAutofit/>
           </a:bodyPr>
           <a:lstStyle>
-            <a:lvl1pPr marL="0" indent="0">
+            <a:lvl1pPr marL="0" indent="0" algn="ctr">
+              <a:lnSpc>
+                <a:spcPct val="75000"/>
+              </a:lnSpc>
               <a:buNone/>
               <a:defRPr sz="2400" b="0">
                 <a:solidFill>
@@ -2990,8 +2257,8 @@
         </p:nvSpPr>
         <p:spPr>
           <a:xfrm>
-            <a:off x="539777" y="3015290"/>
-            <a:ext cx="2194560" cy="2913513"/>
+            <a:off x="685331" y="2943356"/>
+            <a:ext cx="2474232" cy="2847845"/>
           </a:xfrm>
         </p:spPr>
         <p:txBody>
@@ -2999,7 +2266,7 @@
             <a:normAutofit/>
           </a:bodyPr>
           <a:lstStyle>
-            <a:lvl1pPr marL="0" indent="0">
+            <a:lvl1pPr marL="0" indent="0" algn="ctr">
               <a:buNone/>
               <a:defRPr sz="1400"/>
             </a:lvl1pPr>
@@ -3057,8 +2324,8 @@
         </p:nvSpPr>
         <p:spPr>
           <a:xfrm>
-            <a:off x="2878413" y="2336873"/>
-            <a:ext cx="2194560" cy="576262"/>
+            <a:off x="3339292" y="2367093"/>
+            <a:ext cx="2468641" cy="576262"/>
           </a:xfrm>
         </p:spPr>
         <p:txBody>
@@ -3066,7 +2333,10 @@
             <a:noAutofit/>
           </a:bodyPr>
           <a:lstStyle>
-            <a:lvl1pPr marL="0" indent="0">
+            <a:lvl1pPr marL="0" indent="0" algn="ctr">
+              <a:lnSpc>
+                <a:spcPct val="75000"/>
+              </a:lnSpc>
               <a:buNone/>
               <a:defRPr sz="2400" b="0">
                 <a:solidFill>
@@ -3128,8 +2398,8 @@
         </p:nvSpPr>
         <p:spPr>
           <a:xfrm>
-            <a:off x="2879710" y="3007906"/>
-            <a:ext cx="2194560" cy="2913513"/>
+            <a:off x="3331012" y="2943356"/>
+            <a:ext cx="2477513" cy="2847845"/>
           </a:xfrm>
         </p:spPr>
         <p:txBody>
@@ -3137,7 +2407,7 @@
             <a:normAutofit/>
           </a:bodyPr>
           <a:lstStyle>
-            <a:lvl1pPr marL="0" indent="0">
+            <a:lvl1pPr marL="0" indent="0" algn="ctr">
               <a:buNone/>
               <a:defRPr sz="1400"/>
             </a:lvl1pPr>
@@ -3195,8 +2465,8 @@
         </p:nvSpPr>
         <p:spPr>
           <a:xfrm>
-            <a:off x="5226136" y="2336873"/>
-            <a:ext cx="2194560" cy="576262"/>
+            <a:off x="5979974" y="2367093"/>
+            <a:ext cx="2478696" cy="576262"/>
           </a:xfrm>
         </p:spPr>
         <p:txBody>
@@ -3204,7 +2474,10 @@
             <a:noAutofit/>
           </a:bodyPr>
           <a:lstStyle>
-            <a:lvl1pPr marL="0" indent="0">
+            <a:lvl1pPr marL="0" indent="0" algn="ctr">
+              <a:lnSpc>
+                <a:spcPct val="75000"/>
+              </a:lnSpc>
               <a:buNone/>
               <a:defRPr sz="2400" b="0">
                 <a:solidFill>
@@ -3266,8 +2539,8 @@
         </p:nvSpPr>
         <p:spPr>
           <a:xfrm>
-            <a:off x="5233520" y="3007905"/>
-            <a:ext cx="2194560" cy="2913513"/>
+            <a:off x="5979974" y="2943356"/>
+            <a:ext cx="2478696" cy="2847845"/>
           </a:xfrm>
         </p:spPr>
         <p:txBody>
@@ -3275,7 +2548,7 @@
             <a:normAutofit/>
           </a:bodyPr>
           <a:lstStyle>
-            <a:lvl1pPr marL="0" indent="0">
+            <a:lvl1pPr marL="0" indent="0" algn="ctr">
               <a:buNone/>
               <a:defRPr sz="1400"/>
             </a:lvl1pPr>
@@ -3390,7 +2663,7 @@
     </p:spTree>
     <p:extLst>
       <p:ext uri="{BB962C8B-B14F-4D97-AF65-F5344CB8AC3E}">
-        <p14:creationId xmlns:p14="http://schemas.microsoft.com/office/powerpoint/2010/main" val="1949644401"/>
+        <p14:creationId xmlns:p14="http://schemas.microsoft.com/office/powerpoint/2010/main" val="1240513386"/>
       </p:ext>
     </p:extLst>
   </p:cSld>
@@ -3418,172 +2691,50 @@
           <a:chExt cx="0" cy="0"/>
         </a:xfrm>
       </p:grpSpPr>
-      <p:grpSp>
-        <p:nvGrpSpPr>
-          <p:cNvPr id="34" name="Group 33"/>
-          <p:cNvGrpSpPr/>
+      <p:pic>
+        <p:nvPicPr>
+          <p:cNvPr id="17" name="Picture 16" descr="Droplets-SD-Content-R1d.png"/>
+          <p:cNvPicPr>
+            <a:picLocks noChangeAspect="1"/>
+          </p:cNvPicPr>
           <p:nvPr/>
-        </p:nvGrpSpPr>
-        <p:grpSpPr>
-          <a:xfrm>
-            <a:off x="0" y="609600"/>
-            <a:ext cx="9161969" cy="1677035"/>
-            <a:chOff x="0" y="2895600"/>
-            <a:chExt cx="9161969" cy="1677035"/>
-          </a:xfrm>
-        </p:grpSpPr>
-        <p:pic>
-          <p:nvPicPr>
-            <p:cNvPr id="35" name="Picture 34" descr="HD-ShadowLong.png"/>
-            <p:cNvPicPr>
-              <a:picLocks noChangeAspect="1"/>
-            </p:cNvPicPr>
-            <p:nvPr/>
-          </p:nvPicPr>
-          <p:blipFill rotWithShape="1">
-            <a:blip r:embed="rId2">
-              <a:extLst>
-                <a:ext uri="{28A0092B-C50C-407E-A947-70E740481C1C}">
-                  <a14:useLocalDpi xmlns:a14="http://schemas.microsoft.com/office/drawing/2010/main" val="0"/>
-                </a:ext>
-              </a:extLst>
-            </a:blip>
-            <a:srcRect l="26982" r="-217"/>
-            <a:stretch/>
-          </p:blipFill>
-          <p:spPr>
-            <a:xfrm>
-              <a:off x="0" y="4251471"/>
-              <a:ext cx="7644384" cy="321164"/>
-            </a:xfrm>
-            <a:prstGeom prst="rect">
-              <a:avLst/>
-            </a:prstGeom>
-          </p:spPr>
-        </p:pic>
-        <p:pic>
-          <p:nvPicPr>
-            <p:cNvPr id="36" name="Picture 35" descr="HD-ShadowShort.png"/>
-            <p:cNvPicPr>
-              <a:picLocks noChangeAspect="1"/>
-            </p:cNvPicPr>
-            <p:nvPr/>
-          </p:nvPicPr>
-          <p:blipFill rotWithShape="1">
-            <a:blip r:embed="rId3">
-              <a:extLst>
-                <a:ext uri="{28A0092B-C50C-407E-A947-70E740481C1C}">
-                  <a14:useLocalDpi xmlns:a14="http://schemas.microsoft.com/office/drawing/2010/main" val="0"/>
-                </a:ext>
-              </a:extLst>
-            </a:blip>
-            <a:srcRect r="9871"/>
-            <a:stretch/>
-          </p:blipFill>
-          <p:spPr>
-            <a:xfrm>
-              <a:off x="7717217" y="4259262"/>
-              <a:ext cx="1444752" cy="144270"/>
-            </a:xfrm>
-            <a:prstGeom prst="rect">
-              <a:avLst/>
-            </a:prstGeom>
-          </p:spPr>
-        </p:pic>
-        <p:sp>
-          <p:nvSpPr>
-            <p:cNvPr id="37" name="Rectangle 36"/>
-            <p:cNvSpPr/>
-            <p:nvPr/>
-          </p:nvSpPr>
-          <p:spPr>
-            <a:xfrm>
-              <a:off x="0" y="2895600"/>
-              <a:ext cx="7567140" cy="1368198"/>
-            </a:xfrm>
-            <a:prstGeom prst="rect">
-              <a:avLst/>
-            </a:prstGeom>
-            <a:solidFill>
-              <a:schemeClr val="bg1">
-                <a:lumMod val="85000"/>
-                <a:lumOff val="15000"/>
-              </a:schemeClr>
-            </a:solidFill>
-            <a:ln>
-              <a:noFill/>
-            </a:ln>
-          </p:spPr>
-          <p:style>
-            <a:lnRef idx="2">
-              <a:schemeClr val="accent1">
-                <a:shade val="50000"/>
-              </a:schemeClr>
-            </a:lnRef>
-            <a:fillRef idx="1">
-              <a:schemeClr val="accent1"/>
-            </a:fillRef>
-            <a:effectRef idx="0">
-              <a:schemeClr val="accent1"/>
-            </a:effectRef>
-            <a:fontRef idx="minor">
-              <a:schemeClr val="lt1"/>
-            </a:fontRef>
-          </p:style>
-        </p:sp>
-        <p:sp>
-          <p:nvSpPr>
-            <p:cNvPr id="38" name="Rectangle 37"/>
-            <p:cNvSpPr/>
-            <p:nvPr/>
-          </p:nvSpPr>
-          <p:spPr>
-            <a:xfrm>
-              <a:off x="7710769" y="2895600"/>
-              <a:ext cx="1433231" cy="1368198"/>
-            </a:xfrm>
-            <a:prstGeom prst="rect">
-              <a:avLst/>
-            </a:prstGeom>
-            <a:solidFill>
-              <a:schemeClr val="accent1"/>
-            </a:solidFill>
-            <a:ln>
-              <a:noFill/>
-            </a:ln>
-          </p:spPr>
-          <p:style>
-            <a:lnRef idx="2">
-              <a:schemeClr val="accent1">
-                <a:shade val="50000"/>
-              </a:schemeClr>
-            </a:lnRef>
-            <a:fillRef idx="1">
-              <a:schemeClr val="accent1"/>
-            </a:fillRef>
-            <a:effectRef idx="0">
-              <a:schemeClr val="accent1"/>
-            </a:effectRef>
-            <a:fontRef idx="minor">
-              <a:schemeClr val="lt1"/>
-            </a:fontRef>
-          </p:style>
-        </p:sp>
-      </p:grpSp>
-      <p:sp>
-        <p:nvSpPr>
-          <p:cNvPr id="30" name="Title 1"/>
-          <p:cNvSpPr>
-            <a:spLocks noGrp="1"/>
-          </p:cNvSpPr>
-          <p:nvPr>
-            <p:ph type="title"/>
-          </p:nvPr>
-        </p:nvSpPr>
+        </p:nvPicPr>
+        <p:blipFill>
+          <a:blip r:embed="rId2">
+            <a:extLst>
+              <a:ext uri="{28A0092B-C50C-407E-A947-70E740481C1C}">
+                <a14:useLocalDpi xmlns:a14="http://schemas.microsoft.com/office/drawing/2010/main" val="0"/>
+              </a:ext>
+            </a:extLst>
+          </a:blip>
+          <a:stretch>
+            <a:fillRect/>
+          </a:stretch>
+        </p:blipFill>
         <p:spPr>
           <a:xfrm>
-            <a:off x="531639" y="753228"/>
-            <a:ext cx="6896534" cy="1080938"/>
+            <a:off x="0" y="0"/>
+            <a:ext cx="9144000" cy="6858000"/>
+          </a:xfrm>
+          <a:prstGeom prst="rect">
+            <a:avLst/>
+          </a:prstGeom>
+        </p:spPr>
+      </p:pic>
+      <p:sp>
+        <p:nvSpPr>
+          <p:cNvPr id="30" name="Title 1"/>
+          <p:cNvSpPr>
+            <a:spLocks noGrp="1"/>
+          </p:cNvSpPr>
+          <p:nvPr>
+            <p:ph type="title"/>
+          </p:nvPr>
+        </p:nvSpPr>
+        <p:spPr>
+          <a:xfrm>
+            <a:off x="685331" y="610772"/>
+            <a:ext cx="7773339" cy="1603922"/>
           </a:xfrm>
         </p:spPr>
         <p:txBody>
@@ -3610,8 +2761,8 @@
         </p:nvSpPr>
         <p:spPr>
           <a:xfrm>
-            <a:off x="532391" y="4297503"/>
-            <a:ext cx="2192257" cy="576262"/>
+            <a:off x="685331" y="4204820"/>
+            <a:ext cx="2472307" cy="576262"/>
           </a:xfrm>
         </p:spPr>
         <p:txBody>
@@ -3619,9 +2770,12 @@
             <a:noAutofit/>
           </a:bodyPr>
           <a:lstStyle>
-            <a:lvl1pPr marL="0" indent="0">
-              <a:buNone/>
-              <a:defRPr sz="2400" b="0">
+            <a:lvl1pPr marL="0" indent="0" algn="ctr">
+              <a:lnSpc>
+                <a:spcPct val="75000"/>
+              </a:lnSpc>
+              <a:buNone/>
+              <a:defRPr sz="2200" b="0">
                 <a:solidFill>
                   <a:schemeClr val="tx1"/>
                 </a:solidFill>
@@ -3681,21 +2835,34 @@
         </p:nvSpPr>
         <p:spPr>
           <a:xfrm>
-            <a:off x="532391" y="2336873"/>
-            <a:ext cx="2192257" cy="1524000"/>
+            <a:off x="685331" y="2367093"/>
+            <a:ext cx="2472307" cy="1524000"/>
           </a:xfrm>
           <a:prstGeom prst="roundRect">
             <a:avLst>
-              <a:gd name="adj" fmla="val 0"/>
+              <a:gd name="adj" fmla="val 9363"/>
             </a:avLst>
           </a:prstGeom>
-          <a:effectLst>
-            <a:outerShdw blurRad="50800" dist="50800" dir="5400000" algn="tl" rotWithShape="0">
-              <a:srgbClr val="000000">
-                <a:alpha val="43000"/>
-              </a:srgbClr>
-            </a:outerShdw>
-          </a:effectLst>
+          <a:noFill/>
+          <a:ln w="82550" cap="sq">
+            <a:solidFill>
+              <a:srgbClr val="EAEAEA"/>
+            </a:solidFill>
+            <a:miter lim="800000"/>
+          </a:ln>
+          <a:effectLst/>
+          <a:scene3d>
+            <a:camera prst="orthographicFront"/>
+            <a:lightRig rig="threePt" dir="t">
+              <a:rot lat="0" lon="0" rev="2700000"/>
+            </a:lightRig>
+          </a:scene3d>
+          <a:sp3d contourW="6350">
+            <a:bevelT h="38100"/>
+            <a:contourClr>
+              <a:srgbClr val="C0C0C0"/>
+            </a:contourClr>
+          </a:sp3d>
         </p:spPr>
         <p:txBody>
           <a:bodyPr anchor="t">
@@ -3760,8 +2927,8 @@
         </p:nvSpPr>
         <p:spPr>
           <a:xfrm>
-            <a:off x="532391" y="4873765"/>
-            <a:ext cx="2192257" cy="1062422"/>
+            <a:off x="685331" y="4781082"/>
+            <a:ext cx="2472307" cy="1010118"/>
           </a:xfrm>
         </p:spPr>
         <p:txBody>
@@ -3769,7 +2936,7 @@
             <a:normAutofit/>
           </a:bodyPr>
           <a:lstStyle>
-            <a:lvl1pPr marL="0" indent="0">
+            <a:lvl1pPr marL="0" indent="0" algn="ctr">
               <a:buNone/>
               <a:defRPr sz="1400"/>
             </a:lvl1pPr>
@@ -3827,8 +2994,8 @@
         </p:nvSpPr>
         <p:spPr>
           <a:xfrm>
-            <a:off x="2870497" y="4297503"/>
-            <a:ext cx="2215070" cy="576262"/>
+            <a:off x="3332069" y="4204820"/>
+            <a:ext cx="2476371" cy="576262"/>
           </a:xfrm>
         </p:spPr>
         <p:txBody>
@@ -3836,9 +3003,12 @@
             <a:noAutofit/>
           </a:bodyPr>
           <a:lstStyle>
-            <a:lvl1pPr marL="0" indent="0">
-              <a:buNone/>
-              <a:defRPr sz="2400" b="0">
+            <a:lvl1pPr marL="0" indent="0" algn="ctr">
+              <a:lnSpc>
+                <a:spcPct val="75000"/>
+              </a:lnSpc>
+              <a:buNone/>
+              <a:defRPr sz="2200" b="0">
                 <a:solidFill>
                   <a:schemeClr val="tx1"/>
                 </a:solidFill>
@@ -3898,21 +3068,34 @@
         </p:nvSpPr>
         <p:spPr>
           <a:xfrm>
-            <a:off x="2870497" y="2336873"/>
-            <a:ext cx="2215070" cy="1524000"/>
+            <a:off x="3331011" y="2367093"/>
+            <a:ext cx="2477514" cy="1524000"/>
           </a:xfrm>
           <a:prstGeom prst="roundRect">
             <a:avLst>
-              <a:gd name="adj" fmla="val 0"/>
+              <a:gd name="adj" fmla="val 8841"/>
             </a:avLst>
           </a:prstGeom>
-          <a:effectLst>
-            <a:outerShdw blurRad="50800" dist="50800" dir="5400000" algn="tl" rotWithShape="0">
-              <a:srgbClr val="000000">
-                <a:alpha val="43000"/>
-              </a:srgbClr>
-            </a:outerShdw>
-          </a:effectLst>
+          <a:noFill/>
+          <a:ln w="82550" cap="sq">
+            <a:solidFill>
+              <a:srgbClr val="EAEAEA"/>
+            </a:solidFill>
+            <a:miter lim="800000"/>
+          </a:ln>
+          <a:effectLst/>
+          <a:scene3d>
+            <a:camera prst="orthographicFront"/>
+            <a:lightRig rig="threePt" dir="t">
+              <a:rot lat="0" lon="0" rev="2700000"/>
+            </a:lightRig>
+          </a:scene3d>
+          <a:sp3d contourW="6350">
+            <a:bevelT h="38100"/>
+            <a:contourClr>
+              <a:srgbClr val="C0C0C0"/>
+            </a:contourClr>
+          </a:sp3d>
         </p:spPr>
         <p:txBody>
           <a:bodyPr anchor="t">
@@ -3977,8 +3160,8 @@
         </p:nvSpPr>
         <p:spPr>
           <a:xfrm>
-            <a:off x="2869483" y="4873764"/>
-            <a:ext cx="2218004" cy="1062422"/>
+            <a:off x="3331011" y="4781081"/>
+            <a:ext cx="2477514" cy="1010119"/>
           </a:xfrm>
         </p:spPr>
         <p:txBody>
@@ -3986,7 +3169,7 @@
             <a:normAutofit/>
           </a:bodyPr>
           <a:lstStyle>
-            <a:lvl1pPr marL="0" indent="0">
+            <a:lvl1pPr marL="0" indent="0" algn="ctr">
               <a:buNone/>
               <a:defRPr sz="1400"/>
             </a:lvl1pPr>
@@ -4044,8 +3227,8 @@
         </p:nvSpPr>
         <p:spPr>
           <a:xfrm>
-            <a:off x="5231028" y="4297503"/>
-            <a:ext cx="2194333" cy="576262"/>
+            <a:off x="5979974" y="4204820"/>
+            <a:ext cx="2475511" cy="576262"/>
           </a:xfrm>
         </p:spPr>
         <p:txBody>
@@ -4053,9 +3236,12 @@
             <a:noAutofit/>
           </a:bodyPr>
           <a:lstStyle>
-            <a:lvl1pPr marL="0" indent="0">
-              <a:buNone/>
-              <a:defRPr sz="2400" b="0">
+            <a:lvl1pPr marL="0" indent="0" algn="ctr">
+              <a:lnSpc>
+                <a:spcPct val="75000"/>
+              </a:lnSpc>
+              <a:buNone/>
+              <a:defRPr sz="2200" b="0">
                 <a:solidFill>
                   <a:schemeClr val="tx1"/>
                 </a:solidFill>
@@ -4115,21 +3301,34 @@
         </p:nvSpPr>
         <p:spPr>
           <a:xfrm>
-            <a:off x="5231027" y="2336873"/>
-            <a:ext cx="2194333" cy="1524000"/>
+            <a:off x="5979974" y="2367093"/>
+            <a:ext cx="2478696" cy="1524000"/>
           </a:xfrm>
           <a:prstGeom prst="roundRect">
             <a:avLst>
-              <a:gd name="adj" fmla="val 0"/>
+              <a:gd name="adj" fmla="val 8841"/>
             </a:avLst>
           </a:prstGeom>
-          <a:effectLst>
-            <a:outerShdw blurRad="50800" dist="50800" dir="5400000" algn="tl" rotWithShape="0">
-              <a:srgbClr val="000000">
-                <a:alpha val="43000"/>
-              </a:srgbClr>
-            </a:outerShdw>
-          </a:effectLst>
+          <a:noFill/>
+          <a:ln w="82550" cap="sq">
+            <a:solidFill>
+              <a:srgbClr val="EAEAEA"/>
+            </a:solidFill>
+            <a:miter lim="800000"/>
+          </a:ln>
+          <a:effectLst/>
+          <a:scene3d>
+            <a:camera prst="orthographicFront"/>
+            <a:lightRig rig="threePt" dir="t">
+              <a:rot lat="0" lon="0" rev="2700000"/>
+            </a:lightRig>
+          </a:scene3d>
+          <a:sp3d contourW="6350">
+            <a:bevelT h="38100"/>
+            <a:contourClr>
+              <a:srgbClr val="C0C0C0"/>
+            </a:contourClr>
+          </a:sp3d>
         </p:spPr>
         <p:txBody>
           <a:bodyPr anchor="t">
@@ -4194,8 +3393,8 @@
         </p:nvSpPr>
         <p:spPr>
           <a:xfrm>
-            <a:off x="5230934" y="4873762"/>
-            <a:ext cx="2197239" cy="1062422"/>
+            <a:off x="5979880" y="4781079"/>
+            <a:ext cx="2478790" cy="1010121"/>
           </a:xfrm>
         </p:spPr>
         <p:txBody>
@@ -4203,7 +3402,7 @@
             <a:normAutofit/>
           </a:bodyPr>
           <a:lstStyle>
-            <a:lvl1pPr marL="0" indent="0">
+            <a:lvl1pPr marL="0" indent="0" algn="ctr">
               <a:buNone/>
               <a:defRPr sz="1400"/>
             </a:lvl1pPr>
@@ -4318,7 +3517,7 @@
     </p:spTree>
     <p:extLst>
       <p:ext uri="{BB962C8B-B14F-4D97-AF65-F5344CB8AC3E}">
-        <p14:creationId xmlns:p14="http://schemas.microsoft.com/office/powerpoint/2010/main" val="1367961681"/>
+        <p14:creationId xmlns:p14="http://schemas.microsoft.com/office/powerpoint/2010/main" val="1537233426"/>
       </p:ext>
     </p:extLst>
   </p:cSld>
@@ -4346,201 +3545,75 @@
           <a:chExt cx="0" cy="0"/>
         </a:xfrm>
       </p:grpSpPr>
-      <p:grpSp>
-        <p:nvGrpSpPr>
-          <p:cNvPr id="16" name="Group 15"/>
-          <p:cNvGrpSpPr/>
+      <p:pic>
+        <p:nvPicPr>
+          <p:cNvPr id="9" name="Picture 8" descr="Droplets-SD-Content-R1d.png"/>
+          <p:cNvPicPr>
+            <a:picLocks noChangeAspect="1"/>
+          </p:cNvPicPr>
           <p:nvPr/>
-        </p:nvGrpSpPr>
-        <p:grpSpPr>
-          <a:xfrm>
-            <a:off x="0" y="609600"/>
-            <a:ext cx="9161969" cy="1677035"/>
-            <a:chOff x="0" y="2895600"/>
-            <a:chExt cx="9161969" cy="1677035"/>
-          </a:xfrm>
-        </p:grpSpPr>
-        <p:pic>
-          <p:nvPicPr>
-            <p:cNvPr id="17" name="Picture 16" descr="HD-ShadowLong.png"/>
-            <p:cNvPicPr>
-              <a:picLocks noChangeAspect="1"/>
-            </p:cNvPicPr>
-            <p:nvPr/>
-          </p:nvPicPr>
-          <p:blipFill rotWithShape="1">
-            <a:blip r:embed="rId2">
-              <a:extLst>
-                <a:ext uri="{28A0092B-C50C-407E-A947-70E740481C1C}">
-                  <a14:useLocalDpi xmlns:a14="http://schemas.microsoft.com/office/drawing/2010/main" val="0"/>
-                </a:ext>
-              </a:extLst>
-            </a:blip>
-            <a:srcRect l="26982" r="-217"/>
-            <a:stretch/>
-          </p:blipFill>
-          <p:spPr>
-            <a:xfrm>
-              <a:off x="0" y="4251471"/>
-              <a:ext cx="7644384" cy="321164"/>
-            </a:xfrm>
-            <a:prstGeom prst="rect">
-              <a:avLst/>
-            </a:prstGeom>
-          </p:spPr>
-        </p:pic>
-        <p:pic>
-          <p:nvPicPr>
-            <p:cNvPr id="18" name="Picture 17" descr="HD-ShadowShort.png"/>
-            <p:cNvPicPr>
-              <a:picLocks noChangeAspect="1"/>
-            </p:cNvPicPr>
-            <p:nvPr/>
-          </p:nvPicPr>
-          <p:blipFill rotWithShape="1">
-            <a:blip r:embed="rId3">
-              <a:extLst>
-                <a:ext uri="{28A0092B-C50C-407E-A947-70E740481C1C}">
-                  <a14:useLocalDpi xmlns:a14="http://schemas.microsoft.com/office/drawing/2010/main" val="0"/>
-                </a:ext>
-              </a:extLst>
-            </a:blip>
-            <a:srcRect r="9871"/>
-            <a:stretch/>
-          </p:blipFill>
-          <p:spPr>
-            <a:xfrm>
-              <a:off x="7717217" y="4259262"/>
-              <a:ext cx="1444752" cy="144270"/>
-            </a:xfrm>
-            <a:prstGeom prst="rect">
-              <a:avLst/>
-            </a:prstGeom>
-          </p:spPr>
-        </p:pic>
-        <p:sp>
-          <p:nvSpPr>
-            <p:cNvPr id="19" name="Rectangle 18"/>
-            <p:cNvSpPr/>
-            <p:nvPr/>
-          </p:nvSpPr>
-          <p:spPr>
-            <a:xfrm>
-              <a:off x="0" y="2895600"/>
-              <a:ext cx="7567140" cy="1368198"/>
-            </a:xfrm>
-            <a:prstGeom prst="rect">
-              <a:avLst/>
-            </a:prstGeom>
-            <a:solidFill>
-              <a:schemeClr val="bg1">
-                <a:lumMod val="85000"/>
-                <a:lumOff val="15000"/>
-              </a:schemeClr>
-            </a:solidFill>
-            <a:ln>
-              <a:noFill/>
-            </a:ln>
-          </p:spPr>
-          <p:style>
-            <a:lnRef idx="2">
-              <a:schemeClr val="accent1">
-                <a:shade val="50000"/>
-              </a:schemeClr>
-            </a:lnRef>
-            <a:fillRef idx="1">
-              <a:schemeClr val="accent1"/>
-            </a:fillRef>
-            <a:effectRef idx="0">
-              <a:schemeClr val="accent1"/>
-            </a:effectRef>
-            <a:fontRef idx="minor">
-              <a:schemeClr val="lt1"/>
-            </a:fontRef>
-          </p:style>
-        </p:sp>
-        <p:sp>
-          <p:nvSpPr>
-            <p:cNvPr id="20" name="Rectangle 19"/>
-            <p:cNvSpPr/>
-            <p:nvPr/>
-          </p:nvSpPr>
-          <p:spPr>
-            <a:xfrm>
-              <a:off x="7710769" y="2895600"/>
-              <a:ext cx="1433231" cy="1368198"/>
-            </a:xfrm>
-            <a:prstGeom prst="rect">
-              <a:avLst/>
-            </a:prstGeom>
-            <a:solidFill>
-              <a:schemeClr val="accent1"/>
-            </a:solidFill>
-            <a:ln>
-              <a:noFill/>
-            </a:ln>
-          </p:spPr>
-          <p:style>
-            <a:lnRef idx="2">
-              <a:schemeClr val="accent1">
-                <a:shade val="50000"/>
-              </a:schemeClr>
-            </a:lnRef>
-            <a:fillRef idx="1">
-              <a:schemeClr val="accent1"/>
-            </a:fillRef>
-            <a:effectRef idx="0">
-              <a:schemeClr val="accent1"/>
-            </a:effectRef>
-            <a:fontRef idx="minor">
-              <a:schemeClr val="lt1"/>
-            </a:fontRef>
-          </p:style>
-        </p:sp>
-      </p:grpSp>
-      <p:sp>
-        <p:nvSpPr>
-          <p:cNvPr id="2" name="Title 1"/>
-          <p:cNvSpPr>
-            <a:spLocks noGrp="1"/>
-          </p:cNvSpPr>
-          <p:nvPr>
-            <p:ph type="title"/>
-          </p:nvPr>
-        </p:nvSpPr>
+        </p:nvPicPr>
+        <p:blipFill>
+          <a:blip r:embed="rId2">
+            <a:extLst>
+              <a:ext uri="{28A0092B-C50C-407E-A947-70E740481C1C}">
+                <a14:useLocalDpi xmlns:a14="http://schemas.microsoft.com/office/drawing/2010/main" val="0"/>
+              </a:ext>
+            </a:extLst>
+          </a:blip>
+          <a:stretch>
+            <a:fillRect/>
+          </a:stretch>
+        </p:blipFill>
         <p:spPr>
           <a:xfrm>
-            <a:off x="531639" y="753228"/>
-            <a:ext cx="6896534" cy="1080938"/>
+            <a:off x="0" y="0"/>
+            <a:ext cx="9144000" cy="6858000"/>
+          </a:xfrm>
+          <a:prstGeom prst="rect">
+            <a:avLst/>
+          </a:prstGeom>
+        </p:spPr>
+      </p:pic>
+      <p:sp>
+        <p:nvSpPr>
+          <p:cNvPr id="2" name="Title 1"/>
+          <p:cNvSpPr>
+            <a:spLocks noGrp="1"/>
+          </p:cNvSpPr>
+          <p:nvPr>
+            <p:ph type="title"/>
+          </p:nvPr>
+        </p:nvSpPr>
+        <p:spPr/>
+        <p:txBody>
+          <a:bodyPr/>
+          <a:lstStyle/>
+          <a:p>
+            <a:r>
+              <a:rPr lang="en-US" smtClean="0"/>
+              <a:t>Click to edit Master title style</a:t>
+            </a:r>
+            <a:endParaRPr lang="en-US" dirty="0"/>
+          </a:p>
+        </p:txBody>
+      </p:sp>
+      <p:sp>
+        <p:nvSpPr>
+          <p:cNvPr id="11" name="Vertical Text Placeholder 2"/>
+          <p:cNvSpPr>
+            <a:spLocks noGrp="1"/>
+          </p:cNvSpPr>
+          <p:nvPr>
+            <p:ph type="body" orient="vert" sz="quarter" idx="13"/>
+          </p:nvPr>
+        </p:nvSpPr>
+        <p:spPr>
+          <a:xfrm>
+            <a:off x="685331" y="2367094"/>
+            <a:ext cx="7773339" cy="3424107"/>
           </a:xfrm>
         </p:spPr>
-        <p:txBody>
-          <a:bodyPr/>
-          <a:lstStyle>
-            <a:lvl1pPr algn="r">
-              <a:defRPr/>
-            </a:lvl1pPr>
-          </a:lstStyle>
-          <a:p>
-            <a:r>
-              <a:rPr lang="en-US" smtClean="0"/>
-              <a:t>Click to edit Master title style</a:t>
-            </a:r>
-            <a:endParaRPr lang="en-US" dirty="0"/>
-          </a:p>
-        </p:txBody>
-      </p:sp>
-      <p:sp>
-        <p:nvSpPr>
-          <p:cNvPr id="3" name="Vertical Text Placeholder 2"/>
-          <p:cNvSpPr>
-            <a:spLocks noGrp="1"/>
-          </p:cNvSpPr>
-          <p:nvPr>
-            <p:ph type="body" orient="vert" idx="1"/>
-          </p:nvPr>
-        </p:nvSpPr>
-        <p:spPr/>
         <p:txBody>
           <a:bodyPr vert="eaVert"/>
           <a:lstStyle/>
@@ -4650,7 +3723,7 @@
     </p:spTree>
     <p:extLst>
       <p:ext uri="{BB962C8B-B14F-4D97-AF65-F5344CB8AC3E}">
-        <p14:creationId xmlns:p14="http://schemas.microsoft.com/office/powerpoint/2010/main" val="372047785"/>
+        <p14:creationId xmlns:p14="http://schemas.microsoft.com/office/powerpoint/2010/main" val="2053917372"/>
       </p:ext>
     </p:extLst>
   </p:cSld>
@@ -4677,261 +3750,182 @@
           <a:chExt cx="0" cy="0"/>
         </a:xfrm>
       </p:grpSpPr>
-      <p:grpSp>
-        <p:nvGrpSpPr>
-          <p:cNvPr id="14" name="Group 13"/>
-          <p:cNvGrpSpPr/>
+      <p:pic>
+        <p:nvPicPr>
+          <p:cNvPr id="10" name="Picture 9" descr="Droplets-SD-Content-R1d.png"/>
+          <p:cNvPicPr>
+            <a:picLocks noChangeAspect="1"/>
+          </p:cNvPicPr>
           <p:nvPr/>
-        </p:nvGrpSpPr>
-        <p:grpSpPr>
-          <a:xfrm rot="5400000">
-            <a:off x="4575305" y="2747178"/>
-            <a:ext cx="6862555" cy="1368199"/>
-            <a:chOff x="2281445" y="609600"/>
-            <a:chExt cx="6862555" cy="1368199"/>
-          </a:xfrm>
-        </p:grpSpPr>
-        <p:sp>
-          <p:nvSpPr>
-            <p:cNvPr id="12" name="Rectangle 11"/>
-            <p:cNvSpPr/>
-            <p:nvPr/>
-          </p:nvSpPr>
-          <p:spPr>
-            <a:xfrm>
-              <a:off x="2281445" y="609601"/>
-              <a:ext cx="5285695" cy="1368198"/>
-            </a:xfrm>
-            <a:prstGeom prst="rect">
-              <a:avLst/>
-            </a:prstGeom>
-            <a:solidFill>
-              <a:schemeClr val="bg1">
-                <a:lumMod val="85000"/>
-                <a:lumOff val="15000"/>
-              </a:schemeClr>
-            </a:solidFill>
-            <a:ln>
-              <a:noFill/>
-            </a:ln>
-          </p:spPr>
-          <p:style>
-            <a:lnRef idx="2">
-              <a:schemeClr val="accent1">
-                <a:shade val="50000"/>
-              </a:schemeClr>
-            </a:lnRef>
-            <a:fillRef idx="1">
-              <a:schemeClr val="accent1"/>
-            </a:fillRef>
-            <a:effectRef idx="0">
-              <a:schemeClr val="accent1"/>
-            </a:effectRef>
-            <a:fontRef idx="minor">
-              <a:schemeClr val="lt1"/>
-            </a:fontRef>
-          </p:style>
-        </p:sp>
-        <p:sp>
-          <p:nvSpPr>
-            <p:cNvPr id="13" name="Rectangle 12"/>
-            <p:cNvSpPr/>
-            <p:nvPr/>
-          </p:nvSpPr>
-          <p:spPr>
-            <a:xfrm>
-              <a:off x="7710769" y="609600"/>
-              <a:ext cx="1433231" cy="1368198"/>
-            </a:xfrm>
-            <a:prstGeom prst="rect">
-              <a:avLst/>
-            </a:prstGeom>
-            <a:solidFill>
-              <a:schemeClr val="accent1"/>
-            </a:solidFill>
-            <a:ln>
-              <a:noFill/>
-            </a:ln>
-          </p:spPr>
-          <p:style>
-            <a:lnRef idx="2">
-              <a:schemeClr val="accent1">
-                <a:shade val="50000"/>
-              </a:schemeClr>
-            </a:lnRef>
-            <a:fillRef idx="1">
-              <a:schemeClr val="accent1"/>
-            </a:fillRef>
-            <a:effectRef idx="0">
-              <a:schemeClr val="accent1"/>
-            </a:effectRef>
-            <a:fontRef idx="minor">
-              <a:schemeClr val="lt1"/>
-            </a:fontRef>
-          </p:style>
-        </p:sp>
-      </p:grpSp>
-      <p:sp>
-        <p:nvSpPr>
-          <p:cNvPr id="2" name="Vertical Title 1"/>
-          <p:cNvSpPr>
-            <a:spLocks noGrp="1"/>
-          </p:cNvSpPr>
-          <p:nvPr>
-            <p:ph type="title" orient="vert"/>
-          </p:nvPr>
-        </p:nvSpPr>
+        </p:nvPicPr>
+        <p:blipFill>
+          <a:blip r:embed="rId2">
+            <a:extLst>
+              <a:ext uri="{28A0092B-C50C-407E-A947-70E740481C1C}">
+                <a14:useLocalDpi xmlns:a14="http://schemas.microsoft.com/office/drawing/2010/main" val="0"/>
+              </a:ext>
+            </a:extLst>
+          </a:blip>
+          <a:stretch>
+            <a:fillRect/>
+          </a:stretch>
+        </p:blipFill>
         <p:spPr>
           <a:xfrm>
-            <a:off x="7464798" y="609597"/>
-            <a:ext cx="1069602" cy="4461936"/>
+            <a:off x="0" y="0"/>
+            <a:ext cx="9144000" cy="6858000"/>
+          </a:xfrm>
+          <a:prstGeom prst="rect">
+            <a:avLst/>
+          </a:prstGeom>
+        </p:spPr>
+      </p:pic>
+      <p:sp>
+        <p:nvSpPr>
+          <p:cNvPr id="2" name="Vertical Title 1"/>
+          <p:cNvSpPr>
+            <a:spLocks noGrp="1"/>
+          </p:cNvSpPr>
+          <p:nvPr>
+            <p:ph type="title" orient="vert"/>
+          </p:nvPr>
+        </p:nvSpPr>
+        <p:spPr>
+          <a:xfrm>
+            <a:off x="6543675" y="609602"/>
+            <a:ext cx="1914995" cy="5181599"/>
           </a:xfrm>
         </p:spPr>
         <p:txBody>
           <a:bodyPr vert="eaVert"/>
-          <a:lstStyle/>
-          <a:p>
-            <a:r>
-              <a:rPr lang="en-US" smtClean="0"/>
-              <a:t>Click to edit Master title style</a:t>
-            </a:r>
-            <a:endParaRPr lang="en-US" dirty="0"/>
-          </a:p>
-        </p:txBody>
-      </p:sp>
-      <p:sp>
-        <p:nvSpPr>
-          <p:cNvPr id="3" name="Vertical Text Placeholder 2"/>
-          <p:cNvSpPr>
-            <a:spLocks noGrp="1"/>
-          </p:cNvSpPr>
-          <p:nvPr>
-            <p:ph type="body" orient="vert" idx="1"/>
-          </p:nvPr>
-        </p:nvSpPr>
-        <p:spPr>
-          <a:xfrm>
-            <a:off x="510241" y="609598"/>
-            <a:ext cx="6576359" cy="5326589"/>
-          </a:xfrm>
-        </p:spPr>
-        <p:txBody>
-          <a:bodyPr vert="eaVert"/>
-          <a:lstStyle/>
-          <a:p>
-            <a:pPr lvl="0"/>
-            <a:r>
-              <a:rPr lang="en-US" smtClean="0"/>
-              <a:t>Click to edit Master text styles</a:t>
-            </a:r>
-          </a:p>
-          <a:p>
-            <a:pPr lvl="1"/>
-            <a:r>
-              <a:rPr lang="en-US" smtClean="0"/>
-              <a:t>Second level</a:t>
-            </a:r>
-          </a:p>
-          <a:p>
-            <a:pPr lvl="2"/>
-            <a:r>
-              <a:rPr lang="en-US" smtClean="0"/>
-              <a:t>Third level</a:t>
-            </a:r>
-          </a:p>
-          <a:p>
-            <a:pPr lvl="3"/>
-            <a:r>
-              <a:rPr lang="en-US" smtClean="0"/>
-              <a:t>Fourth level</a:t>
-            </a:r>
-          </a:p>
-          <a:p>
-            <a:pPr lvl="4"/>
-            <a:r>
-              <a:rPr lang="en-US" smtClean="0"/>
-              <a:t>Fifth level</a:t>
-            </a:r>
-            <a:endParaRPr lang="en-US" dirty="0"/>
-          </a:p>
-        </p:txBody>
-      </p:sp>
-      <p:sp>
-        <p:nvSpPr>
-          <p:cNvPr id="4" name="Date Placeholder 3"/>
-          <p:cNvSpPr>
-            <a:spLocks noGrp="1"/>
-          </p:cNvSpPr>
-          <p:nvPr>
-            <p:ph type="dt" sz="half" idx="10"/>
-          </p:nvPr>
-        </p:nvSpPr>
-        <p:spPr>
-          <a:xfrm>
-            <a:off x="5029144" y="5936188"/>
-            <a:ext cx="2057400" cy="365125"/>
-          </a:xfrm>
-        </p:spPr>
-        <p:txBody>
-          <a:bodyPr/>
-          <a:lstStyle/>
-          <a:p>
-            <a:fld id="{B4E0BF79-FAC6-4A96-8DE1-F7B82E2E1652}" type="datetimeFigureOut">
-              <a:rPr lang="en-US" smtClean="0"/>
-              <a:t>4/23/16</a:t>
-            </a:fld>
-            <a:endParaRPr lang="en-US" dirty="0"/>
-          </a:p>
-        </p:txBody>
-      </p:sp>
-      <p:sp>
-        <p:nvSpPr>
-          <p:cNvPr id="5" name="Footer Placeholder 4"/>
-          <p:cNvSpPr>
-            <a:spLocks noGrp="1"/>
-          </p:cNvSpPr>
-          <p:nvPr>
-            <p:ph type="ftr" sz="quarter" idx="11"/>
-          </p:nvPr>
-        </p:nvSpPr>
-        <p:spPr>
-          <a:xfrm>
-            <a:off x="510241" y="5936189"/>
-            <a:ext cx="4518959" cy="365125"/>
-          </a:xfrm>
-        </p:spPr>
-        <p:txBody>
-          <a:bodyPr/>
-          <a:lstStyle/>
-          <a:p>
-            <a:endParaRPr lang="en-US" dirty="0"/>
-          </a:p>
-        </p:txBody>
-      </p:sp>
-      <p:sp>
-        <p:nvSpPr>
-          <p:cNvPr id="6" name="Slide Number Placeholder 5"/>
-          <p:cNvSpPr>
-            <a:spLocks noGrp="1"/>
-          </p:cNvSpPr>
-          <p:nvPr>
-            <p:ph type="sldNum" sz="quarter" idx="12"/>
-          </p:nvPr>
-        </p:nvSpPr>
-        <p:spPr>
-          <a:xfrm>
-            <a:off x="7431152" y="5432500"/>
-            <a:ext cx="1149636" cy="1273100"/>
-          </a:xfrm>
-        </p:spPr>
-        <p:txBody>
-          <a:bodyPr anchor="t"/>
           <a:lstStyle>
-            <a:lvl1pPr algn="ctr">
+            <a:lvl1pPr algn="l">
               <a:defRPr/>
             </a:lvl1pPr>
           </a:lstStyle>
           <a:p>
+            <a:r>
+              <a:rPr lang="en-US" smtClean="0"/>
+              <a:t>Click to edit Master title style</a:t>
+            </a:r>
+            <a:endParaRPr lang="en-US" dirty="0"/>
+          </a:p>
+        </p:txBody>
+      </p:sp>
+      <p:sp>
+        <p:nvSpPr>
+          <p:cNvPr id="8" name="Vertical Text Placeholder 2"/>
+          <p:cNvSpPr>
+            <a:spLocks noGrp="1"/>
+          </p:cNvSpPr>
+          <p:nvPr>
+            <p:ph type="body" orient="vert" sz="quarter" idx="13"/>
+          </p:nvPr>
+        </p:nvSpPr>
+        <p:spPr>
+          <a:xfrm>
+            <a:off x="685331" y="609602"/>
+            <a:ext cx="5744043" cy="5181599"/>
+          </a:xfrm>
+        </p:spPr>
+        <p:txBody>
+          <a:bodyPr vert="eaVert"/>
+          <a:lstStyle/>
+          <a:p>
+            <a:pPr lvl="0"/>
+            <a:r>
+              <a:rPr lang="en-US" smtClean="0"/>
+              <a:t>Click to edit Master text styles</a:t>
+            </a:r>
+          </a:p>
+          <a:p>
+            <a:pPr lvl="1"/>
+            <a:r>
+              <a:rPr lang="en-US" smtClean="0"/>
+              <a:t>Second level</a:t>
+            </a:r>
+          </a:p>
+          <a:p>
+            <a:pPr lvl="2"/>
+            <a:r>
+              <a:rPr lang="en-US" smtClean="0"/>
+              <a:t>Third level</a:t>
+            </a:r>
+          </a:p>
+          <a:p>
+            <a:pPr lvl="3"/>
+            <a:r>
+              <a:rPr lang="en-US" smtClean="0"/>
+              <a:t>Fourth level</a:t>
+            </a:r>
+          </a:p>
+          <a:p>
+            <a:pPr lvl="4"/>
+            <a:r>
+              <a:rPr lang="en-US" smtClean="0"/>
+              <a:t>Fifth level</a:t>
+            </a:r>
+            <a:endParaRPr lang="en-US" dirty="0"/>
+          </a:p>
+        </p:txBody>
+      </p:sp>
+      <p:sp>
+        <p:nvSpPr>
+          <p:cNvPr id="4" name="Date Placeholder 3"/>
+          <p:cNvSpPr>
+            <a:spLocks noGrp="1"/>
+          </p:cNvSpPr>
+          <p:nvPr>
+            <p:ph type="dt" sz="half" idx="10"/>
+          </p:nvPr>
+        </p:nvSpPr>
+        <p:spPr/>
+        <p:txBody>
+          <a:bodyPr/>
+          <a:lstStyle/>
+          <a:p>
+            <a:fld id="{B4E0BF79-FAC6-4A96-8DE1-F7B82E2E1652}" type="datetimeFigureOut">
+              <a:rPr lang="en-US" smtClean="0"/>
+              <a:t>4/23/16</a:t>
+            </a:fld>
+            <a:endParaRPr lang="en-US" dirty="0"/>
+          </a:p>
+        </p:txBody>
+      </p:sp>
+      <p:sp>
+        <p:nvSpPr>
+          <p:cNvPr id="5" name="Footer Placeholder 4"/>
+          <p:cNvSpPr>
+            <a:spLocks noGrp="1"/>
+          </p:cNvSpPr>
+          <p:nvPr>
+            <p:ph type="ftr" sz="quarter" idx="11"/>
+          </p:nvPr>
+        </p:nvSpPr>
+        <p:spPr/>
+        <p:txBody>
+          <a:bodyPr/>
+          <a:lstStyle/>
+          <a:p>
+            <a:endParaRPr lang="en-US" dirty="0"/>
+          </a:p>
+        </p:txBody>
+      </p:sp>
+      <p:sp>
+        <p:nvSpPr>
+          <p:cNvPr id="6" name="Slide Number Placeholder 5"/>
+          <p:cNvSpPr>
+            <a:spLocks noGrp="1"/>
+          </p:cNvSpPr>
+          <p:nvPr>
+            <p:ph type="sldNum" sz="quarter" idx="12"/>
+          </p:nvPr>
+        </p:nvSpPr>
+        <p:spPr/>
+        <p:txBody>
+          <a:bodyPr/>
+          <a:lstStyle/>
+          <a:p>
             <a:fld id="{4FAB73BC-B049-4115-A692-8D63A059BFB8}" type="slidenum">
               <a:rPr lang="en-US" smtClean="0"/>
               <a:t>‹#›</a:t>
@@ -4943,7 +3937,7 @@
     </p:spTree>
     <p:extLst>
       <p:ext uri="{BB962C8B-B14F-4D97-AF65-F5344CB8AC3E}">
-        <p14:creationId xmlns:p14="http://schemas.microsoft.com/office/powerpoint/2010/main" val="1682226078"/>
+        <p14:creationId xmlns:p14="http://schemas.microsoft.com/office/powerpoint/2010/main" val="1537129326"/>
       </p:ext>
     </p:extLst>
   </p:cSld>
@@ -4970,158 +3964,36 @@
           <a:chExt cx="0" cy="0"/>
         </a:xfrm>
       </p:grpSpPr>
-      <p:grpSp>
-        <p:nvGrpSpPr>
-          <p:cNvPr id="27" name="Group 26"/>
-          <p:cNvGrpSpPr/>
+      <p:pic>
+        <p:nvPicPr>
+          <p:cNvPr id="7" name="Picture 6" descr="Droplets-SD-Content-R1d.png"/>
+          <p:cNvPicPr>
+            <a:picLocks noChangeAspect="1"/>
+          </p:cNvPicPr>
           <p:nvPr/>
-        </p:nvGrpSpPr>
-        <p:grpSpPr>
+        </p:nvPicPr>
+        <p:blipFill>
+          <a:blip r:embed="rId2">
+            <a:extLst>
+              <a:ext uri="{28A0092B-C50C-407E-A947-70E740481C1C}">
+                <a14:useLocalDpi xmlns:a14="http://schemas.microsoft.com/office/drawing/2010/main" val="0"/>
+              </a:ext>
+            </a:extLst>
+          </a:blip>
+          <a:stretch>
+            <a:fillRect/>
+          </a:stretch>
+        </p:blipFill>
+        <p:spPr>
           <a:xfrm>
-            <a:off x="0" y="609600"/>
-            <a:ext cx="9161969" cy="1677035"/>
-            <a:chOff x="0" y="2895600"/>
-            <a:chExt cx="9161969" cy="1677035"/>
+            <a:off x="0" y="0"/>
+            <a:ext cx="9144000" cy="6858000"/>
           </a:xfrm>
-        </p:grpSpPr>
-        <p:pic>
-          <p:nvPicPr>
-            <p:cNvPr id="28" name="Picture 27" descr="HD-ShadowLong.png"/>
-            <p:cNvPicPr>
-              <a:picLocks noChangeAspect="1"/>
-            </p:cNvPicPr>
-            <p:nvPr/>
-          </p:nvPicPr>
-          <p:blipFill rotWithShape="1">
-            <a:blip r:embed="rId2">
-              <a:extLst>
-                <a:ext uri="{28A0092B-C50C-407E-A947-70E740481C1C}">
-                  <a14:useLocalDpi xmlns:a14="http://schemas.microsoft.com/office/drawing/2010/main" val="0"/>
-                </a:ext>
-              </a:extLst>
-            </a:blip>
-            <a:srcRect l="26982" r="-217"/>
-            <a:stretch/>
-          </p:blipFill>
-          <p:spPr>
-            <a:xfrm>
-              <a:off x="0" y="4251471"/>
-              <a:ext cx="7644384" cy="321164"/>
-            </a:xfrm>
-            <a:prstGeom prst="rect">
-              <a:avLst/>
-            </a:prstGeom>
-          </p:spPr>
-        </p:pic>
-        <p:pic>
-          <p:nvPicPr>
-            <p:cNvPr id="29" name="Picture 28" descr="HD-ShadowShort.png"/>
-            <p:cNvPicPr>
-              <a:picLocks noChangeAspect="1"/>
-            </p:cNvPicPr>
-            <p:nvPr/>
-          </p:nvPicPr>
-          <p:blipFill rotWithShape="1">
-            <a:blip r:embed="rId3">
-              <a:extLst>
-                <a:ext uri="{28A0092B-C50C-407E-A947-70E740481C1C}">
-                  <a14:useLocalDpi xmlns:a14="http://schemas.microsoft.com/office/drawing/2010/main" val="0"/>
-                </a:ext>
-              </a:extLst>
-            </a:blip>
-            <a:srcRect r="9871"/>
-            <a:stretch/>
-          </p:blipFill>
-          <p:spPr>
-            <a:xfrm>
-              <a:off x="7717217" y="4259262"/>
-              <a:ext cx="1444752" cy="144270"/>
-            </a:xfrm>
-            <a:prstGeom prst="rect">
-              <a:avLst/>
-            </a:prstGeom>
-          </p:spPr>
-        </p:pic>
-        <p:sp>
-          <p:nvSpPr>
-            <p:cNvPr id="30" name="Rectangle 29"/>
-            <p:cNvSpPr/>
-            <p:nvPr/>
-          </p:nvSpPr>
-          <p:spPr>
-            <a:xfrm>
-              <a:off x="0" y="2895600"/>
-              <a:ext cx="7567140" cy="1368198"/>
-            </a:xfrm>
-            <a:prstGeom prst="rect">
-              <a:avLst/>
-            </a:prstGeom>
-            <a:solidFill>
-              <a:schemeClr val="bg1">
-                <a:lumMod val="85000"/>
-                <a:lumOff val="15000"/>
-              </a:schemeClr>
-            </a:solidFill>
-            <a:ln>
-              <a:noFill/>
-            </a:ln>
-          </p:spPr>
-          <p:style>
-            <a:lnRef idx="2">
-              <a:schemeClr val="accent1">
-                <a:shade val="50000"/>
-              </a:schemeClr>
-            </a:lnRef>
-            <a:fillRef idx="1">
-              <a:schemeClr val="accent1"/>
-            </a:fillRef>
-            <a:effectRef idx="0">
-              <a:schemeClr val="accent1"/>
-            </a:effectRef>
-            <a:fontRef idx="minor">
-              <a:schemeClr val="lt1"/>
-            </a:fontRef>
-          </p:style>
-        </p:sp>
-        <p:sp>
-          <p:nvSpPr>
-            <p:cNvPr id="31" name="Rectangle 30"/>
-            <p:cNvSpPr/>
-            <p:nvPr/>
-          </p:nvSpPr>
-          <p:spPr>
-            <a:xfrm>
-              <a:off x="7710769" y="2895600"/>
-              <a:ext cx="1433231" cy="1368198"/>
-            </a:xfrm>
-            <a:prstGeom prst="rect">
-              <a:avLst/>
-            </a:prstGeom>
-            <a:solidFill>
-              <a:schemeClr val="accent1"/>
-            </a:solidFill>
-            <a:ln>
-              <a:noFill/>
-            </a:ln>
-          </p:spPr>
-          <p:style>
-            <a:lnRef idx="2">
-              <a:schemeClr val="accent1">
-                <a:shade val="50000"/>
-              </a:schemeClr>
-            </a:lnRef>
-            <a:fillRef idx="1">
-              <a:schemeClr val="accent1"/>
-            </a:fillRef>
-            <a:effectRef idx="0">
-              <a:schemeClr val="accent1"/>
-            </a:effectRef>
-            <a:fontRef idx="minor">
-              <a:schemeClr val="lt1"/>
-            </a:fontRef>
-          </p:style>
-        </p:sp>
-      </p:grpSp>
+          <a:prstGeom prst="rect">
+            <a:avLst/>
+          </a:prstGeom>
+        </p:spPr>
+      </p:pic>
       <p:sp>
         <p:nvSpPr>
           <p:cNvPr id="2" name="Title 1"/>
@@ -5147,15 +4019,20 @@
       </p:sp>
       <p:sp>
         <p:nvSpPr>
-          <p:cNvPr id="3" name="Content Placeholder 2"/>
-          <p:cNvSpPr>
-            <a:spLocks noGrp="1"/>
-          </p:cNvSpPr>
-          <p:nvPr>
-            <p:ph idx="1"/>
-          </p:nvPr>
-        </p:nvSpPr>
-        <p:spPr/>
+          <p:cNvPr id="12" name="Content Placeholder 2"/>
+          <p:cNvSpPr>
+            <a:spLocks noGrp="1"/>
+          </p:cNvSpPr>
+          <p:nvPr>
+            <p:ph sz="quarter" idx="13"/>
+          </p:nvPr>
+        </p:nvSpPr>
+        <p:spPr>
+          <a:xfrm>
+            <a:off x="685330" y="2367093"/>
+            <a:ext cx="7772870" cy="3424107"/>
+          </a:xfrm>
+        </p:spPr>
         <p:txBody>
           <a:bodyPr/>
           <a:lstStyle/>
@@ -5266,7 +4143,7 @@
     </p:spTree>
     <p:extLst>
       <p:ext uri="{BB962C8B-B14F-4D97-AF65-F5344CB8AC3E}">
-        <p14:creationId xmlns:p14="http://schemas.microsoft.com/office/powerpoint/2010/main" val="501213866"/>
+        <p14:creationId xmlns:p14="http://schemas.microsoft.com/office/powerpoint/2010/main" val="446264423"/>
       </p:ext>
     </p:extLst>
   </p:cSld>
@@ -5293,181 +4170,59 @@
           <a:chExt cx="0" cy="0"/>
         </a:xfrm>
       </p:grpSpPr>
-      <p:grpSp>
-        <p:nvGrpSpPr>
-          <p:cNvPr id="18" name="Group 17"/>
-          <p:cNvGrpSpPr/>
+      <p:pic>
+        <p:nvPicPr>
+          <p:cNvPr id="8" name="Picture 7" descr="Droplets-SD-Content-R1d.png"/>
+          <p:cNvPicPr>
+            <a:picLocks noChangeAspect="1"/>
+          </p:cNvPicPr>
           <p:nvPr/>
-        </p:nvGrpSpPr>
-        <p:grpSpPr>
-          <a:xfrm>
-            <a:off x="0" y="2728432"/>
-            <a:ext cx="9161969" cy="1677035"/>
-            <a:chOff x="0" y="2895600"/>
-            <a:chExt cx="9161969" cy="1677035"/>
-          </a:xfrm>
-        </p:grpSpPr>
-        <p:pic>
-          <p:nvPicPr>
-            <p:cNvPr id="19" name="Picture 18" descr="HD-ShadowLong.png"/>
-            <p:cNvPicPr>
-              <a:picLocks noChangeAspect="1"/>
-            </p:cNvPicPr>
-            <p:nvPr/>
-          </p:nvPicPr>
-          <p:blipFill rotWithShape="1">
-            <a:blip r:embed="rId2">
-              <a:extLst>
-                <a:ext uri="{28A0092B-C50C-407E-A947-70E740481C1C}">
-                  <a14:useLocalDpi xmlns:a14="http://schemas.microsoft.com/office/drawing/2010/main" val="0"/>
-                </a:ext>
-              </a:extLst>
-            </a:blip>
-            <a:srcRect l="26982" r="-217"/>
-            <a:stretch/>
-          </p:blipFill>
-          <p:spPr>
-            <a:xfrm>
-              <a:off x="0" y="4251471"/>
-              <a:ext cx="7644384" cy="321164"/>
-            </a:xfrm>
-            <a:prstGeom prst="rect">
-              <a:avLst/>
-            </a:prstGeom>
-          </p:spPr>
-        </p:pic>
-        <p:pic>
-          <p:nvPicPr>
-            <p:cNvPr id="20" name="Picture 19" descr="HD-ShadowShort.png"/>
-            <p:cNvPicPr>
-              <a:picLocks noChangeAspect="1"/>
-            </p:cNvPicPr>
-            <p:nvPr/>
-          </p:nvPicPr>
-          <p:blipFill rotWithShape="1">
-            <a:blip r:embed="rId3">
-              <a:extLst>
-                <a:ext uri="{28A0092B-C50C-407E-A947-70E740481C1C}">
-                  <a14:useLocalDpi xmlns:a14="http://schemas.microsoft.com/office/drawing/2010/main" val="0"/>
-                </a:ext>
-              </a:extLst>
-            </a:blip>
-            <a:srcRect r="9871"/>
-            <a:stretch/>
-          </p:blipFill>
-          <p:spPr>
-            <a:xfrm>
-              <a:off x="7717217" y="4259262"/>
-              <a:ext cx="1444752" cy="144270"/>
-            </a:xfrm>
-            <a:prstGeom prst="rect">
-              <a:avLst/>
-            </a:prstGeom>
-          </p:spPr>
-        </p:pic>
-        <p:sp>
-          <p:nvSpPr>
-            <p:cNvPr id="21" name="Rectangle 20"/>
-            <p:cNvSpPr/>
-            <p:nvPr/>
-          </p:nvSpPr>
-          <p:spPr>
-            <a:xfrm>
-              <a:off x="0" y="2895600"/>
-              <a:ext cx="7567140" cy="1368198"/>
-            </a:xfrm>
-            <a:prstGeom prst="rect">
-              <a:avLst/>
-            </a:prstGeom>
-            <a:solidFill>
-              <a:schemeClr val="bg1">
-                <a:lumMod val="85000"/>
-                <a:lumOff val="15000"/>
-              </a:schemeClr>
-            </a:solidFill>
-            <a:ln>
-              <a:noFill/>
-            </a:ln>
-          </p:spPr>
-          <p:style>
-            <a:lnRef idx="2">
-              <a:schemeClr val="accent1">
-                <a:shade val="50000"/>
-              </a:schemeClr>
-            </a:lnRef>
-            <a:fillRef idx="1">
-              <a:schemeClr val="accent1"/>
-            </a:fillRef>
-            <a:effectRef idx="0">
-              <a:schemeClr val="accent1"/>
-            </a:effectRef>
-            <a:fontRef idx="minor">
-              <a:schemeClr val="lt1"/>
-            </a:fontRef>
-          </p:style>
-        </p:sp>
-        <p:sp>
-          <p:nvSpPr>
-            <p:cNvPr id="22" name="Rectangle 21"/>
-            <p:cNvSpPr/>
-            <p:nvPr/>
-          </p:nvSpPr>
-          <p:spPr>
-            <a:xfrm>
-              <a:off x="7710769" y="2895600"/>
-              <a:ext cx="1433231" cy="1368198"/>
-            </a:xfrm>
-            <a:prstGeom prst="rect">
-              <a:avLst/>
-            </a:prstGeom>
-            <a:solidFill>
-              <a:schemeClr val="accent1"/>
-            </a:solidFill>
-            <a:ln>
-              <a:noFill/>
-            </a:ln>
-          </p:spPr>
-          <p:style>
-            <a:lnRef idx="2">
-              <a:schemeClr val="accent1">
-                <a:shade val="50000"/>
-              </a:schemeClr>
-            </a:lnRef>
-            <a:fillRef idx="1">
-              <a:schemeClr val="accent1"/>
-            </a:fillRef>
-            <a:effectRef idx="0">
-              <a:schemeClr val="accent1"/>
-            </a:effectRef>
-            <a:fontRef idx="minor">
-              <a:schemeClr val="lt1"/>
-            </a:fontRef>
-          </p:style>
-        </p:sp>
-      </p:grpSp>
-      <p:sp>
-        <p:nvSpPr>
-          <p:cNvPr id="2" name="Title 1"/>
-          <p:cNvSpPr>
-            <a:spLocks noGrp="1"/>
-          </p:cNvSpPr>
-          <p:nvPr>
-            <p:ph type="title"/>
-          </p:nvPr>
-        </p:nvSpPr>
+        </p:nvPicPr>
+        <p:blipFill>
+          <a:blip r:embed="rId2">
+            <a:extLst>
+              <a:ext uri="{28A0092B-C50C-407E-A947-70E740481C1C}">
+                <a14:useLocalDpi xmlns:a14="http://schemas.microsoft.com/office/drawing/2010/main" val="0"/>
+              </a:ext>
+            </a:extLst>
+          </a:blip>
+          <a:stretch>
+            <a:fillRect/>
+          </a:stretch>
+        </p:blipFill>
         <p:spPr>
           <a:xfrm>
-            <a:off x="531639" y="2869895"/>
-            <a:ext cx="6889150" cy="1090788"/>
+            <a:off x="0" y="0"/>
+            <a:ext cx="9144000" cy="6858000"/>
+          </a:xfrm>
+          <a:prstGeom prst="rect">
+            <a:avLst/>
+          </a:prstGeom>
+        </p:spPr>
+      </p:pic>
+      <p:sp>
+        <p:nvSpPr>
+          <p:cNvPr id="2" name="Title 1"/>
+          <p:cNvSpPr>
+            <a:spLocks noGrp="1"/>
+          </p:cNvSpPr>
+          <p:nvPr>
+            <p:ph type="title"/>
+          </p:nvPr>
+        </p:nvSpPr>
+        <p:spPr>
+          <a:xfrm>
+            <a:off x="685331" y="828564"/>
+            <a:ext cx="7763814" cy="2736819"/>
           </a:xfrm>
         </p:spPr>
         <p:txBody>
-          <a:bodyPr anchor="ctr">
+          <a:bodyPr anchor="b">
             <a:normAutofit/>
           </a:bodyPr>
           <a:lstStyle>
-            <a:lvl1pPr algn="r">
-              <a:defRPr sz="3600"/>
+            <a:lvl1pPr>
+              <a:defRPr sz="4000"/>
             </a:lvl1pPr>
           </a:lstStyle>
           <a:p>
@@ -5491,8 +4246,8 @@
         </p:nvSpPr>
         <p:spPr>
           <a:xfrm>
-            <a:off x="531639" y="4232172"/>
-            <a:ext cx="6889150" cy="1704017"/>
+            <a:off x="685331" y="3657458"/>
+            <a:ext cx="7763814" cy="1368183"/>
           </a:xfrm>
         </p:spPr>
         <p:txBody>
@@ -5500,12 +4255,12 @@
             <a:normAutofit/>
           </a:bodyPr>
           <a:lstStyle>
-            <a:lvl1pPr marL="0" indent="0" algn="r">
+            <a:lvl1pPr marL="0" indent="0" algn="ctr">
               <a:buNone/>
               <a:defRPr sz="2000">
                 <a:solidFill>
-                  <a:schemeClr val="tx1">
-                    <a:tint val="75000"/>
+                  <a:schemeClr val="bg1">
+                    <a:lumMod val="50000"/>
                   </a:schemeClr>
                 </a:solidFill>
               </a:defRPr>
@@ -5610,12 +4365,7 @@
             <p:ph type="dt" sz="half" idx="10"/>
           </p:nvPr>
         </p:nvSpPr>
-        <p:spPr>
-          <a:xfrm>
-            <a:off x="5365810" y="5936188"/>
-            <a:ext cx="2057400" cy="365125"/>
-          </a:xfrm>
-        </p:spPr>
+        <p:spPr/>
         <p:txBody>
           <a:bodyPr/>
           <a:lstStyle/>
@@ -5638,12 +4388,7 @@
             <p:ph type="ftr" sz="quarter" idx="11"/>
           </p:nvPr>
         </p:nvSpPr>
-        <p:spPr>
-          <a:xfrm>
-            <a:off x="533400" y="5936189"/>
-            <a:ext cx="4834673" cy="365125"/>
-          </a:xfrm>
-        </p:spPr>
+        <p:spPr/>
         <p:txBody>
           <a:bodyPr/>
           <a:lstStyle/>
@@ -5662,12 +4407,7 @@
             <p:ph type="sldNum" sz="quarter" idx="12"/>
           </p:nvPr>
         </p:nvSpPr>
-        <p:spPr>
-          <a:xfrm>
-            <a:off x="7856438" y="2869896"/>
-            <a:ext cx="1149836" cy="1090789"/>
-          </a:xfrm>
-        </p:spPr>
+        <p:spPr/>
         <p:txBody>
           <a:bodyPr/>
           <a:lstStyle/>
@@ -5683,7 +4423,7 @@
     </p:spTree>
     <p:extLst>
       <p:ext uri="{BB962C8B-B14F-4D97-AF65-F5344CB8AC3E}">
-        <p14:creationId xmlns:p14="http://schemas.microsoft.com/office/powerpoint/2010/main" val="1470582328"/>
+        <p14:creationId xmlns:p14="http://schemas.microsoft.com/office/powerpoint/2010/main" val="1353262037"/>
       </p:ext>
     </p:extLst>
   </p:cSld>
@@ -5710,172 +4450,50 @@
           <a:chExt cx="0" cy="0"/>
         </a:xfrm>
       </p:grpSpPr>
-      <p:grpSp>
-        <p:nvGrpSpPr>
-          <p:cNvPr id="17" name="Group 16"/>
-          <p:cNvGrpSpPr/>
+      <p:pic>
+        <p:nvPicPr>
+          <p:cNvPr id="9" name="Picture 8" descr="Droplets-SD-Content-R1d.png"/>
+          <p:cNvPicPr>
+            <a:picLocks noChangeAspect="1"/>
+          </p:cNvPicPr>
           <p:nvPr/>
-        </p:nvGrpSpPr>
-        <p:grpSpPr>
-          <a:xfrm>
-            <a:off x="0" y="609600"/>
-            <a:ext cx="9161969" cy="1677035"/>
-            <a:chOff x="0" y="2895600"/>
-            <a:chExt cx="9161969" cy="1677035"/>
-          </a:xfrm>
-        </p:grpSpPr>
-        <p:pic>
-          <p:nvPicPr>
-            <p:cNvPr id="18" name="Picture 17" descr="HD-ShadowLong.png"/>
-            <p:cNvPicPr>
-              <a:picLocks noChangeAspect="1"/>
-            </p:cNvPicPr>
-            <p:nvPr/>
-          </p:nvPicPr>
-          <p:blipFill rotWithShape="1">
-            <a:blip r:embed="rId2">
-              <a:extLst>
-                <a:ext uri="{28A0092B-C50C-407E-A947-70E740481C1C}">
-                  <a14:useLocalDpi xmlns:a14="http://schemas.microsoft.com/office/drawing/2010/main" val="0"/>
-                </a:ext>
-              </a:extLst>
-            </a:blip>
-            <a:srcRect l="26982" r="-217"/>
-            <a:stretch/>
-          </p:blipFill>
-          <p:spPr>
-            <a:xfrm>
-              <a:off x="0" y="4251471"/>
-              <a:ext cx="7644384" cy="321164"/>
-            </a:xfrm>
-            <a:prstGeom prst="rect">
-              <a:avLst/>
-            </a:prstGeom>
-          </p:spPr>
-        </p:pic>
-        <p:pic>
-          <p:nvPicPr>
-            <p:cNvPr id="19" name="Picture 18" descr="HD-ShadowShort.png"/>
-            <p:cNvPicPr>
-              <a:picLocks noChangeAspect="1"/>
-            </p:cNvPicPr>
-            <p:nvPr/>
-          </p:nvPicPr>
-          <p:blipFill rotWithShape="1">
-            <a:blip r:embed="rId3">
-              <a:extLst>
-                <a:ext uri="{28A0092B-C50C-407E-A947-70E740481C1C}">
-                  <a14:useLocalDpi xmlns:a14="http://schemas.microsoft.com/office/drawing/2010/main" val="0"/>
-                </a:ext>
-              </a:extLst>
-            </a:blip>
-            <a:srcRect r="9871"/>
-            <a:stretch/>
-          </p:blipFill>
-          <p:spPr>
-            <a:xfrm>
-              <a:off x="7717217" y="4259262"/>
-              <a:ext cx="1444752" cy="144270"/>
-            </a:xfrm>
-            <a:prstGeom prst="rect">
-              <a:avLst/>
-            </a:prstGeom>
-          </p:spPr>
-        </p:pic>
-        <p:sp>
-          <p:nvSpPr>
-            <p:cNvPr id="20" name="Rectangle 19"/>
-            <p:cNvSpPr/>
-            <p:nvPr/>
-          </p:nvSpPr>
-          <p:spPr>
-            <a:xfrm>
-              <a:off x="0" y="2895600"/>
-              <a:ext cx="7567140" cy="1368198"/>
-            </a:xfrm>
-            <a:prstGeom prst="rect">
-              <a:avLst/>
-            </a:prstGeom>
-            <a:solidFill>
-              <a:schemeClr val="bg1">
-                <a:lumMod val="85000"/>
-                <a:lumOff val="15000"/>
-              </a:schemeClr>
-            </a:solidFill>
-            <a:ln>
-              <a:noFill/>
-            </a:ln>
-          </p:spPr>
-          <p:style>
-            <a:lnRef idx="2">
-              <a:schemeClr val="accent1">
-                <a:shade val="50000"/>
-              </a:schemeClr>
-            </a:lnRef>
-            <a:fillRef idx="1">
-              <a:schemeClr val="accent1"/>
-            </a:fillRef>
-            <a:effectRef idx="0">
-              <a:schemeClr val="accent1"/>
-            </a:effectRef>
-            <a:fontRef idx="minor">
-              <a:schemeClr val="lt1"/>
-            </a:fontRef>
-          </p:style>
-        </p:sp>
-        <p:sp>
-          <p:nvSpPr>
-            <p:cNvPr id="21" name="Rectangle 20"/>
-            <p:cNvSpPr/>
-            <p:nvPr/>
-          </p:nvSpPr>
-          <p:spPr>
-            <a:xfrm>
-              <a:off x="7710769" y="2895600"/>
-              <a:ext cx="1433231" cy="1368198"/>
-            </a:xfrm>
-            <a:prstGeom prst="rect">
-              <a:avLst/>
-            </a:prstGeom>
-            <a:solidFill>
-              <a:schemeClr val="accent1"/>
-            </a:solidFill>
-            <a:ln>
-              <a:noFill/>
-            </a:ln>
-          </p:spPr>
-          <p:style>
-            <a:lnRef idx="2">
-              <a:schemeClr val="accent1">
-                <a:shade val="50000"/>
-              </a:schemeClr>
-            </a:lnRef>
-            <a:fillRef idx="1">
-              <a:schemeClr val="accent1"/>
-            </a:fillRef>
-            <a:effectRef idx="0">
-              <a:schemeClr val="accent1"/>
-            </a:effectRef>
-            <a:fontRef idx="minor">
-              <a:schemeClr val="lt1"/>
-            </a:fontRef>
-          </p:style>
-        </p:sp>
-      </p:grpSp>
-      <p:sp>
-        <p:nvSpPr>
-          <p:cNvPr id="2" name="Title 1"/>
-          <p:cNvSpPr>
-            <a:spLocks noGrp="1"/>
-          </p:cNvSpPr>
-          <p:nvPr>
-            <p:ph type="title"/>
-          </p:nvPr>
-        </p:nvSpPr>
+        </p:nvPicPr>
+        <p:blipFill>
+          <a:blip r:embed="rId2">
+            <a:extLst>
+              <a:ext uri="{28A0092B-C50C-407E-A947-70E740481C1C}">
+                <a14:useLocalDpi xmlns:a14="http://schemas.microsoft.com/office/drawing/2010/main" val="0"/>
+              </a:ext>
+            </a:extLst>
+          </a:blip>
+          <a:stretch>
+            <a:fillRect/>
+          </a:stretch>
+        </p:blipFill>
         <p:spPr>
           <a:xfrm>
-            <a:off x="533400" y="753228"/>
-            <a:ext cx="6887390" cy="1080938"/>
+            <a:off x="0" y="0"/>
+            <a:ext cx="9144000" cy="6858000"/>
+          </a:xfrm>
+          <a:prstGeom prst="rect">
+            <a:avLst/>
+          </a:prstGeom>
+        </p:spPr>
+      </p:pic>
+      <p:sp>
+        <p:nvSpPr>
+          <p:cNvPr id="14" name="Title 1"/>
+          <p:cNvSpPr>
+            <a:spLocks noGrp="1"/>
+          </p:cNvSpPr>
+          <p:nvPr>
+            <p:ph type="title"/>
+          </p:nvPr>
+        </p:nvSpPr>
+        <p:spPr>
+          <a:xfrm>
+            <a:off x="685332" y="618518"/>
+            <a:ext cx="7773338" cy="1596177"/>
           </a:xfrm>
         </p:spPr>
         <p:txBody>
@@ -5892,18 +4510,18 @@
       </p:sp>
       <p:sp>
         <p:nvSpPr>
-          <p:cNvPr id="3" name="Content Placeholder 2"/>
-          <p:cNvSpPr>
-            <a:spLocks noGrp="1"/>
-          </p:cNvSpPr>
-          <p:nvPr>
-            <p:ph sz="half" idx="1"/>
+          <p:cNvPr id="12" name="Content Placeholder 2"/>
+          <p:cNvSpPr>
+            <a:spLocks noGrp="1"/>
+          </p:cNvSpPr>
+          <p:nvPr>
+            <p:ph sz="quarter" idx="13"/>
           </p:nvPr>
         </p:nvSpPr>
         <p:spPr>
           <a:xfrm>
-            <a:off x="533400" y="2336873"/>
-            <a:ext cx="3357899" cy="3599316"/>
+            <a:off x="685330" y="2367093"/>
+            <a:ext cx="3829520" cy="3424107"/>
           </a:xfrm>
         </p:spPr>
         <p:txBody>
@@ -5949,18 +4567,18 @@
       </p:sp>
       <p:sp>
         <p:nvSpPr>
-          <p:cNvPr id="4" name="Content Placeholder 3"/>
-          <p:cNvSpPr>
-            <a:spLocks noGrp="1"/>
-          </p:cNvSpPr>
-          <p:nvPr>
-            <p:ph sz="half" idx="2"/>
+          <p:cNvPr id="13" name="Content Placeholder 3"/>
+          <p:cNvSpPr>
+            <a:spLocks noGrp="1"/>
+          </p:cNvSpPr>
+          <p:nvPr>
+            <p:ph sz="quarter" idx="14"/>
           </p:nvPr>
         </p:nvSpPr>
         <p:spPr>
           <a:xfrm>
-            <a:off x="4061128" y="2336873"/>
-            <a:ext cx="3359661" cy="3599316"/>
+            <a:off x="4629150" y="2367093"/>
+            <a:ext cx="3829050" cy="3424107"/>
           </a:xfrm>
         </p:spPr>
         <p:txBody>
@@ -6072,7 +4690,7 @@
     </p:spTree>
     <p:extLst>
       <p:ext uri="{BB962C8B-B14F-4D97-AF65-F5344CB8AC3E}">
-        <p14:creationId xmlns:p14="http://schemas.microsoft.com/office/powerpoint/2010/main" val="687893373"/>
+        <p14:creationId xmlns:p14="http://schemas.microsoft.com/office/powerpoint/2010/main" val="275750482"/>
       </p:ext>
     </p:extLst>
   </p:cSld>
@@ -6104,172 +4722,50 @@
           <a:chExt cx="0" cy="0"/>
         </a:xfrm>
       </p:grpSpPr>
-      <p:grpSp>
-        <p:nvGrpSpPr>
-          <p:cNvPr id="28" name="Group 27"/>
-          <p:cNvGrpSpPr/>
+      <p:pic>
+        <p:nvPicPr>
+          <p:cNvPr id="11" name="Picture 10" descr="Droplets-SD-Content-R1d.png"/>
+          <p:cNvPicPr>
+            <a:picLocks noChangeAspect="1"/>
+          </p:cNvPicPr>
           <p:nvPr/>
-        </p:nvGrpSpPr>
-        <p:grpSpPr>
-          <a:xfrm>
-            <a:off x="0" y="609600"/>
-            <a:ext cx="9161969" cy="1677035"/>
-            <a:chOff x="0" y="2895600"/>
-            <a:chExt cx="9161969" cy="1677035"/>
-          </a:xfrm>
-        </p:grpSpPr>
-        <p:pic>
-          <p:nvPicPr>
-            <p:cNvPr id="29" name="Picture 28" descr="HD-ShadowLong.png"/>
-            <p:cNvPicPr>
-              <a:picLocks noChangeAspect="1"/>
-            </p:cNvPicPr>
-            <p:nvPr/>
-          </p:nvPicPr>
-          <p:blipFill rotWithShape="1">
-            <a:blip r:embed="rId2">
-              <a:extLst>
-                <a:ext uri="{28A0092B-C50C-407E-A947-70E740481C1C}">
-                  <a14:useLocalDpi xmlns:a14="http://schemas.microsoft.com/office/drawing/2010/main" val="0"/>
-                </a:ext>
-              </a:extLst>
-            </a:blip>
-            <a:srcRect l="26982" r="-217"/>
-            <a:stretch/>
-          </p:blipFill>
-          <p:spPr>
-            <a:xfrm>
-              <a:off x="0" y="4251471"/>
-              <a:ext cx="7644384" cy="321164"/>
-            </a:xfrm>
-            <a:prstGeom prst="rect">
-              <a:avLst/>
-            </a:prstGeom>
-          </p:spPr>
-        </p:pic>
-        <p:pic>
-          <p:nvPicPr>
-            <p:cNvPr id="30" name="Picture 29" descr="HD-ShadowShort.png"/>
-            <p:cNvPicPr>
-              <a:picLocks noChangeAspect="1"/>
-            </p:cNvPicPr>
-            <p:nvPr/>
-          </p:nvPicPr>
-          <p:blipFill rotWithShape="1">
-            <a:blip r:embed="rId3">
-              <a:extLst>
-                <a:ext uri="{28A0092B-C50C-407E-A947-70E740481C1C}">
-                  <a14:useLocalDpi xmlns:a14="http://schemas.microsoft.com/office/drawing/2010/main" val="0"/>
-                </a:ext>
-              </a:extLst>
-            </a:blip>
-            <a:srcRect r="9871"/>
-            <a:stretch/>
-          </p:blipFill>
-          <p:spPr>
-            <a:xfrm>
-              <a:off x="7717217" y="4259262"/>
-              <a:ext cx="1444752" cy="144270"/>
-            </a:xfrm>
-            <a:prstGeom prst="rect">
-              <a:avLst/>
-            </a:prstGeom>
-          </p:spPr>
-        </p:pic>
-        <p:sp>
-          <p:nvSpPr>
-            <p:cNvPr id="31" name="Rectangle 30"/>
-            <p:cNvSpPr/>
-            <p:nvPr/>
-          </p:nvSpPr>
-          <p:spPr>
-            <a:xfrm>
-              <a:off x="0" y="2895600"/>
-              <a:ext cx="7567140" cy="1368198"/>
-            </a:xfrm>
-            <a:prstGeom prst="rect">
-              <a:avLst/>
-            </a:prstGeom>
-            <a:solidFill>
-              <a:schemeClr val="bg1">
-                <a:lumMod val="85000"/>
-                <a:lumOff val="15000"/>
-              </a:schemeClr>
-            </a:solidFill>
-            <a:ln>
-              <a:noFill/>
-            </a:ln>
-          </p:spPr>
-          <p:style>
-            <a:lnRef idx="2">
-              <a:schemeClr val="accent1">
-                <a:shade val="50000"/>
-              </a:schemeClr>
-            </a:lnRef>
-            <a:fillRef idx="1">
-              <a:schemeClr val="accent1"/>
-            </a:fillRef>
-            <a:effectRef idx="0">
-              <a:schemeClr val="accent1"/>
-            </a:effectRef>
-            <a:fontRef idx="minor">
-              <a:schemeClr val="lt1"/>
-            </a:fontRef>
-          </p:style>
-        </p:sp>
-        <p:sp>
-          <p:nvSpPr>
-            <p:cNvPr id="32" name="Rectangle 31"/>
-            <p:cNvSpPr/>
-            <p:nvPr/>
-          </p:nvSpPr>
-          <p:spPr>
-            <a:xfrm>
-              <a:off x="7710769" y="2895600"/>
-              <a:ext cx="1433231" cy="1368198"/>
-            </a:xfrm>
-            <a:prstGeom prst="rect">
-              <a:avLst/>
-            </a:prstGeom>
-            <a:solidFill>
-              <a:schemeClr val="accent1"/>
-            </a:solidFill>
-            <a:ln>
-              <a:noFill/>
-            </a:ln>
-          </p:spPr>
-          <p:style>
-            <a:lnRef idx="2">
-              <a:schemeClr val="accent1">
-                <a:shade val="50000"/>
-              </a:schemeClr>
-            </a:lnRef>
-            <a:fillRef idx="1">
-              <a:schemeClr val="accent1"/>
-            </a:fillRef>
-            <a:effectRef idx="0">
-              <a:schemeClr val="accent1"/>
-            </a:effectRef>
-            <a:fontRef idx="minor">
-              <a:schemeClr val="lt1"/>
-            </a:fontRef>
-          </p:style>
-        </p:sp>
-      </p:grpSp>
-      <p:sp>
-        <p:nvSpPr>
-          <p:cNvPr id="2" name="Title 1"/>
-          <p:cNvSpPr>
-            <a:spLocks noGrp="1"/>
-          </p:cNvSpPr>
-          <p:nvPr>
-            <p:ph type="title"/>
-          </p:nvPr>
-        </p:nvSpPr>
+        </p:nvPicPr>
+        <p:blipFill>
+          <a:blip r:embed="rId2">
+            <a:extLst>
+              <a:ext uri="{28A0092B-C50C-407E-A947-70E740481C1C}">
+                <a14:useLocalDpi xmlns:a14="http://schemas.microsoft.com/office/drawing/2010/main" val="0"/>
+              </a:ext>
+            </a:extLst>
+          </a:blip>
+          <a:stretch>
+            <a:fillRect/>
+          </a:stretch>
+        </p:blipFill>
         <p:spPr>
           <a:xfrm>
-            <a:off x="531639" y="753230"/>
-            <a:ext cx="6896534" cy="1080937"/>
+            <a:off x="0" y="0"/>
+            <a:ext cx="9144000" cy="6858000"/>
+          </a:xfrm>
+          <a:prstGeom prst="rect">
+            <a:avLst/>
+          </a:prstGeom>
+        </p:spPr>
+      </p:pic>
+      <p:sp>
+        <p:nvSpPr>
+          <p:cNvPr id="14" name="Title 1"/>
+          <p:cNvSpPr>
+            <a:spLocks noGrp="1"/>
+          </p:cNvSpPr>
+          <p:nvPr>
+            <p:ph type="title"/>
+          </p:nvPr>
+        </p:nvSpPr>
+        <p:spPr>
+          <a:xfrm>
+            <a:off x="685332" y="618518"/>
+            <a:ext cx="7773338" cy="1596177"/>
           </a:xfrm>
         </p:spPr>
         <p:txBody>
@@ -6296,16 +4792,25 @@
         </p:nvSpPr>
         <p:spPr>
           <a:xfrm>
-            <a:off x="760988" y="2336874"/>
-            <a:ext cx="3145080" cy="693135"/>
+            <a:off x="859746" y="2371018"/>
+            <a:ext cx="3655106" cy="679994"/>
           </a:xfrm>
         </p:spPr>
         <p:txBody>
-          <a:bodyPr anchor="b"/>
+          <a:bodyPr anchor="b">
+            <a:noAutofit/>
+          </a:bodyPr>
           <a:lstStyle>
             <a:lvl1pPr marL="0" indent="0">
-              <a:buNone/>
-              <a:defRPr sz="2400" b="1"/>
+              <a:lnSpc>
+                <a:spcPct val="75000"/>
+              </a:lnSpc>
+              <a:buNone/>
+              <a:defRPr sz="2600" b="0">
+                <a:solidFill>
+                  <a:schemeClr val="tx1"/>
+                </a:solidFill>
+              </a:defRPr>
             </a:lvl1pPr>
             <a:lvl2pPr marL="457200" indent="0">
               <a:buNone/>
@@ -6351,18 +4856,18 @@
       </p:sp>
       <p:sp>
         <p:nvSpPr>
-          <p:cNvPr id="4" name="Content Placeholder 3"/>
-          <p:cNvSpPr>
-            <a:spLocks noGrp="1"/>
-          </p:cNvSpPr>
-          <p:nvPr>
-            <p:ph sz="half" idx="2"/>
+          <p:cNvPr id="12" name="Content Placeholder 3"/>
+          <p:cNvSpPr>
+            <a:spLocks noGrp="1"/>
+          </p:cNvSpPr>
+          <p:nvPr>
+            <p:ph sz="quarter" idx="13"/>
           </p:nvPr>
         </p:nvSpPr>
         <p:spPr>
           <a:xfrm>
-            <a:off x="531638" y="3030009"/>
-            <a:ext cx="3367045" cy="2906179"/>
+            <a:off x="685331" y="3051013"/>
+            <a:ext cx="3829520" cy="2740187"/>
           </a:xfrm>
         </p:spPr>
         <p:txBody>
@@ -6418,16 +4923,25 @@
         </p:nvSpPr>
         <p:spPr>
           <a:xfrm>
-            <a:off x="4282646" y="2336873"/>
-            <a:ext cx="3145527" cy="692076"/>
+            <a:off x="4797317" y="2371018"/>
+            <a:ext cx="3661353" cy="679994"/>
           </a:xfrm>
         </p:spPr>
         <p:txBody>
-          <a:bodyPr anchor="b"/>
+          <a:bodyPr anchor="b">
+            <a:noAutofit/>
+          </a:bodyPr>
           <a:lstStyle>
             <a:lvl1pPr marL="0" indent="0">
-              <a:buNone/>
-              <a:defRPr sz="2400" b="1"/>
+              <a:lnSpc>
+                <a:spcPct val="75000"/>
+              </a:lnSpc>
+              <a:buNone/>
+              <a:defRPr sz="2600" b="0">
+                <a:solidFill>
+                  <a:schemeClr val="tx1"/>
+                </a:solidFill>
+              </a:defRPr>
             </a:lvl1pPr>
             <a:lvl2pPr marL="457200" indent="0">
               <a:buNone/>
@@ -6473,18 +4987,18 @@
       </p:sp>
       <p:sp>
         <p:nvSpPr>
-          <p:cNvPr id="6" name="Content Placeholder 5"/>
-          <p:cNvSpPr>
-            <a:spLocks noGrp="1"/>
-          </p:cNvSpPr>
-          <p:nvPr>
-            <p:ph sz="quarter" idx="4"/>
+          <p:cNvPr id="13" name="Content Placeholder 5"/>
+          <p:cNvSpPr>
+            <a:spLocks noGrp="1"/>
+          </p:cNvSpPr>
+          <p:nvPr>
+            <p:ph sz="quarter" idx="14"/>
           </p:nvPr>
         </p:nvSpPr>
         <p:spPr>
           <a:xfrm>
-            <a:off x="4061129" y="3030009"/>
-            <a:ext cx="3367044" cy="2906179"/>
+            <a:off x="4629150" y="3051013"/>
+            <a:ext cx="3829051" cy="2740187"/>
           </a:xfrm>
         </p:spPr>
         <p:txBody>
@@ -6596,7 +5110,7 @@
     </p:spTree>
     <p:extLst>
       <p:ext uri="{BB962C8B-B14F-4D97-AF65-F5344CB8AC3E}">
-        <p14:creationId xmlns:p14="http://schemas.microsoft.com/office/powerpoint/2010/main" val="1519448210"/>
+        <p14:creationId xmlns:p14="http://schemas.microsoft.com/office/powerpoint/2010/main" val="268640748"/>
       </p:ext>
     </p:extLst>
   </p:cSld>
@@ -6628,158 +5142,36 @@
           <a:chExt cx="0" cy="0"/>
         </a:xfrm>
       </p:grpSpPr>
-      <p:grpSp>
-        <p:nvGrpSpPr>
-          <p:cNvPr id="15" name="Group 14"/>
-          <p:cNvGrpSpPr/>
+      <p:pic>
+        <p:nvPicPr>
+          <p:cNvPr id="7" name="Picture 6" descr="Droplets-SD-Content-R1d.png"/>
+          <p:cNvPicPr>
+            <a:picLocks noChangeAspect="1"/>
+          </p:cNvPicPr>
           <p:nvPr/>
-        </p:nvGrpSpPr>
-        <p:grpSpPr>
+        </p:nvPicPr>
+        <p:blipFill>
+          <a:blip r:embed="rId2">
+            <a:extLst>
+              <a:ext uri="{28A0092B-C50C-407E-A947-70E740481C1C}">
+                <a14:useLocalDpi xmlns:a14="http://schemas.microsoft.com/office/drawing/2010/main" val="0"/>
+              </a:ext>
+            </a:extLst>
+          </a:blip>
+          <a:stretch>
+            <a:fillRect/>
+          </a:stretch>
+        </p:blipFill>
+        <p:spPr>
           <a:xfrm>
-            <a:off x="0" y="609600"/>
-            <a:ext cx="9161969" cy="1677035"/>
-            <a:chOff x="0" y="2895600"/>
-            <a:chExt cx="9161969" cy="1677035"/>
+            <a:off x="0" y="0"/>
+            <a:ext cx="9144000" cy="6858000"/>
           </a:xfrm>
-        </p:grpSpPr>
-        <p:pic>
-          <p:nvPicPr>
-            <p:cNvPr id="16" name="Picture 15" descr="HD-ShadowLong.png"/>
-            <p:cNvPicPr>
-              <a:picLocks noChangeAspect="1"/>
-            </p:cNvPicPr>
-            <p:nvPr/>
-          </p:nvPicPr>
-          <p:blipFill rotWithShape="1">
-            <a:blip r:embed="rId2">
-              <a:extLst>
-                <a:ext uri="{28A0092B-C50C-407E-A947-70E740481C1C}">
-                  <a14:useLocalDpi xmlns:a14="http://schemas.microsoft.com/office/drawing/2010/main" val="0"/>
-                </a:ext>
-              </a:extLst>
-            </a:blip>
-            <a:srcRect l="26982" r="-217"/>
-            <a:stretch/>
-          </p:blipFill>
-          <p:spPr>
-            <a:xfrm>
-              <a:off x="0" y="4251471"/>
-              <a:ext cx="7644384" cy="321164"/>
-            </a:xfrm>
-            <a:prstGeom prst="rect">
-              <a:avLst/>
-            </a:prstGeom>
-          </p:spPr>
-        </p:pic>
-        <p:pic>
-          <p:nvPicPr>
-            <p:cNvPr id="17" name="Picture 16" descr="HD-ShadowShort.png"/>
-            <p:cNvPicPr>
-              <a:picLocks noChangeAspect="1"/>
-            </p:cNvPicPr>
-            <p:nvPr/>
-          </p:nvPicPr>
-          <p:blipFill rotWithShape="1">
-            <a:blip r:embed="rId3">
-              <a:extLst>
-                <a:ext uri="{28A0092B-C50C-407E-A947-70E740481C1C}">
-                  <a14:useLocalDpi xmlns:a14="http://schemas.microsoft.com/office/drawing/2010/main" val="0"/>
-                </a:ext>
-              </a:extLst>
-            </a:blip>
-            <a:srcRect r="9871"/>
-            <a:stretch/>
-          </p:blipFill>
-          <p:spPr>
-            <a:xfrm>
-              <a:off x="7717217" y="4259262"/>
-              <a:ext cx="1444752" cy="144270"/>
-            </a:xfrm>
-            <a:prstGeom prst="rect">
-              <a:avLst/>
-            </a:prstGeom>
-          </p:spPr>
-        </p:pic>
-        <p:sp>
-          <p:nvSpPr>
-            <p:cNvPr id="18" name="Rectangle 17"/>
-            <p:cNvSpPr/>
-            <p:nvPr/>
-          </p:nvSpPr>
-          <p:spPr>
-            <a:xfrm>
-              <a:off x="0" y="2895600"/>
-              <a:ext cx="7567140" cy="1368198"/>
-            </a:xfrm>
-            <a:prstGeom prst="rect">
-              <a:avLst/>
-            </a:prstGeom>
-            <a:solidFill>
-              <a:schemeClr val="bg1">
-                <a:lumMod val="85000"/>
-                <a:lumOff val="15000"/>
-              </a:schemeClr>
-            </a:solidFill>
-            <a:ln>
-              <a:noFill/>
-            </a:ln>
-          </p:spPr>
-          <p:style>
-            <a:lnRef idx="2">
-              <a:schemeClr val="accent1">
-                <a:shade val="50000"/>
-              </a:schemeClr>
-            </a:lnRef>
-            <a:fillRef idx="1">
-              <a:schemeClr val="accent1"/>
-            </a:fillRef>
-            <a:effectRef idx="0">
-              <a:schemeClr val="accent1"/>
-            </a:effectRef>
-            <a:fontRef idx="minor">
-              <a:schemeClr val="lt1"/>
-            </a:fontRef>
-          </p:style>
-        </p:sp>
-        <p:sp>
-          <p:nvSpPr>
-            <p:cNvPr id="19" name="Rectangle 18"/>
-            <p:cNvSpPr/>
-            <p:nvPr/>
-          </p:nvSpPr>
-          <p:spPr>
-            <a:xfrm>
-              <a:off x="7710769" y="2895600"/>
-              <a:ext cx="1433231" cy="1368198"/>
-            </a:xfrm>
-            <a:prstGeom prst="rect">
-              <a:avLst/>
-            </a:prstGeom>
-            <a:solidFill>
-              <a:schemeClr val="accent1"/>
-            </a:solidFill>
-            <a:ln>
-              <a:noFill/>
-            </a:ln>
-          </p:spPr>
-          <p:style>
-            <a:lnRef idx="2">
-              <a:schemeClr val="accent1">
-                <a:shade val="50000"/>
-              </a:schemeClr>
-            </a:lnRef>
-            <a:fillRef idx="1">
-              <a:schemeClr val="accent1"/>
-            </a:fillRef>
-            <a:effectRef idx="0">
-              <a:schemeClr val="accent1"/>
-            </a:effectRef>
-            <a:fontRef idx="minor">
-              <a:schemeClr val="lt1"/>
-            </a:fontRef>
-          </p:style>
-        </p:sp>
-      </p:grpSp>
+          <a:prstGeom prst="rect">
+            <a:avLst/>
+          </a:prstGeom>
+        </p:spPr>
+      </p:pic>
       <p:sp>
         <p:nvSpPr>
           <p:cNvPr id="2" name="Title 1"/>
@@ -6871,7 +5263,7 @@
     </p:spTree>
     <p:extLst>
       <p:ext uri="{BB962C8B-B14F-4D97-AF65-F5344CB8AC3E}">
-        <p14:creationId xmlns:p14="http://schemas.microsoft.com/office/powerpoint/2010/main" val="1638018993"/>
+        <p14:creationId xmlns:p14="http://schemas.microsoft.com/office/powerpoint/2010/main" val="1034425642"/>
       </p:ext>
     </p:extLst>
   </p:cSld>
@@ -6900,13 +5292,13 @@
       </p:grpSpPr>
       <p:pic>
         <p:nvPicPr>
-          <p:cNvPr id="12" name="Picture 11" descr="HD-ShadowShort.png"/>
+          <p:cNvPr id="6" name="Picture 5" descr="Droplets-SD-Content-R1d.png"/>
           <p:cNvPicPr>
             <a:picLocks noChangeAspect="1"/>
           </p:cNvPicPr>
           <p:nvPr/>
         </p:nvPicPr>
-        <p:blipFill rotWithShape="1">
+        <p:blipFill>
           <a:blip r:embed="rId2">
             <a:extLst>
               <a:ext uri="{28A0092B-C50C-407E-A947-70E740481C1C}">
@@ -6914,13 +5306,14 @@
               </a:ext>
             </a:extLst>
           </a:blip>
-          <a:srcRect r="9871"/>
-          <a:stretch/>
+          <a:stretch>
+            <a:fillRect/>
+          </a:stretch>
         </p:blipFill>
         <p:spPr>
           <a:xfrm>
-            <a:off x="7717217" y="1973262"/>
-            <a:ext cx="1444752" cy="144270"/>
+            <a:off x="0" y="0"/>
+            <a:ext cx="9144000" cy="6858000"/>
           </a:xfrm>
           <a:prstGeom prst="rect">
             <a:avLst/>
@@ -6929,44 +5322,6 @@
       </p:pic>
       <p:sp>
         <p:nvSpPr>
-          <p:cNvPr id="14" name="Rectangle 13"/>
-          <p:cNvSpPr/>
-          <p:nvPr/>
-        </p:nvSpPr>
-        <p:spPr>
-          <a:xfrm>
-            <a:off x="7710769" y="609600"/>
-            <a:ext cx="1433231" cy="1368198"/>
-          </a:xfrm>
-          <a:prstGeom prst="rect">
-            <a:avLst/>
-          </a:prstGeom>
-          <a:solidFill>
-            <a:schemeClr val="accent1"/>
-          </a:solidFill>
-          <a:ln>
-            <a:noFill/>
-          </a:ln>
-        </p:spPr>
-        <p:style>
-          <a:lnRef idx="2">
-            <a:schemeClr val="accent1">
-              <a:shade val="50000"/>
-            </a:schemeClr>
-          </a:lnRef>
-          <a:fillRef idx="1">
-            <a:schemeClr val="accent1"/>
-          </a:fillRef>
-          <a:effectRef idx="0">
-            <a:schemeClr val="accent1"/>
-          </a:effectRef>
-          <a:fontRef idx="minor">
-            <a:schemeClr val="lt1"/>
-          </a:fontRef>
-        </p:style>
-      </p:sp>
-      <p:sp>
-        <p:nvSpPr>
           <p:cNvPr id="2" name="Date Placeholder 1"/>
           <p:cNvSpPr>
             <a:spLocks noGrp="1"/>
@@ -7033,7 +5388,7 @@
     </p:spTree>
     <p:extLst>
       <p:ext uri="{BB962C8B-B14F-4D97-AF65-F5344CB8AC3E}">
-        <p14:creationId xmlns:p14="http://schemas.microsoft.com/office/powerpoint/2010/main" val="1592344458"/>
+        <p14:creationId xmlns:p14="http://schemas.microsoft.com/office/powerpoint/2010/main" val="1711642629"/>
       </p:ext>
     </p:extLst>
   </p:cSld>
@@ -7065,181 +5420,57 @@
           <a:chExt cx="0" cy="0"/>
         </a:xfrm>
       </p:grpSpPr>
-      <p:grpSp>
-        <p:nvGrpSpPr>
-          <p:cNvPr id="17" name="Group 16"/>
-          <p:cNvGrpSpPr/>
+      <p:pic>
+        <p:nvPicPr>
+          <p:cNvPr id="9" name="Picture 8" descr="Droplets-SD-Content-R1d.png"/>
+          <p:cNvPicPr>
+            <a:picLocks noChangeAspect="1"/>
+          </p:cNvPicPr>
           <p:nvPr/>
-        </p:nvGrpSpPr>
-        <p:grpSpPr>
-          <a:xfrm>
-            <a:off x="0" y="609600"/>
-            <a:ext cx="9161969" cy="1677035"/>
-            <a:chOff x="0" y="2895600"/>
-            <a:chExt cx="9161969" cy="1677035"/>
-          </a:xfrm>
-        </p:grpSpPr>
-        <p:pic>
-          <p:nvPicPr>
-            <p:cNvPr id="18" name="Picture 17" descr="HD-ShadowLong.png"/>
-            <p:cNvPicPr>
-              <a:picLocks noChangeAspect="1"/>
-            </p:cNvPicPr>
-            <p:nvPr/>
-          </p:nvPicPr>
-          <p:blipFill rotWithShape="1">
-            <a:blip r:embed="rId2">
-              <a:extLst>
-                <a:ext uri="{28A0092B-C50C-407E-A947-70E740481C1C}">
-                  <a14:useLocalDpi xmlns:a14="http://schemas.microsoft.com/office/drawing/2010/main" val="0"/>
-                </a:ext>
-              </a:extLst>
-            </a:blip>
-            <a:srcRect l="26982" r="-217"/>
-            <a:stretch/>
-          </p:blipFill>
-          <p:spPr>
-            <a:xfrm>
-              <a:off x="0" y="4251471"/>
-              <a:ext cx="7644384" cy="321164"/>
-            </a:xfrm>
-            <a:prstGeom prst="rect">
-              <a:avLst/>
-            </a:prstGeom>
-          </p:spPr>
-        </p:pic>
-        <p:pic>
-          <p:nvPicPr>
-            <p:cNvPr id="19" name="Picture 18" descr="HD-ShadowShort.png"/>
-            <p:cNvPicPr>
-              <a:picLocks noChangeAspect="1"/>
-            </p:cNvPicPr>
-            <p:nvPr/>
-          </p:nvPicPr>
-          <p:blipFill rotWithShape="1">
-            <a:blip r:embed="rId3">
-              <a:extLst>
-                <a:ext uri="{28A0092B-C50C-407E-A947-70E740481C1C}">
-                  <a14:useLocalDpi xmlns:a14="http://schemas.microsoft.com/office/drawing/2010/main" val="0"/>
-                </a:ext>
-              </a:extLst>
-            </a:blip>
-            <a:srcRect r="9871"/>
-            <a:stretch/>
-          </p:blipFill>
-          <p:spPr>
-            <a:xfrm>
-              <a:off x="7717217" y="4259262"/>
-              <a:ext cx="1444752" cy="144270"/>
-            </a:xfrm>
-            <a:prstGeom prst="rect">
-              <a:avLst/>
-            </a:prstGeom>
-          </p:spPr>
-        </p:pic>
-        <p:sp>
-          <p:nvSpPr>
-            <p:cNvPr id="20" name="Rectangle 19"/>
-            <p:cNvSpPr/>
-            <p:nvPr/>
-          </p:nvSpPr>
-          <p:spPr>
-            <a:xfrm>
-              <a:off x="0" y="2895600"/>
-              <a:ext cx="7567140" cy="1368198"/>
-            </a:xfrm>
-            <a:prstGeom prst="rect">
-              <a:avLst/>
-            </a:prstGeom>
-            <a:solidFill>
-              <a:schemeClr val="bg1">
-                <a:lumMod val="85000"/>
-                <a:lumOff val="15000"/>
-              </a:schemeClr>
-            </a:solidFill>
-            <a:ln>
-              <a:noFill/>
-            </a:ln>
-          </p:spPr>
-          <p:style>
-            <a:lnRef idx="2">
-              <a:schemeClr val="accent1">
-                <a:shade val="50000"/>
-              </a:schemeClr>
-            </a:lnRef>
-            <a:fillRef idx="1">
-              <a:schemeClr val="accent1"/>
-            </a:fillRef>
-            <a:effectRef idx="0">
-              <a:schemeClr val="accent1"/>
-            </a:effectRef>
-            <a:fontRef idx="minor">
-              <a:schemeClr val="lt1"/>
-            </a:fontRef>
-          </p:style>
-        </p:sp>
-        <p:sp>
-          <p:nvSpPr>
-            <p:cNvPr id="21" name="Rectangle 20"/>
-            <p:cNvSpPr/>
-            <p:nvPr/>
-          </p:nvSpPr>
-          <p:spPr>
-            <a:xfrm>
-              <a:off x="7710769" y="2895600"/>
-              <a:ext cx="1433231" cy="1368198"/>
-            </a:xfrm>
-            <a:prstGeom prst="rect">
-              <a:avLst/>
-            </a:prstGeom>
-            <a:solidFill>
-              <a:schemeClr val="accent1"/>
-            </a:solidFill>
-            <a:ln>
-              <a:noFill/>
-            </a:ln>
-          </p:spPr>
-          <p:style>
-            <a:lnRef idx="2">
-              <a:schemeClr val="accent1">
-                <a:shade val="50000"/>
-              </a:schemeClr>
-            </a:lnRef>
-            <a:fillRef idx="1">
-              <a:schemeClr val="accent1"/>
-            </a:fillRef>
-            <a:effectRef idx="0">
-              <a:schemeClr val="accent1"/>
-            </a:effectRef>
-            <a:fontRef idx="minor">
-              <a:schemeClr val="lt1"/>
-            </a:fontRef>
-          </p:style>
-        </p:sp>
-      </p:grpSp>
-      <p:sp>
-        <p:nvSpPr>
-          <p:cNvPr id="2" name="Title 1"/>
-          <p:cNvSpPr>
-            <a:spLocks noGrp="1"/>
-          </p:cNvSpPr>
-          <p:nvPr>
-            <p:ph type="title"/>
-          </p:nvPr>
-        </p:nvSpPr>
+        </p:nvPicPr>
+        <p:blipFill>
+          <a:blip r:embed="rId2">
+            <a:extLst>
+              <a:ext uri="{28A0092B-C50C-407E-A947-70E740481C1C}">
+                <a14:useLocalDpi xmlns:a14="http://schemas.microsoft.com/office/drawing/2010/main" val="0"/>
+              </a:ext>
+            </a:extLst>
+          </a:blip>
+          <a:stretch>
+            <a:fillRect/>
+          </a:stretch>
+        </p:blipFill>
         <p:spPr>
           <a:xfrm>
-            <a:off x="531639" y="753227"/>
-            <a:ext cx="6896534" cy="1080940"/>
+            <a:off x="0" y="0"/>
+            <a:ext cx="9144000" cy="6858000"/>
+          </a:xfrm>
+          <a:prstGeom prst="rect">
+            <a:avLst/>
+          </a:prstGeom>
+        </p:spPr>
+      </p:pic>
+      <p:sp>
+        <p:nvSpPr>
+          <p:cNvPr id="2" name="Title 1"/>
+          <p:cNvSpPr>
+            <a:spLocks noGrp="1"/>
+          </p:cNvSpPr>
+          <p:nvPr>
+            <p:ph type="title"/>
+          </p:nvPr>
+        </p:nvSpPr>
+        <p:spPr>
+          <a:xfrm>
+            <a:off x="685331" y="609600"/>
+            <a:ext cx="2951766" cy="2023252"/>
           </a:xfrm>
         </p:spPr>
         <p:txBody>
-          <a:bodyPr anchor="ctr">
-            <a:normAutofit/>
-          </a:bodyPr>
+          <a:bodyPr anchor="b"/>
           <a:lstStyle>
-            <a:lvl1pPr>
-              <a:defRPr sz="3600"/>
+            <a:lvl1pPr algn="ctr">
+              <a:defRPr sz="3200"/>
             </a:lvl1pPr>
           </a:lstStyle>
           <a:p>
@@ -7253,18 +5484,18 @@
       </p:sp>
       <p:sp>
         <p:nvSpPr>
-          <p:cNvPr id="3" name="Content Placeholder 2"/>
-          <p:cNvSpPr>
-            <a:spLocks noGrp="1"/>
-          </p:cNvSpPr>
-          <p:nvPr>
-            <p:ph idx="1"/>
+          <p:cNvPr id="10" name="Content Placeholder 2"/>
+          <p:cNvSpPr>
+            <a:spLocks noGrp="1"/>
+          </p:cNvSpPr>
+          <p:nvPr>
+            <p:ph sz="quarter" idx="13"/>
           </p:nvPr>
         </p:nvSpPr>
         <p:spPr>
           <a:xfrm>
-            <a:off x="3514385" y="2336874"/>
-            <a:ext cx="3913788" cy="3599313"/>
+            <a:off x="3808547" y="609601"/>
+            <a:ext cx="4650122" cy="5181599"/>
           </a:xfrm>
         </p:spPr>
         <p:txBody>
@@ -7320,14 +5551,14 @@
         </p:nvSpPr>
         <p:spPr>
           <a:xfrm>
-            <a:off x="533401" y="2336873"/>
-            <a:ext cx="2796240" cy="3599317"/>
+            <a:off x="685331" y="2632852"/>
+            <a:ext cx="2951767" cy="3158348"/>
           </a:xfrm>
         </p:spPr>
         <p:txBody>
-          <a:bodyPr anchor="ctr"/>
+          <a:bodyPr/>
           <a:lstStyle>
-            <a:lvl1pPr marL="0" indent="0">
+            <a:lvl1pPr marL="0" indent="0" algn="ctr">
               <a:buNone/>
               <a:defRPr sz="1600"/>
             </a:lvl1pPr>
@@ -7442,7 +5673,7 @@
     </p:spTree>
     <p:extLst>
       <p:ext uri="{BB962C8B-B14F-4D97-AF65-F5344CB8AC3E}">
-        <p14:creationId xmlns:p14="http://schemas.microsoft.com/office/powerpoint/2010/main" val="592096692"/>
+        <p14:creationId xmlns:p14="http://schemas.microsoft.com/office/powerpoint/2010/main" val="2034214038"/>
       </p:ext>
     </p:extLst>
   </p:cSld>
@@ -7474,181 +5705,57 @@
           <a:chExt cx="0" cy="0"/>
         </a:xfrm>
       </p:grpSpPr>
-      <p:grpSp>
-        <p:nvGrpSpPr>
-          <p:cNvPr id="17" name="Group 16"/>
-          <p:cNvGrpSpPr/>
+      <p:pic>
+        <p:nvPicPr>
+          <p:cNvPr id="9" name="Picture 8" descr="Droplets-SD-Content-R1d.png"/>
+          <p:cNvPicPr>
+            <a:picLocks noChangeAspect="1"/>
+          </p:cNvPicPr>
           <p:nvPr/>
-        </p:nvGrpSpPr>
-        <p:grpSpPr>
-          <a:xfrm>
-            <a:off x="0" y="609600"/>
-            <a:ext cx="9161969" cy="1677035"/>
-            <a:chOff x="0" y="2895600"/>
-            <a:chExt cx="9161969" cy="1677035"/>
-          </a:xfrm>
-        </p:grpSpPr>
-        <p:pic>
-          <p:nvPicPr>
-            <p:cNvPr id="18" name="Picture 17" descr="HD-ShadowLong.png"/>
-            <p:cNvPicPr>
-              <a:picLocks noChangeAspect="1"/>
-            </p:cNvPicPr>
-            <p:nvPr/>
-          </p:nvPicPr>
-          <p:blipFill rotWithShape="1">
-            <a:blip r:embed="rId2">
-              <a:extLst>
-                <a:ext uri="{28A0092B-C50C-407E-A947-70E740481C1C}">
-                  <a14:useLocalDpi xmlns:a14="http://schemas.microsoft.com/office/drawing/2010/main" val="0"/>
-                </a:ext>
-              </a:extLst>
-            </a:blip>
-            <a:srcRect l="26982" r="-217"/>
-            <a:stretch/>
-          </p:blipFill>
-          <p:spPr>
-            <a:xfrm>
-              <a:off x="0" y="4251471"/>
-              <a:ext cx="7644384" cy="321164"/>
-            </a:xfrm>
-            <a:prstGeom prst="rect">
-              <a:avLst/>
-            </a:prstGeom>
-          </p:spPr>
-        </p:pic>
-        <p:pic>
-          <p:nvPicPr>
-            <p:cNvPr id="19" name="Picture 18" descr="HD-ShadowShort.png"/>
-            <p:cNvPicPr>
-              <a:picLocks noChangeAspect="1"/>
-            </p:cNvPicPr>
-            <p:nvPr/>
-          </p:nvPicPr>
-          <p:blipFill rotWithShape="1">
-            <a:blip r:embed="rId3">
-              <a:extLst>
-                <a:ext uri="{28A0092B-C50C-407E-A947-70E740481C1C}">
-                  <a14:useLocalDpi xmlns:a14="http://schemas.microsoft.com/office/drawing/2010/main" val="0"/>
-                </a:ext>
-              </a:extLst>
-            </a:blip>
-            <a:srcRect r="9871"/>
-            <a:stretch/>
-          </p:blipFill>
-          <p:spPr>
-            <a:xfrm>
-              <a:off x="7717217" y="4259262"/>
-              <a:ext cx="1444752" cy="144270"/>
-            </a:xfrm>
-            <a:prstGeom prst="rect">
-              <a:avLst/>
-            </a:prstGeom>
-          </p:spPr>
-        </p:pic>
-        <p:sp>
-          <p:nvSpPr>
-            <p:cNvPr id="20" name="Rectangle 19"/>
-            <p:cNvSpPr/>
-            <p:nvPr/>
-          </p:nvSpPr>
-          <p:spPr>
-            <a:xfrm>
-              <a:off x="0" y="2895600"/>
-              <a:ext cx="7567140" cy="1368198"/>
-            </a:xfrm>
-            <a:prstGeom prst="rect">
-              <a:avLst/>
-            </a:prstGeom>
-            <a:solidFill>
-              <a:schemeClr val="bg1">
-                <a:lumMod val="85000"/>
-                <a:lumOff val="15000"/>
-              </a:schemeClr>
-            </a:solidFill>
-            <a:ln>
-              <a:noFill/>
-            </a:ln>
-          </p:spPr>
-          <p:style>
-            <a:lnRef idx="2">
-              <a:schemeClr val="accent1">
-                <a:shade val="50000"/>
-              </a:schemeClr>
-            </a:lnRef>
-            <a:fillRef idx="1">
-              <a:schemeClr val="accent1"/>
-            </a:fillRef>
-            <a:effectRef idx="0">
-              <a:schemeClr val="accent1"/>
-            </a:effectRef>
-            <a:fontRef idx="minor">
-              <a:schemeClr val="lt1"/>
-            </a:fontRef>
-          </p:style>
-        </p:sp>
-        <p:sp>
-          <p:nvSpPr>
-            <p:cNvPr id="21" name="Rectangle 20"/>
-            <p:cNvSpPr/>
-            <p:nvPr/>
-          </p:nvSpPr>
-          <p:spPr>
-            <a:xfrm>
-              <a:off x="7710769" y="2895600"/>
-              <a:ext cx="1433231" cy="1368198"/>
-            </a:xfrm>
-            <a:prstGeom prst="rect">
-              <a:avLst/>
-            </a:prstGeom>
-            <a:solidFill>
-              <a:schemeClr val="accent1"/>
-            </a:solidFill>
-            <a:ln>
-              <a:noFill/>
-            </a:ln>
-          </p:spPr>
-          <p:style>
-            <a:lnRef idx="2">
-              <a:schemeClr val="accent1">
-                <a:shade val="50000"/>
-              </a:schemeClr>
-            </a:lnRef>
-            <a:fillRef idx="1">
-              <a:schemeClr val="accent1"/>
-            </a:fillRef>
-            <a:effectRef idx="0">
-              <a:schemeClr val="accent1"/>
-            </a:effectRef>
-            <a:fontRef idx="minor">
-              <a:schemeClr val="lt1"/>
-            </a:fontRef>
-          </p:style>
-        </p:sp>
-      </p:grpSp>
-      <p:sp>
-        <p:nvSpPr>
-          <p:cNvPr id="2" name="Title 1"/>
-          <p:cNvSpPr>
-            <a:spLocks noGrp="1"/>
-          </p:cNvSpPr>
-          <p:nvPr>
-            <p:ph type="title"/>
-          </p:nvPr>
-        </p:nvSpPr>
+        </p:nvPicPr>
+        <p:blipFill>
+          <a:blip r:embed="rId2">
+            <a:extLst>
+              <a:ext uri="{28A0092B-C50C-407E-A947-70E740481C1C}">
+                <a14:useLocalDpi xmlns:a14="http://schemas.microsoft.com/office/drawing/2010/main" val="0"/>
+              </a:ext>
+            </a:extLst>
+          </a:blip>
+          <a:stretch>
+            <a:fillRect/>
+          </a:stretch>
+        </p:blipFill>
         <p:spPr>
           <a:xfrm>
-            <a:off x="531639" y="753228"/>
-            <a:ext cx="6896534" cy="1080938"/>
+            <a:off x="0" y="0"/>
+            <a:ext cx="9144000" cy="6858000"/>
+          </a:xfrm>
+          <a:prstGeom prst="rect">
+            <a:avLst/>
+          </a:prstGeom>
+        </p:spPr>
+      </p:pic>
+      <p:sp>
+        <p:nvSpPr>
+          <p:cNvPr id="2" name="Title 1"/>
+          <p:cNvSpPr>
+            <a:spLocks noGrp="1"/>
+          </p:cNvSpPr>
+          <p:nvPr>
+            <p:ph type="title"/>
+          </p:nvPr>
+        </p:nvSpPr>
+        <p:spPr>
+          <a:xfrm>
+            <a:off x="685332" y="609600"/>
+            <a:ext cx="4129618" cy="2023254"/>
           </a:xfrm>
         </p:spPr>
         <p:txBody>
-          <a:bodyPr anchor="ctr">
-            <a:normAutofit/>
-          </a:bodyPr>
+          <a:bodyPr anchor="b"/>
           <a:lstStyle>
-            <a:lvl1pPr>
-              <a:defRPr sz="3600"/>
+            <a:lvl1pPr algn="ctr">
+              <a:defRPr sz="3200"/>
             </a:lvl1pPr>
           </a:lstStyle>
           <a:p>
@@ -7672,20 +5779,34 @@
         </p:nvSpPr>
         <p:spPr>
           <a:xfrm>
-            <a:off x="3510956" y="2336874"/>
-            <a:ext cx="3917217" cy="3599312"/>
+            <a:off x="5004270" y="609601"/>
+            <a:ext cx="3005851" cy="5181600"/>
           </a:xfrm>
+          <a:prstGeom prst="roundRect">
+            <a:avLst>
+              <a:gd name="adj" fmla="val 4943"/>
+            </a:avLst>
+          </a:prstGeom>
           <a:noFill/>
-          <a:ln>
-            <a:noFill/>
+          <a:ln w="82550" cap="sq">
+            <a:solidFill>
+              <a:srgbClr val="EAEAEA"/>
+            </a:solidFill>
+            <a:miter lim="800000"/>
           </a:ln>
-          <a:effectLst>
-            <a:outerShdw blurRad="76200" dist="63500" dir="5040000" algn="tl" rotWithShape="0">
-              <a:srgbClr val="000000">
-                <a:alpha val="41000"/>
-              </a:srgbClr>
-            </a:outerShdw>
-          </a:effectLst>
+          <a:effectLst/>
+          <a:scene3d>
+            <a:camera prst="orthographicFront"/>
+            <a:lightRig rig="threePt" dir="t">
+              <a:rot lat="0" lon="0" rev="2700000"/>
+            </a:lightRig>
+          </a:scene3d>
+          <a:sp3d contourW="6350">
+            <a:bevelT h="38100"/>
+            <a:contourClr>
+              <a:srgbClr val="C0C0C0"/>
+            </a:contourClr>
+          </a:sp3d>
         </p:spPr>
         <p:txBody>
           <a:bodyPr anchor="t"/>
@@ -7748,14 +5869,14 @@
         </p:nvSpPr>
         <p:spPr>
           <a:xfrm>
-            <a:off x="531638" y="2336874"/>
-            <a:ext cx="2798487" cy="3599315"/>
+            <a:off x="685346" y="2632853"/>
+            <a:ext cx="4129604" cy="3158347"/>
           </a:xfrm>
         </p:spPr>
         <p:txBody>
-          <a:bodyPr anchor="ctr"/>
+          <a:bodyPr/>
           <a:lstStyle>
-            <a:lvl1pPr marL="0" indent="0">
+            <a:lvl1pPr marL="0" indent="0" algn="ctr">
               <a:buNone/>
               <a:defRPr sz="1600"/>
             </a:lvl1pPr>
@@ -7870,7 +5991,7 @@
     </p:spTree>
     <p:extLst>
       <p:ext uri="{BB962C8B-B14F-4D97-AF65-F5344CB8AC3E}">
-        <p14:creationId xmlns:p14="http://schemas.microsoft.com/office/powerpoint/2010/main" val="2077365893"/>
+        <p14:creationId xmlns:p14="http://schemas.microsoft.com/office/powerpoint/2010/main" val="1095676426"/>
       </p:ext>
     </p:extLst>
   </p:cSld>
@@ -7884,8 +6005,8 @@
 <p:sldMaster xmlns:a="http://schemas.openxmlformats.org/drawingml/2006/main" xmlns:r="http://schemas.openxmlformats.org/officeDocument/2006/relationships" xmlns:p="http://schemas.openxmlformats.org/presentationml/2006/main">
   <p:cSld>
     <p:bg>
-      <p:bgRef idx="1003">
-        <a:schemeClr val="bg2"/>
+      <p:bgRef idx="1002">
+        <a:schemeClr val="bg1"/>
       </p:bgRef>
     </p:bg>
     <p:spTree>
@@ -7904,7 +6025,7 @@
       </p:grpSpPr>
       <p:pic>
         <p:nvPicPr>
-          <p:cNvPr id="1027" name="Picture 3" descr="C:\Users\James\Desktop\msft\Berlin\build Assets\hashOverlaySD-FullResolve.png"/>
+          <p:cNvPr id="1026" name="Picture 2" descr="\\DROBO-FS\QuickDrops\JB\PPTX NG\Droplets\LightingOverlay.png"/>
           <p:cNvPicPr>
             <a:picLocks noChangeAspect="1" noChangeArrowheads="1"/>
           </p:cNvPicPr>
@@ -7912,7 +6033,7 @@
         </p:nvPicPr>
         <p:blipFill>
           <a:blip r:embed="rId19">
-            <a:alphaModFix amt="10000"/>
+            <a:alphaModFix/>
             <a:extLst>
               <a:ext uri="{28A0092B-C50C-407E-A947-70E740481C1C}">
                 <a14:useLocalDpi xmlns:a14="http://schemas.microsoft.com/office/drawing/2010/main" val="0"/>
@@ -7926,15 +6047,16 @@
         </p:blipFill>
         <p:spPr bwMode="auto">
           <a:xfrm>
-            <a:off x="0" y="1"/>
-            <a:ext cx="9144000" cy="6858000"/>
+            <a:off x="1" y="-1"/>
+            <a:ext cx="9144002" cy="6858001"/>
           </a:xfrm>
           <a:prstGeom prst="rect">
             <a:avLst/>
           </a:prstGeom>
+          <a:noFill/>
           <a:extLst>
-            <a:ext uri="{909E8E84-426E-40dd-AFC4-6F175D3DCCD1}">
-              <a14:hiddenFill xmlns:a14="http://schemas.microsoft.com/office/drawing/2010/main" xmlns="">
+            <a:ext uri="{909E8E84-426E-40DD-AFC4-6F175D3DCCD1}">
+              <a14:hiddenFill xmlns:a14="http://schemas.microsoft.com/office/drawing/2010/main">
                 <a:solidFill>
                   <a:srgbClr val="FFFFFF"/>
                 </a:solidFill>
@@ -7955,8 +6077,8 @@
         </p:nvSpPr>
         <p:spPr>
           <a:xfrm>
-            <a:off x="531639" y="753228"/>
-            <a:ext cx="6896534" cy="1080938"/>
+            <a:off x="685332" y="618518"/>
+            <a:ext cx="7773338" cy="1596177"/>
           </a:xfrm>
           <a:prstGeom prst="rect">
             <a:avLst/>
@@ -7988,8 +6110,8 @@
         </p:nvSpPr>
         <p:spPr>
           <a:xfrm>
-            <a:off x="533400" y="2336873"/>
-            <a:ext cx="6887389" cy="3599316"/>
+            <a:off x="685331" y="2367094"/>
+            <a:ext cx="7773339" cy="3424107"/>
           </a:xfrm>
           <a:prstGeom prst="rect">
             <a:avLst/>
@@ -8050,7 +6172,7 @@
         </p:nvSpPr>
         <p:spPr>
           <a:xfrm>
-            <a:off x="5367881" y="5936188"/>
+            <a:off x="5759053" y="5883276"/>
             <a:ext cx="2057400" cy="365125"/>
           </a:xfrm>
           <a:prstGeom prst="rect">
@@ -8061,11 +6183,9 @@
           <a:bodyPr vert="horz" lIns="91440" tIns="45720" rIns="91440" bIns="45720" rtlCol="0" anchor="ctr"/>
           <a:lstStyle>
             <a:lvl1pPr algn="r">
-              <a:defRPr sz="1050">
+              <a:defRPr sz="1000">
                 <a:solidFill>
-                  <a:schemeClr val="tx1">
-                    <a:tint val="75000"/>
-                  </a:schemeClr>
+                  <a:schemeClr val="tx1"/>
                 </a:solidFill>
               </a:defRPr>
             </a:lvl1pPr>
@@ -8091,8 +6211,8 @@
         </p:nvSpPr>
         <p:spPr>
           <a:xfrm>
-            <a:off x="533400" y="5936189"/>
-            <a:ext cx="4834673" cy="365125"/>
+            <a:off x="685331" y="5883276"/>
+            <a:ext cx="5004665" cy="365125"/>
           </a:xfrm>
           <a:prstGeom prst="rect">
             <a:avLst/>
@@ -8102,11 +6222,9 @@
           <a:bodyPr vert="horz" lIns="91440" tIns="45720" rIns="91440" bIns="45720" rtlCol="0" anchor="ctr"/>
           <a:lstStyle>
             <a:lvl1pPr algn="l">
-              <a:defRPr sz="1050">
+              <a:defRPr sz="1000">
                 <a:solidFill>
-                  <a:schemeClr val="tx1">
-                    <a:tint val="75000"/>
-                  </a:schemeClr>
+                  <a:schemeClr val="tx1"/>
                 </a:solidFill>
               </a:defRPr>
             </a:lvl1pPr>
@@ -8128,8 +6246,8 @@
         </p:nvSpPr>
         <p:spPr>
           <a:xfrm>
-            <a:off x="7848600" y="753228"/>
-            <a:ext cx="1157674" cy="1090789"/>
+            <a:off x="7885509" y="5883276"/>
+            <a:ext cx="573161" cy="365125"/>
           </a:xfrm>
           <a:prstGeom prst="rect">
             <a:avLst/>
@@ -8138,12 +6256,10 @@
         <p:txBody>
           <a:bodyPr vert="horz" lIns="91440" tIns="45720" rIns="91440" bIns="45720" rtlCol="0" anchor="ctr"/>
           <a:lstStyle>
-            <a:lvl1pPr algn="l">
-              <a:defRPr sz="3600">
+            <a:lvl1pPr algn="r">
+              <a:defRPr sz="1000">
                 <a:solidFill>
-                  <a:schemeClr val="tx1">
-                    <a:tint val="75000"/>
-                  </a:schemeClr>
+                  <a:schemeClr val="tx1"/>
                 </a:solidFill>
               </a:defRPr>
             </a:lvl1pPr>
@@ -8161,34 +6277,34 @@
     </p:spTree>
     <p:extLst>
       <p:ext uri="{BB962C8B-B14F-4D97-AF65-F5344CB8AC3E}">
-        <p14:creationId xmlns:p14="http://schemas.microsoft.com/office/powerpoint/2010/main" val="1042643488"/>
+        <p14:creationId xmlns:p14="http://schemas.microsoft.com/office/powerpoint/2010/main" val="751642008"/>
       </p:ext>
     </p:extLst>
   </p:cSld>
-  <p:clrMap bg1="dk1" tx1="lt1" bg2="dk2" tx2="lt2" accent1="accent1" accent2="accent2" accent3="accent3" accent4="accent4" accent5="accent5" accent6="accent6" hlink="hlink" folHlink="folHlink"/>
+  <p:clrMap bg1="lt1" tx1="dk1" bg2="lt2" tx2="dk2" accent1="accent1" accent2="accent2" accent3="accent3" accent4="accent4" accent5="accent5" accent6="accent6" hlink="hlink" folHlink="folHlink"/>
   <p:sldLayoutIdLst>
-    <p:sldLayoutId id="2147484937" r:id="rId1"/>
-    <p:sldLayoutId id="2147484938" r:id="rId2"/>
-    <p:sldLayoutId id="2147484939" r:id="rId3"/>
-    <p:sldLayoutId id="2147484940" r:id="rId4"/>
-    <p:sldLayoutId id="2147484941" r:id="rId5"/>
-    <p:sldLayoutId id="2147484942" r:id="rId6"/>
-    <p:sldLayoutId id="2147484943" r:id="rId7"/>
-    <p:sldLayoutId id="2147484944" r:id="rId8"/>
-    <p:sldLayoutId id="2147484945" r:id="rId9"/>
-    <p:sldLayoutId id="2147484946" r:id="rId10"/>
-    <p:sldLayoutId id="2147484947" r:id="rId11"/>
-    <p:sldLayoutId id="2147484948" r:id="rId12"/>
-    <p:sldLayoutId id="2147484949" r:id="rId13"/>
-    <p:sldLayoutId id="2147484950" r:id="rId14"/>
-    <p:sldLayoutId id="2147484951" r:id="rId15"/>
-    <p:sldLayoutId id="2147484952" r:id="rId16"/>
-    <p:sldLayoutId id="2147484953" r:id="rId17"/>
+    <p:sldLayoutId id="2147485146" r:id="rId1"/>
+    <p:sldLayoutId id="2147485147" r:id="rId2"/>
+    <p:sldLayoutId id="2147485148" r:id="rId3"/>
+    <p:sldLayoutId id="2147485149" r:id="rId4"/>
+    <p:sldLayoutId id="2147485150" r:id="rId5"/>
+    <p:sldLayoutId id="2147485151" r:id="rId6"/>
+    <p:sldLayoutId id="2147485152" r:id="rId7"/>
+    <p:sldLayoutId id="2147485153" r:id="rId8"/>
+    <p:sldLayoutId id="2147485154" r:id="rId9"/>
+    <p:sldLayoutId id="2147485155" r:id="rId10"/>
+    <p:sldLayoutId id="2147485156" r:id="rId11"/>
+    <p:sldLayoutId id="2147485157" r:id="rId12"/>
+    <p:sldLayoutId id="2147485158" r:id="rId13"/>
+    <p:sldLayoutId id="2147485159" r:id="rId14"/>
+    <p:sldLayoutId id="2147485160" r:id="rId15"/>
+    <p:sldLayoutId id="2147485161" r:id="rId16"/>
+    <p:sldLayoutId id="2147485162" r:id="rId17"/>
   </p:sldLayoutIdLst>
   <p:hf sldNum="0" hdr="0" ftr="0" dt="0"/>
   <p:txStyles>
     <p:titleStyle>
-      <a:lvl1pPr algn="l" defTabSz="914400" rtl="0" eaLnBrk="1" latinLnBrk="0" hangingPunct="1">
+      <a:lvl1pPr algn="ctr" defTabSz="914400" rtl="0" eaLnBrk="1" latinLnBrk="0" hangingPunct="1">
         <a:lnSpc>
           <a:spcPct val="90000"/>
         </a:lnSpc>
@@ -8196,10 +6312,11 @@
           <a:spcPct val="0"/>
         </a:spcBef>
         <a:buNone/>
-        <a:defRPr sz="3600" kern="1200">
+        <a:defRPr sz="3600" kern="1200" cap="all" baseline="0">
           <a:solidFill>
             <a:schemeClr val="tx1"/>
           </a:solidFill>
+          <a:effectLst/>
           <a:latin typeface="+mj-lt"/>
           <a:ea typeface="+mj-ea"/>
           <a:cs typeface="+mj-cs"/>
@@ -8209,17 +6326,21 @@
     <p:bodyStyle>
       <a:lvl1pPr marL="228600" indent="-228600" algn="l" defTabSz="914400" rtl="0" eaLnBrk="1" latinLnBrk="0" hangingPunct="1">
         <a:lnSpc>
-          <a:spcPct val="90000"/>
+          <a:spcPct val="120000"/>
         </a:lnSpc>
         <a:spcBef>
           <a:spcPts val="1000"/>
         </a:spcBef>
+        <a:buClr>
+          <a:schemeClr val="tx1"/>
+        </a:buClr>
         <a:buFont typeface="Arial" panose="020B0604020202020204" pitchFamily="34" charset="0"/>
         <a:buChar char="•"/>
-        <a:defRPr sz="2400" kern="1200">
+        <a:defRPr sz="2000" kern="1200" cap="all" baseline="0">
           <a:solidFill>
             <a:schemeClr val="tx1"/>
           </a:solidFill>
+          <a:effectLst/>
           <a:latin typeface="+mn-lt"/>
           <a:ea typeface="+mn-ea"/>
           <a:cs typeface="+mn-cs"/>
@@ -8227,17 +6348,21 @@
       </a:lvl1pPr>
       <a:lvl2pPr marL="685800" indent="-228600" algn="l" defTabSz="914400" rtl="0" eaLnBrk="1" latinLnBrk="0" hangingPunct="1">
         <a:lnSpc>
-          <a:spcPct val="90000"/>
+          <a:spcPct val="120000"/>
         </a:lnSpc>
         <a:spcBef>
           <a:spcPts val="500"/>
         </a:spcBef>
+        <a:buClr>
+          <a:schemeClr val="tx1"/>
+        </a:buClr>
         <a:buFont typeface="Arial" panose="020B0604020202020204" pitchFamily="34" charset="0"/>
         <a:buChar char="•"/>
-        <a:defRPr sz="2000" kern="1200">
+        <a:defRPr sz="1800" kern="1200" cap="all" baseline="0">
           <a:solidFill>
             <a:schemeClr val="tx1"/>
           </a:solidFill>
+          <a:effectLst/>
           <a:latin typeface="+mn-lt"/>
           <a:ea typeface="+mn-ea"/>
           <a:cs typeface="+mn-cs"/>
@@ -8245,17 +6370,21 @@
       </a:lvl2pPr>
       <a:lvl3pPr marL="1143000" indent="-228600" algn="l" defTabSz="914400" rtl="0" eaLnBrk="1" latinLnBrk="0" hangingPunct="1">
         <a:lnSpc>
-          <a:spcPct val="90000"/>
+          <a:spcPct val="120000"/>
         </a:lnSpc>
         <a:spcBef>
           <a:spcPts val="500"/>
         </a:spcBef>
+        <a:buClr>
+          <a:schemeClr val="tx1"/>
+        </a:buClr>
         <a:buFont typeface="Arial" panose="020B0604020202020204" pitchFamily="34" charset="0"/>
         <a:buChar char="•"/>
-        <a:defRPr sz="1800" kern="1200">
+        <a:defRPr sz="1600" kern="1200" cap="all" baseline="0">
           <a:solidFill>
             <a:schemeClr val="tx1"/>
           </a:solidFill>
+          <a:effectLst/>
           <a:latin typeface="+mn-lt"/>
           <a:ea typeface="+mn-ea"/>
           <a:cs typeface="+mn-cs"/>
@@ -8263,17 +6392,21 @@
       </a:lvl3pPr>
       <a:lvl4pPr marL="1600200" indent="-228600" algn="l" defTabSz="914400" rtl="0" eaLnBrk="1" latinLnBrk="0" hangingPunct="1">
         <a:lnSpc>
-          <a:spcPct val="90000"/>
+          <a:spcPct val="120000"/>
         </a:lnSpc>
         <a:spcBef>
           <a:spcPts val="500"/>
         </a:spcBef>
+        <a:buClr>
+          <a:schemeClr val="tx1"/>
+        </a:buClr>
         <a:buFont typeface="Arial" panose="020B0604020202020204" pitchFamily="34" charset="0"/>
         <a:buChar char="•"/>
-        <a:defRPr sz="1600" kern="1200">
+        <a:defRPr sz="1400" kern="1200" cap="all" baseline="0">
           <a:solidFill>
             <a:schemeClr val="tx1"/>
           </a:solidFill>
+          <a:effectLst/>
           <a:latin typeface="+mn-lt"/>
           <a:ea typeface="+mn-ea"/>
           <a:cs typeface="+mn-cs"/>
@@ -8281,17 +6414,21 @@
       </a:lvl4pPr>
       <a:lvl5pPr marL="2057400" indent="-228600" algn="l" defTabSz="914400" rtl="0" eaLnBrk="1" latinLnBrk="0" hangingPunct="1">
         <a:lnSpc>
-          <a:spcPct val="90000"/>
+          <a:spcPct val="120000"/>
         </a:lnSpc>
         <a:spcBef>
           <a:spcPts val="500"/>
         </a:spcBef>
+        <a:buClr>
+          <a:schemeClr val="tx1"/>
+        </a:buClr>
         <a:buFont typeface="Arial" panose="020B0604020202020204" pitchFamily="34" charset="0"/>
         <a:buChar char="•"/>
-        <a:defRPr sz="1600" kern="1200">
+        <a:defRPr sz="1400" kern="1200" cap="all" baseline="0">
           <a:solidFill>
             <a:schemeClr val="tx1"/>
           </a:solidFill>
+          <a:effectLst/>
           <a:latin typeface="+mn-lt"/>
           <a:ea typeface="+mn-ea"/>
           <a:cs typeface="+mn-cs"/>
@@ -8299,17 +6436,21 @@
       </a:lvl5pPr>
       <a:lvl6pPr marL="2514600" indent="-228600" algn="l" defTabSz="914400" rtl="0" eaLnBrk="1" latinLnBrk="0" hangingPunct="1">
         <a:lnSpc>
-          <a:spcPct val="90000"/>
+          <a:spcPct val="120000"/>
         </a:lnSpc>
         <a:spcBef>
           <a:spcPts val="500"/>
         </a:spcBef>
+        <a:buClr>
+          <a:schemeClr val="tx1"/>
+        </a:buClr>
         <a:buFont typeface="Arial" panose="020B0604020202020204" pitchFamily="34" charset="0"/>
         <a:buChar char="•"/>
-        <a:defRPr sz="1400" kern="1200">
+        <a:defRPr sz="1400" kern="1200" cap="all" baseline="0">
           <a:solidFill>
             <a:schemeClr val="tx1"/>
           </a:solidFill>
+          <a:effectLst/>
           <a:latin typeface="+mn-lt"/>
           <a:ea typeface="+mn-ea"/>
           <a:cs typeface="+mn-cs"/>
@@ -8317,17 +6458,21 @@
       </a:lvl6pPr>
       <a:lvl7pPr marL="2971800" indent="-228600" algn="l" defTabSz="914400" rtl="0" eaLnBrk="1" latinLnBrk="0" hangingPunct="1">
         <a:lnSpc>
-          <a:spcPct val="90000"/>
+          <a:spcPct val="120000"/>
         </a:lnSpc>
         <a:spcBef>
           <a:spcPts val="500"/>
         </a:spcBef>
+        <a:buClr>
+          <a:schemeClr val="tx1"/>
+        </a:buClr>
         <a:buFont typeface="Arial" panose="020B0604020202020204" pitchFamily="34" charset="0"/>
         <a:buChar char="•"/>
-        <a:defRPr sz="1400" kern="1200">
+        <a:defRPr sz="1400" kern="1200" cap="all" baseline="0">
           <a:solidFill>
             <a:schemeClr val="tx1"/>
           </a:solidFill>
+          <a:effectLst/>
           <a:latin typeface="+mn-lt"/>
           <a:ea typeface="+mn-ea"/>
           <a:cs typeface="+mn-cs"/>
@@ -8335,17 +6480,21 @@
       </a:lvl7pPr>
       <a:lvl8pPr marL="3429000" indent="-228600" algn="l" defTabSz="914400" rtl="0" eaLnBrk="1" latinLnBrk="0" hangingPunct="1">
         <a:lnSpc>
-          <a:spcPct val="90000"/>
+          <a:spcPct val="120000"/>
         </a:lnSpc>
         <a:spcBef>
           <a:spcPts val="500"/>
         </a:spcBef>
+        <a:buClr>
+          <a:schemeClr val="tx1"/>
+        </a:buClr>
         <a:buFont typeface="Arial" panose="020B0604020202020204" pitchFamily="34" charset="0"/>
         <a:buChar char="•"/>
-        <a:defRPr sz="1400" kern="1200">
+        <a:defRPr sz="1400" kern="1200" cap="all" baseline="0">
           <a:solidFill>
             <a:schemeClr val="tx1"/>
           </a:solidFill>
+          <a:effectLst/>
           <a:latin typeface="+mn-lt"/>
           <a:ea typeface="+mn-ea"/>
           <a:cs typeface="+mn-cs"/>
@@ -8353,17 +6502,21 @@
       </a:lvl8pPr>
       <a:lvl9pPr marL="3886200" indent="-228600" algn="l" defTabSz="914400" rtl="0" eaLnBrk="1" latinLnBrk="0" hangingPunct="1">
         <a:lnSpc>
-          <a:spcPct val="90000"/>
+          <a:spcPct val="120000"/>
         </a:lnSpc>
         <a:spcBef>
           <a:spcPts val="500"/>
         </a:spcBef>
+        <a:buClr>
+          <a:schemeClr val="tx1"/>
+        </a:buClr>
         <a:buFont typeface="Arial" panose="020B0604020202020204" pitchFamily="34" charset="0"/>
         <a:buChar char="•"/>
-        <a:defRPr sz="1400" kern="1200">
+        <a:defRPr sz="1400" kern="1200" cap="all" baseline="0">
           <a:solidFill>
             <a:schemeClr val="tx1"/>
           </a:solidFill>
+          <a:effectLst/>
           <a:latin typeface="+mn-lt"/>
           <a:ea typeface="+mn-ea"/>
           <a:cs typeface="+mn-cs"/>
@@ -8479,28 +6632,29 @@
   <p:cSld>
     <p:bg>
       <p:bgPr>
-        <a:gradFill flip="none" rotWithShape="1">
+        <a:gradFill>
           <a:gsLst>
-            <a:gs pos="0">
-              <a:schemeClr val="accent4">
-                <a:lumMod val="67000"/>
+            <a:gs pos="61000">
+              <a:schemeClr val="accent3">
+                <a:lumMod val="75000"/>
               </a:schemeClr>
             </a:gs>
-            <a:gs pos="48000">
-              <a:schemeClr val="accent4">
-                <a:lumMod val="97000"/>
-                <a:lumOff val="3000"/>
+            <a:gs pos="95000">
+              <a:schemeClr val="bg1"/>
+            </a:gs>
+            <a:gs pos="100000">
+              <a:schemeClr val="bg1"/>
+            </a:gs>
+            <a:gs pos="85000">
+              <a:schemeClr val="accent1">
+                <a:lumMod val="75000"/>
               </a:schemeClr>
             </a:gs>
             <a:gs pos="100000">
-              <a:schemeClr val="accent4">
-                <a:lumMod val="60000"/>
-                <a:lumOff val="40000"/>
-              </a:schemeClr>
+              <a:srgbClr val="00B0F0"/>
             </a:gs>
           </a:gsLst>
-          <a:lin ang="16200000" scaled="1"/>
-          <a:tileRect/>
+          <a:lin ang="2700000" scaled="1"/>
         </a:gradFill>
         <a:effectLst/>
       </p:bgPr>
@@ -8583,9 +6737,30 @@
   <p:cSld>
     <p:bg>
       <p:bgPr>
-        <a:solidFill>
-          <a:schemeClr val="accent4"/>
-        </a:solidFill>
+        <a:gradFill>
+          <a:gsLst>
+            <a:gs pos="61000">
+              <a:schemeClr val="accent3">
+                <a:lumMod val="75000"/>
+              </a:schemeClr>
+            </a:gs>
+            <a:gs pos="95000">
+              <a:schemeClr val="bg1"/>
+            </a:gs>
+            <a:gs pos="100000">
+              <a:schemeClr val="bg1"/>
+            </a:gs>
+            <a:gs pos="85000">
+              <a:schemeClr val="accent1">
+                <a:lumMod val="75000"/>
+              </a:schemeClr>
+            </a:gs>
+            <a:gs pos="100000">
+              <a:srgbClr val="00B0F0"/>
+            </a:gs>
+          </a:gsLst>
+          <a:lin ang="2700000" scaled="1"/>
+        </a:gradFill>
         <a:effectLst/>
       </p:bgPr>
     </p:bg>
@@ -8633,7 +6808,7 @@
             <a:spLocks noGrp="1"/>
           </p:cNvSpPr>
           <p:nvPr>
-            <p:ph idx="1"/>
+            <p:ph sz="quarter" idx="13"/>
           </p:nvPr>
         </p:nvSpPr>
         <p:spPr>
@@ -8686,28 +6861,29 @@
   <p:cSld>
     <p:bg>
       <p:bgPr>
-        <a:gradFill flip="none" rotWithShape="1">
+        <a:gradFill>
           <a:gsLst>
-            <a:gs pos="0">
-              <a:schemeClr val="accent4">
-                <a:lumMod val="67000"/>
+            <a:gs pos="61000">
+              <a:schemeClr val="accent3">
+                <a:lumMod val="75000"/>
               </a:schemeClr>
             </a:gs>
-            <a:gs pos="48000">
-              <a:schemeClr val="accent4">
-                <a:lumMod val="97000"/>
-                <a:lumOff val="3000"/>
+            <a:gs pos="95000">
+              <a:schemeClr val="bg1"/>
+            </a:gs>
+            <a:gs pos="100000">
+              <a:schemeClr val="bg1"/>
+            </a:gs>
+            <a:gs pos="85000">
+              <a:schemeClr val="accent1">
+                <a:lumMod val="75000"/>
               </a:schemeClr>
             </a:gs>
             <a:gs pos="100000">
-              <a:schemeClr val="accent4">
-                <a:lumMod val="60000"/>
-                <a:lumOff val="40000"/>
-              </a:schemeClr>
+              <a:srgbClr val="00B0F0"/>
             </a:gs>
           </a:gsLst>
-          <a:lin ang="16200000" scaled="1"/>
-          <a:tileRect/>
+          <a:lin ang="2700000" scaled="1"/>
         </a:gradFill>
         <a:effectLst/>
       </p:bgPr>
@@ -8756,7 +6932,7 @@
             <a:spLocks noGrp="1"/>
           </p:cNvSpPr>
           <p:nvPr>
-            <p:ph idx="1"/>
+            <p:ph sz="quarter" idx="13"/>
           </p:nvPr>
         </p:nvSpPr>
         <p:spPr/>
@@ -8839,28 +7015,29 @@
   <p:cSld>
     <p:bg>
       <p:bgPr>
-        <a:gradFill flip="none" rotWithShape="1">
+        <a:gradFill>
           <a:gsLst>
-            <a:gs pos="0">
-              <a:schemeClr val="accent4">
-                <a:lumMod val="67000"/>
+            <a:gs pos="61000">
+              <a:schemeClr val="accent3">
+                <a:lumMod val="75000"/>
               </a:schemeClr>
             </a:gs>
-            <a:gs pos="48000">
-              <a:schemeClr val="accent4">
-                <a:lumMod val="97000"/>
-                <a:lumOff val="3000"/>
+            <a:gs pos="95000">
+              <a:schemeClr val="bg1"/>
+            </a:gs>
+            <a:gs pos="100000">
+              <a:schemeClr val="bg1"/>
+            </a:gs>
+            <a:gs pos="85000">
+              <a:schemeClr val="accent1">
+                <a:lumMod val="75000"/>
               </a:schemeClr>
             </a:gs>
             <a:gs pos="100000">
-              <a:schemeClr val="accent4">
-                <a:lumMod val="60000"/>
-                <a:lumOff val="40000"/>
-              </a:schemeClr>
+              <a:srgbClr val="00B0F0"/>
             </a:gs>
           </a:gsLst>
-          <a:lin ang="16200000" scaled="1"/>
-          <a:tileRect/>
+          <a:lin ang="2700000" scaled="1"/>
         </a:gradFill>
         <a:effectLst/>
       </p:bgPr>
@@ -8909,7 +7086,7 @@
             <a:spLocks noGrp="1"/>
           </p:cNvSpPr>
           <p:nvPr>
-            <p:ph idx="1"/>
+            <p:ph sz="quarter" idx="13"/>
           </p:nvPr>
         </p:nvSpPr>
         <p:spPr/>
@@ -9006,28 +7183,29 @@
   <p:cSld>
     <p:bg>
       <p:bgPr>
-        <a:gradFill flip="none" rotWithShape="1">
+        <a:gradFill>
           <a:gsLst>
-            <a:gs pos="0">
-              <a:schemeClr val="accent4">
-                <a:lumMod val="67000"/>
+            <a:gs pos="61000">
+              <a:schemeClr val="accent3">
+                <a:lumMod val="75000"/>
               </a:schemeClr>
             </a:gs>
-            <a:gs pos="48000">
-              <a:schemeClr val="accent4">
-                <a:lumMod val="97000"/>
-                <a:lumOff val="3000"/>
+            <a:gs pos="95000">
+              <a:schemeClr val="bg1"/>
+            </a:gs>
+            <a:gs pos="100000">
+              <a:schemeClr val="bg1"/>
+            </a:gs>
+            <a:gs pos="85000">
+              <a:schemeClr val="accent1">
+                <a:lumMod val="75000"/>
               </a:schemeClr>
             </a:gs>
             <a:gs pos="100000">
-              <a:schemeClr val="accent4">
-                <a:lumMod val="60000"/>
-                <a:lumOff val="40000"/>
-              </a:schemeClr>
+              <a:srgbClr val="00B0F0"/>
             </a:gs>
           </a:gsLst>
-          <a:lin ang="16200000" scaled="1"/>
-          <a:tileRect/>
+          <a:lin ang="2700000" scaled="1"/>
         </a:gradFill>
         <a:effectLst/>
       </p:bgPr>
@@ -9076,7 +7254,7 @@
             <a:spLocks noGrp="1"/>
           </p:cNvSpPr>
           <p:nvPr>
-            <p:ph idx="1"/>
+            <p:ph sz="quarter" idx="13"/>
           </p:nvPr>
         </p:nvSpPr>
         <p:spPr/>
@@ -9155,28 +7333,29 @@
   <p:cSld>
     <p:bg>
       <p:bgPr>
-        <a:gradFill flip="none" rotWithShape="1">
+        <a:gradFill>
           <a:gsLst>
-            <a:gs pos="0">
-              <a:schemeClr val="accent4">
-                <a:lumMod val="67000"/>
+            <a:gs pos="61000">
+              <a:schemeClr val="accent3">
+                <a:lumMod val="75000"/>
               </a:schemeClr>
             </a:gs>
-            <a:gs pos="48000">
-              <a:schemeClr val="accent4">
-                <a:lumMod val="97000"/>
-                <a:lumOff val="3000"/>
+            <a:gs pos="95000">
+              <a:schemeClr val="bg1"/>
+            </a:gs>
+            <a:gs pos="100000">
+              <a:schemeClr val="bg1"/>
+            </a:gs>
+            <a:gs pos="85000">
+              <a:schemeClr val="accent1">
+                <a:lumMod val="75000"/>
               </a:schemeClr>
             </a:gs>
             <a:gs pos="100000">
-              <a:schemeClr val="accent4">
-                <a:lumMod val="60000"/>
-                <a:lumOff val="40000"/>
-              </a:schemeClr>
+              <a:srgbClr val="00B0F0"/>
             </a:gs>
           </a:gsLst>
-          <a:lin ang="16200000" scaled="1"/>
-          <a:tileRect/>
+          <a:lin ang="2700000" scaled="1"/>
         </a:gradFill>
         <a:effectLst/>
       </p:bgPr>
@@ -9225,7 +7404,7 @@
             <a:spLocks noGrp="1"/>
           </p:cNvSpPr>
           <p:nvPr>
-            <p:ph idx="1"/>
+            <p:ph sz="quarter" idx="13"/>
           </p:nvPr>
         </p:nvSpPr>
         <p:spPr/>
@@ -9317,9 +7496,30 @@
   <p:cSld>
     <p:bg>
       <p:bgPr>
-        <a:solidFill>
-          <a:schemeClr val="accent4"/>
-        </a:solidFill>
+        <a:gradFill>
+          <a:gsLst>
+            <a:gs pos="61000">
+              <a:schemeClr val="accent3">
+                <a:lumMod val="75000"/>
+              </a:schemeClr>
+            </a:gs>
+            <a:gs pos="95000">
+              <a:schemeClr val="bg1"/>
+            </a:gs>
+            <a:gs pos="100000">
+              <a:schemeClr val="bg1"/>
+            </a:gs>
+            <a:gs pos="85000">
+              <a:schemeClr val="accent1">
+                <a:lumMod val="75000"/>
+              </a:schemeClr>
+            </a:gs>
+            <a:gs pos="100000">
+              <a:srgbClr val="00B0F0"/>
+            </a:gs>
+          </a:gsLst>
+          <a:lin ang="2700000" scaled="1"/>
+        </a:gradFill>
         <a:effectLst/>
       </p:bgPr>
     </p:bg>
@@ -9379,7 +7579,7 @@
             <a:picLocks noGrp="1" noChangeAspect="1"/>
           </p:cNvPicPr>
           <p:nvPr>
-            <p:ph idx="1"/>
+            <p:ph sz="quarter" idx="13"/>
           </p:nvPr>
         </p:nvPicPr>
         <p:blipFill>
@@ -9396,8 +7596,8 @@
         </p:blipFill>
         <p:spPr>
           <a:xfrm>
-            <a:off x="1097464" y="2336800"/>
-            <a:ext cx="5760035" cy="3598863"/>
+            <a:off x="1831728" y="2366963"/>
+            <a:ext cx="5480544" cy="3424237"/>
           </a:xfrm>
         </p:spPr>
       </p:pic>
@@ -9419,9 +7619,30 @@
   <p:cSld>
     <p:bg>
       <p:bgPr>
-        <a:solidFill>
-          <a:schemeClr val="accent4"/>
-        </a:solidFill>
+        <a:gradFill>
+          <a:gsLst>
+            <a:gs pos="61000">
+              <a:schemeClr val="accent3">
+                <a:lumMod val="75000"/>
+              </a:schemeClr>
+            </a:gs>
+            <a:gs pos="95000">
+              <a:schemeClr val="bg1"/>
+            </a:gs>
+            <a:gs pos="100000">
+              <a:schemeClr val="bg1"/>
+            </a:gs>
+            <a:gs pos="85000">
+              <a:schemeClr val="accent1">
+                <a:lumMod val="75000"/>
+              </a:schemeClr>
+            </a:gs>
+            <a:gs pos="100000">
+              <a:srgbClr val="00B0F0"/>
+            </a:gs>
+          </a:gsLst>
+          <a:lin ang="2700000" scaled="1"/>
+        </a:gradFill>
         <a:effectLst/>
       </p:bgPr>
     </p:bg>
@@ -9469,7 +7690,7 @@
             <a:spLocks noGrp="1"/>
           </p:cNvSpPr>
           <p:nvPr>
-            <p:ph idx="1"/>
+            <p:ph sz="quarter" idx="13"/>
           </p:nvPr>
         </p:nvSpPr>
         <p:spPr/>
@@ -9538,28 +7759,29 @@
   <p:cSld>
     <p:bg>
       <p:bgPr>
-        <a:gradFill flip="none" rotWithShape="1">
+        <a:gradFill>
           <a:gsLst>
-            <a:gs pos="0">
-              <a:schemeClr val="accent4">
-                <a:lumMod val="67000"/>
+            <a:gs pos="61000">
+              <a:schemeClr val="accent3">
+                <a:lumMod val="75000"/>
               </a:schemeClr>
             </a:gs>
-            <a:gs pos="48000">
-              <a:schemeClr val="accent4">
-                <a:lumMod val="97000"/>
-                <a:lumOff val="3000"/>
+            <a:gs pos="95000">
+              <a:schemeClr val="bg1"/>
+            </a:gs>
+            <a:gs pos="100000">
+              <a:schemeClr val="bg1"/>
+            </a:gs>
+            <a:gs pos="85000">
+              <a:schemeClr val="accent1">
+                <a:lumMod val="75000"/>
               </a:schemeClr>
             </a:gs>
             <a:gs pos="100000">
-              <a:schemeClr val="accent4">
-                <a:lumMod val="60000"/>
-                <a:lumOff val="40000"/>
-              </a:schemeClr>
+              <a:srgbClr val="00B0F0"/>
             </a:gs>
           </a:gsLst>
-          <a:lin ang="16200000" scaled="1"/>
-          <a:tileRect/>
+          <a:lin ang="2700000" scaled="1"/>
         </a:gradFill>
         <a:effectLst/>
       </p:bgPr>
@@ -9608,7 +7830,7 @@
             <a:spLocks noGrp="1"/>
           </p:cNvSpPr>
           <p:nvPr>
-            <p:ph idx="1"/>
+            <p:ph sz="quarter" idx="13"/>
           </p:nvPr>
         </p:nvSpPr>
         <p:spPr/>
@@ -9642,9 +7864,30 @@
   <p:cSld>
     <p:bg>
       <p:bgPr>
-        <a:solidFill>
-          <a:schemeClr val="accent4"/>
-        </a:solidFill>
+        <a:gradFill>
+          <a:gsLst>
+            <a:gs pos="61000">
+              <a:schemeClr val="accent3">
+                <a:lumMod val="75000"/>
+              </a:schemeClr>
+            </a:gs>
+            <a:gs pos="95000">
+              <a:schemeClr val="bg1"/>
+            </a:gs>
+            <a:gs pos="100000">
+              <a:schemeClr val="bg1"/>
+            </a:gs>
+            <a:gs pos="85000">
+              <a:schemeClr val="accent1">
+                <a:lumMod val="75000"/>
+              </a:schemeClr>
+            </a:gs>
+            <a:gs pos="100000">
+              <a:srgbClr val="00B0F0"/>
+            </a:gs>
+          </a:gsLst>
+          <a:lin ang="2700000" scaled="1"/>
+        </a:gradFill>
         <a:effectLst/>
       </p:bgPr>
     </p:bg>
@@ -9692,7 +7935,7 @@
             <a:picLocks noGrp="1" noChangeAspect="1"/>
           </p:cNvPicPr>
           <p:nvPr>
-            <p:ph idx="1"/>
+            <p:ph sz="quarter" idx="13"/>
           </p:nvPr>
         </p:nvPicPr>
         <p:blipFill>
@@ -9709,8 +7952,8 @@
         </p:blipFill>
         <p:spPr>
           <a:xfrm>
-            <a:off x="2127654" y="2492558"/>
-            <a:ext cx="4744485" cy="3056331"/>
+            <a:off x="2920137" y="2111604"/>
+            <a:ext cx="4281317" cy="2757965"/>
           </a:xfrm>
         </p:spPr>
       </p:pic>
@@ -9732,11 +7975,30 @@
   <p:cSld>
     <p:bg>
       <p:bgPr>
-        <a:solidFill>
-          <a:schemeClr val="accent4">
-            <a:lumMod val="75000"/>
-          </a:schemeClr>
-        </a:solidFill>
+        <a:gradFill>
+          <a:gsLst>
+            <a:gs pos="61000">
+              <a:schemeClr val="accent3">
+                <a:lumMod val="75000"/>
+              </a:schemeClr>
+            </a:gs>
+            <a:gs pos="95000">
+              <a:schemeClr val="bg1"/>
+            </a:gs>
+            <a:gs pos="100000">
+              <a:schemeClr val="bg1"/>
+            </a:gs>
+            <a:gs pos="85000">
+              <a:schemeClr val="accent1">
+                <a:lumMod val="75000"/>
+              </a:schemeClr>
+            </a:gs>
+            <a:gs pos="100000">
+              <a:srgbClr val="00B0F0"/>
+            </a:gs>
+          </a:gsLst>
+          <a:lin ang="2700000" scaled="1"/>
+        </a:gradFill>
         <a:effectLst/>
       </p:bgPr>
     </p:bg>
@@ -9777,40 +8039,6 @@
           </a:p>
         </p:txBody>
       </p:sp>
-      <p:sp>
-        <p:nvSpPr>
-          <p:cNvPr id="6" name="TextBox 5"/>
-          <p:cNvSpPr txBox="1"/>
-          <p:nvPr/>
-        </p:nvSpPr>
-        <p:spPr>
-          <a:xfrm>
-            <a:off x="1421091" y="2921720"/>
-            <a:ext cx="1793440" cy="300082"/>
-          </a:xfrm>
-          <a:prstGeom prst="rect">
-            <a:avLst/>
-          </a:prstGeom>
-          <a:noFill/>
-        </p:spPr>
-        <p:txBody>
-          <a:bodyPr wrap="none" rtlCol="0">
-            <a:spAutoFit/>
-          </a:bodyPr>
-          <a:lstStyle/>
-          <a:p>
-            <a:r>
-              <a:rPr lang="en-US" sz="1350" dirty="0" smtClean="0"/>
-              <a:t>Wikipedia </a:t>
-            </a:r>
-            <a:r>
-              <a:rPr lang="en-US" sz="1350" dirty="0" err="1" smtClean="0"/>
-              <a:t>defination</a:t>
-            </a:r>
-            <a:endParaRPr lang="en-US" sz="1350" dirty="0"/>
-          </a:p>
-        </p:txBody>
-      </p:sp>
       <p:pic>
         <p:nvPicPr>
           <p:cNvPr id="5" name="Content Placeholder 4"/>
@@ -9818,7 +8046,7 @@
             <a:picLocks noGrp="1" noChangeAspect="1"/>
           </p:cNvPicPr>
           <p:nvPr>
-            <p:ph idx="1"/>
+            <p:ph sz="quarter" idx="13"/>
           </p:nvPr>
         </p:nvPicPr>
         <p:blipFill>
@@ -9835,11 +8063,41 @@
         </p:blipFill>
         <p:spPr>
           <a:xfrm>
-            <a:off x="759643" y="3221802"/>
-            <a:ext cx="6888163" cy="2443394"/>
+            <a:off x="1009650" y="2815431"/>
+            <a:ext cx="7124700" cy="2527300"/>
           </a:xfrm>
         </p:spPr>
       </p:pic>
+      <p:sp>
+        <p:nvSpPr>
+          <p:cNvPr id="6" name="TextBox 5"/>
+          <p:cNvSpPr txBox="1"/>
+          <p:nvPr/>
+        </p:nvSpPr>
+        <p:spPr>
+          <a:xfrm>
+            <a:off x="1421091" y="2921720"/>
+            <a:ext cx="1611339" cy="300082"/>
+          </a:xfrm>
+          <a:prstGeom prst="rect">
+            <a:avLst/>
+          </a:prstGeom>
+          <a:noFill/>
+        </p:spPr>
+        <p:txBody>
+          <a:bodyPr wrap="none" rtlCol="0">
+            <a:spAutoFit/>
+          </a:bodyPr>
+          <a:lstStyle/>
+          <a:p>
+            <a:r>
+              <a:rPr lang="en-US" sz="1350" smtClean="0"/>
+              <a:t>Wikipedia definition</a:t>
+            </a:r>
+            <a:endParaRPr lang="en-US" sz="1350" dirty="0"/>
+          </a:p>
+        </p:txBody>
+      </p:sp>
     </p:spTree>
     <p:extLst>
       <p:ext uri="{BB962C8B-B14F-4D97-AF65-F5344CB8AC3E}">
@@ -9858,28 +8116,29 @@
   <p:cSld>
     <p:bg>
       <p:bgPr>
-        <a:gradFill flip="none" rotWithShape="1">
+        <a:gradFill>
           <a:gsLst>
-            <a:gs pos="0">
-              <a:schemeClr val="accent4">
-                <a:lumMod val="67000"/>
+            <a:gs pos="61000">
+              <a:schemeClr val="accent3">
+                <a:lumMod val="75000"/>
               </a:schemeClr>
             </a:gs>
-            <a:gs pos="48000">
-              <a:schemeClr val="accent4">
-                <a:lumMod val="97000"/>
-                <a:lumOff val="3000"/>
+            <a:gs pos="95000">
+              <a:schemeClr val="bg1"/>
+            </a:gs>
+            <a:gs pos="100000">
+              <a:schemeClr val="bg1"/>
+            </a:gs>
+            <a:gs pos="85000">
+              <a:schemeClr val="accent1">
+                <a:lumMod val="75000"/>
               </a:schemeClr>
             </a:gs>
             <a:gs pos="100000">
-              <a:schemeClr val="accent4">
-                <a:lumMod val="60000"/>
-                <a:lumOff val="40000"/>
-              </a:schemeClr>
+              <a:srgbClr val="00B0F0"/>
             </a:gs>
           </a:gsLst>
-          <a:lin ang="16200000" scaled="1"/>
-          <a:tileRect/>
+          <a:lin ang="2700000" scaled="1"/>
         </a:gradFill>
         <a:effectLst/>
       </p:bgPr>
@@ -9928,7 +8187,7 @@
             <a:spLocks noGrp="1"/>
           </p:cNvSpPr>
           <p:nvPr>
-            <p:ph idx="1"/>
+            <p:ph sz="quarter" idx="13"/>
           </p:nvPr>
         </p:nvSpPr>
         <p:spPr/>
@@ -10018,30 +8277,29 @@
   <p:cSld>
     <p:bg>
       <p:bgPr>
-        <a:gradFill flip="none" rotWithShape="1">
+        <a:gradFill>
           <a:gsLst>
-            <a:gs pos="0">
-              <a:schemeClr val="accent4">
-                <a:lumMod val="40000"/>
-                <a:lumOff val="60000"/>
+            <a:gs pos="61000">
+              <a:schemeClr val="accent3">
+                <a:lumMod val="75000"/>
               </a:schemeClr>
             </a:gs>
-            <a:gs pos="46000">
-              <a:schemeClr val="accent4">
-                <a:lumMod val="95000"/>
-                <a:lumOff val="5000"/>
+            <a:gs pos="95000">
+              <a:schemeClr val="bg1"/>
+            </a:gs>
+            <a:gs pos="100000">
+              <a:schemeClr val="bg1"/>
+            </a:gs>
+            <a:gs pos="85000">
+              <a:schemeClr val="accent1">
+                <a:lumMod val="75000"/>
               </a:schemeClr>
             </a:gs>
             <a:gs pos="100000">
-              <a:schemeClr val="accent4">
-                <a:lumMod val="60000"/>
-              </a:schemeClr>
+              <a:srgbClr val="00B0F0"/>
             </a:gs>
           </a:gsLst>
-          <a:path path="circle">
-            <a:fillToRect l="50000" t="130000" r="50000" b="-30000"/>
-          </a:path>
-          <a:tileRect/>
+          <a:lin ang="2700000" scaled="1"/>
         </a:gradFill>
         <a:effectLst/>
       </p:bgPr>
@@ -10090,7 +8348,7 @@
             <a:picLocks noGrp="1" noChangeAspect="1"/>
           </p:cNvPicPr>
           <p:nvPr>
-            <p:ph idx="1"/>
+            <p:ph sz="quarter" idx="13"/>
           </p:nvPr>
         </p:nvPicPr>
         <p:blipFill>
@@ -10130,28 +8388,29 @@
   <p:cSld>
     <p:bg>
       <p:bgPr>
-        <a:gradFill flip="none" rotWithShape="1">
+        <a:gradFill>
           <a:gsLst>
-            <a:gs pos="0">
-              <a:schemeClr val="accent4">
-                <a:lumMod val="67000"/>
+            <a:gs pos="61000">
+              <a:schemeClr val="accent3">
+                <a:lumMod val="75000"/>
               </a:schemeClr>
             </a:gs>
-            <a:gs pos="48000">
-              <a:schemeClr val="accent4">
-                <a:lumMod val="97000"/>
-                <a:lumOff val="3000"/>
+            <a:gs pos="95000">
+              <a:schemeClr val="bg1"/>
+            </a:gs>
+            <a:gs pos="100000">
+              <a:schemeClr val="bg1"/>
+            </a:gs>
+            <a:gs pos="85000">
+              <a:schemeClr val="accent1">
+                <a:lumMod val="75000"/>
               </a:schemeClr>
             </a:gs>
             <a:gs pos="100000">
-              <a:schemeClr val="accent4">
-                <a:lumMod val="60000"/>
-                <a:lumOff val="40000"/>
-              </a:schemeClr>
+              <a:srgbClr val="00B0F0"/>
             </a:gs>
           </a:gsLst>
-          <a:lin ang="16200000" scaled="1"/>
-          <a:tileRect/>
+          <a:lin ang="2700000" scaled="1"/>
         </a:gradFill>
         <a:effectLst/>
       </p:bgPr>
@@ -10200,13 +8459,13 @@
             <a:spLocks noGrp="1"/>
           </p:cNvSpPr>
           <p:nvPr>
-            <p:ph idx="1"/>
+            <p:ph sz="quarter" idx="13"/>
           </p:nvPr>
         </p:nvSpPr>
         <p:spPr/>
         <p:txBody>
           <a:bodyPr>
-            <a:normAutofit lnSpcReduction="10000"/>
+            <a:normAutofit fontScale="92500" lnSpcReduction="20000"/>
           </a:bodyPr>
           <a:lstStyle/>
           <a:p>
@@ -10288,28 +8547,29 @@
   <p:cSld>
     <p:bg>
       <p:bgPr>
-        <a:gradFill flip="none" rotWithShape="1">
+        <a:gradFill>
           <a:gsLst>
-            <a:gs pos="0">
-              <a:schemeClr val="accent4">
-                <a:lumMod val="67000"/>
+            <a:gs pos="61000">
+              <a:schemeClr val="accent3">
+                <a:lumMod val="75000"/>
               </a:schemeClr>
             </a:gs>
-            <a:gs pos="48000">
-              <a:schemeClr val="accent4">
-                <a:lumMod val="97000"/>
-                <a:lumOff val="3000"/>
+            <a:gs pos="95000">
+              <a:schemeClr val="bg1"/>
+            </a:gs>
+            <a:gs pos="100000">
+              <a:schemeClr val="bg1"/>
+            </a:gs>
+            <a:gs pos="85000">
+              <a:schemeClr val="accent1">
+                <a:lumMod val="75000"/>
               </a:schemeClr>
             </a:gs>
             <a:gs pos="100000">
-              <a:schemeClr val="accent4">
-                <a:lumMod val="60000"/>
-                <a:lumOff val="40000"/>
-              </a:schemeClr>
+              <a:srgbClr val="00B0F0"/>
             </a:gs>
           </a:gsLst>
-          <a:lin ang="16200000" scaled="1"/>
-          <a:tileRect/>
+          <a:lin ang="2700000" scaled="1"/>
         </a:gradFill>
         <a:effectLst/>
       </p:bgPr>
@@ -10360,13 +8620,13 @@
             <a:spLocks noGrp="1"/>
           </p:cNvSpPr>
           <p:nvPr>
-            <p:ph idx="1"/>
+            <p:ph sz="quarter" idx="13"/>
           </p:nvPr>
         </p:nvSpPr>
         <p:spPr/>
         <p:txBody>
           <a:bodyPr>
-            <a:normAutofit fontScale="92500" lnSpcReduction="10000"/>
+            <a:normAutofit fontScale="92500" lnSpcReduction="20000"/>
           </a:bodyPr>
           <a:lstStyle/>
           <a:p>
@@ -10467,28 +8727,29 @@
   <p:cSld>
     <p:bg>
       <p:bgPr>
-        <a:gradFill flip="none" rotWithShape="1">
+        <a:gradFill>
           <a:gsLst>
-            <a:gs pos="0">
-              <a:schemeClr val="accent4">
-                <a:lumMod val="67000"/>
+            <a:gs pos="61000">
+              <a:schemeClr val="accent3">
+                <a:lumMod val="75000"/>
               </a:schemeClr>
             </a:gs>
-            <a:gs pos="48000">
-              <a:schemeClr val="accent4">
-                <a:lumMod val="97000"/>
-                <a:lumOff val="3000"/>
+            <a:gs pos="95000">
+              <a:schemeClr val="bg1"/>
+            </a:gs>
+            <a:gs pos="100000">
+              <a:schemeClr val="bg1"/>
+            </a:gs>
+            <a:gs pos="85000">
+              <a:schemeClr val="accent1">
+                <a:lumMod val="75000"/>
               </a:schemeClr>
             </a:gs>
             <a:gs pos="100000">
-              <a:schemeClr val="accent4">
-                <a:lumMod val="60000"/>
-                <a:lumOff val="40000"/>
-              </a:schemeClr>
+              <a:srgbClr val="00B0F0"/>
             </a:gs>
           </a:gsLst>
-          <a:lin ang="16200000" scaled="1"/>
-          <a:tileRect/>
+          <a:lin ang="2700000" scaled="1"/>
         </a:gradFill>
         <a:effectLst/>
       </p:bgPr>
@@ -10537,13 +8798,13 @@
             <a:spLocks noGrp="1"/>
           </p:cNvSpPr>
           <p:nvPr>
-            <p:ph idx="1"/>
+            <p:ph sz="quarter" idx="13"/>
           </p:nvPr>
         </p:nvSpPr>
         <p:spPr/>
         <p:txBody>
           <a:bodyPr>
-            <a:normAutofit fontScale="92500"/>
+            <a:normAutofit/>
           </a:bodyPr>
           <a:lstStyle/>
           <a:p>
@@ -10611,28 +8872,29 @@
   <p:cSld>
     <p:bg>
       <p:bgPr>
-        <a:gradFill flip="none" rotWithShape="1">
+        <a:gradFill>
           <a:gsLst>
-            <a:gs pos="0">
-              <a:schemeClr val="accent4">
-                <a:lumMod val="67000"/>
+            <a:gs pos="61000">
+              <a:schemeClr val="accent3">
+                <a:lumMod val="75000"/>
               </a:schemeClr>
             </a:gs>
-            <a:gs pos="48000">
-              <a:schemeClr val="accent4">
-                <a:lumMod val="97000"/>
-                <a:lumOff val="3000"/>
+            <a:gs pos="95000">
+              <a:schemeClr val="bg1"/>
+            </a:gs>
+            <a:gs pos="100000">
+              <a:schemeClr val="bg1"/>
+            </a:gs>
+            <a:gs pos="85000">
+              <a:schemeClr val="accent1">
+                <a:lumMod val="75000"/>
               </a:schemeClr>
             </a:gs>
             <a:gs pos="100000">
-              <a:schemeClr val="accent4">
-                <a:lumMod val="60000"/>
-                <a:lumOff val="40000"/>
-              </a:schemeClr>
+              <a:srgbClr val="00B0F0"/>
             </a:gs>
           </a:gsLst>
-          <a:lin ang="16200000" scaled="1"/>
-          <a:tileRect/>
+          <a:lin ang="2700000" scaled="1"/>
         </a:gradFill>
         <a:effectLst/>
       </p:bgPr>
@@ -10681,7 +8943,7 @@
             <a:spLocks noGrp="1"/>
           </p:cNvSpPr>
           <p:nvPr>
-            <p:ph idx="1"/>
+            <p:ph sz="quarter" idx="13"/>
           </p:nvPr>
         </p:nvSpPr>
         <p:spPr/>
@@ -10754,28 +9016,29 @@
   <p:cSld>
     <p:bg>
       <p:bgPr>
-        <a:gradFill flip="none" rotWithShape="1">
+        <a:gradFill>
           <a:gsLst>
-            <a:gs pos="0">
-              <a:schemeClr val="accent4">
-                <a:lumMod val="67000"/>
+            <a:gs pos="61000">
+              <a:schemeClr val="accent3">
+                <a:lumMod val="75000"/>
               </a:schemeClr>
             </a:gs>
-            <a:gs pos="48000">
-              <a:schemeClr val="accent4">
-                <a:lumMod val="97000"/>
-                <a:lumOff val="3000"/>
+            <a:gs pos="95000">
+              <a:schemeClr val="bg1"/>
+            </a:gs>
+            <a:gs pos="100000">
+              <a:schemeClr val="bg1"/>
+            </a:gs>
+            <a:gs pos="85000">
+              <a:schemeClr val="accent1">
+                <a:lumMod val="75000"/>
               </a:schemeClr>
             </a:gs>
             <a:gs pos="100000">
-              <a:schemeClr val="accent4">
-                <a:lumMod val="60000"/>
-                <a:lumOff val="40000"/>
-              </a:schemeClr>
+              <a:srgbClr val="00B0F0"/>
             </a:gs>
           </a:gsLst>
-          <a:lin ang="16200000" scaled="1"/>
-          <a:tileRect/>
+          <a:lin ang="2700000" scaled="1"/>
         </a:gradFill>
         <a:effectLst/>
       </p:bgPr>
@@ -10824,7 +9087,7 @@
             <a:spLocks noGrp="1"/>
           </p:cNvSpPr>
           <p:nvPr>
-            <p:ph idx="1"/>
+            <p:ph sz="quarter" idx="13"/>
           </p:nvPr>
         </p:nvSpPr>
         <p:spPr/>
@@ -10903,9 +9166,9 @@
 </file>
 
 <file path=ppt/theme/theme1.xml><?xml version="1.0" encoding="utf-8"?>
-<a:theme xmlns:a="http://schemas.openxmlformats.org/drawingml/2006/main" name="Berlin">
+<a:theme xmlns:a="http://schemas.openxmlformats.org/drawingml/2006/main" name="Droplet">
   <a:themeElements>
-    <a:clrScheme name="Berlin">
+    <a:clrScheme name="Droplet">
       <a:dk1>
         <a:sysClr val="windowText" lastClr="000000"/>
       </a:dk1>
@@ -10913,39 +9176,39 @@
         <a:sysClr val="window" lastClr="FFFFFF"/>
       </a:lt1>
       <a:dk2>
-        <a:srgbClr val="9D360E"/>
+        <a:srgbClr val="355071"/>
       </a:dk2>
       <a:lt2>
-        <a:srgbClr val="E7E6E6"/>
+        <a:srgbClr val="AABED7"/>
       </a:lt2>
       <a:accent1>
-        <a:srgbClr val="F09415"/>
+        <a:srgbClr val="2FA3EE"/>
       </a:accent1>
       <a:accent2>
-        <a:srgbClr val="C1B56B"/>
+        <a:srgbClr val="4BCAAD"/>
       </a:accent2>
       <a:accent3>
-        <a:srgbClr val="4BAF73"/>
+        <a:srgbClr val="86C157"/>
       </a:accent3>
       <a:accent4>
-        <a:srgbClr val="5AA6C0"/>
+        <a:srgbClr val="D99C3F"/>
       </a:accent4>
       <a:accent5>
-        <a:srgbClr val="D17DF9"/>
+        <a:srgbClr val="CE6633"/>
       </a:accent5>
       <a:accent6>
-        <a:srgbClr val="FA7E5C"/>
+        <a:srgbClr val="A35DD1"/>
       </a:accent6>
       <a:hlink>
-        <a:srgbClr val="FFAE3E"/>
+        <a:srgbClr val="56BCFE"/>
       </a:hlink>
       <a:folHlink>
-        <a:srgbClr val="FCC77E"/>
+        <a:srgbClr val="97C5E3"/>
       </a:folHlink>
     </a:clrScheme>
-    <a:fontScheme name="Berlin">
+    <a:fontScheme name="Droplet">
       <a:majorFont>
-        <a:latin typeface="Trebuchet MS" panose="020B0603020202020204"/>
+        <a:latin typeface="Tw Cen MT" panose="020B0602020104020603"/>
         <a:ea typeface=""/>
         <a:cs typeface=""/>
         <a:font script="Jpan" typeface="ＭＳ Ｐゴシック"/>
@@ -10980,7 +9243,7 @@
         <a:font script="Geor" typeface="Sylfaen"/>
       </a:majorFont>
       <a:minorFont>
-        <a:latin typeface="Trebuchet MS" panose="020B0603020202020204"/>
+        <a:latin typeface="Tw Cen MT" panose="020B0602020104020603"/>
         <a:ea typeface=""/>
         <a:cs typeface=""/>
         <a:font script="Jpan" typeface="ＭＳ Ｐゴシック"/>
@@ -11015,51 +9278,40 @@
         <a:font script="Geor" typeface="Sylfaen"/>
       </a:minorFont>
     </a:fontScheme>
-    <a:fmtScheme name="Berlin">
+    <a:fmtScheme name="Droplet">
       <a:fillStyleLst>
         <a:solidFill>
           <a:schemeClr val="phClr"/>
+        </a:solidFill>
+        <a:solidFill>
+          <a:schemeClr val="phClr">
+            <a:tint val="69000"/>
+            <a:satMod val="105000"/>
+            <a:lumMod val="110000"/>
+          </a:schemeClr>
         </a:solidFill>
         <a:gradFill rotWithShape="1">
           <a:gsLst>
             <a:gs pos="0">
               <a:schemeClr val="phClr">
-                <a:tint val="60000"/>
+                <a:tint val="94000"/>
                 <a:satMod val="100000"/>
-                <a:lumMod val="110000"/>
+                <a:lumMod val="108000"/>
               </a:schemeClr>
             </a:gs>
-            <a:gs pos="100000">
+            <a:gs pos="50000">
               <a:schemeClr val="phClr">
-                <a:tint val="70000"/>
+                <a:tint val="98000"/>
+                <a:shade val="100000"/>
                 <a:satMod val="100000"/>
                 <a:lumMod val="100000"/>
               </a:schemeClr>
             </a:gs>
-          </a:gsLst>
-          <a:lin ang="5400000" scaled="0"/>
-        </a:gradFill>
-        <a:gradFill rotWithShape="1">
-          <a:gsLst>
-            <a:gs pos="0">
-              <a:schemeClr val="phClr">
-                <a:tint val="94000"/>
-                <a:satMod val="103000"/>
-                <a:lumMod val="102000"/>
-              </a:schemeClr>
-            </a:gs>
-            <a:gs pos="50000">
-              <a:schemeClr val="phClr">
-                <a:shade val="100000"/>
-                <a:satMod val="110000"/>
-                <a:lumMod val="100000"/>
-              </a:schemeClr>
-            </a:gs>
             <a:gs pos="100000">
               <a:schemeClr val="phClr">
-                <a:shade val="78000"/>
+                <a:shade val="72000"/>
                 <a:satMod val="120000"/>
-                <a:lumMod val="99000"/>
+                <a:lumMod val="100000"/>
               </a:schemeClr>
             </a:gs>
           </a:gsLst>
@@ -11069,17 +9321,19 @@
       <a:lnStyleLst>
         <a:ln w="9525" cap="flat" cmpd="sng" algn="ctr">
           <a:solidFill>
-            <a:schemeClr val="phClr"/>
+            <a:schemeClr val="phClr">
+              <a:shade val="60000"/>
+            </a:schemeClr>
           </a:solidFill>
           <a:prstDash val="solid"/>
         </a:ln>
-        <a:ln w="12700" cap="flat" cmpd="sng" algn="ctr">
+        <a:ln w="15875" cap="flat" cmpd="sng" algn="ctr">
           <a:solidFill>
             <a:schemeClr val="phClr"/>
           </a:solidFill>
           <a:prstDash val="solid"/>
         </a:ln>
-        <a:ln w="19050" cap="flat" cmpd="sng" algn="ctr">
+        <a:ln w="22225" cap="flat" cmpd="sng" algn="ctr">
           <a:solidFill>
             <a:schemeClr val="phClr"/>
           </a:solidFill>
@@ -11091,57 +9345,76 @@
           <a:effectLst/>
         </a:effectStyle>
         <a:effectStyle>
-          <a:effectLst/>
+          <a:effectLst>
+            <a:outerShdw blurRad="50800" dist="25400" dir="5400000" rotWithShape="0">
+              <a:srgbClr val="000000">
+                <a:alpha val="28000"/>
+              </a:srgbClr>
+            </a:outerShdw>
+          </a:effectLst>
         </a:effectStyle>
         <a:effectStyle>
           <a:effectLst>
-            <a:outerShdw blurRad="57150" dist="19050" dir="5400000" algn="ctr" rotWithShape="0">
+            <a:outerShdw blurRad="63500" dist="25400" dir="5400000" algn="ctr" rotWithShape="0">
               <a:srgbClr val="000000">
-                <a:alpha val="63000"/>
+                <a:alpha val="69000"/>
               </a:srgbClr>
             </a:outerShdw>
           </a:effectLst>
+          <a:scene3d>
+            <a:camera prst="orthographicFront">
+              <a:rot lat="0" lon="0" rev="0"/>
+            </a:camera>
+            <a:lightRig rig="balanced" dir="t">
+              <a:rot lat="0" lon="0" rev="1200000"/>
+            </a:lightRig>
+          </a:scene3d>
+          <a:sp3d prstMaterial="plastic">
+            <a:bevelT w="25400" h="25400"/>
+          </a:sp3d>
         </a:effectStyle>
       </a:effectStyleLst>
       <a:bgFillStyleLst>
         <a:solidFill>
           <a:schemeClr val="phClr"/>
         </a:solidFill>
-        <a:solidFill>
-          <a:schemeClr val="phClr">
-            <a:tint val="95000"/>
-            <a:satMod val="170000"/>
-          </a:schemeClr>
-        </a:solidFill>
         <a:gradFill rotWithShape="1">
           <a:gsLst>
             <a:gs pos="0">
               <a:schemeClr val="phClr">
-                <a:tint val="96000"/>
-                <a:shade val="100000"/>
-                <a:hueMod val="270000"/>
-                <a:satMod val="200000"/>
-                <a:lumMod val="128000"/>
-              </a:schemeClr>
-            </a:gs>
-            <a:gs pos="50000">
-              <a:schemeClr val="phClr">
-                <a:shade val="100000"/>
-                <a:hueMod val="100000"/>
-                <a:satMod val="110000"/>
-                <a:lumMod val="130000"/>
+                <a:tint val="90000"/>
+                <a:lumMod val="110000"/>
               </a:schemeClr>
             </a:gs>
             <a:gs pos="100000">
               <a:schemeClr val="phClr">
-                <a:shade val="78000"/>
-                <a:hueMod val="44000"/>
-                <a:satMod val="200000"/>
-                <a:lumMod val="69000"/>
+                <a:shade val="64000"/>
+                <a:lumMod val="88000"/>
               </a:schemeClr>
             </a:gs>
           </a:gsLst>
-          <a:lin ang="2520000" scaled="0"/>
+          <a:lin ang="5400000" scaled="0"/>
+        </a:gradFill>
+        <a:gradFill rotWithShape="1">
+          <a:gsLst>
+            <a:gs pos="0">
+              <a:schemeClr val="phClr">
+                <a:tint val="84000"/>
+                <a:shade val="100000"/>
+                <a:hueMod val="130000"/>
+                <a:satMod val="150000"/>
+                <a:lumMod val="112000"/>
+              </a:schemeClr>
+            </a:gs>
+            <a:gs pos="100000">
+              <a:schemeClr val="phClr">
+                <a:shade val="92000"/>
+                <a:satMod val="140000"/>
+                <a:lumMod val="110000"/>
+              </a:schemeClr>
+            </a:gs>
+          </a:gsLst>
+          <a:lin ang="5400000" scaled="0"/>
         </a:gradFill>
       </a:bgFillStyleLst>
     </a:fmtScheme>
@@ -11150,7 +9423,7 @@
   <a:extraClrSchemeLst/>
   <a:extLst>
     <a:ext uri="{05A4C25C-085E-4340-85A3-A5531E510DB2}">
-      <thm15:themeFamily xmlns:thm15="http://schemas.microsoft.com/office/thememl/2012/main" name="Berlin" id="{7B5DBA9E-B069-418E-9360-A61BDD0615A4}" vid="{C0CBE056-4EF4-4D92-969E-947779DA7AAA}"/>
+      <thm15:themeFamily xmlns:thm15="http://schemas.microsoft.com/office/thememl/2012/main" name="Droplet" id="{8984A317-299A-4E50-B45D-BFC9EDE2337A}" vid="{A633B6A3-9E7F-4C10-9C98-2517A3134361}"/>
     </a:ext>
   </a:extLst>
 </a:theme>
